--- a/The Shapiro Delay.pptx
+++ b/The Shapiro Delay.pptx
@@ -4,10 +4,31 @@
   <p:sldMasterIdLst>
     <p:sldMasterId id="2147483648" r:id="rId4"/>
   </p:sldMasterIdLst>
+  <p:notesMasterIdLst>
+    <p:notesMasterId r:id="rId26"/>
+  </p:notesMasterIdLst>
   <p:sldIdLst>
-    <p:sldId id="256" r:id="rId5"/>
-    <p:sldId id="257" r:id="rId6"/>
-    <p:sldId id="258" r:id="rId7"/>
+    <p:sldId id="284" r:id="rId5"/>
+    <p:sldId id="282" r:id="rId6"/>
+    <p:sldId id="278" r:id="rId7"/>
+    <p:sldId id="290" r:id="rId8"/>
+    <p:sldId id="288" r:id="rId9"/>
+    <p:sldId id="286" r:id="rId10"/>
+    <p:sldId id="279" r:id="rId11"/>
+    <p:sldId id="280" r:id="rId12"/>
+    <p:sldId id="283" r:id="rId13"/>
+    <p:sldId id="264" r:id="rId14"/>
+    <p:sldId id="259" r:id="rId15"/>
+    <p:sldId id="273" r:id="rId16"/>
+    <p:sldId id="276" r:id="rId17"/>
+    <p:sldId id="287" r:id="rId18"/>
+    <p:sldId id="289" r:id="rId19"/>
+    <p:sldId id="277" r:id="rId20"/>
+    <p:sldId id="270" r:id="rId21"/>
+    <p:sldId id="274" r:id="rId22"/>
+    <p:sldId id="275" r:id="rId23"/>
+    <p:sldId id="272" r:id="rId24"/>
+    <p:sldId id="281" r:id="rId25"/>
   </p:sldIdLst>
   <p:sldSz cx="12192000" cy="6858000"/>
   <p:notesSz cx="6858000" cy="9144000"/>
@@ -106,7 +127,1669 @@
       </a:defRPr>
     </a:lvl9pPr>
   </p:defaultTextStyle>
+  <p:extLst>
+    <p:ext uri="{EFAFB233-063F-42B5-8137-9DF3F51BA10A}">
+      <p15:sldGuideLst xmlns:p15="http://schemas.microsoft.com/office/powerpoint/2012/main"/>
+    </p:ext>
+  </p:extLst>
 </p:presentation>
+</file>
+
+<file path=ppt/notesMasters/notesMaster1.xml><?xml version="1.0" encoding="utf-8"?>
+<p:notesMaster xmlns:a="http://schemas.openxmlformats.org/drawingml/2006/main" xmlns:r="http://schemas.openxmlformats.org/officeDocument/2006/relationships" xmlns:p="http://schemas.openxmlformats.org/presentationml/2006/main">
+  <p:cSld>
+    <p:bg>
+      <p:bgRef idx="1001">
+        <a:schemeClr val="bg1"/>
+      </p:bgRef>
+    </p:bg>
+    <p:spTree>
+      <p:nvGrpSpPr>
+        <p:cNvPr id="1" name=""/>
+        <p:cNvGrpSpPr/>
+        <p:nvPr/>
+      </p:nvGrpSpPr>
+      <p:grpSpPr>
+        <a:xfrm>
+          <a:off x="0" y="0"/>
+          <a:ext cx="0" cy="0"/>
+          <a:chOff x="0" y="0"/>
+          <a:chExt cx="0" cy="0"/>
+        </a:xfrm>
+      </p:grpSpPr>
+      <p:sp>
+        <p:nvSpPr>
+          <p:cNvPr id="2" name="Header Placeholder 1"/>
+          <p:cNvSpPr>
+            <a:spLocks noGrp="1"/>
+          </p:cNvSpPr>
+          <p:nvPr>
+            <p:ph type="hdr" sz="quarter"/>
+          </p:nvPr>
+        </p:nvSpPr>
+        <p:spPr>
+          <a:xfrm>
+            <a:off x="0" y="0"/>
+            <a:ext cx="2971800" cy="458788"/>
+          </a:xfrm>
+          <a:prstGeom prst="rect">
+            <a:avLst/>
+          </a:prstGeom>
+        </p:spPr>
+        <p:txBody>
+          <a:bodyPr vert="horz" lIns="91440" tIns="45720" rIns="91440" bIns="45720" rtlCol="0"/>
+          <a:lstStyle>
+            <a:lvl1pPr algn="l">
+              <a:defRPr sz="1200"/>
+            </a:lvl1pPr>
+          </a:lstStyle>
+          <a:p>
+            <a:endParaRPr lang="en-GB"/>
+          </a:p>
+        </p:txBody>
+      </p:sp>
+      <p:sp>
+        <p:nvSpPr>
+          <p:cNvPr id="3" name="Date Placeholder 2"/>
+          <p:cNvSpPr>
+            <a:spLocks noGrp="1"/>
+          </p:cNvSpPr>
+          <p:nvPr>
+            <p:ph type="dt" idx="1"/>
+          </p:nvPr>
+        </p:nvSpPr>
+        <p:spPr>
+          <a:xfrm>
+            <a:off x="3884613" y="0"/>
+            <a:ext cx="2971800" cy="458788"/>
+          </a:xfrm>
+          <a:prstGeom prst="rect">
+            <a:avLst/>
+          </a:prstGeom>
+        </p:spPr>
+        <p:txBody>
+          <a:bodyPr vert="horz" lIns="91440" tIns="45720" rIns="91440" bIns="45720" rtlCol="0"/>
+          <a:lstStyle>
+            <a:lvl1pPr algn="r">
+              <a:defRPr sz="1200"/>
+            </a:lvl1pPr>
+          </a:lstStyle>
+          <a:p>
+            <a:fld id="{463C3F3F-D8C2-4E42-87E0-44DD2F4E2BB9}" type="datetimeFigureOut">
+              <a:rPr lang="en-GB" smtClean="0"/>
+              <a:t>23/03/2022</a:t>
+            </a:fld>
+            <a:endParaRPr lang="en-GB"/>
+          </a:p>
+        </p:txBody>
+      </p:sp>
+      <p:sp>
+        <p:nvSpPr>
+          <p:cNvPr id="4" name="Slide Image Placeholder 3"/>
+          <p:cNvSpPr>
+            <a:spLocks noGrp="1" noRot="1" noChangeAspect="1"/>
+          </p:cNvSpPr>
+          <p:nvPr>
+            <p:ph type="sldImg" idx="2"/>
+          </p:nvPr>
+        </p:nvSpPr>
+        <p:spPr>
+          <a:xfrm>
+            <a:off x="685800" y="1143000"/>
+            <a:ext cx="5486400" cy="3086100"/>
+          </a:xfrm>
+          <a:prstGeom prst="rect">
+            <a:avLst/>
+          </a:prstGeom>
+          <a:noFill/>
+          <a:ln w="12700">
+            <a:solidFill>
+              <a:prstClr val="black"/>
+            </a:solidFill>
+          </a:ln>
+        </p:spPr>
+        <p:txBody>
+          <a:bodyPr vert="horz" lIns="91440" tIns="45720" rIns="91440" bIns="45720" rtlCol="0" anchor="ctr"/>
+          <a:lstStyle/>
+          <a:p>
+            <a:endParaRPr lang="en-GB"/>
+          </a:p>
+        </p:txBody>
+      </p:sp>
+      <p:sp>
+        <p:nvSpPr>
+          <p:cNvPr id="5" name="Notes Placeholder 4"/>
+          <p:cNvSpPr>
+            <a:spLocks noGrp="1"/>
+          </p:cNvSpPr>
+          <p:nvPr>
+            <p:ph type="body" sz="quarter" idx="3"/>
+          </p:nvPr>
+        </p:nvSpPr>
+        <p:spPr>
+          <a:xfrm>
+            <a:off x="685800" y="4400550"/>
+            <a:ext cx="5486400" cy="3600450"/>
+          </a:xfrm>
+          <a:prstGeom prst="rect">
+            <a:avLst/>
+          </a:prstGeom>
+        </p:spPr>
+        <p:txBody>
+          <a:bodyPr vert="horz" lIns="91440" tIns="45720" rIns="91440" bIns="45720" rtlCol="0"/>
+          <a:lstStyle/>
+          <a:p>
+            <a:pPr lvl="0"/>
+            <a:r>
+              <a:rPr lang="en-US"/>
+              <a:t>Click to edit Master text styles</a:t>
+            </a:r>
+          </a:p>
+          <a:p>
+            <a:pPr lvl="1"/>
+            <a:r>
+              <a:rPr lang="en-US"/>
+              <a:t>Second level</a:t>
+            </a:r>
+          </a:p>
+          <a:p>
+            <a:pPr lvl="2"/>
+            <a:r>
+              <a:rPr lang="en-US"/>
+              <a:t>Third level</a:t>
+            </a:r>
+          </a:p>
+          <a:p>
+            <a:pPr lvl="3"/>
+            <a:r>
+              <a:rPr lang="en-US"/>
+              <a:t>Fourth level</a:t>
+            </a:r>
+          </a:p>
+          <a:p>
+            <a:pPr lvl="4"/>
+            <a:r>
+              <a:rPr lang="en-US"/>
+              <a:t>Fifth level</a:t>
+            </a:r>
+            <a:endParaRPr lang="en-GB"/>
+          </a:p>
+        </p:txBody>
+      </p:sp>
+      <p:sp>
+        <p:nvSpPr>
+          <p:cNvPr id="6" name="Footer Placeholder 5"/>
+          <p:cNvSpPr>
+            <a:spLocks noGrp="1"/>
+          </p:cNvSpPr>
+          <p:nvPr>
+            <p:ph type="ftr" sz="quarter" idx="4"/>
+          </p:nvPr>
+        </p:nvSpPr>
+        <p:spPr>
+          <a:xfrm>
+            <a:off x="0" y="8685213"/>
+            <a:ext cx="2971800" cy="458787"/>
+          </a:xfrm>
+          <a:prstGeom prst="rect">
+            <a:avLst/>
+          </a:prstGeom>
+        </p:spPr>
+        <p:txBody>
+          <a:bodyPr vert="horz" lIns="91440" tIns="45720" rIns="91440" bIns="45720" rtlCol="0" anchor="b"/>
+          <a:lstStyle>
+            <a:lvl1pPr algn="l">
+              <a:defRPr sz="1200"/>
+            </a:lvl1pPr>
+          </a:lstStyle>
+          <a:p>
+            <a:endParaRPr lang="en-GB"/>
+          </a:p>
+        </p:txBody>
+      </p:sp>
+      <p:sp>
+        <p:nvSpPr>
+          <p:cNvPr id="7" name="Slide Number Placeholder 6"/>
+          <p:cNvSpPr>
+            <a:spLocks noGrp="1"/>
+          </p:cNvSpPr>
+          <p:nvPr>
+            <p:ph type="sldNum" sz="quarter" idx="5"/>
+          </p:nvPr>
+        </p:nvSpPr>
+        <p:spPr>
+          <a:xfrm>
+            <a:off x="3884613" y="8685213"/>
+            <a:ext cx="2971800" cy="458787"/>
+          </a:xfrm>
+          <a:prstGeom prst="rect">
+            <a:avLst/>
+          </a:prstGeom>
+        </p:spPr>
+        <p:txBody>
+          <a:bodyPr vert="horz" lIns="91440" tIns="45720" rIns="91440" bIns="45720" rtlCol="0" anchor="b"/>
+          <a:lstStyle>
+            <a:lvl1pPr algn="r">
+              <a:defRPr sz="1200"/>
+            </a:lvl1pPr>
+          </a:lstStyle>
+          <a:p>
+            <a:fld id="{56B68599-4D83-4034-9F61-62DE31CFFF18}" type="slidenum">
+              <a:rPr lang="en-GB" smtClean="0"/>
+              <a:t>‹#›</a:t>
+            </a:fld>
+            <a:endParaRPr lang="en-GB"/>
+          </a:p>
+        </p:txBody>
+      </p:sp>
+    </p:spTree>
+    <p:extLst>
+      <p:ext uri="{BB962C8B-B14F-4D97-AF65-F5344CB8AC3E}">
+        <p14:creationId xmlns:p14="http://schemas.microsoft.com/office/powerpoint/2010/main" val="3758660983"/>
+      </p:ext>
+    </p:extLst>
+  </p:cSld>
+  <p:clrMap bg1="lt1" tx1="dk1" bg2="lt2" tx2="dk2" accent1="accent1" accent2="accent2" accent3="accent3" accent4="accent4" accent5="accent5" accent6="accent6" hlink="hlink" folHlink="folHlink"/>
+  <p:notesStyle>
+    <a:lvl1pPr marL="0" algn="l" defTabSz="914400" rtl="0" eaLnBrk="1" latinLnBrk="0" hangingPunct="1">
+      <a:defRPr sz="1200" kern="1200">
+        <a:solidFill>
+          <a:schemeClr val="tx1"/>
+        </a:solidFill>
+        <a:latin typeface="+mn-lt"/>
+        <a:ea typeface="+mn-ea"/>
+        <a:cs typeface="+mn-cs"/>
+      </a:defRPr>
+    </a:lvl1pPr>
+    <a:lvl2pPr marL="457200" algn="l" defTabSz="914400" rtl="0" eaLnBrk="1" latinLnBrk="0" hangingPunct="1">
+      <a:defRPr sz="1200" kern="1200">
+        <a:solidFill>
+          <a:schemeClr val="tx1"/>
+        </a:solidFill>
+        <a:latin typeface="+mn-lt"/>
+        <a:ea typeface="+mn-ea"/>
+        <a:cs typeface="+mn-cs"/>
+      </a:defRPr>
+    </a:lvl2pPr>
+    <a:lvl3pPr marL="914400" algn="l" defTabSz="914400" rtl="0" eaLnBrk="1" latinLnBrk="0" hangingPunct="1">
+      <a:defRPr sz="1200" kern="1200">
+        <a:solidFill>
+          <a:schemeClr val="tx1"/>
+        </a:solidFill>
+        <a:latin typeface="+mn-lt"/>
+        <a:ea typeface="+mn-ea"/>
+        <a:cs typeface="+mn-cs"/>
+      </a:defRPr>
+    </a:lvl3pPr>
+    <a:lvl4pPr marL="1371600" algn="l" defTabSz="914400" rtl="0" eaLnBrk="1" latinLnBrk="0" hangingPunct="1">
+      <a:defRPr sz="1200" kern="1200">
+        <a:solidFill>
+          <a:schemeClr val="tx1"/>
+        </a:solidFill>
+        <a:latin typeface="+mn-lt"/>
+        <a:ea typeface="+mn-ea"/>
+        <a:cs typeface="+mn-cs"/>
+      </a:defRPr>
+    </a:lvl4pPr>
+    <a:lvl5pPr marL="1828800" algn="l" defTabSz="914400" rtl="0" eaLnBrk="1" latinLnBrk="0" hangingPunct="1">
+      <a:defRPr sz="1200" kern="1200">
+        <a:solidFill>
+          <a:schemeClr val="tx1"/>
+        </a:solidFill>
+        <a:latin typeface="+mn-lt"/>
+        <a:ea typeface="+mn-ea"/>
+        <a:cs typeface="+mn-cs"/>
+      </a:defRPr>
+    </a:lvl5pPr>
+    <a:lvl6pPr marL="2286000" algn="l" defTabSz="914400" rtl="0" eaLnBrk="1" latinLnBrk="0" hangingPunct="1">
+      <a:defRPr sz="1200" kern="1200">
+        <a:solidFill>
+          <a:schemeClr val="tx1"/>
+        </a:solidFill>
+        <a:latin typeface="+mn-lt"/>
+        <a:ea typeface="+mn-ea"/>
+        <a:cs typeface="+mn-cs"/>
+      </a:defRPr>
+    </a:lvl6pPr>
+    <a:lvl7pPr marL="2743200" algn="l" defTabSz="914400" rtl="0" eaLnBrk="1" latinLnBrk="0" hangingPunct="1">
+      <a:defRPr sz="1200" kern="1200">
+        <a:solidFill>
+          <a:schemeClr val="tx1"/>
+        </a:solidFill>
+        <a:latin typeface="+mn-lt"/>
+        <a:ea typeface="+mn-ea"/>
+        <a:cs typeface="+mn-cs"/>
+      </a:defRPr>
+    </a:lvl7pPr>
+    <a:lvl8pPr marL="3200400" algn="l" defTabSz="914400" rtl="0" eaLnBrk="1" latinLnBrk="0" hangingPunct="1">
+      <a:defRPr sz="1200" kern="1200">
+        <a:solidFill>
+          <a:schemeClr val="tx1"/>
+        </a:solidFill>
+        <a:latin typeface="+mn-lt"/>
+        <a:ea typeface="+mn-ea"/>
+        <a:cs typeface="+mn-cs"/>
+      </a:defRPr>
+    </a:lvl8pPr>
+    <a:lvl9pPr marL="3657600" algn="l" defTabSz="914400" rtl="0" eaLnBrk="1" latinLnBrk="0" hangingPunct="1">
+      <a:defRPr sz="1200" kern="1200">
+        <a:solidFill>
+          <a:schemeClr val="tx1"/>
+        </a:solidFill>
+        <a:latin typeface="+mn-lt"/>
+        <a:ea typeface="+mn-ea"/>
+        <a:cs typeface="+mn-cs"/>
+      </a:defRPr>
+    </a:lvl9pPr>
+  </p:notesStyle>
+</p:notesMaster>
+</file>
+
+<file path=ppt/notesSlides/notesSlide1.xml><?xml version="1.0" encoding="utf-8"?>
+<p:notes xmlns:a="http://schemas.openxmlformats.org/drawingml/2006/main" xmlns:r="http://schemas.openxmlformats.org/officeDocument/2006/relationships" xmlns:p="http://schemas.openxmlformats.org/presentationml/2006/main">
+  <p:cSld>
+    <p:spTree>
+      <p:nvGrpSpPr>
+        <p:cNvPr id="1" name=""/>
+        <p:cNvGrpSpPr/>
+        <p:nvPr/>
+      </p:nvGrpSpPr>
+      <p:grpSpPr>
+        <a:xfrm>
+          <a:off x="0" y="0"/>
+          <a:ext cx="0" cy="0"/>
+          <a:chOff x="0" y="0"/>
+          <a:chExt cx="0" cy="0"/>
+        </a:xfrm>
+      </p:grpSpPr>
+      <p:sp>
+        <p:nvSpPr>
+          <p:cNvPr id="2" name="Slide Image Placeholder 1"/>
+          <p:cNvSpPr>
+            <a:spLocks noGrp="1" noRot="1" noChangeAspect="1"/>
+          </p:cNvSpPr>
+          <p:nvPr>
+            <p:ph type="sldImg"/>
+          </p:nvPr>
+        </p:nvSpPr>
+        <p:spPr/>
+      </p:sp>
+      <p:sp>
+        <p:nvSpPr>
+          <p:cNvPr id="3" name="Notes Placeholder 2"/>
+          <p:cNvSpPr>
+            <a:spLocks noGrp="1"/>
+          </p:cNvSpPr>
+          <p:nvPr>
+            <p:ph type="body" idx="1"/>
+          </p:nvPr>
+        </p:nvSpPr>
+        <p:spPr/>
+        <p:txBody>
+          <a:bodyPr/>
+          <a:lstStyle/>
+          <a:p>
+            <a:endParaRPr lang="en-GB" dirty="0"/>
+          </a:p>
+        </p:txBody>
+      </p:sp>
+      <p:sp>
+        <p:nvSpPr>
+          <p:cNvPr id="4" name="Slide Number Placeholder 3"/>
+          <p:cNvSpPr>
+            <a:spLocks noGrp="1"/>
+          </p:cNvSpPr>
+          <p:nvPr>
+            <p:ph type="sldNum" sz="quarter" idx="5"/>
+          </p:nvPr>
+        </p:nvSpPr>
+        <p:spPr/>
+        <p:txBody>
+          <a:bodyPr/>
+          <a:lstStyle/>
+          <a:p>
+            <a:fld id="{56B68599-4D83-4034-9F61-62DE31CFFF18}" type="slidenum">
+              <a:rPr lang="en-GB" smtClean="0"/>
+              <a:t>3</a:t>
+            </a:fld>
+            <a:endParaRPr lang="en-GB"/>
+          </a:p>
+        </p:txBody>
+      </p:sp>
+    </p:spTree>
+    <p:extLst>
+      <p:ext uri="{BB962C8B-B14F-4D97-AF65-F5344CB8AC3E}">
+        <p14:creationId xmlns:p14="http://schemas.microsoft.com/office/powerpoint/2010/main" val="3150740347"/>
+      </p:ext>
+    </p:extLst>
+  </p:cSld>
+  <p:clrMapOvr>
+    <a:masterClrMapping/>
+  </p:clrMapOvr>
+</p:notes>
+</file>
+
+<file path=ppt/notesSlides/notesSlide10.xml><?xml version="1.0" encoding="utf-8"?>
+<p:notes xmlns:a="http://schemas.openxmlformats.org/drawingml/2006/main" xmlns:r="http://schemas.openxmlformats.org/officeDocument/2006/relationships" xmlns:p="http://schemas.openxmlformats.org/presentationml/2006/main">
+  <p:cSld>
+    <p:spTree>
+      <p:nvGrpSpPr>
+        <p:cNvPr id="1" name=""/>
+        <p:cNvGrpSpPr/>
+        <p:nvPr/>
+      </p:nvGrpSpPr>
+      <p:grpSpPr>
+        <a:xfrm>
+          <a:off x="0" y="0"/>
+          <a:ext cx="0" cy="0"/>
+          <a:chOff x="0" y="0"/>
+          <a:chExt cx="0" cy="0"/>
+        </a:xfrm>
+      </p:grpSpPr>
+      <p:sp>
+        <p:nvSpPr>
+          <p:cNvPr id="2" name="Slide Image Placeholder 1"/>
+          <p:cNvSpPr>
+            <a:spLocks noGrp="1" noRot="1" noChangeAspect="1"/>
+          </p:cNvSpPr>
+          <p:nvPr>
+            <p:ph type="sldImg"/>
+          </p:nvPr>
+        </p:nvSpPr>
+        <p:spPr/>
+      </p:sp>
+      <p:sp>
+        <p:nvSpPr>
+          <p:cNvPr id="3" name="Notes Placeholder 2"/>
+          <p:cNvSpPr>
+            <a:spLocks noGrp="1"/>
+          </p:cNvSpPr>
+          <p:nvPr>
+            <p:ph type="body" idx="1"/>
+          </p:nvPr>
+        </p:nvSpPr>
+        <p:spPr/>
+        <p:txBody>
+          <a:bodyPr/>
+          <a:lstStyle/>
+          <a:p>
+            <a:r>
+              <a:rPr lang="en-GB" dirty="0"/>
+              <a:t>Spin shows it’s a millisecond pulsar</a:t>
+            </a:r>
+          </a:p>
+          <a:p>
+            <a:endParaRPr lang="en-GB" dirty="0"/>
+          </a:p>
+          <a:p>
+            <a:r>
+              <a:rPr lang="en-GB" dirty="0"/>
+              <a:t>Highest mass neutron star measured to date</a:t>
+            </a:r>
+          </a:p>
+        </p:txBody>
+      </p:sp>
+      <p:sp>
+        <p:nvSpPr>
+          <p:cNvPr id="4" name="Slide Number Placeholder 3"/>
+          <p:cNvSpPr>
+            <a:spLocks noGrp="1"/>
+          </p:cNvSpPr>
+          <p:nvPr>
+            <p:ph type="sldNum" sz="quarter" idx="5"/>
+          </p:nvPr>
+        </p:nvSpPr>
+        <p:spPr/>
+        <p:txBody>
+          <a:bodyPr/>
+          <a:lstStyle/>
+          <a:p>
+            <a:fld id="{56B68599-4D83-4034-9F61-62DE31CFFF18}" type="slidenum">
+              <a:rPr lang="en-GB" smtClean="0"/>
+              <a:t>20</a:t>
+            </a:fld>
+            <a:endParaRPr lang="en-GB"/>
+          </a:p>
+        </p:txBody>
+      </p:sp>
+    </p:spTree>
+    <p:extLst>
+      <p:ext uri="{BB962C8B-B14F-4D97-AF65-F5344CB8AC3E}">
+        <p14:creationId xmlns:p14="http://schemas.microsoft.com/office/powerpoint/2010/main" val="907120293"/>
+      </p:ext>
+    </p:extLst>
+  </p:cSld>
+  <p:clrMapOvr>
+    <a:masterClrMapping/>
+  </p:clrMapOvr>
+</p:notes>
+</file>
+
+<file path=ppt/notesSlides/notesSlide2.xml><?xml version="1.0" encoding="utf-8"?>
+<p:notes xmlns:a="http://schemas.openxmlformats.org/drawingml/2006/main" xmlns:r="http://schemas.openxmlformats.org/officeDocument/2006/relationships" xmlns:p="http://schemas.openxmlformats.org/presentationml/2006/main">
+  <p:cSld>
+    <p:spTree>
+      <p:nvGrpSpPr>
+        <p:cNvPr id="1" name=""/>
+        <p:cNvGrpSpPr/>
+        <p:nvPr/>
+      </p:nvGrpSpPr>
+      <p:grpSpPr>
+        <a:xfrm>
+          <a:off x="0" y="0"/>
+          <a:ext cx="0" cy="0"/>
+          <a:chOff x="0" y="0"/>
+          <a:chExt cx="0" cy="0"/>
+        </a:xfrm>
+      </p:grpSpPr>
+      <p:sp>
+        <p:nvSpPr>
+          <p:cNvPr id="2" name="Slide Image Placeholder 1"/>
+          <p:cNvSpPr>
+            <a:spLocks noGrp="1" noRot="1" noChangeAspect="1"/>
+          </p:cNvSpPr>
+          <p:nvPr>
+            <p:ph type="sldImg"/>
+          </p:nvPr>
+        </p:nvSpPr>
+        <p:spPr/>
+      </p:sp>
+      <p:sp>
+        <p:nvSpPr>
+          <p:cNvPr id="3" name="Notes Placeholder 2"/>
+          <p:cNvSpPr>
+            <a:spLocks noGrp="1"/>
+          </p:cNvSpPr>
+          <p:nvPr>
+            <p:ph type="body" idx="1"/>
+          </p:nvPr>
+        </p:nvSpPr>
+        <p:spPr/>
+        <p:txBody>
+          <a:bodyPr/>
+          <a:lstStyle/>
+          <a:p>
+            <a:endParaRPr lang="en-GB" dirty="0"/>
+          </a:p>
+        </p:txBody>
+      </p:sp>
+      <p:sp>
+        <p:nvSpPr>
+          <p:cNvPr id="4" name="Slide Number Placeholder 3"/>
+          <p:cNvSpPr>
+            <a:spLocks noGrp="1"/>
+          </p:cNvSpPr>
+          <p:nvPr>
+            <p:ph type="sldNum" sz="quarter" idx="5"/>
+          </p:nvPr>
+        </p:nvSpPr>
+        <p:spPr/>
+        <p:txBody>
+          <a:bodyPr/>
+          <a:lstStyle/>
+          <a:p>
+            <a:fld id="{56B68599-4D83-4034-9F61-62DE31CFFF18}" type="slidenum">
+              <a:rPr lang="en-GB" smtClean="0"/>
+              <a:t>4</a:t>
+            </a:fld>
+            <a:endParaRPr lang="en-GB"/>
+          </a:p>
+        </p:txBody>
+      </p:sp>
+    </p:spTree>
+    <p:extLst>
+      <p:ext uri="{BB962C8B-B14F-4D97-AF65-F5344CB8AC3E}">
+        <p14:creationId xmlns:p14="http://schemas.microsoft.com/office/powerpoint/2010/main" val="3926179652"/>
+      </p:ext>
+    </p:extLst>
+  </p:cSld>
+  <p:clrMapOvr>
+    <a:masterClrMapping/>
+  </p:clrMapOvr>
+</p:notes>
+</file>
+
+<file path=ppt/notesSlides/notesSlide3.xml><?xml version="1.0" encoding="utf-8"?>
+<p:notes xmlns:a="http://schemas.openxmlformats.org/drawingml/2006/main" xmlns:r="http://schemas.openxmlformats.org/officeDocument/2006/relationships" xmlns:p="http://schemas.openxmlformats.org/presentationml/2006/main">
+  <p:cSld>
+    <p:spTree>
+      <p:nvGrpSpPr>
+        <p:cNvPr id="1" name=""/>
+        <p:cNvGrpSpPr/>
+        <p:nvPr/>
+      </p:nvGrpSpPr>
+      <p:grpSpPr>
+        <a:xfrm>
+          <a:off x="0" y="0"/>
+          <a:ext cx="0" cy="0"/>
+          <a:chOff x="0" y="0"/>
+          <a:chExt cx="0" cy="0"/>
+        </a:xfrm>
+      </p:grpSpPr>
+      <p:sp>
+        <p:nvSpPr>
+          <p:cNvPr id="2" name="Slide Image Placeholder 1"/>
+          <p:cNvSpPr>
+            <a:spLocks noGrp="1" noRot="1" noChangeAspect="1"/>
+          </p:cNvSpPr>
+          <p:nvPr>
+            <p:ph type="sldImg"/>
+          </p:nvPr>
+        </p:nvSpPr>
+        <p:spPr/>
+      </p:sp>
+      <p:sp>
+        <p:nvSpPr>
+          <p:cNvPr id="3" name="Notes Placeholder 2"/>
+          <p:cNvSpPr>
+            <a:spLocks noGrp="1"/>
+          </p:cNvSpPr>
+          <p:nvPr>
+            <p:ph type="body" idx="1"/>
+          </p:nvPr>
+        </p:nvSpPr>
+        <p:spPr/>
+        <p:txBody>
+          <a:bodyPr/>
+          <a:lstStyle/>
+          <a:p>
+            <a:r>
+              <a:rPr lang="en-GB" dirty="0"/>
+              <a:t>Owing both to pulsars’ extremely stable spin periods and also to the fact that our models track integer numbers of pulses, pulsar timing has yielded some of the most precise measurements in astrophysics.</a:t>
+            </a:r>
+          </a:p>
+          <a:p>
+            <a:endParaRPr lang="en-GB" dirty="0"/>
+          </a:p>
+          <a:p>
+            <a:r>
+              <a:rPr lang="en-GB" dirty="0"/>
+              <a:t>The description of pulsars as “clock-like” is perhaps overused — though for a good reason. </a:t>
+            </a:r>
+          </a:p>
+          <a:p>
+            <a:endParaRPr lang="en-GB" dirty="0"/>
+          </a:p>
+          <a:p>
+            <a:r>
+              <a:rPr lang="en-GB" dirty="0"/>
+              <a:t>The extremely slow spin-down of MSPs, for example, means that our timing measurements rival the precision of atomic clocks</a:t>
+            </a:r>
+          </a:p>
+        </p:txBody>
+      </p:sp>
+      <p:sp>
+        <p:nvSpPr>
+          <p:cNvPr id="4" name="Slide Number Placeholder 3"/>
+          <p:cNvSpPr>
+            <a:spLocks noGrp="1"/>
+          </p:cNvSpPr>
+          <p:nvPr>
+            <p:ph type="sldNum" sz="quarter" idx="5"/>
+          </p:nvPr>
+        </p:nvSpPr>
+        <p:spPr/>
+        <p:txBody>
+          <a:bodyPr/>
+          <a:lstStyle/>
+          <a:p>
+            <a:fld id="{56B68599-4D83-4034-9F61-62DE31CFFF18}" type="slidenum">
+              <a:rPr lang="en-GB" smtClean="0"/>
+              <a:t>6</a:t>
+            </a:fld>
+            <a:endParaRPr lang="en-GB"/>
+          </a:p>
+        </p:txBody>
+      </p:sp>
+    </p:spTree>
+    <p:extLst>
+      <p:ext uri="{BB962C8B-B14F-4D97-AF65-F5344CB8AC3E}">
+        <p14:creationId xmlns:p14="http://schemas.microsoft.com/office/powerpoint/2010/main" val="2662837810"/>
+      </p:ext>
+    </p:extLst>
+  </p:cSld>
+  <p:clrMapOvr>
+    <a:masterClrMapping/>
+  </p:clrMapOvr>
+</p:notes>
+</file>
+
+<file path=ppt/notesSlides/notesSlide4.xml><?xml version="1.0" encoding="utf-8"?>
+<p:notes xmlns:a="http://schemas.openxmlformats.org/drawingml/2006/main" xmlns:r="http://schemas.openxmlformats.org/officeDocument/2006/relationships" xmlns:p="http://schemas.openxmlformats.org/presentationml/2006/main">
+  <p:cSld>
+    <p:spTree>
+      <p:nvGrpSpPr>
+        <p:cNvPr id="1" name=""/>
+        <p:cNvGrpSpPr/>
+        <p:nvPr/>
+      </p:nvGrpSpPr>
+      <p:grpSpPr>
+        <a:xfrm>
+          <a:off x="0" y="0"/>
+          <a:ext cx="0" cy="0"/>
+          <a:chOff x="0" y="0"/>
+          <a:chExt cx="0" cy="0"/>
+        </a:xfrm>
+      </p:grpSpPr>
+      <p:sp>
+        <p:nvSpPr>
+          <p:cNvPr id="2" name="Slide Image Placeholder 1"/>
+          <p:cNvSpPr>
+            <a:spLocks noGrp="1" noRot="1" noChangeAspect="1"/>
+          </p:cNvSpPr>
+          <p:nvPr>
+            <p:ph type="sldImg"/>
+          </p:nvPr>
+        </p:nvSpPr>
+        <p:spPr/>
+      </p:sp>
+      <p:sp>
+        <p:nvSpPr>
+          <p:cNvPr id="3" name="Notes Placeholder 2"/>
+          <p:cNvSpPr>
+            <a:spLocks noGrp="1"/>
+          </p:cNvSpPr>
+          <p:nvPr>
+            <p:ph type="body" idx="1"/>
+          </p:nvPr>
+        </p:nvSpPr>
+        <p:spPr/>
+        <p:txBody>
+          <a:bodyPr/>
+          <a:lstStyle/>
+          <a:p>
+            <a:pPr algn="l"/>
+            <a:r>
+              <a:rPr lang="en-GB" dirty="0"/>
+              <a:t>REF1 - Fourth Test of General Relativity - </a:t>
+            </a:r>
+            <a:r>
+              <a:rPr lang="en-GB" b="0" i="0" dirty="0">
+                <a:solidFill>
+                  <a:srgbClr val="222222"/>
+                </a:solidFill>
+                <a:effectLst/>
+                <a:latin typeface="Helvetica Neue"/>
+              </a:rPr>
+              <a:t>https://doi.org/10.1103/PhysRevLett.13.789, </a:t>
+            </a:r>
+            <a:r>
+              <a:rPr lang="en-GB" sz="1800" b="0" i="0" u="none" strike="noStrike" baseline="0" dirty="0">
+                <a:solidFill>
+                  <a:srgbClr val="231F20"/>
+                </a:solidFill>
+                <a:latin typeface="AdvOT483a8203"/>
+              </a:rPr>
+              <a:t>I. I. Shapiro, Fourth Test of General Relativity, </a:t>
+            </a:r>
+            <a:r>
+              <a:rPr lang="en-GB" sz="1800" b="0" i="0" u="none" strike="noStrike" baseline="0" dirty="0">
+                <a:solidFill>
+                  <a:srgbClr val="2E3093"/>
+                </a:solidFill>
+                <a:latin typeface="AdvOT483a8203"/>
+              </a:rPr>
+              <a:t>Phys. Rev.</a:t>
+            </a:r>
+          </a:p>
+          <a:p>
+            <a:pPr algn="l"/>
+            <a:r>
+              <a:rPr lang="en-GB" sz="1800" b="0" i="0" u="none" strike="noStrike" baseline="0" dirty="0">
+                <a:solidFill>
+                  <a:srgbClr val="2E3093"/>
+                </a:solidFill>
+                <a:latin typeface="AdvOT483a8203"/>
+              </a:rPr>
+              <a:t>Lett. </a:t>
+            </a:r>
+            <a:r>
+              <a:rPr lang="en-GB" sz="1800" b="0" i="0" u="none" strike="noStrike" baseline="0" dirty="0">
+                <a:solidFill>
+                  <a:srgbClr val="2E3093"/>
+                </a:solidFill>
+                <a:latin typeface="AdvOT19ee2aa8.B"/>
+              </a:rPr>
+              <a:t>13</a:t>
+            </a:r>
+            <a:r>
+              <a:rPr lang="en-GB" sz="1800" b="0" i="0" u="none" strike="noStrike" baseline="0" dirty="0">
+                <a:solidFill>
+                  <a:srgbClr val="2E3093"/>
+                </a:solidFill>
+                <a:latin typeface="AdvOT483a8203"/>
+              </a:rPr>
+              <a:t>, 789 (1964)</a:t>
+            </a:r>
+            <a:r>
+              <a:rPr lang="en-GB" sz="1800" b="0" i="0" u="none" strike="noStrike" baseline="0" dirty="0">
+                <a:solidFill>
+                  <a:srgbClr val="231F20"/>
+                </a:solidFill>
+                <a:latin typeface="AdvOT483a8203"/>
+              </a:rPr>
+              <a:t>.</a:t>
+            </a:r>
+          </a:p>
+          <a:p>
+            <a:pPr algn="l"/>
+            <a:r>
+              <a:rPr lang="en-GB" sz="1800" b="0" i="0" u="none" strike="noStrike" baseline="0" dirty="0">
+                <a:solidFill>
+                  <a:srgbClr val="231F20"/>
+                </a:solidFill>
+                <a:latin typeface="AdvOT483a8203"/>
+              </a:rPr>
+              <a:t>REF2 – Sakai, Satoru (2011) </a:t>
+            </a:r>
+            <a:r>
+              <a:rPr lang="en-GB" sz="1800" b="0" i="1" u="none" strike="noStrike" baseline="0" dirty="0">
+                <a:solidFill>
+                  <a:srgbClr val="231F20"/>
+                </a:solidFill>
+                <a:latin typeface="AdvOT483a8203"/>
+              </a:rPr>
+              <a:t>The effect of Shapiro delay on pulsar timing</a:t>
+            </a:r>
+            <a:r>
+              <a:rPr lang="en-GB" sz="1800" b="0" i="0" u="none" strike="noStrike" baseline="0" dirty="0">
+                <a:solidFill>
+                  <a:srgbClr val="231F20"/>
+                </a:solidFill>
+                <a:latin typeface="AdvOT483a8203"/>
+              </a:rPr>
+              <a:t> PhD thesis</a:t>
+            </a:r>
+          </a:p>
+          <a:p>
+            <a:pPr algn="l"/>
+            <a:endParaRPr lang="en-GB" dirty="0"/>
+          </a:p>
+        </p:txBody>
+      </p:sp>
+      <p:sp>
+        <p:nvSpPr>
+          <p:cNvPr id="4" name="Slide Number Placeholder 3"/>
+          <p:cNvSpPr>
+            <a:spLocks noGrp="1"/>
+          </p:cNvSpPr>
+          <p:nvPr>
+            <p:ph type="sldNum" sz="quarter" idx="5"/>
+          </p:nvPr>
+        </p:nvSpPr>
+        <p:spPr/>
+        <p:txBody>
+          <a:bodyPr/>
+          <a:lstStyle/>
+          <a:p>
+            <a:fld id="{56B68599-4D83-4034-9F61-62DE31CFFF18}" type="slidenum">
+              <a:rPr lang="en-GB" smtClean="0"/>
+              <a:t>8</a:t>
+            </a:fld>
+            <a:endParaRPr lang="en-GB"/>
+          </a:p>
+        </p:txBody>
+      </p:sp>
+    </p:spTree>
+    <p:extLst>
+      <p:ext uri="{BB962C8B-B14F-4D97-AF65-F5344CB8AC3E}">
+        <p14:creationId xmlns:p14="http://schemas.microsoft.com/office/powerpoint/2010/main" val="3482139463"/>
+      </p:ext>
+    </p:extLst>
+  </p:cSld>
+  <p:clrMapOvr>
+    <a:masterClrMapping/>
+  </p:clrMapOvr>
+</p:notes>
+</file>
+
+<file path=ppt/notesSlides/notesSlide5.xml><?xml version="1.0" encoding="utf-8"?>
+<p:notes xmlns:a="http://schemas.openxmlformats.org/drawingml/2006/main" xmlns:r="http://schemas.openxmlformats.org/officeDocument/2006/relationships" xmlns:p="http://schemas.openxmlformats.org/presentationml/2006/main">
+  <p:cSld>
+    <p:spTree>
+      <p:nvGrpSpPr>
+        <p:cNvPr id="1" name=""/>
+        <p:cNvGrpSpPr/>
+        <p:nvPr/>
+      </p:nvGrpSpPr>
+      <p:grpSpPr>
+        <a:xfrm>
+          <a:off x="0" y="0"/>
+          <a:ext cx="0" cy="0"/>
+          <a:chOff x="0" y="0"/>
+          <a:chExt cx="0" cy="0"/>
+        </a:xfrm>
+      </p:grpSpPr>
+      <p:sp>
+        <p:nvSpPr>
+          <p:cNvPr id="2" name="Slide Image Placeholder 1"/>
+          <p:cNvSpPr>
+            <a:spLocks noGrp="1" noRot="1" noChangeAspect="1"/>
+          </p:cNvSpPr>
+          <p:nvPr>
+            <p:ph type="sldImg"/>
+          </p:nvPr>
+        </p:nvSpPr>
+        <p:spPr/>
+      </p:sp>
+      <p:sp>
+        <p:nvSpPr>
+          <p:cNvPr id="3" name="Notes Placeholder 2"/>
+          <p:cNvSpPr>
+            <a:spLocks noGrp="1"/>
+          </p:cNvSpPr>
+          <p:nvPr>
+            <p:ph type="body" idx="1"/>
+          </p:nvPr>
+        </p:nvSpPr>
+        <p:spPr/>
+        <p:txBody>
+          <a:bodyPr/>
+          <a:lstStyle/>
+          <a:p>
+            <a:r>
+              <a:rPr lang="en-GB" dirty="0"/>
+              <a:t>This basic version of the equation ignores the lens and retardation correction terms</a:t>
+            </a:r>
+          </a:p>
+          <a:p>
+            <a:pPr algn="l"/>
+            <a:r>
+              <a:rPr lang="en-GB" dirty="0"/>
+              <a:t>Strong-Field Gravity Tests with the Double Pulsar, </a:t>
+            </a:r>
+            <a:r>
+              <a:rPr lang="da-DK" b="0" i="0" dirty="0">
+                <a:solidFill>
+                  <a:srgbClr val="555555"/>
+                </a:solidFill>
+                <a:effectLst/>
+                <a:latin typeface="Proxima Nova"/>
+              </a:rPr>
+              <a:t>M. Kramer </a:t>
+            </a:r>
+            <a:r>
+              <a:rPr lang="da-DK" b="0" i="1" dirty="0">
+                <a:solidFill>
+                  <a:srgbClr val="555555"/>
+                </a:solidFill>
+                <a:effectLst/>
+                <a:latin typeface="Proxima Nova"/>
+              </a:rPr>
+              <a:t>et al.</a:t>
+            </a:r>
+            <a:endParaRPr lang="da-DK" b="0" i="0" dirty="0">
+              <a:solidFill>
+                <a:srgbClr val="555555"/>
+              </a:solidFill>
+              <a:effectLst/>
+              <a:latin typeface="Proxima Nova"/>
+            </a:endParaRPr>
+          </a:p>
+          <a:p>
+            <a:pPr algn="l"/>
+            <a:r>
+              <a:rPr lang="da-DK" b="0" i="0" dirty="0">
+                <a:solidFill>
+                  <a:srgbClr val="555555"/>
+                </a:solidFill>
+                <a:effectLst/>
+                <a:latin typeface="Proxima Nova"/>
+              </a:rPr>
+              <a:t>Phys. Rev. X </a:t>
+            </a:r>
+            <a:r>
+              <a:rPr lang="da-DK" b="1" i="0" dirty="0">
+                <a:solidFill>
+                  <a:srgbClr val="555555"/>
+                </a:solidFill>
+                <a:effectLst/>
+                <a:latin typeface="Proxima Nova"/>
+              </a:rPr>
+              <a:t>11</a:t>
+            </a:r>
+            <a:r>
+              <a:rPr lang="da-DK" b="0" i="0" dirty="0">
+                <a:solidFill>
+                  <a:srgbClr val="555555"/>
+                </a:solidFill>
+                <a:effectLst/>
+                <a:latin typeface="Proxima Nova"/>
+              </a:rPr>
+              <a:t>, 041050 – Published 13 December 2021, </a:t>
+            </a:r>
+            <a:r>
+              <a:rPr lang="en-GB" b="0" i="0" dirty="0" err="1">
+                <a:solidFill>
+                  <a:srgbClr val="222222"/>
+                </a:solidFill>
+                <a:effectLst/>
+                <a:latin typeface="Helvetica Neue"/>
+              </a:rPr>
+              <a:t>DOI:https</a:t>
+            </a:r>
+            <a:r>
+              <a:rPr lang="en-GB" b="0" i="0" dirty="0">
+                <a:solidFill>
+                  <a:srgbClr val="222222"/>
+                </a:solidFill>
+                <a:effectLst/>
+                <a:latin typeface="Helvetica Neue"/>
+              </a:rPr>
+              <a:t>://doi.org/10.1103/PhysRevX.11.041050</a:t>
+            </a:r>
+            <a:endParaRPr lang="da-DK" b="0" i="0" dirty="0">
+              <a:solidFill>
+                <a:srgbClr val="555555"/>
+              </a:solidFill>
+              <a:effectLst/>
+              <a:latin typeface="Proxima Nova"/>
+            </a:endParaRPr>
+          </a:p>
+          <a:p>
+            <a:endParaRPr lang="en-GB" dirty="0"/>
+          </a:p>
+        </p:txBody>
+      </p:sp>
+      <p:sp>
+        <p:nvSpPr>
+          <p:cNvPr id="4" name="Slide Number Placeholder 3"/>
+          <p:cNvSpPr>
+            <a:spLocks noGrp="1"/>
+          </p:cNvSpPr>
+          <p:nvPr>
+            <p:ph type="sldNum" sz="quarter" idx="5"/>
+          </p:nvPr>
+        </p:nvSpPr>
+        <p:spPr/>
+        <p:txBody>
+          <a:bodyPr/>
+          <a:lstStyle/>
+          <a:p>
+            <a:fld id="{56B68599-4D83-4034-9F61-62DE31CFFF18}" type="slidenum">
+              <a:rPr lang="en-GB" smtClean="0"/>
+              <a:t>12</a:t>
+            </a:fld>
+            <a:endParaRPr lang="en-GB"/>
+          </a:p>
+        </p:txBody>
+      </p:sp>
+    </p:spTree>
+    <p:extLst>
+      <p:ext uri="{BB962C8B-B14F-4D97-AF65-F5344CB8AC3E}">
+        <p14:creationId xmlns:p14="http://schemas.microsoft.com/office/powerpoint/2010/main" val="3047840875"/>
+      </p:ext>
+    </p:extLst>
+  </p:cSld>
+  <p:clrMapOvr>
+    <a:masterClrMapping/>
+  </p:clrMapOvr>
+</p:notes>
+</file>
+
+<file path=ppt/notesSlides/notesSlide6.xml><?xml version="1.0" encoding="utf-8"?>
+<p:notes xmlns:a="http://schemas.openxmlformats.org/drawingml/2006/main" xmlns:r="http://schemas.openxmlformats.org/officeDocument/2006/relationships" xmlns:p="http://schemas.openxmlformats.org/presentationml/2006/main">
+  <p:cSld>
+    <p:spTree>
+      <p:nvGrpSpPr>
+        <p:cNvPr id="1" name=""/>
+        <p:cNvGrpSpPr/>
+        <p:nvPr/>
+      </p:nvGrpSpPr>
+      <p:grpSpPr>
+        <a:xfrm>
+          <a:off x="0" y="0"/>
+          <a:ext cx="0" cy="0"/>
+          <a:chOff x="0" y="0"/>
+          <a:chExt cx="0" cy="0"/>
+        </a:xfrm>
+      </p:grpSpPr>
+      <p:sp>
+        <p:nvSpPr>
+          <p:cNvPr id="2" name="Slide Image Placeholder 1"/>
+          <p:cNvSpPr>
+            <a:spLocks noGrp="1" noRot="1" noChangeAspect="1"/>
+          </p:cNvSpPr>
+          <p:nvPr>
+            <p:ph type="sldImg"/>
+          </p:nvPr>
+        </p:nvSpPr>
+        <p:spPr/>
+      </p:sp>
+      <p:sp>
+        <p:nvSpPr>
+          <p:cNvPr id="3" name="Notes Placeholder 2"/>
+          <p:cNvSpPr>
+            <a:spLocks noGrp="1"/>
+          </p:cNvSpPr>
+          <p:nvPr>
+            <p:ph type="body" idx="1"/>
+          </p:nvPr>
+        </p:nvSpPr>
+        <p:spPr/>
+        <p:txBody>
+          <a:bodyPr/>
+          <a:lstStyle/>
+          <a:p>
+            <a:r>
+              <a:rPr lang="en-GB" dirty="0"/>
+              <a:t>First equation here considers only the Sun</a:t>
+            </a:r>
+          </a:p>
+        </p:txBody>
+      </p:sp>
+      <p:sp>
+        <p:nvSpPr>
+          <p:cNvPr id="4" name="Slide Number Placeholder 3"/>
+          <p:cNvSpPr>
+            <a:spLocks noGrp="1"/>
+          </p:cNvSpPr>
+          <p:nvPr>
+            <p:ph type="sldNum" sz="quarter" idx="5"/>
+          </p:nvPr>
+        </p:nvSpPr>
+        <p:spPr/>
+        <p:txBody>
+          <a:bodyPr/>
+          <a:lstStyle/>
+          <a:p>
+            <a:fld id="{56B68599-4D83-4034-9F61-62DE31CFFF18}" type="slidenum">
+              <a:rPr lang="en-GB" smtClean="0"/>
+              <a:t>13</a:t>
+            </a:fld>
+            <a:endParaRPr lang="en-GB"/>
+          </a:p>
+        </p:txBody>
+      </p:sp>
+    </p:spTree>
+    <p:extLst>
+      <p:ext uri="{BB962C8B-B14F-4D97-AF65-F5344CB8AC3E}">
+        <p14:creationId xmlns:p14="http://schemas.microsoft.com/office/powerpoint/2010/main" val="2719185301"/>
+      </p:ext>
+    </p:extLst>
+  </p:cSld>
+  <p:clrMapOvr>
+    <a:masterClrMapping/>
+  </p:clrMapOvr>
+</p:notes>
+</file>
+
+<file path=ppt/notesSlides/notesSlide7.xml><?xml version="1.0" encoding="utf-8"?>
+<p:notes xmlns:a="http://schemas.openxmlformats.org/drawingml/2006/main" xmlns:r="http://schemas.openxmlformats.org/officeDocument/2006/relationships" xmlns:p="http://schemas.openxmlformats.org/presentationml/2006/main">
+  <p:cSld>
+    <p:spTree>
+      <p:nvGrpSpPr>
+        <p:cNvPr id="1" name=""/>
+        <p:cNvGrpSpPr/>
+        <p:nvPr/>
+      </p:nvGrpSpPr>
+      <p:grpSpPr>
+        <a:xfrm>
+          <a:off x="0" y="0"/>
+          <a:ext cx="0" cy="0"/>
+          <a:chOff x="0" y="0"/>
+          <a:chExt cx="0" cy="0"/>
+        </a:xfrm>
+      </p:grpSpPr>
+      <p:sp>
+        <p:nvSpPr>
+          <p:cNvPr id="2" name="Slide Image Placeholder 1"/>
+          <p:cNvSpPr>
+            <a:spLocks noGrp="1" noRot="1" noChangeAspect="1"/>
+          </p:cNvSpPr>
+          <p:nvPr>
+            <p:ph type="sldImg"/>
+          </p:nvPr>
+        </p:nvSpPr>
+        <p:spPr/>
+      </p:sp>
+      <p:sp>
+        <p:nvSpPr>
+          <p:cNvPr id="3" name="Notes Placeholder 2"/>
+          <p:cNvSpPr>
+            <a:spLocks noGrp="1"/>
+          </p:cNvSpPr>
+          <p:nvPr>
+            <p:ph type="body" idx="1"/>
+          </p:nvPr>
+        </p:nvSpPr>
+        <p:spPr/>
+        <p:txBody>
+          <a:bodyPr/>
+          <a:lstStyle/>
+          <a:p>
+            <a:r>
+              <a:rPr lang="en-GB" dirty="0"/>
+              <a:t>This double pulsar binary gives great strong field tests for general relativity</a:t>
+            </a:r>
+          </a:p>
+        </p:txBody>
+      </p:sp>
+      <p:sp>
+        <p:nvSpPr>
+          <p:cNvPr id="4" name="Slide Number Placeholder 3"/>
+          <p:cNvSpPr>
+            <a:spLocks noGrp="1"/>
+          </p:cNvSpPr>
+          <p:nvPr>
+            <p:ph type="sldNum" sz="quarter" idx="5"/>
+          </p:nvPr>
+        </p:nvSpPr>
+        <p:spPr/>
+        <p:txBody>
+          <a:bodyPr/>
+          <a:lstStyle/>
+          <a:p>
+            <a:fld id="{56B68599-4D83-4034-9F61-62DE31CFFF18}" type="slidenum">
+              <a:rPr lang="en-GB" smtClean="0"/>
+              <a:t>17</a:t>
+            </a:fld>
+            <a:endParaRPr lang="en-GB"/>
+          </a:p>
+        </p:txBody>
+      </p:sp>
+    </p:spTree>
+    <p:extLst>
+      <p:ext uri="{BB962C8B-B14F-4D97-AF65-F5344CB8AC3E}">
+        <p14:creationId xmlns:p14="http://schemas.microsoft.com/office/powerpoint/2010/main" val="296865468"/>
+      </p:ext>
+    </p:extLst>
+  </p:cSld>
+  <p:clrMapOvr>
+    <a:masterClrMapping/>
+  </p:clrMapOvr>
+</p:notes>
+</file>
+
+<file path=ppt/notesSlides/notesSlide8.xml><?xml version="1.0" encoding="utf-8"?>
+<p:notes xmlns:a="http://schemas.openxmlformats.org/drawingml/2006/main" xmlns:r="http://schemas.openxmlformats.org/officeDocument/2006/relationships" xmlns:p="http://schemas.openxmlformats.org/presentationml/2006/main">
+  <p:cSld>
+    <p:spTree>
+      <p:nvGrpSpPr>
+        <p:cNvPr id="1" name=""/>
+        <p:cNvGrpSpPr/>
+        <p:nvPr/>
+      </p:nvGrpSpPr>
+      <p:grpSpPr>
+        <a:xfrm>
+          <a:off x="0" y="0"/>
+          <a:ext cx="0" cy="0"/>
+          <a:chOff x="0" y="0"/>
+          <a:chExt cx="0" cy="0"/>
+        </a:xfrm>
+      </p:grpSpPr>
+      <p:sp>
+        <p:nvSpPr>
+          <p:cNvPr id="2" name="Slide Image Placeholder 1"/>
+          <p:cNvSpPr>
+            <a:spLocks noGrp="1" noRot="1" noChangeAspect="1"/>
+          </p:cNvSpPr>
+          <p:nvPr>
+            <p:ph type="sldImg"/>
+          </p:nvPr>
+        </p:nvSpPr>
+        <p:spPr/>
+      </p:sp>
+      <p:sp>
+        <p:nvSpPr>
+          <p:cNvPr id="3" name="Notes Placeholder 2"/>
+          <p:cNvSpPr>
+            <a:spLocks noGrp="1"/>
+          </p:cNvSpPr>
+          <p:nvPr>
+            <p:ph type="body" idx="1"/>
+          </p:nvPr>
+        </p:nvSpPr>
+        <p:spPr/>
+        <p:txBody>
+          <a:bodyPr/>
+          <a:lstStyle/>
+          <a:p>
+            <a:pPr algn="l"/>
+            <a:r>
+              <a:rPr lang="en-GB" dirty="0"/>
+              <a:t>Strong-Field Gravity Tests with the Double Pulsar, </a:t>
+            </a:r>
+            <a:r>
+              <a:rPr lang="da-DK" b="0" i="0" dirty="0">
+                <a:solidFill>
+                  <a:srgbClr val="555555"/>
+                </a:solidFill>
+                <a:effectLst/>
+                <a:latin typeface="Proxima Nova"/>
+              </a:rPr>
+              <a:t>M. Kramer </a:t>
+            </a:r>
+            <a:r>
+              <a:rPr lang="da-DK" b="0" i="1" dirty="0">
+                <a:solidFill>
+                  <a:srgbClr val="555555"/>
+                </a:solidFill>
+                <a:effectLst/>
+                <a:latin typeface="Proxima Nova"/>
+              </a:rPr>
+              <a:t>et al.</a:t>
+            </a:r>
+            <a:endParaRPr lang="da-DK" b="0" i="0" dirty="0">
+              <a:solidFill>
+                <a:srgbClr val="555555"/>
+              </a:solidFill>
+              <a:effectLst/>
+              <a:latin typeface="Proxima Nova"/>
+            </a:endParaRPr>
+          </a:p>
+          <a:p>
+            <a:pPr algn="l"/>
+            <a:r>
+              <a:rPr lang="da-DK" b="0" i="0" dirty="0">
+                <a:solidFill>
+                  <a:srgbClr val="555555"/>
+                </a:solidFill>
+                <a:effectLst/>
+                <a:latin typeface="Proxima Nova"/>
+              </a:rPr>
+              <a:t>Phys. Rev. X </a:t>
+            </a:r>
+            <a:r>
+              <a:rPr lang="da-DK" b="1" i="0" dirty="0">
+                <a:solidFill>
+                  <a:srgbClr val="555555"/>
+                </a:solidFill>
+                <a:effectLst/>
+                <a:latin typeface="Proxima Nova"/>
+              </a:rPr>
+              <a:t>11</a:t>
+            </a:r>
+            <a:r>
+              <a:rPr lang="da-DK" b="0" i="0" dirty="0">
+                <a:solidFill>
+                  <a:srgbClr val="555555"/>
+                </a:solidFill>
+                <a:effectLst/>
+                <a:latin typeface="Proxima Nova"/>
+              </a:rPr>
+              <a:t>, 041050 – Published 13 December 2021, </a:t>
+            </a:r>
+            <a:r>
+              <a:rPr lang="en-GB" b="0" i="0" dirty="0" err="1">
+                <a:solidFill>
+                  <a:srgbClr val="222222"/>
+                </a:solidFill>
+                <a:effectLst/>
+                <a:latin typeface="Helvetica Neue"/>
+              </a:rPr>
+              <a:t>DOI:https</a:t>
+            </a:r>
+            <a:r>
+              <a:rPr lang="en-GB" b="0" i="0" dirty="0">
+                <a:solidFill>
+                  <a:srgbClr val="222222"/>
+                </a:solidFill>
+                <a:effectLst/>
+                <a:latin typeface="Helvetica Neue"/>
+              </a:rPr>
+              <a:t>://doi.org/10.1103/PhysRevX.11.041050</a:t>
+            </a:r>
+            <a:endParaRPr lang="da-DK" b="0" i="0" dirty="0">
+              <a:solidFill>
+                <a:srgbClr val="555555"/>
+              </a:solidFill>
+              <a:effectLst/>
+              <a:latin typeface="Proxima Nova"/>
+            </a:endParaRPr>
+          </a:p>
+          <a:p>
+            <a:pPr marL="0" marR="0" lvl="0" indent="0" algn="l" defTabSz="914400" rtl="0" eaLnBrk="1" fontAlgn="auto" latinLnBrk="0" hangingPunct="1">
+              <a:lnSpc>
+                <a:spcPct val="100000"/>
+              </a:lnSpc>
+              <a:spcBef>
+                <a:spcPts val="0"/>
+              </a:spcBef>
+              <a:spcAft>
+                <a:spcPts val="0"/>
+              </a:spcAft>
+              <a:buClrTx/>
+              <a:buSzTx/>
+              <a:buFontTx/>
+              <a:buNone/>
+              <a:tabLst/>
+              <a:defRPr/>
+            </a:pPr>
+            <a:r>
+              <a:rPr lang="da-DK" b="0" i="0" dirty="0">
+                <a:solidFill>
+                  <a:srgbClr val="555555"/>
+                </a:solidFill>
+                <a:effectLst/>
+                <a:latin typeface="Proxima Nova"/>
+              </a:rPr>
+              <a:t>Double Pulsar PSR J0737-3039A/B</a:t>
+            </a:r>
+          </a:p>
+          <a:p>
+            <a:endParaRPr lang="en-GB" dirty="0"/>
+          </a:p>
+        </p:txBody>
+      </p:sp>
+      <p:sp>
+        <p:nvSpPr>
+          <p:cNvPr id="4" name="Slide Number Placeholder 3"/>
+          <p:cNvSpPr>
+            <a:spLocks noGrp="1"/>
+          </p:cNvSpPr>
+          <p:nvPr>
+            <p:ph type="sldNum" sz="quarter" idx="5"/>
+          </p:nvPr>
+        </p:nvSpPr>
+        <p:spPr/>
+        <p:txBody>
+          <a:bodyPr/>
+          <a:lstStyle/>
+          <a:p>
+            <a:fld id="{56B68599-4D83-4034-9F61-62DE31CFFF18}" type="slidenum">
+              <a:rPr lang="en-GB" smtClean="0"/>
+              <a:t>18</a:t>
+            </a:fld>
+            <a:endParaRPr lang="en-GB"/>
+          </a:p>
+        </p:txBody>
+      </p:sp>
+    </p:spTree>
+    <p:extLst>
+      <p:ext uri="{BB962C8B-B14F-4D97-AF65-F5344CB8AC3E}">
+        <p14:creationId xmlns:p14="http://schemas.microsoft.com/office/powerpoint/2010/main" val="3211416762"/>
+      </p:ext>
+    </p:extLst>
+  </p:cSld>
+  <p:clrMapOvr>
+    <a:masterClrMapping/>
+  </p:clrMapOvr>
+</p:notes>
+</file>
+
+<file path=ppt/notesSlides/notesSlide9.xml><?xml version="1.0" encoding="utf-8"?>
+<p:notes xmlns:a="http://schemas.openxmlformats.org/drawingml/2006/main" xmlns:r="http://schemas.openxmlformats.org/officeDocument/2006/relationships" xmlns:p="http://schemas.openxmlformats.org/presentationml/2006/main">
+  <p:cSld>
+    <p:spTree>
+      <p:nvGrpSpPr>
+        <p:cNvPr id="1" name=""/>
+        <p:cNvGrpSpPr/>
+        <p:nvPr/>
+      </p:nvGrpSpPr>
+      <p:grpSpPr>
+        <a:xfrm>
+          <a:off x="0" y="0"/>
+          <a:ext cx="0" cy="0"/>
+          <a:chOff x="0" y="0"/>
+          <a:chExt cx="0" cy="0"/>
+        </a:xfrm>
+      </p:grpSpPr>
+      <p:sp>
+        <p:nvSpPr>
+          <p:cNvPr id="2" name="Slide Image Placeholder 1"/>
+          <p:cNvSpPr>
+            <a:spLocks noGrp="1" noRot="1" noChangeAspect="1"/>
+          </p:cNvSpPr>
+          <p:nvPr>
+            <p:ph type="sldImg"/>
+          </p:nvPr>
+        </p:nvSpPr>
+        <p:spPr/>
+      </p:sp>
+      <p:sp>
+        <p:nvSpPr>
+          <p:cNvPr id="3" name="Notes Placeholder 2"/>
+          <p:cNvSpPr>
+            <a:spLocks noGrp="1"/>
+          </p:cNvSpPr>
+          <p:nvPr>
+            <p:ph type="body" idx="1"/>
+          </p:nvPr>
+        </p:nvSpPr>
+        <p:spPr/>
+        <p:txBody>
+          <a:bodyPr/>
+          <a:lstStyle/>
+          <a:p>
+            <a:pPr algn="l"/>
+            <a:r>
+              <a:rPr lang="en-GB" dirty="0"/>
+              <a:t>Strong-Field Gravity Tests with the Double Pulsar, </a:t>
+            </a:r>
+            <a:r>
+              <a:rPr lang="da-DK" b="0" i="0" dirty="0">
+                <a:solidFill>
+                  <a:srgbClr val="555555"/>
+                </a:solidFill>
+                <a:effectLst/>
+                <a:latin typeface="Proxima Nova"/>
+              </a:rPr>
+              <a:t>M. Kramer </a:t>
+            </a:r>
+            <a:r>
+              <a:rPr lang="da-DK" b="0" i="1" dirty="0">
+                <a:solidFill>
+                  <a:srgbClr val="555555"/>
+                </a:solidFill>
+                <a:effectLst/>
+                <a:latin typeface="Proxima Nova"/>
+              </a:rPr>
+              <a:t>et al.</a:t>
+            </a:r>
+            <a:endParaRPr lang="da-DK" b="0" i="0" dirty="0">
+              <a:solidFill>
+                <a:srgbClr val="555555"/>
+              </a:solidFill>
+              <a:effectLst/>
+              <a:latin typeface="Proxima Nova"/>
+            </a:endParaRPr>
+          </a:p>
+          <a:p>
+            <a:pPr algn="l"/>
+            <a:r>
+              <a:rPr lang="da-DK" b="0" i="0" dirty="0">
+                <a:solidFill>
+                  <a:srgbClr val="555555"/>
+                </a:solidFill>
+                <a:effectLst/>
+                <a:latin typeface="Proxima Nova"/>
+              </a:rPr>
+              <a:t>Phys. Rev. X </a:t>
+            </a:r>
+            <a:r>
+              <a:rPr lang="da-DK" b="1" i="0" dirty="0">
+                <a:solidFill>
+                  <a:srgbClr val="555555"/>
+                </a:solidFill>
+                <a:effectLst/>
+                <a:latin typeface="Proxima Nova"/>
+              </a:rPr>
+              <a:t>11</a:t>
+            </a:r>
+            <a:r>
+              <a:rPr lang="da-DK" b="0" i="0" dirty="0">
+                <a:solidFill>
+                  <a:srgbClr val="555555"/>
+                </a:solidFill>
+                <a:effectLst/>
+                <a:latin typeface="Proxima Nova"/>
+              </a:rPr>
+              <a:t>, 041050 – Published 13 December 2021, </a:t>
+            </a:r>
+            <a:r>
+              <a:rPr lang="en-GB" b="0" i="0" dirty="0" err="1">
+                <a:solidFill>
+                  <a:srgbClr val="222222"/>
+                </a:solidFill>
+                <a:effectLst/>
+                <a:latin typeface="Helvetica Neue"/>
+              </a:rPr>
+              <a:t>DOI:https</a:t>
+            </a:r>
+            <a:r>
+              <a:rPr lang="en-GB" b="0" i="0" dirty="0">
+                <a:solidFill>
+                  <a:srgbClr val="222222"/>
+                </a:solidFill>
+                <a:effectLst/>
+                <a:latin typeface="Helvetica Neue"/>
+              </a:rPr>
+              <a:t>://doi.org/10.1103/PhysRevX.11.041050</a:t>
+            </a:r>
+          </a:p>
+          <a:p>
+            <a:pPr algn="l"/>
+            <a:r>
+              <a:rPr lang="da-DK" b="0" i="0" dirty="0">
+                <a:solidFill>
+                  <a:srgbClr val="555555"/>
+                </a:solidFill>
+                <a:effectLst/>
+                <a:latin typeface="Proxima Nova"/>
+              </a:rPr>
+              <a:t>Double Pulsar PSR J0737-3039A/B</a:t>
+            </a:r>
+          </a:p>
+          <a:p>
+            <a:endParaRPr lang="en-GB" dirty="0"/>
+          </a:p>
+        </p:txBody>
+      </p:sp>
+      <p:sp>
+        <p:nvSpPr>
+          <p:cNvPr id="4" name="Slide Number Placeholder 3"/>
+          <p:cNvSpPr>
+            <a:spLocks noGrp="1"/>
+          </p:cNvSpPr>
+          <p:nvPr>
+            <p:ph type="sldNum" sz="quarter" idx="5"/>
+          </p:nvPr>
+        </p:nvSpPr>
+        <p:spPr/>
+        <p:txBody>
+          <a:bodyPr/>
+          <a:lstStyle/>
+          <a:p>
+            <a:fld id="{56B68599-4D83-4034-9F61-62DE31CFFF18}" type="slidenum">
+              <a:rPr lang="en-GB" smtClean="0"/>
+              <a:t>19</a:t>
+            </a:fld>
+            <a:endParaRPr lang="en-GB"/>
+          </a:p>
+        </p:txBody>
+      </p:sp>
+    </p:spTree>
+    <p:extLst>
+      <p:ext uri="{BB962C8B-B14F-4D97-AF65-F5344CB8AC3E}">
+        <p14:creationId xmlns:p14="http://schemas.microsoft.com/office/powerpoint/2010/main" val="2421621205"/>
+      </p:ext>
+    </p:extLst>
+  </p:cSld>
+  <p:clrMapOvr>
+    <a:masterClrMapping/>
+  </p:clrMapOvr>
+</p:notes>
 </file>
 
 <file path=ppt/slideLayouts/slideLayout1.xml><?xml version="1.0" encoding="utf-8"?>
@@ -258,7 +1941,7 @@
           <a:p>
             <a:fld id="{50BBD304-4FA8-44A0-8565-0ECBBC742C1E}" type="datetimeFigureOut">
               <a:rPr lang="en-GB" smtClean="0"/>
-              <a:t>19/03/2022</a:t>
+              <a:t>23/03/2022</a:t>
             </a:fld>
             <a:endParaRPr lang="en-GB"/>
           </a:p>
@@ -458,7 +2141,7 @@
           <a:p>
             <a:fld id="{50BBD304-4FA8-44A0-8565-0ECBBC742C1E}" type="datetimeFigureOut">
               <a:rPr lang="en-GB" smtClean="0"/>
-              <a:t>19/03/2022</a:t>
+              <a:t>23/03/2022</a:t>
             </a:fld>
             <a:endParaRPr lang="en-GB"/>
           </a:p>
@@ -668,7 +2351,7 @@
           <a:p>
             <a:fld id="{50BBD304-4FA8-44A0-8565-0ECBBC742C1E}" type="datetimeFigureOut">
               <a:rPr lang="en-GB" smtClean="0"/>
-              <a:t>19/03/2022</a:t>
+              <a:t>23/03/2022</a:t>
             </a:fld>
             <a:endParaRPr lang="en-GB"/>
           </a:p>
@@ -868,7 +2551,7 @@
           <a:p>
             <a:fld id="{50BBD304-4FA8-44A0-8565-0ECBBC742C1E}" type="datetimeFigureOut">
               <a:rPr lang="en-GB" smtClean="0"/>
-              <a:t>19/03/2022</a:t>
+              <a:t>23/03/2022</a:t>
             </a:fld>
             <a:endParaRPr lang="en-GB"/>
           </a:p>
@@ -1144,7 +2827,7 @@
           <a:p>
             <a:fld id="{50BBD304-4FA8-44A0-8565-0ECBBC742C1E}" type="datetimeFigureOut">
               <a:rPr lang="en-GB" smtClean="0"/>
-              <a:t>19/03/2022</a:t>
+              <a:t>23/03/2022</a:t>
             </a:fld>
             <a:endParaRPr lang="en-GB"/>
           </a:p>
@@ -1412,7 +3095,7 @@
           <a:p>
             <a:fld id="{50BBD304-4FA8-44A0-8565-0ECBBC742C1E}" type="datetimeFigureOut">
               <a:rPr lang="en-GB" smtClean="0"/>
-              <a:t>19/03/2022</a:t>
+              <a:t>23/03/2022</a:t>
             </a:fld>
             <a:endParaRPr lang="en-GB"/>
           </a:p>
@@ -1827,7 +3510,7 @@
           <a:p>
             <a:fld id="{50BBD304-4FA8-44A0-8565-0ECBBC742C1E}" type="datetimeFigureOut">
               <a:rPr lang="en-GB" smtClean="0"/>
-              <a:t>19/03/2022</a:t>
+              <a:t>23/03/2022</a:t>
             </a:fld>
             <a:endParaRPr lang="en-GB"/>
           </a:p>
@@ -1969,7 +3652,7 @@
           <a:p>
             <a:fld id="{50BBD304-4FA8-44A0-8565-0ECBBC742C1E}" type="datetimeFigureOut">
               <a:rPr lang="en-GB" smtClean="0"/>
-              <a:t>19/03/2022</a:t>
+              <a:t>23/03/2022</a:t>
             </a:fld>
             <a:endParaRPr lang="en-GB"/>
           </a:p>
@@ -2082,7 +3765,7 @@
           <a:p>
             <a:fld id="{50BBD304-4FA8-44A0-8565-0ECBBC742C1E}" type="datetimeFigureOut">
               <a:rPr lang="en-GB" smtClean="0"/>
-              <a:t>19/03/2022</a:t>
+              <a:t>23/03/2022</a:t>
             </a:fld>
             <a:endParaRPr lang="en-GB"/>
           </a:p>
@@ -2395,7 +4078,7 @@
           <a:p>
             <a:fld id="{50BBD304-4FA8-44A0-8565-0ECBBC742C1E}" type="datetimeFigureOut">
               <a:rPr lang="en-GB" smtClean="0"/>
-              <a:t>19/03/2022</a:t>
+              <a:t>23/03/2022</a:t>
             </a:fld>
             <a:endParaRPr lang="en-GB"/>
           </a:p>
@@ -2684,7 +4367,7 @@
           <a:p>
             <a:fld id="{50BBD304-4FA8-44A0-8565-0ECBBC742C1E}" type="datetimeFigureOut">
               <a:rPr lang="en-GB" smtClean="0"/>
-              <a:t>19/03/2022</a:t>
+              <a:t>23/03/2022</a:t>
             </a:fld>
             <a:endParaRPr lang="en-GB"/>
           </a:p>
@@ -2927,7 +4610,7 @@
           <a:p>
             <a:fld id="{50BBD304-4FA8-44A0-8565-0ECBBC742C1E}" type="datetimeFigureOut">
               <a:rPr lang="en-GB" smtClean="0"/>
-              <a:t>19/03/2022</a:t>
+              <a:t>23/03/2022</a:t>
             </a:fld>
             <a:endParaRPr lang="en-GB"/>
           </a:p>
@@ -3344,12 +5027,402 @@
           <a:chExt cx="0" cy="0"/>
         </a:xfrm>
       </p:grpSpPr>
+      <p:pic>
+        <p:nvPicPr>
+          <p:cNvPr id="6" name="Picture 5" descr="A swirling meteorite">
+            <a:extLst>
+              <a:ext uri="{FF2B5EF4-FFF2-40B4-BE49-F238E27FC236}">
+                <a16:creationId xmlns:a16="http://schemas.microsoft.com/office/drawing/2014/main" id="{121441C2-345F-4D03-ACE1-5667828FF320}"/>
+              </a:ext>
+            </a:extLst>
+          </p:cNvPr>
+          <p:cNvPicPr>
+            <a:picLocks noChangeAspect="1"/>
+          </p:cNvPicPr>
+          <p:nvPr/>
+        </p:nvPicPr>
+        <p:blipFill rotWithShape="1">
+          <a:blip r:embed="rId2">
+            <a:alphaModFix/>
+          </a:blip>
+          <a:srcRect t="157" b="12971"/>
+          <a:stretch/>
+        </p:blipFill>
+        <p:spPr>
+          <a:xfrm>
+            <a:off x="-3123597" y="-1685261"/>
+            <a:ext cx="18184010" cy="10228521"/>
+          </a:xfrm>
+          <a:prstGeom prst="rect">
+            <a:avLst/>
+          </a:prstGeom>
+        </p:spPr>
+      </p:pic>
+      <p:sp>
+        <p:nvSpPr>
+          <p:cNvPr id="8" name="Rectangle 7">
+            <a:extLst>
+              <a:ext uri="{FF2B5EF4-FFF2-40B4-BE49-F238E27FC236}">
+                <a16:creationId xmlns:a16="http://schemas.microsoft.com/office/drawing/2014/main" id="{2D89D761-4DC2-4483-8AEF-8E398490011C}"/>
+              </a:ext>
+            </a:extLst>
+          </p:cNvPr>
+          <p:cNvSpPr/>
+          <p:nvPr/>
+        </p:nvSpPr>
+        <p:spPr>
+          <a:xfrm>
+            <a:off x="710609" y="2819400"/>
+            <a:ext cx="10770782" cy="1515533"/>
+          </a:xfrm>
+          <a:prstGeom prst="rect">
+            <a:avLst/>
+          </a:prstGeom>
+          <a:solidFill>
+            <a:sysClr val="window" lastClr="FFFFFF">
+              <a:alpha val="90000"/>
+            </a:sysClr>
+          </a:solidFill>
+          <a:ln w="12700" cap="flat" cmpd="sng" algn="ctr">
+            <a:solidFill>
+              <a:srgbClr val="4472C4">
+                <a:shade val="50000"/>
+              </a:srgbClr>
+            </a:solidFill>
+            <a:prstDash val="solid"/>
+            <a:miter lim="800000"/>
+          </a:ln>
+          <a:effectLst/>
+        </p:spPr>
+        <p:txBody>
+          <a:bodyPr rtlCol="0" anchor="ctr"/>
+          <a:lstStyle/>
+          <a:p>
+            <a:pPr marL="0" marR="0" lvl="0" indent="0" algn="ctr" defTabSz="914400" eaLnBrk="1" fontAlgn="auto" latinLnBrk="0" hangingPunct="1">
+              <a:lnSpc>
+                <a:spcPct val="100000"/>
+              </a:lnSpc>
+              <a:spcBef>
+                <a:spcPts val="0"/>
+              </a:spcBef>
+              <a:spcAft>
+                <a:spcPts val="0"/>
+              </a:spcAft>
+              <a:buClrTx/>
+              <a:buSzTx/>
+              <a:buFontTx/>
+              <a:buNone/>
+              <a:tabLst/>
+              <a:defRPr/>
+            </a:pPr>
+            <a:endParaRPr kumimoji="0" lang="en-GB" sz="1800" b="0" i="0" u="none" strike="noStrike" kern="0" cap="none" spc="0" normalizeH="0" baseline="0" noProof="0" dirty="0">
+              <a:ln>
+                <a:noFill/>
+              </a:ln>
+              <a:solidFill>
+                <a:prstClr val="white"/>
+              </a:solidFill>
+              <a:effectLst/>
+              <a:uLnTx/>
+              <a:uFillTx/>
+              <a:latin typeface="Calibri" panose="020F0502020204030204"/>
+              <a:ea typeface="+mn-ea"/>
+              <a:cs typeface="+mn-cs"/>
+            </a:endParaRPr>
+          </a:p>
+        </p:txBody>
+      </p:sp>
+      <p:sp>
+        <p:nvSpPr>
+          <p:cNvPr id="7" name="Title 1">
+            <a:extLst>
+              <a:ext uri="{FF2B5EF4-FFF2-40B4-BE49-F238E27FC236}">
+                <a16:creationId xmlns:a16="http://schemas.microsoft.com/office/drawing/2014/main" id="{0C445135-A882-4FB8-B60E-EE64CAA0604E}"/>
+              </a:ext>
+            </a:extLst>
+          </p:cNvPr>
+          <p:cNvSpPr txBox="1">
+            <a:spLocks/>
+          </p:cNvSpPr>
+          <p:nvPr/>
+        </p:nvSpPr>
+        <p:spPr>
+          <a:xfrm>
+            <a:off x="1524000" y="2523068"/>
+            <a:ext cx="9144000" cy="1625600"/>
+          </a:xfrm>
+          <a:prstGeom prst="rect">
+            <a:avLst/>
+          </a:prstGeom>
+        </p:spPr>
+        <p:txBody>
+          <a:bodyPr vert="horz" lIns="91440" tIns="45720" rIns="91440" bIns="45720" rtlCol="0" anchor="b">
+            <a:normAutofit/>
+          </a:bodyPr>
+          <a:lstStyle>
+            <a:lvl1pPr algn="ctr" defTabSz="914400" rtl="0" eaLnBrk="1" latinLnBrk="0" hangingPunct="1">
+              <a:lnSpc>
+                <a:spcPct val="90000"/>
+              </a:lnSpc>
+              <a:spcBef>
+                <a:spcPct val="0"/>
+              </a:spcBef>
+              <a:buNone/>
+              <a:defRPr sz="6000" kern="1200">
+                <a:solidFill>
+                  <a:schemeClr val="tx1"/>
+                </a:solidFill>
+                <a:latin typeface="+mj-lt"/>
+                <a:ea typeface="+mj-ea"/>
+                <a:cs typeface="+mj-cs"/>
+              </a:defRPr>
+            </a:lvl1pPr>
+          </a:lstStyle>
+          <a:p>
+            <a:pPr marL="0" marR="0" lvl="0" indent="0" algn="ctr" defTabSz="914400" rtl="0" eaLnBrk="1" fontAlgn="auto" latinLnBrk="0" hangingPunct="1">
+              <a:lnSpc>
+                <a:spcPct val="90000"/>
+              </a:lnSpc>
+              <a:spcBef>
+                <a:spcPct val="0"/>
+              </a:spcBef>
+              <a:spcAft>
+                <a:spcPts val="0"/>
+              </a:spcAft>
+              <a:buClrTx/>
+              <a:buSzTx/>
+              <a:buFontTx/>
+              <a:buNone/>
+              <a:tabLst/>
+              <a:defRPr/>
+            </a:pPr>
+            <a:r>
+              <a:rPr kumimoji="0" lang="en-GB" sz="6000" b="0" i="0" u="none" strike="noStrike" kern="1200" cap="none" spc="0" normalizeH="0" baseline="0" noProof="0" dirty="0">
+                <a:ln>
+                  <a:noFill/>
+                </a:ln>
+                <a:effectLst/>
+                <a:uLnTx/>
+                <a:uFillTx/>
+                <a:latin typeface="Calibri Light" panose="020F0302020204030204"/>
+                <a:ea typeface="+mj-ea"/>
+                <a:cs typeface="+mj-cs"/>
+              </a:rPr>
+              <a:t>The Shapiro Delay</a:t>
+            </a:r>
+          </a:p>
+        </p:txBody>
+      </p:sp>
+    </p:spTree>
+    <p:extLst>
+      <p:ext uri="{BB962C8B-B14F-4D97-AF65-F5344CB8AC3E}">
+        <p14:creationId xmlns:p14="http://schemas.microsoft.com/office/powerpoint/2010/main" val="4277420720"/>
+      </p:ext>
+    </p:extLst>
+  </p:cSld>
+  <p:clrMapOvr>
+    <a:masterClrMapping/>
+  </p:clrMapOvr>
+  <p:timing>
+    <p:tnLst>
+      <p:par>
+        <p:cTn id="1" dur="indefinite" restart="never" nodeType="tmRoot">
+          <p:childTnLst>
+            <p:seq concurrent="1" nextAc="seek">
+              <p:cTn id="2" dur="indefinite" nodeType="mainSeq">
+                <p:childTnLst>
+                  <p:par>
+                    <p:cTn id="3" fill="hold">
+                      <p:stCondLst>
+                        <p:cond delay="indefinite"/>
+                        <p:cond evt="onBegin" delay="0">
+                          <p:tn val="2"/>
+                        </p:cond>
+                      </p:stCondLst>
+                      <p:childTnLst>
+                        <p:par>
+                          <p:cTn id="4" fill="hold">
+                            <p:stCondLst>
+                              <p:cond delay="0"/>
+                            </p:stCondLst>
+                            <p:childTnLst>
+                              <p:par>
+                                <p:cTn id="5" presetID="10" presetClass="entr" presetSubtype="0" fill="hold" grpId="0" nodeType="withEffect">
+                                  <p:stCondLst>
+                                    <p:cond delay="1000"/>
+                                  </p:stCondLst>
+                                  <p:iterate type="lt">
+                                    <p:tmPct val="10000"/>
+                                  </p:iterate>
+                                  <p:childTnLst>
+                                    <p:set>
+                                      <p:cBhvr>
+                                        <p:cTn id="6" dur="1" fill="hold">
+                                          <p:stCondLst>
+                                            <p:cond delay="0"/>
+                                          </p:stCondLst>
+                                        </p:cTn>
+                                        <p:tgtEl>
+                                          <p:spTgt spid="7"/>
+                                        </p:tgtEl>
+                                        <p:attrNameLst>
+                                          <p:attrName>style.visibility</p:attrName>
+                                        </p:attrNameLst>
+                                      </p:cBhvr>
+                                      <p:to>
+                                        <p:strVal val="visible"/>
+                                      </p:to>
+                                    </p:set>
+                                    <p:animEffect transition="in" filter="fade">
+                                      <p:cBhvr>
+                                        <p:cTn id="7" dur="400"/>
+                                        <p:tgtEl>
+                                          <p:spTgt spid="7"/>
+                                        </p:tgtEl>
+                                      </p:cBhvr>
+                                    </p:animEffect>
+                                  </p:childTnLst>
+                                </p:cTn>
+                              </p:par>
+                            </p:childTnLst>
+                          </p:cTn>
+                        </p:par>
+                      </p:childTnLst>
+                    </p:cTn>
+                  </p:par>
+                </p:childTnLst>
+              </p:cTn>
+              <p:prevCondLst>
+                <p:cond evt="onPrev" delay="0">
+                  <p:tgtEl>
+                    <p:sldTgt/>
+                  </p:tgtEl>
+                </p:cond>
+              </p:prevCondLst>
+              <p:nextCondLst>
+                <p:cond evt="onNext" delay="0">
+                  <p:tgtEl>
+                    <p:sldTgt/>
+                  </p:tgtEl>
+                </p:cond>
+              </p:nextCondLst>
+            </p:seq>
+          </p:childTnLst>
+        </p:cTn>
+      </p:par>
+    </p:tnLst>
+    <p:bldLst>
+      <p:bldP spid="7" grpId="0"/>
+    </p:bldLst>
+  </p:timing>
+</p:sld>
+</file>
+
+<file path=ppt/slides/slide10.xml><?xml version="1.0" encoding="utf-8"?>
+<p:sld xmlns:a="http://schemas.openxmlformats.org/drawingml/2006/main" xmlns:r="http://schemas.openxmlformats.org/officeDocument/2006/relationships" xmlns:p="http://schemas.openxmlformats.org/presentationml/2006/main">
+  <p:cSld>
+    <p:spTree>
+      <p:nvGrpSpPr>
+        <p:cNvPr id="1" name=""/>
+        <p:cNvGrpSpPr/>
+        <p:nvPr/>
+      </p:nvGrpSpPr>
+      <p:grpSpPr>
+        <a:xfrm>
+          <a:off x="0" y="0"/>
+          <a:ext cx="0" cy="0"/>
+          <a:chOff x="0" y="0"/>
+          <a:chExt cx="0" cy="0"/>
+        </a:xfrm>
+      </p:grpSpPr>
+      <p:pic>
+        <p:nvPicPr>
+          <p:cNvPr id="5" name="Picture 4" descr="A swirling meteorite">
+            <a:extLst>
+              <a:ext uri="{FF2B5EF4-FFF2-40B4-BE49-F238E27FC236}">
+                <a16:creationId xmlns:a16="http://schemas.microsoft.com/office/drawing/2014/main" id="{BE65E142-9C40-4E87-94CA-8821FA71E7D8}"/>
+              </a:ext>
+            </a:extLst>
+          </p:cNvPr>
+          <p:cNvPicPr>
+            <a:picLocks noChangeAspect="1"/>
+          </p:cNvPicPr>
+          <p:nvPr/>
+        </p:nvPicPr>
+        <p:blipFill rotWithShape="1">
+          <a:blip r:embed="rId2">
+            <a:alphaModFix/>
+          </a:blip>
+          <a:srcRect t="157" b="12971"/>
+          <a:stretch/>
+        </p:blipFill>
+        <p:spPr>
+          <a:xfrm>
+            <a:off x="-2107007" y="-1685261"/>
+            <a:ext cx="18184010" cy="10228521"/>
+          </a:xfrm>
+          <a:prstGeom prst="rect">
+            <a:avLst/>
+          </a:prstGeom>
+        </p:spPr>
+      </p:pic>
+      <p:sp>
+        <p:nvSpPr>
+          <p:cNvPr id="4" name="Rectangle 3">
+            <a:extLst>
+              <a:ext uri="{FF2B5EF4-FFF2-40B4-BE49-F238E27FC236}">
+                <a16:creationId xmlns:a16="http://schemas.microsoft.com/office/drawing/2014/main" id="{65783FAD-6E77-4DB7-A109-D7D9829F6901}"/>
+              </a:ext>
+            </a:extLst>
+          </p:cNvPr>
+          <p:cNvSpPr/>
+          <p:nvPr/>
+        </p:nvSpPr>
+        <p:spPr>
+          <a:xfrm>
+            <a:off x="710609" y="595423"/>
+            <a:ext cx="10770782" cy="5667154"/>
+          </a:xfrm>
+          <a:prstGeom prst="rect">
+            <a:avLst/>
+          </a:prstGeom>
+          <a:solidFill>
+            <a:schemeClr val="bg1">
+              <a:alpha val="90000"/>
+            </a:schemeClr>
+          </a:solidFill>
+        </p:spPr>
+        <p:style>
+          <a:lnRef idx="2">
+            <a:schemeClr val="accent1">
+              <a:shade val="50000"/>
+            </a:schemeClr>
+          </a:lnRef>
+          <a:fillRef idx="1">
+            <a:schemeClr val="accent1"/>
+          </a:fillRef>
+          <a:effectRef idx="0">
+            <a:schemeClr val="accent1"/>
+          </a:effectRef>
+          <a:fontRef idx="minor">
+            <a:schemeClr val="lt1"/>
+          </a:fontRef>
+        </p:style>
+        <p:txBody>
+          <a:bodyPr rtlCol="0" anchor="ctr"/>
+          <a:lstStyle/>
+          <a:p>
+            <a:pPr algn="ctr"/>
+            <a:endParaRPr lang="en-GB" dirty="0"/>
+          </a:p>
+        </p:txBody>
+      </p:sp>
       <p:sp>
         <p:nvSpPr>
           <p:cNvPr id="2" name="Title 1">
             <a:extLst>
               <a:ext uri="{FF2B5EF4-FFF2-40B4-BE49-F238E27FC236}">
-                <a16:creationId xmlns:a16="http://schemas.microsoft.com/office/drawing/2014/main" id="{0E72C232-E622-47EF-8F50-BEB952F93FAD}"/>
+                <a16:creationId xmlns:a16="http://schemas.microsoft.com/office/drawing/2014/main" id="{64F2FD3D-A8A8-43A4-8956-C7594DB0DD85}"/>
               </a:ext>
             </a:extLst>
           </p:cNvPr>
@@ -3357,27 +5430,33 @@
             <a:spLocks noGrp="1"/>
           </p:cNvSpPr>
           <p:nvPr>
-            <p:ph type="ctrTitle"/>
+            <p:ph type="title"/>
           </p:nvPr>
         </p:nvSpPr>
-        <p:spPr/>
+        <p:spPr>
+          <a:xfrm>
+            <a:off x="838200" y="710959"/>
+            <a:ext cx="10515600" cy="979729"/>
+          </a:xfrm>
+        </p:spPr>
         <p:txBody>
           <a:bodyPr/>
           <a:lstStyle/>
           <a:p>
+            <a:pPr algn="ctr"/>
             <a:r>
               <a:rPr lang="en-GB" dirty="0"/>
-              <a:t>The Shapiro Delay</a:t>
-            </a:r>
-          </a:p>
-        </p:txBody>
-      </p:sp>
-      <p:sp>
-        <p:nvSpPr>
-          <p:cNvPr id="3" name="Subtitle 2">
-            <a:extLst>
-              <a:ext uri="{FF2B5EF4-FFF2-40B4-BE49-F238E27FC236}">
-                <a16:creationId xmlns:a16="http://schemas.microsoft.com/office/drawing/2014/main" id="{693C5D27-C15D-4485-A78F-3A85487B89D2}"/>
+              <a:t>When is it important?</a:t>
+            </a:r>
+          </a:p>
+        </p:txBody>
+      </p:sp>
+      <p:sp>
+        <p:nvSpPr>
+          <p:cNvPr id="3" name="Content Placeholder 2">
+            <a:extLst>
+              <a:ext uri="{FF2B5EF4-FFF2-40B4-BE49-F238E27FC236}">
+                <a16:creationId xmlns:a16="http://schemas.microsoft.com/office/drawing/2014/main" id="{926CD75D-37E5-469A-8767-D64ED8E89DB3}"/>
               </a:ext>
             </a:extLst>
           </p:cNvPr>
@@ -3385,22 +5464,4125 @@
             <a:spLocks noGrp="1"/>
           </p:cNvSpPr>
           <p:nvPr>
-            <p:ph type="subTitle" idx="1"/>
+            <p:ph idx="1"/>
           </p:nvPr>
         </p:nvSpPr>
-        <p:spPr/>
+        <p:spPr>
+          <a:xfrm>
+            <a:off x="1718733" y="1795703"/>
+            <a:ext cx="8754533" cy="4351338"/>
+          </a:xfrm>
+        </p:spPr>
         <p:txBody>
           <a:bodyPr/>
           <a:lstStyle/>
           <a:p>
-            <a:endParaRPr lang="en-GB"/>
+            <a:r>
+              <a:rPr lang="en-GB" dirty="0"/>
+              <a:t>When the pulsar’s binary companion approaches the LOS</a:t>
+            </a:r>
+          </a:p>
+          <a:p>
+            <a:r>
+              <a:rPr lang="en-GB" dirty="0"/>
+              <a:t>When the inclination is close to 90</a:t>
+            </a:r>
+            <a:r>
+              <a:rPr lang="en-GB" baseline="30000" dirty="0"/>
+              <a:t>o</a:t>
+            </a:r>
+            <a:r>
+              <a:rPr lang="en-GB" dirty="0"/>
+              <a:t> </a:t>
+            </a:r>
+          </a:p>
+          <a:p>
+            <a:endParaRPr lang="en-GB" dirty="0"/>
           </a:p>
         </p:txBody>
       </p:sp>
     </p:spTree>
     <p:extLst>
       <p:ext uri="{BB962C8B-B14F-4D97-AF65-F5344CB8AC3E}">
-        <p14:creationId xmlns:p14="http://schemas.microsoft.com/office/powerpoint/2010/main" val="3932729018"/>
+        <p14:creationId xmlns:p14="http://schemas.microsoft.com/office/powerpoint/2010/main" val="411494476"/>
+      </p:ext>
+    </p:extLst>
+  </p:cSld>
+  <p:clrMapOvr>
+    <a:masterClrMapping/>
+  </p:clrMapOvr>
+</p:sld>
+</file>
+
+<file path=ppt/slides/slide11.xml><?xml version="1.0" encoding="utf-8"?>
+<p:sld xmlns:a="http://schemas.openxmlformats.org/drawingml/2006/main" xmlns:r="http://schemas.openxmlformats.org/officeDocument/2006/relationships" xmlns:p="http://schemas.openxmlformats.org/presentationml/2006/main">
+  <p:cSld>
+    <p:spTree>
+      <p:nvGrpSpPr>
+        <p:cNvPr id="1" name=""/>
+        <p:cNvGrpSpPr/>
+        <p:nvPr/>
+      </p:nvGrpSpPr>
+      <p:grpSpPr>
+        <a:xfrm>
+          <a:off x="0" y="0"/>
+          <a:ext cx="0" cy="0"/>
+          <a:chOff x="0" y="0"/>
+          <a:chExt cx="0" cy="0"/>
+        </a:xfrm>
+      </p:grpSpPr>
+      <p:pic>
+        <p:nvPicPr>
+          <p:cNvPr id="5" name="Picture 4" descr="A swirling meteorite">
+            <a:extLst>
+              <a:ext uri="{FF2B5EF4-FFF2-40B4-BE49-F238E27FC236}">
+                <a16:creationId xmlns:a16="http://schemas.microsoft.com/office/drawing/2014/main" id="{DA8DC6CD-36DD-4EE8-A322-7F64B11F3E52}"/>
+              </a:ext>
+            </a:extLst>
+          </p:cNvPr>
+          <p:cNvPicPr>
+            <a:picLocks noChangeAspect="1"/>
+          </p:cNvPicPr>
+          <p:nvPr/>
+        </p:nvPicPr>
+        <p:blipFill rotWithShape="1">
+          <a:blip r:embed="rId2">
+            <a:alphaModFix/>
+          </a:blip>
+          <a:srcRect t="157" b="12971"/>
+          <a:stretch/>
+        </p:blipFill>
+        <p:spPr>
+          <a:xfrm>
+            <a:off x="-1954607" y="-1685261"/>
+            <a:ext cx="18184010" cy="10228521"/>
+          </a:xfrm>
+          <a:prstGeom prst="rect">
+            <a:avLst/>
+          </a:prstGeom>
+        </p:spPr>
+      </p:pic>
+      <p:sp>
+        <p:nvSpPr>
+          <p:cNvPr id="4" name="Rectangle 3">
+            <a:extLst>
+              <a:ext uri="{FF2B5EF4-FFF2-40B4-BE49-F238E27FC236}">
+                <a16:creationId xmlns:a16="http://schemas.microsoft.com/office/drawing/2014/main" id="{D262BCB0-171F-49AE-949F-0A158E7AE3C8}"/>
+              </a:ext>
+            </a:extLst>
+          </p:cNvPr>
+          <p:cNvSpPr/>
+          <p:nvPr/>
+        </p:nvSpPr>
+        <p:spPr>
+          <a:xfrm>
+            <a:off x="710609" y="595423"/>
+            <a:ext cx="10770782" cy="5667154"/>
+          </a:xfrm>
+          <a:prstGeom prst="rect">
+            <a:avLst/>
+          </a:prstGeom>
+          <a:solidFill>
+            <a:schemeClr val="bg1">
+              <a:alpha val="90000"/>
+            </a:schemeClr>
+          </a:solidFill>
+        </p:spPr>
+        <p:style>
+          <a:lnRef idx="2">
+            <a:schemeClr val="accent1">
+              <a:shade val="50000"/>
+            </a:schemeClr>
+          </a:lnRef>
+          <a:fillRef idx="1">
+            <a:schemeClr val="accent1"/>
+          </a:fillRef>
+          <a:effectRef idx="0">
+            <a:schemeClr val="accent1"/>
+          </a:effectRef>
+          <a:fontRef idx="minor">
+            <a:schemeClr val="lt1"/>
+          </a:fontRef>
+        </p:style>
+        <p:txBody>
+          <a:bodyPr rtlCol="0" anchor="ctr"/>
+          <a:lstStyle/>
+          <a:p>
+            <a:pPr algn="ctr"/>
+            <a:endParaRPr lang="en-GB" dirty="0"/>
+          </a:p>
+        </p:txBody>
+      </p:sp>
+      <p:sp>
+        <p:nvSpPr>
+          <p:cNvPr id="2" name="Title 1">
+            <a:extLst>
+              <a:ext uri="{FF2B5EF4-FFF2-40B4-BE49-F238E27FC236}">
+                <a16:creationId xmlns:a16="http://schemas.microsoft.com/office/drawing/2014/main" id="{8F36547C-1DDF-4FFB-A3CD-C0A1812CE07D}"/>
+              </a:ext>
+            </a:extLst>
+          </p:cNvPr>
+          <p:cNvSpPr>
+            <a:spLocks noGrp="1"/>
+          </p:cNvSpPr>
+          <p:nvPr>
+            <p:ph type="title"/>
+          </p:nvPr>
+        </p:nvSpPr>
+        <p:spPr>
+          <a:xfrm>
+            <a:off x="838200" y="595423"/>
+            <a:ext cx="10515600" cy="1095265"/>
+          </a:xfrm>
+        </p:spPr>
+        <p:txBody>
+          <a:bodyPr/>
+          <a:lstStyle/>
+          <a:p>
+            <a:pPr algn="ctr"/>
+            <a:r>
+              <a:rPr lang="en-GB" dirty="0"/>
+              <a:t>How do we measure it?</a:t>
+            </a:r>
+          </a:p>
+        </p:txBody>
+      </p:sp>
+      <p:sp>
+        <p:nvSpPr>
+          <p:cNvPr id="3" name="Content Placeholder 2">
+            <a:extLst>
+              <a:ext uri="{FF2B5EF4-FFF2-40B4-BE49-F238E27FC236}">
+                <a16:creationId xmlns:a16="http://schemas.microsoft.com/office/drawing/2014/main" id="{E420530E-37F4-4DD5-B355-EB0B002995CE}"/>
+              </a:ext>
+            </a:extLst>
+          </p:cNvPr>
+          <p:cNvSpPr>
+            <a:spLocks noGrp="1"/>
+          </p:cNvSpPr>
+          <p:nvPr>
+            <p:ph idx="1"/>
+          </p:nvPr>
+        </p:nvSpPr>
+        <p:spPr/>
+        <p:txBody>
+          <a:bodyPr/>
+          <a:lstStyle/>
+          <a:p>
+            <a:r>
+              <a:rPr lang="en-GB" dirty="0"/>
+              <a:t>The Shapiro delay is a term that cannot be directly observed, but is inferred from movement of stars within the globular cluster. Since the stars move around the globular cluster, this results in the change in Shapiro delay over time – the Shapiro noise – which is an observable quantity. </a:t>
+            </a:r>
+          </a:p>
+          <a:p>
+            <a:r>
+              <a:rPr lang="en-GB" dirty="0"/>
+              <a:t>The post-Keplerian parameters </a:t>
+            </a:r>
+            <a:r>
+              <a:rPr lang="en-GB" i="1" dirty="0"/>
+              <a:t>r</a:t>
+            </a:r>
+            <a:r>
+              <a:rPr lang="en-GB" dirty="0"/>
+              <a:t> (Shapiro range) and </a:t>
+            </a:r>
+            <a:r>
+              <a:rPr lang="en-GB" i="1" dirty="0"/>
+              <a:t>s</a:t>
+            </a:r>
+            <a:r>
+              <a:rPr lang="en-GB" dirty="0"/>
+              <a:t> (Shapiro shape) are directly measurable and via these the Shapiro delay can be found </a:t>
+            </a:r>
+          </a:p>
+        </p:txBody>
+      </p:sp>
+    </p:spTree>
+    <p:extLst>
+      <p:ext uri="{BB962C8B-B14F-4D97-AF65-F5344CB8AC3E}">
+        <p14:creationId xmlns:p14="http://schemas.microsoft.com/office/powerpoint/2010/main" val="583606827"/>
+      </p:ext>
+    </p:extLst>
+  </p:cSld>
+  <p:clrMapOvr>
+    <a:masterClrMapping/>
+  </p:clrMapOvr>
+</p:sld>
+</file>
+
+<file path=ppt/slides/slide12.xml><?xml version="1.0" encoding="utf-8"?>
+<p:sld xmlns:a="http://schemas.openxmlformats.org/drawingml/2006/main" xmlns:r="http://schemas.openxmlformats.org/officeDocument/2006/relationships" xmlns:p="http://schemas.openxmlformats.org/presentationml/2006/main">
+  <p:cSld>
+    <p:spTree>
+      <p:nvGrpSpPr>
+        <p:cNvPr id="1" name=""/>
+        <p:cNvGrpSpPr/>
+        <p:nvPr/>
+      </p:nvGrpSpPr>
+      <p:grpSpPr>
+        <a:xfrm>
+          <a:off x="0" y="0"/>
+          <a:ext cx="0" cy="0"/>
+          <a:chOff x="0" y="0"/>
+          <a:chExt cx="0" cy="0"/>
+        </a:xfrm>
+      </p:grpSpPr>
+      <p:pic>
+        <p:nvPicPr>
+          <p:cNvPr id="5" name="Picture 4" descr="A swirling meteorite">
+            <a:extLst>
+              <a:ext uri="{FF2B5EF4-FFF2-40B4-BE49-F238E27FC236}">
+                <a16:creationId xmlns:a16="http://schemas.microsoft.com/office/drawing/2014/main" id="{A0AC3572-3690-4E25-A2A3-BB18A04E558A}"/>
+              </a:ext>
+            </a:extLst>
+          </p:cNvPr>
+          <p:cNvPicPr>
+            <a:picLocks noChangeAspect="1"/>
+          </p:cNvPicPr>
+          <p:nvPr/>
+        </p:nvPicPr>
+        <p:blipFill rotWithShape="1">
+          <a:blip r:embed="rId3">
+            <a:alphaModFix/>
+          </a:blip>
+          <a:srcRect t="157" b="12971"/>
+          <a:stretch/>
+        </p:blipFill>
+        <p:spPr>
+          <a:xfrm>
+            <a:off x="-1802207" y="-1685261"/>
+            <a:ext cx="18184010" cy="10228521"/>
+          </a:xfrm>
+          <a:prstGeom prst="rect">
+            <a:avLst/>
+          </a:prstGeom>
+        </p:spPr>
+      </p:pic>
+      <p:sp>
+        <p:nvSpPr>
+          <p:cNvPr id="4" name="Rectangle 3">
+            <a:extLst>
+              <a:ext uri="{FF2B5EF4-FFF2-40B4-BE49-F238E27FC236}">
+                <a16:creationId xmlns:a16="http://schemas.microsoft.com/office/drawing/2014/main" id="{77EB1B6E-8190-49A1-81B0-7F0A98B098CF}"/>
+              </a:ext>
+            </a:extLst>
+          </p:cNvPr>
+          <p:cNvSpPr/>
+          <p:nvPr/>
+        </p:nvSpPr>
+        <p:spPr>
+          <a:xfrm>
+            <a:off x="710609" y="595423"/>
+            <a:ext cx="10770782" cy="5667154"/>
+          </a:xfrm>
+          <a:prstGeom prst="rect">
+            <a:avLst/>
+          </a:prstGeom>
+          <a:solidFill>
+            <a:schemeClr val="bg1">
+              <a:alpha val="90000"/>
+            </a:schemeClr>
+          </a:solidFill>
+        </p:spPr>
+        <p:style>
+          <a:lnRef idx="2">
+            <a:schemeClr val="accent1">
+              <a:shade val="50000"/>
+            </a:schemeClr>
+          </a:lnRef>
+          <a:fillRef idx="1">
+            <a:schemeClr val="accent1"/>
+          </a:fillRef>
+          <a:effectRef idx="0">
+            <a:schemeClr val="accent1"/>
+          </a:effectRef>
+          <a:fontRef idx="minor">
+            <a:schemeClr val="lt1"/>
+          </a:fontRef>
+        </p:style>
+        <p:txBody>
+          <a:bodyPr rtlCol="0" anchor="ctr"/>
+          <a:lstStyle/>
+          <a:p>
+            <a:pPr algn="ctr"/>
+            <a:endParaRPr lang="en-GB" dirty="0"/>
+          </a:p>
+        </p:txBody>
+      </p:sp>
+      <p:sp>
+        <p:nvSpPr>
+          <p:cNvPr id="2" name="Title 1">
+            <a:extLst>
+              <a:ext uri="{FF2B5EF4-FFF2-40B4-BE49-F238E27FC236}">
+                <a16:creationId xmlns:a16="http://schemas.microsoft.com/office/drawing/2014/main" id="{B4189EE4-C5C9-437F-BDA7-73279A2AF673}"/>
+              </a:ext>
+            </a:extLst>
+          </p:cNvPr>
+          <p:cNvSpPr>
+            <a:spLocks noGrp="1"/>
+          </p:cNvSpPr>
+          <p:nvPr>
+            <p:ph type="title"/>
+          </p:nvPr>
+        </p:nvSpPr>
+        <p:spPr>
+          <a:xfrm>
+            <a:off x="838200" y="595423"/>
+            <a:ext cx="10515600" cy="1095265"/>
+          </a:xfrm>
+        </p:spPr>
+        <p:txBody>
+          <a:bodyPr/>
+          <a:lstStyle/>
+          <a:p>
+            <a:pPr algn="ctr"/>
+            <a:r>
+              <a:rPr lang="en-GB" dirty="0"/>
+              <a:t>Shapiro Delay Equation 020202</a:t>
+            </a:r>
+          </a:p>
+        </p:txBody>
+      </p:sp>
+      <mc:AlternateContent xmlns:mc="http://schemas.openxmlformats.org/markup-compatibility/2006">
+        <mc:Choice xmlns:a14="http://schemas.microsoft.com/office/drawing/2010/main" Requires="a14">
+          <p:sp>
+            <p:nvSpPr>
+              <p:cNvPr id="3" name="Content Placeholder 2">
+                <a:extLst>
+                  <a:ext uri="{FF2B5EF4-FFF2-40B4-BE49-F238E27FC236}">
+                    <a16:creationId xmlns:a16="http://schemas.microsoft.com/office/drawing/2014/main" id="{0E3A6E17-8F8F-4C87-9FDC-F78B204C9371}"/>
+                  </a:ext>
+                </a:extLst>
+              </p:cNvPr>
+              <p:cNvSpPr>
+                <a:spLocks noGrp="1"/>
+              </p:cNvSpPr>
+              <p:nvPr>
+                <p:ph idx="1"/>
+              </p:nvPr>
+            </p:nvSpPr>
+            <p:spPr/>
+            <p:txBody>
+              <a:bodyPr>
+                <a:normAutofit lnSpcReduction="10000"/>
+              </a:bodyPr>
+              <a:lstStyle/>
+              <a:p>
+                <a14:m>
+                  <m:oMath xmlns:m="http://schemas.openxmlformats.org/officeDocument/2006/math">
+                    <m:sSubSup>
+                      <m:sSubSupPr>
+                        <m:ctrlPr>
+                          <a:rPr lang="en-GB" i="1" smtClean="0">
+                            <a:latin typeface="Cambria Math" panose="02040503050406030204" pitchFamily="18" charset="0"/>
+                            <a:ea typeface="Cambria Math" panose="02040503050406030204" pitchFamily="18" charset="0"/>
+                          </a:rPr>
+                        </m:ctrlPr>
+                      </m:sSubSupPr>
+                      <m:e>
+                        <m:r>
+                          <a:rPr lang="en-GB" i="1" smtClean="0">
+                            <a:latin typeface="Cambria Math" panose="02040503050406030204" pitchFamily="18" charset="0"/>
+                            <a:ea typeface="Cambria Math" panose="02040503050406030204" pitchFamily="18" charset="0"/>
+                          </a:rPr>
+                          <m:t>∆</m:t>
+                        </m:r>
+                      </m:e>
+                      <m:sub>
+                        <m:r>
+                          <a:rPr lang="en-GB" b="0" i="1" smtClean="0">
+                            <a:latin typeface="Cambria Math" panose="02040503050406030204" pitchFamily="18" charset="0"/>
+                            <a:ea typeface="Cambria Math" panose="02040503050406030204" pitchFamily="18" charset="0"/>
+                          </a:rPr>
+                          <m:t>𝑆</m:t>
+                        </m:r>
+                      </m:sub>
+                      <m:sup>
+                        <m:r>
+                          <a:rPr lang="en-GB" b="0" i="1" smtClean="0">
+                            <a:latin typeface="Cambria Math" panose="02040503050406030204" pitchFamily="18" charset="0"/>
+                            <a:ea typeface="Cambria Math" panose="02040503050406030204" pitchFamily="18" charset="0"/>
+                          </a:rPr>
+                          <m:t>(</m:t>
+                        </m:r>
+                        <m:r>
+                          <a:rPr lang="en-GB" b="0" i="1" smtClean="0">
+                            <a:latin typeface="Cambria Math" panose="02040503050406030204" pitchFamily="18" charset="0"/>
+                            <a:ea typeface="Cambria Math" panose="02040503050406030204" pitchFamily="18" charset="0"/>
+                          </a:rPr>
+                          <m:t>𝐿𝑂</m:t>
+                        </m:r>
+                        <m:r>
+                          <a:rPr lang="en-GB" b="0" i="1" smtClean="0">
+                            <a:latin typeface="Cambria Math" panose="02040503050406030204" pitchFamily="18" charset="0"/>
+                            <a:ea typeface="Cambria Math" panose="02040503050406030204" pitchFamily="18" charset="0"/>
+                          </a:rPr>
+                          <m:t>)</m:t>
+                        </m:r>
+                      </m:sup>
+                    </m:sSubSup>
+                    <m:r>
+                      <a:rPr lang="en-GB" b="0" i="1" smtClean="0">
+                        <a:latin typeface="Cambria Math" panose="02040503050406030204" pitchFamily="18" charset="0"/>
+                        <a:ea typeface="Cambria Math" panose="02040503050406030204" pitchFamily="18" charset="0"/>
+                      </a:rPr>
+                      <m:t>=−2</m:t>
+                    </m:r>
+                    <m:r>
+                      <a:rPr lang="en-GB" b="0" i="1" smtClean="0">
+                        <a:latin typeface="Cambria Math" panose="02040503050406030204" pitchFamily="18" charset="0"/>
+                        <a:ea typeface="Cambria Math" panose="02040503050406030204" pitchFamily="18" charset="0"/>
+                      </a:rPr>
+                      <m:t>𝑟</m:t>
+                    </m:r>
+                    <m:func>
+                      <m:funcPr>
+                        <m:ctrlPr>
+                          <a:rPr lang="en-GB" b="0" i="1" smtClean="0">
+                            <a:latin typeface="Cambria Math" panose="02040503050406030204" pitchFamily="18" charset="0"/>
+                            <a:ea typeface="Cambria Math" panose="02040503050406030204" pitchFamily="18" charset="0"/>
+                          </a:rPr>
+                        </m:ctrlPr>
+                      </m:funcPr>
+                      <m:fName>
+                        <m:r>
+                          <m:rPr>
+                            <m:sty m:val="p"/>
+                          </m:rPr>
+                          <a:rPr lang="en-GB" b="0" i="0" smtClean="0">
+                            <a:latin typeface="Cambria Math" panose="02040503050406030204" pitchFamily="18" charset="0"/>
+                            <a:ea typeface="Cambria Math" panose="02040503050406030204" pitchFamily="18" charset="0"/>
+                          </a:rPr>
+                          <m:t>ln</m:t>
+                        </m:r>
+                      </m:fName>
+                      <m:e>
+                        <m:sSub>
+                          <m:sSubPr>
+                            <m:ctrlPr>
+                              <a:rPr lang="el-GR" b="0" i="1" smtClean="0">
+                                <a:latin typeface="Cambria Math" panose="02040503050406030204" pitchFamily="18" charset="0"/>
+                                <a:ea typeface="Cambria Math" panose="02040503050406030204" pitchFamily="18" charset="0"/>
+                              </a:rPr>
+                            </m:ctrlPr>
+                          </m:sSubPr>
+                          <m:e>
+                            <m:r>
+                              <m:rPr>
+                                <m:sty m:val="p"/>
+                              </m:rPr>
+                              <a:rPr lang="el-GR" b="0" i="1" smtClean="0">
+                                <a:latin typeface="Cambria Math" panose="02040503050406030204" pitchFamily="18" charset="0"/>
+                                <a:ea typeface="Cambria Math" panose="02040503050406030204" pitchFamily="18" charset="0"/>
+                              </a:rPr>
+                              <m:t>Λ</m:t>
+                            </m:r>
+                          </m:e>
+                          <m:sub>
+                            <m:r>
+                              <a:rPr lang="en-GB" b="0" i="1" smtClean="0">
+                                <a:latin typeface="Cambria Math" panose="02040503050406030204" pitchFamily="18" charset="0"/>
+                                <a:ea typeface="Cambria Math" panose="02040503050406030204" pitchFamily="18" charset="0"/>
+                              </a:rPr>
+                              <m:t>𝑢</m:t>
+                            </m:r>
+                          </m:sub>
+                        </m:sSub>
+                      </m:e>
+                    </m:func>
+                  </m:oMath>
+                </a14:m>
+                <a:endParaRPr lang="en-GB" dirty="0"/>
+              </a:p>
+              <a:p>
+                <a14:m>
+                  <m:oMath xmlns:m="http://schemas.openxmlformats.org/officeDocument/2006/math">
+                    <m:sSub>
+                      <m:sSubPr>
+                        <m:ctrlPr>
+                          <a:rPr lang="en-GB" i="1" smtClean="0">
+                            <a:latin typeface="Cambria Math" panose="02040503050406030204" pitchFamily="18" charset="0"/>
+                          </a:rPr>
+                        </m:ctrlPr>
+                      </m:sSubPr>
+                      <m:e>
+                        <m:r>
+                          <m:rPr>
+                            <m:sty m:val="p"/>
+                          </m:rPr>
+                          <a:rPr lang="el-GR" i="1" smtClean="0">
+                            <a:latin typeface="Cambria Math" panose="02040503050406030204" pitchFamily="18" charset="0"/>
+                            <a:ea typeface="Cambria Math" panose="02040503050406030204" pitchFamily="18" charset="0"/>
+                          </a:rPr>
+                          <m:t>Λ</m:t>
+                        </m:r>
+                      </m:e>
+                      <m:sub>
+                        <m:r>
+                          <a:rPr lang="en-GB" b="0" i="1" smtClean="0">
+                            <a:latin typeface="Cambria Math" panose="02040503050406030204" pitchFamily="18" charset="0"/>
+                          </a:rPr>
+                          <m:t>𝑢</m:t>
+                        </m:r>
+                      </m:sub>
+                    </m:sSub>
+                    <m:r>
+                      <a:rPr lang="en-GB" b="0" i="1" smtClean="0">
+                        <a:latin typeface="Cambria Math" panose="02040503050406030204" pitchFamily="18" charset="0"/>
+                      </a:rPr>
+                      <m:t>=1 −</m:t>
+                    </m:r>
+                    <m:sSub>
+                      <m:sSubPr>
+                        <m:ctrlPr>
+                          <a:rPr lang="en-GB" b="0" i="1" smtClean="0">
+                            <a:latin typeface="Cambria Math" panose="02040503050406030204" pitchFamily="18" charset="0"/>
+                          </a:rPr>
+                        </m:ctrlPr>
+                      </m:sSubPr>
+                      <m:e>
+                        <m:r>
+                          <a:rPr lang="en-GB" b="0" i="1" smtClean="0">
+                            <a:latin typeface="Cambria Math" panose="02040503050406030204" pitchFamily="18" charset="0"/>
+                          </a:rPr>
+                          <m:t>𝑒</m:t>
+                        </m:r>
+                      </m:e>
+                      <m:sub>
+                        <m:r>
+                          <a:rPr lang="en-GB" b="0" i="1" smtClean="0">
+                            <a:latin typeface="Cambria Math" panose="02040503050406030204" pitchFamily="18" charset="0"/>
+                          </a:rPr>
+                          <m:t>𝑇</m:t>
+                        </m:r>
+                      </m:sub>
+                    </m:sSub>
+                    <m:func>
+                      <m:funcPr>
+                        <m:ctrlPr>
+                          <a:rPr lang="en-GB" b="0" i="1" smtClean="0">
+                            <a:latin typeface="Cambria Math" panose="02040503050406030204" pitchFamily="18" charset="0"/>
+                          </a:rPr>
+                        </m:ctrlPr>
+                      </m:funcPr>
+                      <m:fName>
+                        <m:r>
+                          <m:rPr>
+                            <m:sty m:val="p"/>
+                          </m:rPr>
+                          <a:rPr lang="en-GB" b="0" i="0" smtClean="0">
+                            <a:latin typeface="Cambria Math" panose="02040503050406030204" pitchFamily="18" charset="0"/>
+                          </a:rPr>
+                          <m:t>cos</m:t>
+                        </m:r>
+                      </m:fName>
+                      <m:e>
+                        <m:r>
+                          <a:rPr lang="en-GB" b="0" i="1" smtClean="0">
+                            <a:latin typeface="Cambria Math" panose="02040503050406030204" pitchFamily="18" charset="0"/>
+                          </a:rPr>
+                          <m:t>𝑢</m:t>
+                        </m:r>
+                      </m:e>
+                    </m:func>
+                    <m:r>
+                      <a:rPr lang="en-GB" b="0" i="1" smtClean="0">
+                        <a:latin typeface="Cambria Math" panose="02040503050406030204" pitchFamily="18" charset="0"/>
+                      </a:rPr>
+                      <m:t> −</m:t>
+                    </m:r>
+                    <m:r>
+                      <a:rPr lang="en-GB" b="0" i="1" smtClean="0">
+                        <a:latin typeface="Cambria Math" panose="02040503050406030204" pitchFamily="18" charset="0"/>
+                      </a:rPr>
+                      <m:t>𝑠</m:t>
+                    </m:r>
+                    <m:r>
+                      <a:rPr lang="en-GB" b="0" i="1" smtClean="0">
+                        <a:latin typeface="Cambria Math" panose="02040503050406030204" pitchFamily="18" charset="0"/>
+                      </a:rPr>
+                      <m:t>[</m:t>
+                    </m:r>
+                    <m:r>
+                      <a:rPr lang="en-GB" b="0" i="1" smtClean="0">
+                        <a:latin typeface="Cambria Math" panose="02040503050406030204" pitchFamily="18" charset="0"/>
+                      </a:rPr>
+                      <m:t>𝑠𝑖𝑛</m:t>
+                    </m:r>
+                    <m:r>
+                      <a:rPr lang="en-GB" b="0" i="1" smtClean="0">
+                        <a:latin typeface="Cambria Math" panose="02040503050406030204" pitchFamily="18" charset="0"/>
+                        <a:ea typeface="Cambria Math" panose="02040503050406030204" pitchFamily="18" charset="0"/>
+                      </a:rPr>
+                      <m:t>𝜔</m:t>
+                    </m:r>
+                    <m:d>
+                      <m:dPr>
+                        <m:ctrlPr>
+                          <a:rPr lang="en-GB" b="0" i="1" smtClean="0">
+                            <a:latin typeface="Cambria Math" panose="02040503050406030204" pitchFamily="18" charset="0"/>
+                            <a:ea typeface="Cambria Math" panose="02040503050406030204" pitchFamily="18" charset="0"/>
+                          </a:rPr>
+                        </m:ctrlPr>
+                      </m:dPr>
+                      <m:e>
+                        <m:func>
+                          <m:funcPr>
+                            <m:ctrlPr>
+                              <a:rPr lang="en-GB" b="0" i="1" smtClean="0">
+                                <a:latin typeface="Cambria Math" panose="02040503050406030204" pitchFamily="18" charset="0"/>
+                                <a:ea typeface="Cambria Math" panose="02040503050406030204" pitchFamily="18" charset="0"/>
+                              </a:rPr>
+                            </m:ctrlPr>
+                          </m:funcPr>
+                          <m:fName>
+                            <m:r>
+                              <m:rPr>
+                                <m:sty m:val="p"/>
+                              </m:rPr>
+                              <a:rPr lang="en-GB" b="0" i="0" smtClean="0">
+                                <a:latin typeface="Cambria Math" panose="02040503050406030204" pitchFamily="18" charset="0"/>
+                                <a:ea typeface="Cambria Math" panose="02040503050406030204" pitchFamily="18" charset="0"/>
+                              </a:rPr>
+                              <m:t>cos</m:t>
+                            </m:r>
+                          </m:fName>
+                          <m:e>
+                            <m:r>
+                              <a:rPr lang="en-GB" b="0" i="1" smtClean="0">
+                                <a:latin typeface="Cambria Math" panose="02040503050406030204" pitchFamily="18" charset="0"/>
+                                <a:ea typeface="Cambria Math" panose="02040503050406030204" pitchFamily="18" charset="0"/>
+                              </a:rPr>
+                              <m:t>𝑢</m:t>
+                            </m:r>
+                          </m:e>
+                        </m:func>
+                        <m:r>
+                          <a:rPr lang="en-GB" b="0" i="1" smtClean="0">
+                            <a:latin typeface="Cambria Math" panose="02040503050406030204" pitchFamily="18" charset="0"/>
+                            <a:ea typeface="Cambria Math" panose="02040503050406030204" pitchFamily="18" charset="0"/>
+                          </a:rPr>
+                          <m:t>− </m:t>
+                        </m:r>
+                        <m:sSub>
+                          <m:sSubPr>
+                            <m:ctrlPr>
+                              <a:rPr lang="en-GB" b="0" i="1" smtClean="0">
+                                <a:latin typeface="Cambria Math" panose="02040503050406030204" pitchFamily="18" charset="0"/>
+                                <a:ea typeface="Cambria Math" panose="02040503050406030204" pitchFamily="18" charset="0"/>
+                              </a:rPr>
+                            </m:ctrlPr>
+                          </m:sSubPr>
+                          <m:e>
+                            <m:r>
+                              <a:rPr lang="en-GB" b="0" i="1" smtClean="0">
+                                <a:latin typeface="Cambria Math" panose="02040503050406030204" pitchFamily="18" charset="0"/>
+                                <a:ea typeface="Cambria Math" panose="02040503050406030204" pitchFamily="18" charset="0"/>
+                              </a:rPr>
+                              <m:t>𝑒</m:t>
+                            </m:r>
+                          </m:e>
+                          <m:sub>
+                            <m:r>
+                              <a:rPr lang="en-GB" b="0" i="1" smtClean="0">
+                                <a:latin typeface="Cambria Math" panose="02040503050406030204" pitchFamily="18" charset="0"/>
+                                <a:ea typeface="Cambria Math" panose="02040503050406030204" pitchFamily="18" charset="0"/>
+                              </a:rPr>
+                              <m:t>𝑇</m:t>
+                            </m:r>
+                          </m:sub>
+                        </m:sSub>
+                      </m:e>
+                    </m:d>
+                    <m:r>
+                      <a:rPr lang="en-GB" b="0" i="1" smtClean="0">
+                        <a:latin typeface="Cambria Math" panose="02040503050406030204" pitchFamily="18" charset="0"/>
+                        <a:ea typeface="Cambria Math" panose="02040503050406030204" pitchFamily="18" charset="0"/>
+                      </a:rPr>
+                      <m:t>+(1 −</m:t>
+                    </m:r>
+                    <m:sSubSup>
+                      <m:sSubSupPr>
+                        <m:ctrlPr>
+                          <a:rPr lang="en-GB" b="0" i="1" smtClean="0">
+                            <a:latin typeface="Cambria Math" panose="02040503050406030204" pitchFamily="18" charset="0"/>
+                            <a:ea typeface="Cambria Math" panose="02040503050406030204" pitchFamily="18" charset="0"/>
+                          </a:rPr>
+                        </m:ctrlPr>
+                      </m:sSubSupPr>
+                      <m:e>
+                        <m:r>
+                          <a:rPr lang="en-GB" b="0" i="1" smtClean="0">
+                            <a:latin typeface="Cambria Math" panose="02040503050406030204" pitchFamily="18" charset="0"/>
+                            <a:ea typeface="Cambria Math" panose="02040503050406030204" pitchFamily="18" charset="0"/>
+                          </a:rPr>
+                          <m:t>𝑒</m:t>
+                        </m:r>
+                      </m:e>
+                      <m:sub>
+                        <m:r>
+                          <a:rPr lang="en-GB" b="0" i="1" smtClean="0">
+                            <a:latin typeface="Cambria Math" panose="02040503050406030204" pitchFamily="18" charset="0"/>
+                            <a:ea typeface="Cambria Math" panose="02040503050406030204" pitchFamily="18" charset="0"/>
+                          </a:rPr>
+                          <m:t>𝑇</m:t>
+                        </m:r>
+                      </m:sub>
+                      <m:sup>
+                        <m:r>
+                          <a:rPr lang="en-GB" b="0" i="1" smtClean="0">
+                            <a:latin typeface="Cambria Math" panose="02040503050406030204" pitchFamily="18" charset="0"/>
+                            <a:ea typeface="Cambria Math" panose="02040503050406030204" pitchFamily="18" charset="0"/>
+                          </a:rPr>
+                          <m:t>2</m:t>
+                        </m:r>
+                      </m:sup>
+                    </m:sSubSup>
+                    <m:sSup>
+                      <m:sSupPr>
+                        <m:ctrlPr>
+                          <a:rPr lang="en-GB" b="0" i="1" smtClean="0">
+                            <a:latin typeface="Cambria Math" panose="02040503050406030204" pitchFamily="18" charset="0"/>
+                            <a:ea typeface="Cambria Math" panose="02040503050406030204" pitchFamily="18" charset="0"/>
+                          </a:rPr>
+                        </m:ctrlPr>
+                      </m:sSupPr>
+                      <m:e>
+                        <m:r>
+                          <a:rPr lang="en-GB" b="0" i="1" smtClean="0">
+                            <a:latin typeface="Cambria Math" panose="02040503050406030204" pitchFamily="18" charset="0"/>
+                            <a:ea typeface="Cambria Math" panose="02040503050406030204" pitchFamily="18" charset="0"/>
+                          </a:rPr>
+                          <m:t>)</m:t>
+                        </m:r>
+                      </m:e>
+                      <m:sup>
+                        <m:f>
+                          <m:fPr>
+                            <m:ctrlPr>
+                              <a:rPr lang="en-GB" b="0" i="1" smtClean="0">
+                                <a:latin typeface="Cambria Math" panose="02040503050406030204" pitchFamily="18" charset="0"/>
+                                <a:ea typeface="Cambria Math" panose="02040503050406030204" pitchFamily="18" charset="0"/>
+                              </a:rPr>
+                            </m:ctrlPr>
+                          </m:fPr>
+                          <m:num>
+                            <m:r>
+                              <a:rPr lang="en-GB" b="0" i="1" smtClean="0">
+                                <a:latin typeface="Cambria Math" panose="02040503050406030204" pitchFamily="18" charset="0"/>
+                                <a:ea typeface="Cambria Math" panose="02040503050406030204" pitchFamily="18" charset="0"/>
+                              </a:rPr>
+                              <m:t>1</m:t>
+                            </m:r>
+                          </m:num>
+                          <m:den>
+                            <m:r>
+                              <a:rPr lang="en-GB" b="0" i="1" smtClean="0">
+                                <a:latin typeface="Cambria Math" panose="02040503050406030204" pitchFamily="18" charset="0"/>
+                                <a:ea typeface="Cambria Math" panose="02040503050406030204" pitchFamily="18" charset="0"/>
+                              </a:rPr>
+                              <m:t>2</m:t>
+                            </m:r>
+                          </m:den>
+                        </m:f>
+                      </m:sup>
+                    </m:sSup>
+                    <m:func>
+                      <m:funcPr>
+                        <m:ctrlPr>
+                          <a:rPr lang="en-GB" b="0" i="1" smtClean="0">
+                            <a:latin typeface="Cambria Math" panose="02040503050406030204" pitchFamily="18" charset="0"/>
+                            <a:ea typeface="Cambria Math" panose="02040503050406030204" pitchFamily="18" charset="0"/>
+                          </a:rPr>
+                        </m:ctrlPr>
+                      </m:funcPr>
+                      <m:fName>
+                        <m:r>
+                          <m:rPr>
+                            <m:sty m:val="p"/>
+                          </m:rPr>
+                          <a:rPr lang="en-GB" b="0" i="0" smtClean="0">
+                            <a:latin typeface="Cambria Math" panose="02040503050406030204" pitchFamily="18" charset="0"/>
+                            <a:ea typeface="Cambria Math" panose="02040503050406030204" pitchFamily="18" charset="0"/>
+                          </a:rPr>
+                          <m:t>cos</m:t>
+                        </m:r>
+                      </m:fName>
+                      <m:e>
+                        <m:r>
+                          <a:rPr lang="en-GB" b="0" i="1" smtClean="0">
+                            <a:latin typeface="Cambria Math" panose="02040503050406030204" pitchFamily="18" charset="0"/>
+                            <a:ea typeface="Cambria Math" panose="02040503050406030204" pitchFamily="18" charset="0"/>
+                          </a:rPr>
+                          <m:t>𝜔</m:t>
+                        </m:r>
+                      </m:e>
+                    </m:func>
+                    <m:func>
+                      <m:funcPr>
+                        <m:ctrlPr>
+                          <a:rPr lang="en-GB" b="0" i="1" smtClean="0">
+                            <a:latin typeface="Cambria Math" panose="02040503050406030204" pitchFamily="18" charset="0"/>
+                            <a:ea typeface="Cambria Math" panose="02040503050406030204" pitchFamily="18" charset="0"/>
+                          </a:rPr>
+                        </m:ctrlPr>
+                      </m:funcPr>
+                      <m:fName>
+                        <m:r>
+                          <m:rPr>
+                            <m:sty m:val="p"/>
+                          </m:rPr>
+                          <a:rPr lang="en-GB" b="0" i="0" smtClean="0">
+                            <a:latin typeface="Cambria Math" panose="02040503050406030204" pitchFamily="18" charset="0"/>
+                            <a:ea typeface="Cambria Math" panose="02040503050406030204" pitchFamily="18" charset="0"/>
+                          </a:rPr>
+                          <m:t>sin</m:t>
+                        </m:r>
+                      </m:fName>
+                      <m:e>
+                        <m:r>
+                          <a:rPr lang="en-GB" b="0" i="1" smtClean="0">
+                            <a:latin typeface="Cambria Math" panose="02040503050406030204" pitchFamily="18" charset="0"/>
+                            <a:ea typeface="Cambria Math" panose="02040503050406030204" pitchFamily="18" charset="0"/>
+                          </a:rPr>
+                          <m:t>𝑢</m:t>
+                        </m:r>
+                      </m:e>
+                    </m:func>
+                    <m:r>
+                      <a:rPr lang="en-GB" b="0" i="1" smtClean="0">
+                        <a:latin typeface="Cambria Math" panose="02040503050406030204" pitchFamily="18" charset="0"/>
+                        <a:ea typeface="Cambria Math" panose="02040503050406030204" pitchFamily="18" charset="0"/>
+                      </a:rPr>
+                      <m:t>]</m:t>
+                    </m:r>
+                  </m:oMath>
+                </a14:m>
+                <a:endParaRPr lang="en-GB" dirty="0"/>
+              </a:p>
+              <a:p>
+                <a:endParaRPr lang="en-GB" dirty="0"/>
+              </a:p>
+              <a:p>
+                <a:r>
+                  <a:rPr lang="en-GB" dirty="0"/>
+                  <a:t>PK parameters:</a:t>
+                </a:r>
+              </a:p>
+              <a:p>
+                <a:pPr lvl="1"/>
+                <a14:m>
+                  <m:oMath xmlns:m="http://schemas.openxmlformats.org/officeDocument/2006/math">
+                    <m:r>
+                      <a:rPr lang="en-GB" b="0" i="1" smtClean="0">
+                        <a:latin typeface="Cambria Math" panose="02040503050406030204" pitchFamily="18" charset="0"/>
+                      </a:rPr>
+                      <m:t>𝑟</m:t>
+                    </m:r>
+                  </m:oMath>
+                </a14:m>
+                <a:r>
+                  <a:rPr lang="en-GB" dirty="0"/>
+                  <a:t> – range of the Shapiro delay</a:t>
+                </a:r>
+              </a:p>
+              <a:p>
+                <a:pPr lvl="1"/>
+                <a14:m>
+                  <m:oMath xmlns:m="http://schemas.openxmlformats.org/officeDocument/2006/math">
+                    <m:r>
+                      <a:rPr lang="en-GB" i="1" dirty="0" smtClean="0">
+                        <a:latin typeface="Cambria Math" panose="02040503050406030204" pitchFamily="18" charset="0"/>
+                      </a:rPr>
+                      <m:t>𝑠</m:t>
+                    </m:r>
+                  </m:oMath>
+                </a14:m>
+                <a:r>
+                  <a:rPr lang="en-GB" dirty="0"/>
+                  <a:t> – shape of the Shapiro delay</a:t>
+                </a:r>
+              </a:p>
+              <a:p>
+                <a:pPr lvl="1"/>
+                <a:endParaRPr lang="en-GB" dirty="0"/>
+              </a:p>
+              <a:p>
+                <a:pPr lvl="1"/>
+                <a14:m>
+                  <m:oMath xmlns:m="http://schemas.openxmlformats.org/officeDocument/2006/math">
+                    <m:r>
+                      <a:rPr lang="en-GB" b="0" i="1" smtClean="0">
+                        <a:latin typeface="Cambria Math" panose="02040503050406030204" pitchFamily="18" charset="0"/>
+                      </a:rPr>
+                      <m:t>𝑠</m:t>
+                    </m:r>
+                    <m:r>
+                      <a:rPr lang="en-GB" b="0" i="1" smtClean="0">
+                        <a:latin typeface="Cambria Math" panose="02040503050406030204" pitchFamily="18" charset="0"/>
+                      </a:rPr>
+                      <m:t>=</m:t>
+                    </m:r>
+                    <m:func>
+                      <m:funcPr>
+                        <m:ctrlPr>
+                          <a:rPr lang="en-GB" b="0" i="1" smtClean="0">
+                            <a:latin typeface="Cambria Math" panose="02040503050406030204" pitchFamily="18" charset="0"/>
+                          </a:rPr>
+                        </m:ctrlPr>
+                      </m:funcPr>
+                      <m:fName>
+                        <m:r>
+                          <m:rPr>
+                            <m:sty m:val="p"/>
+                          </m:rPr>
+                          <a:rPr lang="en-GB" b="0" i="0" smtClean="0">
+                            <a:latin typeface="Cambria Math" panose="02040503050406030204" pitchFamily="18" charset="0"/>
+                          </a:rPr>
+                          <m:t>sin</m:t>
+                        </m:r>
+                      </m:fName>
+                      <m:e>
+                        <m:r>
+                          <a:rPr lang="en-GB" b="0" i="1" smtClean="0">
+                            <a:latin typeface="Cambria Math" panose="02040503050406030204" pitchFamily="18" charset="0"/>
+                          </a:rPr>
+                          <m:t>𝑖</m:t>
+                        </m:r>
+                      </m:e>
+                    </m:func>
+                    <m:r>
+                      <a:rPr lang="en-GB" b="0" i="1" smtClean="0">
+                        <a:latin typeface="Cambria Math" panose="02040503050406030204" pitchFamily="18" charset="0"/>
+                      </a:rPr>
+                      <m:t> </m:t>
+                    </m:r>
+                  </m:oMath>
+                </a14:m>
+                <a:r>
+                  <a:rPr lang="en-GB" dirty="0"/>
+                  <a:t> (Shapiro shape = the sine of the orbital inclination)</a:t>
+                </a:r>
+              </a:p>
+              <a:p>
+                <a:pPr lvl="1"/>
+                <a:r>
+                  <a:rPr lang="en-GB" dirty="0"/>
+                  <a:t>Range of the Shapiro delay is linked to the mass of the companion</a:t>
+                </a:r>
+              </a:p>
+              <a:p>
+                <a:pPr lvl="1"/>
+                <a14:m>
+                  <m:oMath xmlns:m="http://schemas.openxmlformats.org/officeDocument/2006/math">
+                    <m:r>
+                      <a:rPr lang="en-GB" b="0" i="1" smtClean="0">
+                        <a:latin typeface="Cambria Math" panose="02040503050406030204" pitchFamily="18" charset="0"/>
+                      </a:rPr>
+                      <m:t>𝑟</m:t>
+                    </m:r>
+                    <m:r>
+                      <a:rPr lang="en-GB" b="0" i="1" smtClean="0">
+                        <a:latin typeface="Cambria Math" panose="02040503050406030204" pitchFamily="18" charset="0"/>
+                      </a:rPr>
+                      <m:t>=</m:t>
+                    </m:r>
+                    <m:r>
+                      <a:rPr lang="en-GB" b="0" i="1" smtClean="0">
+                        <a:latin typeface="Cambria Math" panose="02040503050406030204" pitchFamily="18" charset="0"/>
+                      </a:rPr>
+                      <m:t>𝐺</m:t>
+                    </m:r>
+                    <m:sSub>
+                      <m:sSubPr>
+                        <m:ctrlPr>
+                          <a:rPr lang="en-GB" b="0" i="1" smtClean="0">
+                            <a:latin typeface="Cambria Math" panose="02040503050406030204" pitchFamily="18" charset="0"/>
+                          </a:rPr>
+                        </m:ctrlPr>
+                      </m:sSubPr>
+                      <m:e>
+                        <m:r>
+                          <a:rPr lang="en-GB" b="0" i="1" smtClean="0">
+                            <a:latin typeface="Cambria Math" panose="02040503050406030204" pitchFamily="18" charset="0"/>
+                          </a:rPr>
+                          <m:t>𝑚</m:t>
+                        </m:r>
+                      </m:e>
+                      <m:sub>
+                        <m:r>
+                          <a:rPr lang="en-GB" b="0" i="1" smtClean="0">
+                            <a:latin typeface="Cambria Math" panose="02040503050406030204" pitchFamily="18" charset="0"/>
+                          </a:rPr>
+                          <m:t>𝐵</m:t>
+                        </m:r>
+                      </m:sub>
+                    </m:sSub>
+                    <m:r>
+                      <a:rPr lang="en-GB" b="0" i="1" smtClean="0">
+                        <a:latin typeface="Cambria Math" panose="02040503050406030204" pitchFamily="18" charset="0"/>
+                      </a:rPr>
+                      <m:t>/</m:t>
+                    </m:r>
+                    <m:sSup>
+                      <m:sSupPr>
+                        <m:ctrlPr>
+                          <a:rPr lang="en-GB" b="0" i="1" smtClean="0">
+                            <a:latin typeface="Cambria Math" panose="02040503050406030204" pitchFamily="18" charset="0"/>
+                          </a:rPr>
+                        </m:ctrlPr>
+                      </m:sSupPr>
+                      <m:e>
+                        <m:r>
+                          <a:rPr lang="en-GB" b="0" i="1" smtClean="0">
+                            <a:latin typeface="Cambria Math" panose="02040503050406030204" pitchFamily="18" charset="0"/>
+                          </a:rPr>
+                          <m:t>𝑐</m:t>
+                        </m:r>
+                      </m:e>
+                      <m:sup>
+                        <m:r>
+                          <a:rPr lang="en-GB" b="0" i="1" smtClean="0">
+                            <a:latin typeface="Cambria Math" panose="02040503050406030204" pitchFamily="18" charset="0"/>
+                          </a:rPr>
+                          <m:t>3</m:t>
+                        </m:r>
+                      </m:sup>
+                    </m:sSup>
+                  </m:oMath>
+                </a14:m>
+                <a:endParaRPr lang="en-GB" dirty="0"/>
+              </a:p>
+            </p:txBody>
+          </p:sp>
+        </mc:Choice>
+        <mc:Fallback>
+          <p:sp>
+            <p:nvSpPr>
+              <p:cNvPr id="3" name="Content Placeholder 2">
+                <a:extLst>
+                  <a:ext uri="{FF2B5EF4-FFF2-40B4-BE49-F238E27FC236}">
+                    <a16:creationId xmlns:a16="http://schemas.microsoft.com/office/drawing/2014/main" id="{0E3A6E17-8F8F-4C87-9FDC-F78B204C9371}"/>
+                  </a:ext>
+                </a:extLst>
+              </p:cNvPr>
+              <p:cNvSpPr>
+                <a:spLocks noGrp="1" noRot="1" noChangeAspect="1" noMove="1" noResize="1" noEditPoints="1" noAdjustHandles="1" noChangeArrowheads="1" noChangeShapeType="1" noTextEdit="1"/>
+              </p:cNvSpPr>
+              <p:nvPr>
+                <p:ph idx="1"/>
+              </p:nvPr>
+            </p:nvSpPr>
+            <p:spPr>
+              <a:blipFill>
+                <a:blip r:embed="rId4"/>
+                <a:stretch>
+                  <a:fillRect l="-1043" b="-2381"/>
+                </a:stretch>
+              </a:blipFill>
+            </p:spPr>
+            <p:txBody>
+              <a:bodyPr/>
+              <a:lstStyle/>
+              <a:p>
+                <a:r>
+                  <a:rPr lang="en-GB">
+                    <a:noFill/>
+                  </a:rPr>
+                  <a:t> </a:t>
+                </a:r>
+              </a:p>
+            </p:txBody>
+          </p:sp>
+        </mc:Fallback>
+      </mc:AlternateContent>
+    </p:spTree>
+    <p:extLst>
+      <p:ext uri="{BB962C8B-B14F-4D97-AF65-F5344CB8AC3E}">
+        <p14:creationId xmlns:p14="http://schemas.microsoft.com/office/powerpoint/2010/main" val="2852872148"/>
+      </p:ext>
+    </p:extLst>
+  </p:cSld>
+  <p:clrMapOvr>
+    <a:masterClrMapping/>
+  </p:clrMapOvr>
+</p:sld>
+</file>
+
+<file path=ppt/slides/slide13.xml><?xml version="1.0" encoding="utf-8"?>
+<p:sld xmlns:a="http://schemas.openxmlformats.org/drawingml/2006/main" xmlns:r="http://schemas.openxmlformats.org/officeDocument/2006/relationships" xmlns:p="http://schemas.openxmlformats.org/presentationml/2006/main">
+  <p:cSld>
+    <p:spTree>
+      <p:nvGrpSpPr>
+        <p:cNvPr id="1" name=""/>
+        <p:cNvGrpSpPr/>
+        <p:nvPr/>
+      </p:nvGrpSpPr>
+      <p:grpSpPr>
+        <a:xfrm>
+          <a:off x="0" y="0"/>
+          <a:ext cx="0" cy="0"/>
+          <a:chOff x="0" y="0"/>
+          <a:chExt cx="0" cy="0"/>
+        </a:xfrm>
+      </p:grpSpPr>
+      <p:pic>
+        <p:nvPicPr>
+          <p:cNvPr id="5" name="Picture 4" descr="A swirling meteorite">
+            <a:extLst>
+              <a:ext uri="{FF2B5EF4-FFF2-40B4-BE49-F238E27FC236}">
+                <a16:creationId xmlns:a16="http://schemas.microsoft.com/office/drawing/2014/main" id="{E70DBCB2-40E5-47BD-8CD2-0559B977AD09}"/>
+              </a:ext>
+            </a:extLst>
+          </p:cNvPr>
+          <p:cNvPicPr>
+            <a:picLocks noChangeAspect="1"/>
+          </p:cNvPicPr>
+          <p:nvPr/>
+        </p:nvPicPr>
+        <p:blipFill rotWithShape="1">
+          <a:blip r:embed="rId3">
+            <a:alphaModFix/>
+          </a:blip>
+          <a:srcRect t="157" b="12971"/>
+          <a:stretch/>
+        </p:blipFill>
+        <p:spPr>
+          <a:xfrm>
+            <a:off x="-1582074" y="-1685261"/>
+            <a:ext cx="18184010" cy="10228521"/>
+          </a:xfrm>
+          <a:prstGeom prst="rect">
+            <a:avLst/>
+          </a:prstGeom>
+        </p:spPr>
+      </p:pic>
+      <p:sp>
+        <p:nvSpPr>
+          <p:cNvPr id="4" name="Rectangle 3">
+            <a:extLst>
+              <a:ext uri="{FF2B5EF4-FFF2-40B4-BE49-F238E27FC236}">
+                <a16:creationId xmlns:a16="http://schemas.microsoft.com/office/drawing/2014/main" id="{0DCA3238-DFD5-4B42-8F71-C50763545B71}"/>
+              </a:ext>
+            </a:extLst>
+          </p:cNvPr>
+          <p:cNvSpPr/>
+          <p:nvPr/>
+        </p:nvSpPr>
+        <p:spPr>
+          <a:xfrm>
+            <a:off x="710609" y="595423"/>
+            <a:ext cx="10770782" cy="5667154"/>
+          </a:xfrm>
+          <a:prstGeom prst="rect">
+            <a:avLst/>
+          </a:prstGeom>
+          <a:solidFill>
+            <a:schemeClr val="bg1">
+              <a:alpha val="90000"/>
+            </a:schemeClr>
+          </a:solidFill>
+        </p:spPr>
+        <p:style>
+          <a:lnRef idx="2">
+            <a:schemeClr val="accent1">
+              <a:shade val="50000"/>
+            </a:schemeClr>
+          </a:lnRef>
+          <a:fillRef idx="1">
+            <a:schemeClr val="accent1"/>
+          </a:fillRef>
+          <a:effectRef idx="0">
+            <a:schemeClr val="accent1"/>
+          </a:effectRef>
+          <a:fontRef idx="minor">
+            <a:schemeClr val="lt1"/>
+          </a:fontRef>
+        </p:style>
+        <p:txBody>
+          <a:bodyPr rtlCol="0" anchor="ctr"/>
+          <a:lstStyle/>
+          <a:p>
+            <a:pPr algn="ctr"/>
+            <a:endParaRPr lang="en-GB" dirty="0"/>
+          </a:p>
+        </p:txBody>
+      </p:sp>
+      <p:sp>
+        <p:nvSpPr>
+          <p:cNvPr id="2" name="Title 1">
+            <a:extLst>
+              <a:ext uri="{FF2B5EF4-FFF2-40B4-BE49-F238E27FC236}">
+                <a16:creationId xmlns:a16="http://schemas.microsoft.com/office/drawing/2014/main" id="{1215D4E6-5D2B-476D-8634-92BD26E49538}"/>
+              </a:ext>
+            </a:extLst>
+          </p:cNvPr>
+          <p:cNvSpPr>
+            <a:spLocks noGrp="1"/>
+          </p:cNvSpPr>
+          <p:nvPr>
+            <p:ph type="title"/>
+          </p:nvPr>
+        </p:nvSpPr>
+        <p:spPr>
+          <a:xfrm>
+            <a:off x="838200" y="595423"/>
+            <a:ext cx="10515600" cy="1095265"/>
+          </a:xfrm>
+        </p:spPr>
+        <p:txBody>
+          <a:bodyPr/>
+          <a:lstStyle/>
+          <a:p>
+            <a:pPr algn="ctr"/>
+            <a:r>
+              <a:rPr lang="en-GB" dirty="0"/>
+              <a:t>Shapiro Delay Equation</a:t>
+            </a:r>
+          </a:p>
+        </p:txBody>
+      </p:sp>
+      <mc:AlternateContent xmlns:mc="http://schemas.openxmlformats.org/markup-compatibility/2006">
+        <mc:Choice xmlns:a14="http://schemas.microsoft.com/office/drawing/2010/main" Requires="a14">
+          <p:sp>
+            <p:nvSpPr>
+              <p:cNvPr id="3" name="Content Placeholder 2">
+                <a:extLst>
+                  <a:ext uri="{FF2B5EF4-FFF2-40B4-BE49-F238E27FC236}">
+                    <a16:creationId xmlns:a16="http://schemas.microsoft.com/office/drawing/2014/main" id="{A9393AB9-AAB7-420B-815F-5FEA72445D5B}"/>
+                  </a:ext>
+                </a:extLst>
+              </p:cNvPr>
+              <p:cNvSpPr>
+                <a:spLocks noGrp="1"/>
+              </p:cNvSpPr>
+              <p:nvPr>
+                <p:ph idx="1"/>
+              </p:nvPr>
+            </p:nvSpPr>
+            <p:spPr/>
+            <p:txBody>
+              <a:bodyPr/>
+              <a:lstStyle/>
+              <a:p>
+                <a14:m>
+                  <m:oMath xmlns:m="http://schemas.openxmlformats.org/officeDocument/2006/math">
+                    <m:sSub>
+                      <m:sSubPr>
+                        <m:ctrlPr>
+                          <a:rPr lang="en-GB" i="1" smtClean="0">
+                            <a:latin typeface="Cambria Math" panose="02040503050406030204" pitchFamily="18" charset="0"/>
+                          </a:rPr>
+                        </m:ctrlPr>
+                      </m:sSubPr>
+                      <m:e>
+                        <m:r>
+                          <m:rPr>
+                            <m:sty m:val="p"/>
+                          </m:rPr>
+                          <a:rPr lang="el-GR" i="1" smtClean="0">
+                            <a:latin typeface="Cambria Math" panose="02040503050406030204" pitchFamily="18" charset="0"/>
+                            <a:ea typeface="Cambria Math" panose="02040503050406030204" pitchFamily="18" charset="0"/>
+                          </a:rPr>
+                          <m:t>Δ</m:t>
+                        </m:r>
+                      </m:e>
+                      <m:sub>
+                        <m:r>
+                          <a:rPr lang="en-GB" b="0" i="1" smtClean="0">
+                            <a:latin typeface="Cambria Math" panose="02040503050406030204" pitchFamily="18" charset="0"/>
+                          </a:rPr>
+                          <m:t>𝑆</m:t>
+                        </m:r>
+                        <m:r>
+                          <a:rPr lang="en-GB" b="0" i="1" smtClean="0">
+                            <a:latin typeface="Cambria Math" panose="02040503050406030204" pitchFamily="18" charset="0"/>
+                            <a:ea typeface="Cambria Math" panose="02040503050406030204" pitchFamily="18" charset="0"/>
+                          </a:rPr>
+                          <m:t>⊙</m:t>
+                        </m:r>
+                      </m:sub>
+                    </m:sSub>
+                    <m:r>
+                      <a:rPr lang="en-GB" b="0" i="1" smtClean="0">
+                        <a:latin typeface="Cambria Math" panose="02040503050406030204" pitchFamily="18" charset="0"/>
+                      </a:rPr>
+                      <m:t>=</m:t>
+                    </m:r>
+                    <m:f>
+                      <m:fPr>
+                        <m:ctrlPr>
+                          <a:rPr lang="en-GB" b="0" i="1" smtClean="0">
+                            <a:latin typeface="Cambria Math" panose="02040503050406030204" pitchFamily="18" charset="0"/>
+                          </a:rPr>
+                        </m:ctrlPr>
+                      </m:fPr>
+                      <m:num>
+                        <m:r>
+                          <a:rPr lang="en-GB" b="0" i="1" smtClean="0">
+                            <a:latin typeface="Cambria Math" panose="02040503050406030204" pitchFamily="18" charset="0"/>
+                          </a:rPr>
+                          <m:t>2</m:t>
+                        </m:r>
+                        <m:r>
+                          <a:rPr lang="en-GB" b="0" i="1" smtClean="0">
+                            <a:latin typeface="Cambria Math" panose="02040503050406030204" pitchFamily="18" charset="0"/>
+                          </a:rPr>
+                          <m:t>𝐺</m:t>
+                        </m:r>
+                        <m:sSub>
+                          <m:sSubPr>
+                            <m:ctrlPr>
+                              <a:rPr lang="en-GB" b="0" i="1" smtClean="0">
+                                <a:latin typeface="Cambria Math" panose="02040503050406030204" pitchFamily="18" charset="0"/>
+                              </a:rPr>
+                            </m:ctrlPr>
+                          </m:sSubPr>
+                          <m:e>
+                            <m:r>
+                              <a:rPr lang="en-GB" b="0" i="1" smtClean="0">
+                                <a:latin typeface="Cambria Math" panose="02040503050406030204" pitchFamily="18" charset="0"/>
+                              </a:rPr>
+                              <m:t>𝑀</m:t>
+                            </m:r>
+                          </m:e>
+                          <m:sub>
+                            <m:r>
+                              <a:rPr lang="en-GB" b="0" i="1" smtClean="0">
+                                <a:latin typeface="Cambria Math" panose="02040503050406030204" pitchFamily="18" charset="0"/>
+                                <a:ea typeface="Cambria Math" panose="02040503050406030204" pitchFamily="18" charset="0"/>
+                              </a:rPr>
+                              <m:t>⊙</m:t>
+                            </m:r>
+                          </m:sub>
+                        </m:sSub>
+                      </m:num>
+                      <m:den>
+                        <m:sSup>
+                          <m:sSupPr>
+                            <m:ctrlPr>
+                              <a:rPr lang="en-GB" b="0" i="1" smtClean="0">
+                                <a:latin typeface="Cambria Math" panose="02040503050406030204" pitchFamily="18" charset="0"/>
+                              </a:rPr>
+                            </m:ctrlPr>
+                          </m:sSupPr>
+                          <m:e>
+                            <m:r>
+                              <a:rPr lang="en-GB" b="0" i="1" smtClean="0">
+                                <a:latin typeface="Cambria Math" panose="02040503050406030204" pitchFamily="18" charset="0"/>
+                              </a:rPr>
+                              <m:t>𝑐</m:t>
+                            </m:r>
+                          </m:e>
+                          <m:sup>
+                            <m:r>
+                              <a:rPr lang="en-GB" b="0" i="1" smtClean="0">
+                                <a:latin typeface="Cambria Math" panose="02040503050406030204" pitchFamily="18" charset="0"/>
+                              </a:rPr>
+                              <m:t>3</m:t>
+                            </m:r>
+                          </m:sup>
+                        </m:sSup>
+                      </m:den>
+                    </m:f>
+                    <m:func>
+                      <m:funcPr>
+                        <m:ctrlPr>
+                          <a:rPr lang="en-GB" b="0" i="1" smtClean="0">
+                            <a:latin typeface="Cambria Math" panose="02040503050406030204" pitchFamily="18" charset="0"/>
+                          </a:rPr>
+                        </m:ctrlPr>
+                      </m:funcPr>
+                      <m:fName>
+                        <m:r>
+                          <m:rPr>
+                            <m:sty m:val="p"/>
+                          </m:rPr>
+                          <a:rPr lang="en-GB" b="0" i="0" smtClean="0">
+                            <a:latin typeface="Cambria Math" panose="02040503050406030204" pitchFamily="18" charset="0"/>
+                          </a:rPr>
+                          <m:t>ln</m:t>
+                        </m:r>
+                      </m:fName>
+                      <m:e>
+                        <m:r>
+                          <a:rPr lang="en-GB" b="0" i="1" smtClean="0">
+                            <a:latin typeface="Cambria Math" panose="02040503050406030204" pitchFamily="18" charset="0"/>
+                          </a:rPr>
+                          <m:t>[|</m:t>
+                        </m:r>
+                        <m:sSub>
+                          <m:sSubPr>
+                            <m:ctrlPr>
+                              <a:rPr lang="en-GB" b="0" i="1" smtClean="0">
+                                <a:latin typeface="Cambria Math" panose="02040503050406030204" pitchFamily="18" charset="0"/>
+                              </a:rPr>
+                            </m:ctrlPr>
+                          </m:sSubPr>
+                          <m:e>
+                            <m:r>
+                              <a:rPr lang="en-GB" b="0" i="1" smtClean="0">
+                                <a:latin typeface="Cambria Math" panose="02040503050406030204" pitchFamily="18" charset="0"/>
+                              </a:rPr>
+                              <m:t>𝑟</m:t>
+                            </m:r>
+                          </m:e>
+                          <m:sub>
+                            <m:r>
+                              <a:rPr lang="en-GB" b="0" i="1" smtClean="0">
+                                <a:latin typeface="Cambria Math" panose="02040503050406030204" pitchFamily="18" charset="0"/>
+                                <a:ea typeface="Cambria Math" panose="02040503050406030204" pitchFamily="18" charset="0"/>
+                              </a:rPr>
+                              <m:t>⊙</m:t>
+                            </m:r>
+                          </m:sub>
+                        </m:sSub>
+                        <m:r>
+                          <a:rPr lang="en-GB" b="0" i="1" smtClean="0">
+                            <a:latin typeface="Cambria Math" panose="02040503050406030204" pitchFamily="18" charset="0"/>
+                          </a:rPr>
+                          <m:t>|</m:t>
+                        </m:r>
+                      </m:e>
+                    </m:func>
+                    <m:r>
+                      <a:rPr lang="en-GB" b="0" i="1" smtClean="0">
+                        <a:latin typeface="Cambria Math" panose="02040503050406030204" pitchFamily="18" charset="0"/>
+                      </a:rPr>
+                      <m:t>(1+</m:t>
+                    </m:r>
+                    <m:func>
+                      <m:funcPr>
+                        <m:ctrlPr>
+                          <a:rPr lang="en-GB" b="0" i="1" smtClean="0">
+                            <a:latin typeface="Cambria Math" panose="02040503050406030204" pitchFamily="18" charset="0"/>
+                          </a:rPr>
+                        </m:ctrlPr>
+                      </m:funcPr>
+                      <m:fName>
+                        <m:r>
+                          <m:rPr>
+                            <m:sty m:val="p"/>
+                          </m:rPr>
+                          <a:rPr lang="en-GB" b="0" i="0" smtClean="0">
+                            <a:latin typeface="Cambria Math" panose="02040503050406030204" pitchFamily="18" charset="0"/>
+                          </a:rPr>
+                          <m:t>cos</m:t>
+                        </m:r>
+                      </m:fName>
+                      <m:e>
+                        <m:r>
+                          <a:rPr lang="en-GB" b="0" i="1" smtClean="0">
+                            <a:latin typeface="Cambria Math" panose="02040503050406030204" pitchFamily="18" charset="0"/>
+                            <a:ea typeface="Cambria Math" panose="02040503050406030204" pitchFamily="18" charset="0"/>
+                          </a:rPr>
+                          <m:t>𝜃</m:t>
+                        </m:r>
+                      </m:e>
+                    </m:func>
+                    <m:r>
+                      <a:rPr lang="en-GB" b="0" i="1" smtClean="0">
+                        <a:latin typeface="Cambria Math" panose="02040503050406030204" pitchFamily="18" charset="0"/>
+                      </a:rPr>
+                      <m:t>)]  </m:t>
+                    </m:r>
+                  </m:oMath>
+                </a14:m>
+                <a:r>
+                  <a:rPr lang="en-GB" dirty="0"/>
+                  <a:t> </a:t>
+                </a:r>
+              </a:p>
+              <a:p>
+                <a:endParaRPr lang="en-GB" dirty="0"/>
+              </a:p>
+              <a:p>
+                <a:r>
+                  <a:rPr lang="en-GB" dirty="0"/>
+                  <a:t>Complete Shapiro delay equation:</a:t>
+                </a:r>
+              </a:p>
+              <a:p>
+                <a:pPr lvl="1"/>
+                <a14:m>
+                  <m:oMath xmlns:m="http://schemas.openxmlformats.org/officeDocument/2006/math">
+                    <m:sSub>
+                      <m:sSubPr>
+                        <m:ctrlPr>
+                          <a:rPr lang="en-GB" i="1" smtClean="0">
+                            <a:latin typeface="Cambria Math" panose="02040503050406030204" pitchFamily="18" charset="0"/>
+                          </a:rPr>
+                        </m:ctrlPr>
+                      </m:sSubPr>
+                      <m:e>
+                        <m:r>
+                          <a:rPr lang="en-GB" b="0" i="1" smtClean="0">
+                            <a:latin typeface="Cambria Math" panose="02040503050406030204" pitchFamily="18" charset="0"/>
+                          </a:rPr>
+                          <m:t>𝑡</m:t>
+                        </m:r>
+                      </m:e>
+                      <m:sub>
+                        <m:r>
+                          <a:rPr lang="en-GB" b="0" i="1" smtClean="0">
+                            <a:latin typeface="Cambria Math" panose="02040503050406030204" pitchFamily="18" charset="0"/>
+                          </a:rPr>
+                          <m:t>𝑆h</m:t>
+                        </m:r>
+                      </m:sub>
+                    </m:sSub>
+                    <m:r>
+                      <a:rPr lang="en-GB" b="0" i="1" smtClean="0">
+                        <a:latin typeface="Cambria Math" panose="02040503050406030204" pitchFamily="18" charset="0"/>
+                      </a:rPr>
+                      <m:t>=</m:t>
+                    </m:r>
+                    <m:f>
+                      <m:fPr>
+                        <m:ctrlPr>
+                          <a:rPr lang="en-GB" b="0" i="1" smtClean="0">
+                            <a:latin typeface="Cambria Math" panose="02040503050406030204" pitchFamily="18" charset="0"/>
+                          </a:rPr>
+                        </m:ctrlPr>
+                      </m:fPr>
+                      <m:num>
+                        <m:r>
+                          <a:rPr lang="en-GB" b="0" i="1" smtClean="0">
+                            <a:latin typeface="Cambria Math" panose="02040503050406030204" pitchFamily="18" charset="0"/>
+                          </a:rPr>
+                          <m:t>2</m:t>
+                        </m:r>
+                        <m:r>
+                          <a:rPr lang="en-GB" b="0" i="1" smtClean="0">
+                            <a:latin typeface="Cambria Math" panose="02040503050406030204" pitchFamily="18" charset="0"/>
+                          </a:rPr>
+                          <m:t>𝐺𝑀</m:t>
+                        </m:r>
+                      </m:num>
+                      <m:den>
+                        <m:sSup>
+                          <m:sSupPr>
+                            <m:ctrlPr>
+                              <a:rPr lang="en-GB" b="0" i="1" smtClean="0">
+                                <a:latin typeface="Cambria Math" panose="02040503050406030204" pitchFamily="18" charset="0"/>
+                              </a:rPr>
+                            </m:ctrlPr>
+                          </m:sSupPr>
+                          <m:e>
+                            <m:r>
+                              <a:rPr lang="en-GB" b="0" i="1" smtClean="0">
+                                <a:latin typeface="Cambria Math" panose="02040503050406030204" pitchFamily="18" charset="0"/>
+                              </a:rPr>
+                              <m:t>𝑐</m:t>
+                            </m:r>
+                          </m:e>
+                          <m:sup>
+                            <m:r>
+                              <a:rPr lang="en-GB" b="0" i="1" smtClean="0">
+                                <a:latin typeface="Cambria Math" panose="02040503050406030204" pitchFamily="18" charset="0"/>
+                              </a:rPr>
+                              <m:t>3</m:t>
+                            </m:r>
+                          </m:sup>
+                        </m:sSup>
+                      </m:den>
+                    </m:f>
+                    <m:d>
+                      <m:dPr>
+                        <m:ctrlPr>
+                          <a:rPr lang="en-GB" b="0" i="1" smtClean="0">
+                            <a:latin typeface="Cambria Math" panose="02040503050406030204" pitchFamily="18" charset="0"/>
+                          </a:rPr>
+                        </m:ctrlPr>
+                      </m:dPr>
+                      <m:e>
+                        <m:d>
+                          <m:dPr>
+                            <m:begChr m:val="|"/>
+                            <m:endChr m:val="|"/>
+                            <m:ctrlPr>
+                              <a:rPr lang="en-GB" b="0" i="1" smtClean="0">
+                                <a:latin typeface="Cambria Math" panose="02040503050406030204" pitchFamily="18" charset="0"/>
+                              </a:rPr>
+                            </m:ctrlPr>
+                          </m:dPr>
+                          <m:e>
+                            <m:f>
+                              <m:fPr>
+                                <m:ctrlPr>
+                                  <a:rPr lang="en-GB" b="0" i="1" smtClean="0">
+                                    <a:latin typeface="Cambria Math" panose="02040503050406030204" pitchFamily="18" charset="0"/>
+                                  </a:rPr>
+                                </m:ctrlPr>
+                              </m:fPr>
+                              <m:num>
+                                <m:rad>
+                                  <m:radPr>
+                                    <m:degHide m:val="on"/>
+                                    <m:ctrlPr>
+                                      <a:rPr lang="en-GB" i="1">
+                                        <a:latin typeface="Cambria Math" panose="02040503050406030204" pitchFamily="18" charset="0"/>
+                                      </a:rPr>
+                                    </m:ctrlPr>
+                                  </m:radPr>
+                                  <m:deg/>
+                                  <m:e>
+                                    <m:sSubSup>
+                                      <m:sSubSupPr>
+                                        <m:ctrlPr>
+                                          <a:rPr lang="en-GB" i="1" smtClean="0">
+                                            <a:latin typeface="Cambria Math" panose="02040503050406030204" pitchFamily="18" charset="0"/>
+                                          </a:rPr>
+                                        </m:ctrlPr>
+                                      </m:sSubSupPr>
+                                      <m:e>
+                                        <m:r>
+                                          <a:rPr lang="en-GB" b="0" i="1" smtClean="0">
+                                            <a:latin typeface="Cambria Math" panose="02040503050406030204" pitchFamily="18" charset="0"/>
+                                          </a:rPr>
+                                          <m:t>𝐷</m:t>
+                                        </m:r>
+                                      </m:e>
+                                      <m:sub>
+                                        <m:r>
+                                          <a:rPr lang="en-GB" b="0" i="1" smtClean="0">
+                                            <a:latin typeface="Cambria Math" panose="02040503050406030204" pitchFamily="18" charset="0"/>
+                                          </a:rPr>
+                                          <m:t>𝐿</m:t>
+                                        </m:r>
+                                      </m:sub>
+                                      <m:sup>
+                                        <m:r>
+                                          <a:rPr lang="en-GB" b="0" i="1" smtClean="0">
+                                            <a:latin typeface="Cambria Math" panose="02040503050406030204" pitchFamily="18" charset="0"/>
+                                          </a:rPr>
+                                          <m:t>2</m:t>
+                                        </m:r>
+                                      </m:sup>
+                                    </m:sSubSup>
+                                    <m:r>
+                                      <a:rPr lang="en-GB" b="0" i="1" smtClean="0">
+                                        <a:latin typeface="Cambria Math" panose="02040503050406030204" pitchFamily="18" charset="0"/>
+                                      </a:rPr>
+                                      <m:t>+</m:t>
+                                    </m:r>
+                                    <m:sSup>
+                                      <m:sSupPr>
+                                        <m:ctrlPr>
+                                          <a:rPr lang="en-GB" b="0" i="1" smtClean="0">
+                                            <a:latin typeface="Cambria Math" panose="02040503050406030204" pitchFamily="18" charset="0"/>
+                                          </a:rPr>
+                                        </m:ctrlPr>
+                                      </m:sSupPr>
+                                      <m:e>
+                                        <m:r>
+                                          <a:rPr lang="en-GB" b="0" i="1" smtClean="0">
+                                            <a:latin typeface="Cambria Math" panose="02040503050406030204" pitchFamily="18" charset="0"/>
+                                          </a:rPr>
+                                          <m:t>𝑎</m:t>
+                                        </m:r>
+                                      </m:e>
+                                      <m:sup>
+                                        <m:r>
+                                          <a:rPr lang="en-GB" b="0" i="1" smtClean="0">
+                                            <a:latin typeface="Cambria Math" panose="02040503050406030204" pitchFamily="18" charset="0"/>
+                                          </a:rPr>
+                                          <m:t>2</m:t>
+                                        </m:r>
+                                      </m:sup>
+                                    </m:sSup>
+                                  </m:e>
+                                </m:rad>
+                              </m:num>
+                              <m:den>
+                                <m:r>
+                                  <a:rPr lang="en-GB" b="0" i="1" smtClean="0">
+                                    <a:latin typeface="Cambria Math" panose="02040503050406030204" pitchFamily="18" charset="0"/>
+                                  </a:rPr>
+                                  <m:t>𝑎</m:t>
+                                </m:r>
+                              </m:den>
+                            </m:f>
+                            <m:r>
+                              <a:rPr lang="en-GB" b="0" i="1" smtClean="0">
+                                <a:latin typeface="Cambria Math" panose="02040503050406030204" pitchFamily="18" charset="0"/>
+                              </a:rPr>
+                              <m:t>+</m:t>
+                            </m:r>
+                            <m:f>
+                              <m:fPr>
+                                <m:ctrlPr>
+                                  <a:rPr lang="en-GB" b="0" i="1" smtClean="0">
+                                    <a:latin typeface="Cambria Math" panose="02040503050406030204" pitchFamily="18" charset="0"/>
+                                  </a:rPr>
+                                </m:ctrlPr>
+                              </m:fPr>
+                              <m:num>
+                                <m:sSub>
+                                  <m:sSubPr>
+                                    <m:ctrlPr>
+                                      <a:rPr lang="en-GB" b="0" i="1" smtClean="0">
+                                        <a:latin typeface="Cambria Math" panose="02040503050406030204" pitchFamily="18" charset="0"/>
+                                      </a:rPr>
+                                    </m:ctrlPr>
+                                  </m:sSubPr>
+                                  <m:e>
+                                    <m:r>
+                                      <a:rPr lang="en-GB" b="0" i="1" smtClean="0">
+                                        <a:latin typeface="Cambria Math" panose="02040503050406030204" pitchFamily="18" charset="0"/>
+                                      </a:rPr>
+                                      <m:t>𝐷</m:t>
+                                    </m:r>
+                                  </m:e>
+                                  <m:sub>
+                                    <m:r>
+                                      <a:rPr lang="en-GB" b="0" i="1" smtClean="0">
+                                        <a:latin typeface="Cambria Math" panose="02040503050406030204" pitchFamily="18" charset="0"/>
+                                      </a:rPr>
+                                      <m:t>𝐿</m:t>
+                                    </m:r>
+                                  </m:sub>
+                                </m:sSub>
+                              </m:num>
+                              <m:den>
+                                <m:r>
+                                  <a:rPr lang="en-GB" b="0" i="1" smtClean="0">
+                                    <a:latin typeface="Cambria Math" panose="02040503050406030204" pitchFamily="18" charset="0"/>
+                                  </a:rPr>
+                                  <m:t>𝑎</m:t>
+                                </m:r>
+                              </m:den>
+                            </m:f>
+                          </m:e>
+                        </m:d>
+                        <m:r>
+                          <a:rPr lang="en-GB" b="0" i="1" smtClean="0">
+                            <a:latin typeface="Cambria Math" panose="02040503050406030204" pitchFamily="18" charset="0"/>
+                          </a:rPr>
+                          <m:t>+</m:t>
+                        </m:r>
+                        <m:r>
+                          <a:rPr lang="en-GB" b="0" i="1" smtClean="0">
+                            <a:latin typeface="Cambria Math" panose="02040503050406030204" pitchFamily="18" charset="0"/>
+                            <a:ea typeface="Cambria Math" panose="02040503050406030204" pitchFamily="18" charset="0"/>
+                          </a:rPr>
+                          <m:t>𝜅</m:t>
+                        </m:r>
+                        <m:func>
+                          <m:funcPr>
+                            <m:ctrlPr>
+                              <a:rPr lang="en-GB" b="0" i="1" smtClean="0">
+                                <a:latin typeface="Cambria Math" panose="02040503050406030204" pitchFamily="18" charset="0"/>
+                                <a:ea typeface="Cambria Math" panose="02040503050406030204" pitchFamily="18" charset="0"/>
+                              </a:rPr>
+                            </m:ctrlPr>
+                          </m:funcPr>
+                          <m:fName>
+                            <m:r>
+                              <m:rPr>
+                                <m:sty m:val="p"/>
+                              </m:rPr>
+                              <a:rPr lang="en-GB" b="0" i="0" smtClean="0">
+                                <a:latin typeface="Cambria Math" panose="02040503050406030204" pitchFamily="18" charset="0"/>
+                                <a:ea typeface="Cambria Math" panose="02040503050406030204" pitchFamily="18" charset="0"/>
+                              </a:rPr>
+                              <m:t>ln</m:t>
+                            </m:r>
+                          </m:fName>
+                          <m:e>
+                            <m:d>
+                              <m:dPr>
+                                <m:begChr m:val="|"/>
+                                <m:endChr m:val="|"/>
+                                <m:ctrlPr>
+                                  <a:rPr lang="en-GB" b="0" i="1" smtClean="0">
+                                    <a:latin typeface="Cambria Math" panose="02040503050406030204" pitchFamily="18" charset="0"/>
+                                    <a:ea typeface="Cambria Math" panose="02040503050406030204" pitchFamily="18" charset="0"/>
+                                  </a:rPr>
+                                </m:ctrlPr>
+                              </m:dPr>
+                              <m:e>
+                                <m:f>
+                                  <m:fPr>
+                                    <m:ctrlPr>
+                                      <a:rPr lang="en-GB" b="0" i="1" smtClean="0">
+                                        <a:latin typeface="Cambria Math" panose="02040503050406030204" pitchFamily="18" charset="0"/>
+                                        <a:ea typeface="Cambria Math" panose="02040503050406030204" pitchFamily="18" charset="0"/>
+                                      </a:rPr>
+                                    </m:ctrlPr>
+                                  </m:fPr>
+                                  <m:num>
+                                    <m:rad>
+                                      <m:radPr>
+                                        <m:degHide m:val="on"/>
+                                        <m:ctrlPr>
+                                          <a:rPr lang="en-GB" b="0" i="1" smtClean="0">
+                                            <a:latin typeface="Cambria Math" panose="02040503050406030204" pitchFamily="18" charset="0"/>
+                                            <a:ea typeface="Cambria Math" panose="02040503050406030204" pitchFamily="18" charset="0"/>
+                                          </a:rPr>
+                                        </m:ctrlPr>
+                                      </m:radPr>
+                                      <m:deg/>
+                                      <m:e>
+                                        <m:sSup>
+                                          <m:sSupPr>
+                                            <m:ctrlPr>
+                                              <a:rPr lang="en-GB" b="0" i="1" smtClean="0">
+                                                <a:latin typeface="Cambria Math" panose="02040503050406030204" pitchFamily="18" charset="0"/>
+                                                <a:ea typeface="Cambria Math" panose="02040503050406030204" pitchFamily="18" charset="0"/>
+                                              </a:rPr>
+                                            </m:ctrlPr>
+                                          </m:sSupPr>
+                                          <m:e>
+                                            <m:r>
+                                              <a:rPr lang="en-GB" b="0" i="1" smtClean="0">
+                                                <a:latin typeface="Cambria Math" panose="02040503050406030204" pitchFamily="18" charset="0"/>
+                                                <a:ea typeface="Cambria Math" panose="02040503050406030204" pitchFamily="18" charset="0"/>
+                                              </a:rPr>
+                                              <m:t>𝑎</m:t>
+                                            </m:r>
+                                          </m:e>
+                                          <m:sup>
+                                            <m:r>
+                                              <a:rPr lang="en-GB" b="0" i="1" smtClean="0">
+                                                <a:latin typeface="Cambria Math" panose="02040503050406030204" pitchFamily="18" charset="0"/>
+                                                <a:ea typeface="Cambria Math" panose="02040503050406030204" pitchFamily="18" charset="0"/>
+                                              </a:rPr>
+                                              <m:t>2</m:t>
+                                            </m:r>
+                                          </m:sup>
+                                        </m:sSup>
+                                        <m:r>
+                                          <a:rPr lang="en-GB" b="0" i="1" smtClean="0">
+                                            <a:latin typeface="Cambria Math" panose="02040503050406030204" pitchFamily="18" charset="0"/>
+                                            <a:ea typeface="Cambria Math" panose="02040503050406030204" pitchFamily="18" charset="0"/>
+                                          </a:rPr>
+                                          <m:t>+</m:t>
+                                        </m:r>
+                                        <m:sSubSup>
+                                          <m:sSubSupPr>
+                                            <m:ctrlPr>
+                                              <a:rPr lang="en-GB" b="0" i="1" smtClean="0">
+                                                <a:latin typeface="Cambria Math" panose="02040503050406030204" pitchFamily="18" charset="0"/>
+                                                <a:ea typeface="Cambria Math" panose="02040503050406030204" pitchFamily="18" charset="0"/>
+                                              </a:rPr>
+                                            </m:ctrlPr>
+                                          </m:sSubSupPr>
+                                          <m:e>
+                                            <m:r>
+                                              <a:rPr lang="en-GB" b="0" i="1" smtClean="0">
+                                                <a:latin typeface="Cambria Math" panose="02040503050406030204" pitchFamily="18" charset="0"/>
+                                                <a:ea typeface="Cambria Math" panose="02040503050406030204" pitchFamily="18" charset="0"/>
+                                              </a:rPr>
+                                              <m:t>𝐷</m:t>
+                                            </m:r>
+                                          </m:e>
+                                          <m:sub>
+                                            <m:r>
+                                              <a:rPr lang="en-GB" b="0" i="1" smtClean="0">
+                                                <a:latin typeface="Cambria Math" panose="02040503050406030204" pitchFamily="18" charset="0"/>
+                                                <a:ea typeface="Cambria Math" panose="02040503050406030204" pitchFamily="18" charset="0"/>
+                                              </a:rPr>
+                                              <m:t>𝐿𝑆</m:t>
+                                            </m:r>
+                                          </m:sub>
+                                          <m:sup>
+                                            <m:r>
+                                              <a:rPr lang="en-GB" b="0" i="1" smtClean="0">
+                                                <a:latin typeface="Cambria Math" panose="02040503050406030204" pitchFamily="18" charset="0"/>
+                                                <a:ea typeface="Cambria Math" panose="02040503050406030204" pitchFamily="18" charset="0"/>
+                                              </a:rPr>
+                                              <m:t>2</m:t>
+                                            </m:r>
+                                          </m:sup>
+                                        </m:sSubSup>
+                                      </m:e>
+                                    </m:rad>
+                                  </m:num>
+                                  <m:den>
+                                    <m:r>
+                                      <a:rPr lang="en-GB" b="0" i="1" smtClean="0">
+                                        <a:latin typeface="Cambria Math" panose="02040503050406030204" pitchFamily="18" charset="0"/>
+                                        <a:ea typeface="Cambria Math" panose="02040503050406030204" pitchFamily="18" charset="0"/>
+                                      </a:rPr>
+                                      <m:t>𝑎</m:t>
+                                    </m:r>
+                                  </m:den>
+                                </m:f>
+                                <m:r>
+                                  <a:rPr lang="en-GB" b="0" i="1" smtClean="0">
+                                    <a:latin typeface="Cambria Math" panose="02040503050406030204" pitchFamily="18" charset="0"/>
+                                    <a:ea typeface="Cambria Math" panose="02040503050406030204" pitchFamily="18" charset="0"/>
+                                  </a:rPr>
+                                  <m:t>+</m:t>
+                                </m:r>
+                                <m:r>
+                                  <a:rPr lang="en-GB" b="0" i="1" smtClean="0">
+                                    <a:latin typeface="Cambria Math" panose="02040503050406030204" pitchFamily="18" charset="0"/>
+                                    <a:ea typeface="Cambria Math" panose="02040503050406030204" pitchFamily="18" charset="0"/>
+                                  </a:rPr>
+                                  <m:t>𝜅</m:t>
+                                </m:r>
+                                <m:f>
+                                  <m:fPr>
+                                    <m:ctrlPr>
+                                      <a:rPr lang="en-GB" b="0" i="1" smtClean="0">
+                                        <a:latin typeface="Cambria Math" panose="02040503050406030204" pitchFamily="18" charset="0"/>
+                                        <a:ea typeface="Cambria Math" panose="02040503050406030204" pitchFamily="18" charset="0"/>
+                                      </a:rPr>
+                                    </m:ctrlPr>
+                                  </m:fPr>
+                                  <m:num>
+                                    <m:sSub>
+                                      <m:sSubPr>
+                                        <m:ctrlPr>
+                                          <a:rPr lang="en-GB" b="0" i="1" smtClean="0">
+                                            <a:latin typeface="Cambria Math" panose="02040503050406030204" pitchFamily="18" charset="0"/>
+                                            <a:ea typeface="Cambria Math" panose="02040503050406030204" pitchFamily="18" charset="0"/>
+                                          </a:rPr>
+                                        </m:ctrlPr>
+                                      </m:sSubPr>
+                                      <m:e>
+                                        <m:r>
+                                          <a:rPr lang="en-GB" b="0" i="1" smtClean="0">
+                                            <a:latin typeface="Cambria Math" panose="02040503050406030204" pitchFamily="18" charset="0"/>
+                                            <a:ea typeface="Cambria Math" panose="02040503050406030204" pitchFamily="18" charset="0"/>
+                                          </a:rPr>
+                                          <m:t>𝐷</m:t>
+                                        </m:r>
+                                      </m:e>
+                                      <m:sub>
+                                        <m:r>
+                                          <a:rPr lang="en-GB" b="0" i="1" smtClean="0">
+                                            <a:latin typeface="Cambria Math" panose="02040503050406030204" pitchFamily="18" charset="0"/>
+                                            <a:ea typeface="Cambria Math" panose="02040503050406030204" pitchFamily="18" charset="0"/>
+                                          </a:rPr>
+                                          <m:t>𝐿𝑆</m:t>
+                                        </m:r>
+                                      </m:sub>
+                                    </m:sSub>
+                                  </m:num>
+                                  <m:den>
+                                    <m:r>
+                                      <a:rPr lang="en-GB" b="0" i="1" smtClean="0">
+                                        <a:latin typeface="Cambria Math" panose="02040503050406030204" pitchFamily="18" charset="0"/>
+                                        <a:ea typeface="Cambria Math" panose="02040503050406030204" pitchFamily="18" charset="0"/>
+                                      </a:rPr>
+                                      <m:t>𝑎</m:t>
+                                    </m:r>
+                                  </m:den>
+                                </m:f>
+                              </m:e>
+                            </m:d>
+                          </m:e>
+                        </m:func>
+                      </m:e>
+                    </m:d>
+                  </m:oMath>
+                </a14:m>
+                <a:endParaRPr lang="en-GB" dirty="0"/>
+              </a:p>
+              <a:p>
+                <a:pPr lvl="1"/>
+                <a:endParaRPr lang="en-GB" dirty="0"/>
+              </a:p>
+              <a:p>
+                <a:pPr lvl="1"/>
+                <a:r>
+                  <a:rPr lang="en-GB" dirty="0"/>
+                  <a:t>Where </a:t>
+                </a:r>
+                <a14:m>
+                  <m:oMath xmlns:m="http://schemas.openxmlformats.org/officeDocument/2006/math">
+                    <m:r>
+                      <a:rPr lang="en-GB" i="1" smtClean="0">
+                        <a:latin typeface="Cambria Math" panose="02040503050406030204" pitchFamily="18" charset="0"/>
+                        <a:ea typeface="Cambria Math" panose="02040503050406030204" pitchFamily="18" charset="0"/>
+                      </a:rPr>
+                      <m:t>𝜅</m:t>
+                    </m:r>
+                    <m:r>
+                      <a:rPr lang="en-GB" b="0" i="1" smtClean="0">
+                        <a:latin typeface="Cambria Math" panose="02040503050406030204" pitchFamily="18" charset="0"/>
+                        <a:ea typeface="Cambria Math" panose="02040503050406030204" pitchFamily="18" charset="0"/>
+                      </a:rPr>
+                      <m:t>=</m:t>
+                    </m:r>
+                    <m:f>
+                      <m:fPr>
+                        <m:ctrlPr>
+                          <a:rPr lang="en-GB" b="0" i="1" smtClean="0">
+                            <a:latin typeface="Cambria Math" panose="02040503050406030204" pitchFamily="18" charset="0"/>
+                            <a:ea typeface="Cambria Math" panose="02040503050406030204" pitchFamily="18" charset="0"/>
+                          </a:rPr>
+                        </m:ctrlPr>
+                      </m:fPr>
+                      <m:num>
+                        <m:sSub>
+                          <m:sSubPr>
+                            <m:ctrlPr>
+                              <a:rPr lang="en-GB" b="0" i="1" smtClean="0">
+                                <a:latin typeface="Cambria Math" panose="02040503050406030204" pitchFamily="18" charset="0"/>
+                                <a:ea typeface="Cambria Math" panose="02040503050406030204" pitchFamily="18" charset="0"/>
+                              </a:rPr>
+                            </m:ctrlPr>
+                          </m:sSubPr>
+                          <m:e>
+                            <m:r>
+                              <a:rPr lang="en-GB" b="0" i="1" smtClean="0">
+                                <a:latin typeface="Cambria Math" panose="02040503050406030204" pitchFamily="18" charset="0"/>
+                                <a:ea typeface="Cambria Math" panose="02040503050406030204" pitchFamily="18" charset="0"/>
+                              </a:rPr>
+                              <m:t>𝐷</m:t>
+                            </m:r>
+                          </m:e>
+                          <m:sub>
+                            <m:r>
+                              <a:rPr lang="en-GB" b="0" i="1" smtClean="0">
+                                <a:latin typeface="Cambria Math" panose="02040503050406030204" pitchFamily="18" charset="0"/>
+                                <a:ea typeface="Cambria Math" panose="02040503050406030204" pitchFamily="18" charset="0"/>
+                              </a:rPr>
+                              <m:t>𝐿𝑆</m:t>
+                            </m:r>
+                          </m:sub>
+                        </m:sSub>
+                      </m:num>
+                      <m:den>
+                        <m:r>
+                          <a:rPr lang="en-GB" b="0" i="1" smtClean="0">
+                            <a:latin typeface="Cambria Math" panose="02040503050406030204" pitchFamily="18" charset="0"/>
+                            <a:ea typeface="Cambria Math" panose="02040503050406030204" pitchFamily="18" charset="0"/>
+                          </a:rPr>
+                          <m:t>|</m:t>
+                        </m:r>
+                        <m:sSub>
+                          <m:sSubPr>
+                            <m:ctrlPr>
+                              <a:rPr lang="en-GB" b="0" i="1" smtClean="0">
+                                <a:latin typeface="Cambria Math" panose="02040503050406030204" pitchFamily="18" charset="0"/>
+                                <a:ea typeface="Cambria Math" panose="02040503050406030204" pitchFamily="18" charset="0"/>
+                              </a:rPr>
+                            </m:ctrlPr>
+                          </m:sSubPr>
+                          <m:e>
+                            <m:r>
+                              <a:rPr lang="en-GB" b="0" i="1" smtClean="0">
+                                <a:latin typeface="Cambria Math" panose="02040503050406030204" pitchFamily="18" charset="0"/>
+                                <a:ea typeface="Cambria Math" panose="02040503050406030204" pitchFamily="18" charset="0"/>
+                              </a:rPr>
+                              <m:t>𝐷</m:t>
+                            </m:r>
+                          </m:e>
+                          <m:sub>
+                            <m:r>
+                              <a:rPr lang="en-GB" b="0" i="1" smtClean="0">
+                                <a:latin typeface="Cambria Math" panose="02040503050406030204" pitchFamily="18" charset="0"/>
+                                <a:ea typeface="Cambria Math" panose="02040503050406030204" pitchFamily="18" charset="0"/>
+                              </a:rPr>
+                              <m:t>𝐿𝑆</m:t>
+                            </m:r>
+                          </m:sub>
+                        </m:sSub>
+                        <m:r>
+                          <a:rPr lang="en-GB" b="0" i="1" smtClean="0">
+                            <a:latin typeface="Cambria Math" panose="02040503050406030204" pitchFamily="18" charset="0"/>
+                            <a:ea typeface="Cambria Math" panose="02040503050406030204" pitchFamily="18" charset="0"/>
+                          </a:rPr>
+                          <m:t>|</m:t>
+                        </m:r>
+                      </m:den>
+                    </m:f>
+                  </m:oMath>
+                </a14:m>
+                <a:endParaRPr lang="en-GB" dirty="0"/>
+              </a:p>
+            </p:txBody>
+          </p:sp>
+        </mc:Choice>
+        <mc:Fallback>
+          <p:sp>
+            <p:nvSpPr>
+              <p:cNvPr id="3" name="Content Placeholder 2">
+                <a:extLst>
+                  <a:ext uri="{FF2B5EF4-FFF2-40B4-BE49-F238E27FC236}">
+                    <a16:creationId xmlns:a16="http://schemas.microsoft.com/office/drawing/2014/main" id="{A9393AB9-AAB7-420B-815F-5FEA72445D5B}"/>
+                  </a:ext>
+                </a:extLst>
+              </p:cNvPr>
+              <p:cNvSpPr>
+                <a:spLocks noGrp="1" noRot="1" noChangeAspect="1" noMove="1" noResize="1" noEditPoints="1" noAdjustHandles="1" noChangeArrowheads="1" noChangeShapeType="1" noTextEdit="1"/>
+              </p:cNvSpPr>
+              <p:nvPr>
+                <p:ph idx="1"/>
+              </p:nvPr>
+            </p:nvSpPr>
+            <p:spPr>
+              <a:blipFill>
+                <a:blip r:embed="rId4"/>
+                <a:stretch>
+                  <a:fillRect l="-1043"/>
+                </a:stretch>
+              </a:blipFill>
+            </p:spPr>
+            <p:txBody>
+              <a:bodyPr/>
+              <a:lstStyle/>
+              <a:p>
+                <a:r>
+                  <a:rPr lang="en-GB">
+                    <a:noFill/>
+                  </a:rPr>
+                  <a:t> </a:t>
+                </a:r>
+              </a:p>
+            </p:txBody>
+          </p:sp>
+        </mc:Fallback>
+      </mc:AlternateContent>
+    </p:spTree>
+    <p:extLst>
+      <p:ext uri="{BB962C8B-B14F-4D97-AF65-F5344CB8AC3E}">
+        <p14:creationId xmlns:p14="http://schemas.microsoft.com/office/powerpoint/2010/main" val="239744114"/>
+      </p:ext>
+    </p:extLst>
+  </p:cSld>
+  <p:clrMapOvr>
+    <a:masterClrMapping/>
+  </p:clrMapOvr>
+</p:sld>
+</file>
+
+<file path=ppt/slides/slide14.xml><?xml version="1.0" encoding="utf-8"?>
+<p:sld xmlns:a="http://schemas.openxmlformats.org/drawingml/2006/main" xmlns:r="http://schemas.openxmlformats.org/officeDocument/2006/relationships" xmlns:p="http://schemas.openxmlformats.org/presentationml/2006/main">
+  <p:cSld>
+    <p:spTree>
+      <p:nvGrpSpPr>
+        <p:cNvPr id="1" name=""/>
+        <p:cNvGrpSpPr/>
+        <p:nvPr/>
+      </p:nvGrpSpPr>
+      <p:grpSpPr>
+        <a:xfrm>
+          <a:off x="0" y="0"/>
+          <a:ext cx="0" cy="0"/>
+          <a:chOff x="0" y="0"/>
+          <a:chExt cx="0" cy="0"/>
+        </a:xfrm>
+      </p:grpSpPr>
+      <p:sp>
+        <p:nvSpPr>
+          <p:cNvPr id="2" name="Title 1">
+            <a:extLst>
+              <a:ext uri="{FF2B5EF4-FFF2-40B4-BE49-F238E27FC236}">
+                <a16:creationId xmlns:a16="http://schemas.microsoft.com/office/drawing/2014/main" id="{F1F6FFF9-4D18-42C3-8F0D-D298F7ADE8F2}"/>
+              </a:ext>
+            </a:extLst>
+          </p:cNvPr>
+          <p:cNvSpPr>
+            <a:spLocks noGrp="1"/>
+          </p:cNvSpPr>
+          <p:nvPr>
+            <p:ph type="title"/>
+          </p:nvPr>
+        </p:nvSpPr>
+        <p:spPr/>
+        <p:txBody>
+          <a:bodyPr/>
+          <a:lstStyle/>
+          <a:p>
+            <a:endParaRPr lang="en-GB"/>
+          </a:p>
+        </p:txBody>
+      </p:sp>
+      <p:pic>
+        <p:nvPicPr>
+          <p:cNvPr id="5" name="Content Placeholder 4" descr="Chart&#10;&#10;Description automatically generated">
+            <a:extLst>
+              <a:ext uri="{FF2B5EF4-FFF2-40B4-BE49-F238E27FC236}">
+                <a16:creationId xmlns:a16="http://schemas.microsoft.com/office/drawing/2014/main" id="{7D50C0BA-874F-4C7A-BA1D-B665D12B8CAC}"/>
+              </a:ext>
+            </a:extLst>
+          </p:cNvPr>
+          <p:cNvPicPr>
+            <a:picLocks noGrp="1" noChangeAspect="1"/>
+          </p:cNvPicPr>
+          <p:nvPr>
+            <p:ph idx="1"/>
+          </p:nvPr>
+        </p:nvPicPr>
+        <p:blipFill>
+          <a:blip r:embed="rId2">
+            <a:extLst>
+              <a:ext uri="{28A0092B-C50C-407E-A947-70E740481C1C}">
+                <a14:useLocalDpi xmlns:a14="http://schemas.microsoft.com/office/drawing/2010/main" val="0"/>
+              </a:ext>
+            </a:extLst>
+          </a:blip>
+          <a:stretch>
+            <a:fillRect/>
+          </a:stretch>
+        </p:blipFill>
+        <p:spPr>
+          <a:xfrm>
+            <a:off x="2723459" y="1825625"/>
+            <a:ext cx="6745081" cy="4351338"/>
+          </a:xfrm>
+        </p:spPr>
+      </p:pic>
+    </p:spTree>
+    <p:extLst>
+      <p:ext uri="{BB962C8B-B14F-4D97-AF65-F5344CB8AC3E}">
+        <p14:creationId xmlns:p14="http://schemas.microsoft.com/office/powerpoint/2010/main" val="2307757675"/>
+      </p:ext>
+    </p:extLst>
+  </p:cSld>
+  <p:clrMapOvr>
+    <a:masterClrMapping/>
+  </p:clrMapOvr>
+</p:sld>
+</file>
+
+<file path=ppt/slides/slide15.xml><?xml version="1.0" encoding="utf-8"?>
+<p:sld xmlns:a="http://schemas.openxmlformats.org/drawingml/2006/main" xmlns:r="http://schemas.openxmlformats.org/officeDocument/2006/relationships" xmlns:p="http://schemas.openxmlformats.org/presentationml/2006/main">
+  <p:cSld>
+    <p:spTree>
+      <p:nvGrpSpPr>
+        <p:cNvPr id="1" name=""/>
+        <p:cNvGrpSpPr/>
+        <p:nvPr/>
+      </p:nvGrpSpPr>
+      <p:grpSpPr>
+        <a:xfrm>
+          <a:off x="0" y="0"/>
+          <a:ext cx="0" cy="0"/>
+          <a:chOff x="0" y="0"/>
+          <a:chExt cx="0" cy="0"/>
+        </a:xfrm>
+      </p:grpSpPr>
+      <p:sp>
+        <p:nvSpPr>
+          <p:cNvPr id="2" name="Title 1">
+            <a:extLst>
+              <a:ext uri="{FF2B5EF4-FFF2-40B4-BE49-F238E27FC236}">
+                <a16:creationId xmlns:a16="http://schemas.microsoft.com/office/drawing/2014/main" id="{06E28C68-0185-4EB2-8890-9D5C2CDAD27F}"/>
+              </a:ext>
+            </a:extLst>
+          </p:cNvPr>
+          <p:cNvSpPr>
+            <a:spLocks noGrp="1"/>
+          </p:cNvSpPr>
+          <p:nvPr>
+            <p:ph type="title"/>
+          </p:nvPr>
+        </p:nvSpPr>
+        <p:spPr/>
+        <p:txBody>
+          <a:bodyPr/>
+          <a:lstStyle/>
+          <a:p>
+            <a:endParaRPr lang="en-GB"/>
+          </a:p>
+        </p:txBody>
+      </p:sp>
+      <p:pic>
+        <p:nvPicPr>
+          <p:cNvPr id="5" name="Content Placeholder 4" descr="Chart&#10;&#10;Description automatically generated with medium confidence">
+            <a:extLst>
+              <a:ext uri="{FF2B5EF4-FFF2-40B4-BE49-F238E27FC236}">
+                <a16:creationId xmlns:a16="http://schemas.microsoft.com/office/drawing/2014/main" id="{7403A282-858E-40B3-99D2-E874D5C0E5A7}"/>
+              </a:ext>
+            </a:extLst>
+          </p:cNvPr>
+          <p:cNvPicPr>
+            <a:picLocks noGrp="1" noChangeAspect="1"/>
+          </p:cNvPicPr>
+          <p:nvPr>
+            <p:ph idx="1"/>
+          </p:nvPr>
+        </p:nvPicPr>
+        <p:blipFill>
+          <a:blip r:embed="rId2">
+            <a:extLst>
+              <a:ext uri="{28A0092B-C50C-407E-A947-70E740481C1C}">
+                <a14:useLocalDpi xmlns:a14="http://schemas.microsoft.com/office/drawing/2010/main" val="0"/>
+              </a:ext>
+            </a:extLst>
+          </a:blip>
+          <a:stretch>
+            <a:fillRect/>
+          </a:stretch>
+        </p:blipFill>
+        <p:spPr>
+          <a:xfrm>
+            <a:off x="3687413" y="1825625"/>
+            <a:ext cx="4817174" cy="4351338"/>
+          </a:xfrm>
+        </p:spPr>
+      </p:pic>
+    </p:spTree>
+    <p:extLst>
+      <p:ext uri="{BB962C8B-B14F-4D97-AF65-F5344CB8AC3E}">
+        <p14:creationId xmlns:p14="http://schemas.microsoft.com/office/powerpoint/2010/main" val="885643680"/>
+      </p:ext>
+    </p:extLst>
+  </p:cSld>
+  <p:clrMapOvr>
+    <a:masterClrMapping/>
+  </p:clrMapOvr>
+</p:sld>
+</file>
+
+<file path=ppt/slides/slide16.xml><?xml version="1.0" encoding="utf-8"?>
+<p:sld xmlns:a="http://schemas.openxmlformats.org/drawingml/2006/main" xmlns:r="http://schemas.openxmlformats.org/officeDocument/2006/relationships" xmlns:p="http://schemas.openxmlformats.org/presentationml/2006/main">
+  <p:cSld>
+    <p:spTree>
+      <p:nvGrpSpPr>
+        <p:cNvPr id="1" name=""/>
+        <p:cNvGrpSpPr/>
+        <p:nvPr/>
+      </p:nvGrpSpPr>
+      <p:grpSpPr>
+        <a:xfrm>
+          <a:off x="0" y="0"/>
+          <a:ext cx="0" cy="0"/>
+          <a:chOff x="0" y="0"/>
+          <a:chExt cx="0" cy="0"/>
+        </a:xfrm>
+      </p:grpSpPr>
+      <p:pic>
+        <p:nvPicPr>
+          <p:cNvPr id="8" name="Picture 7" descr="A swirling meteorite">
+            <a:extLst>
+              <a:ext uri="{FF2B5EF4-FFF2-40B4-BE49-F238E27FC236}">
+                <a16:creationId xmlns:a16="http://schemas.microsoft.com/office/drawing/2014/main" id="{BA32C530-6925-44C7-A9B3-1069A528508D}"/>
+              </a:ext>
+            </a:extLst>
+          </p:cNvPr>
+          <p:cNvPicPr>
+            <a:picLocks noChangeAspect="1"/>
+          </p:cNvPicPr>
+          <p:nvPr/>
+        </p:nvPicPr>
+        <p:blipFill rotWithShape="1">
+          <a:blip r:embed="rId2">
+            <a:alphaModFix/>
+          </a:blip>
+          <a:srcRect t="157" b="12971"/>
+          <a:stretch/>
+        </p:blipFill>
+        <p:spPr>
+          <a:xfrm>
+            <a:off x="-1446607" y="-1685261"/>
+            <a:ext cx="18184010" cy="10228521"/>
+          </a:xfrm>
+          <a:prstGeom prst="rect">
+            <a:avLst/>
+          </a:prstGeom>
+        </p:spPr>
+      </p:pic>
+      <p:sp>
+        <p:nvSpPr>
+          <p:cNvPr id="7" name="Rectangle 6">
+            <a:extLst>
+              <a:ext uri="{FF2B5EF4-FFF2-40B4-BE49-F238E27FC236}">
+                <a16:creationId xmlns:a16="http://schemas.microsoft.com/office/drawing/2014/main" id="{A52EAFB5-F222-4BA6-8480-B2F1DE86E501}"/>
+              </a:ext>
+            </a:extLst>
+          </p:cNvPr>
+          <p:cNvSpPr/>
+          <p:nvPr/>
+        </p:nvSpPr>
+        <p:spPr>
+          <a:xfrm>
+            <a:off x="710609" y="595423"/>
+            <a:ext cx="10770782" cy="5667154"/>
+          </a:xfrm>
+          <a:prstGeom prst="rect">
+            <a:avLst/>
+          </a:prstGeom>
+          <a:solidFill>
+            <a:schemeClr val="bg1">
+              <a:alpha val="90000"/>
+            </a:schemeClr>
+          </a:solidFill>
+        </p:spPr>
+        <p:style>
+          <a:lnRef idx="2">
+            <a:schemeClr val="accent1">
+              <a:shade val="50000"/>
+            </a:schemeClr>
+          </a:lnRef>
+          <a:fillRef idx="1">
+            <a:schemeClr val="accent1"/>
+          </a:fillRef>
+          <a:effectRef idx="0">
+            <a:schemeClr val="accent1"/>
+          </a:effectRef>
+          <a:fontRef idx="minor">
+            <a:schemeClr val="lt1"/>
+          </a:fontRef>
+        </p:style>
+        <p:txBody>
+          <a:bodyPr rtlCol="0" anchor="ctr"/>
+          <a:lstStyle/>
+          <a:p>
+            <a:pPr algn="ctr"/>
+            <a:endParaRPr lang="en-GB" dirty="0"/>
+          </a:p>
+        </p:txBody>
+      </p:sp>
+      <mc:AlternateContent xmlns:mc="http://schemas.openxmlformats.org/markup-compatibility/2006">
+        <mc:Choice xmlns:a14="http://schemas.microsoft.com/office/drawing/2010/main" Requires="a14">
+          <p:sp>
+            <p:nvSpPr>
+              <p:cNvPr id="3" name="Content Placeholder 2">
+                <a:extLst>
+                  <a:ext uri="{FF2B5EF4-FFF2-40B4-BE49-F238E27FC236}">
+                    <a16:creationId xmlns:a16="http://schemas.microsoft.com/office/drawing/2014/main" id="{A9393AB9-AAB7-420B-815F-5FEA72445D5B}"/>
+                  </a:ext>
+                </a:extLst>
+              </p:cNvPr>
+              <p:cNvSpPr>
+                <a:spLocks noGrp="1"/>
+              </p:cNvSpPr>
+              <p:nvPr>
+                <p:ph idx="1"/>
+              </p:nvPr>
+            </p:nvSpPr>
+            <p:spPr>
+              <a:xfrm>
+                <a:off x="838200" y="3935186"/>
+                <a:ext cx="10515600" cy="2318658"/>
+              </a:xfrm>
+            </p:spPr>
+            <p:txBody>
+              <a:bodyPr>
+                <a:normAutofit/>
+              </a:bodyPr>
+              <a:lstStyle/>
+              <a:p>
+                <a:r>
+                  <a:rPr lang="en-GB" dirty="0"/>
+                  <a:t>Complete Shapiro delay equation:</a:t>
+                </a:r>
+              </a:p>
+              <a:p>
+                <a:pPr lvl="1"/>
+                <a14:m>
+                  <m:oMath xmlns:m="http://schemas.openxmlformats.org/officeDocument/2006/math">
+                    <m:sSub>
+                      <m:sSubPr>
+                        <m:ctrlPr>
+                          <a:rPr lang="en-GB" i="1" smtClean="0">
+                            <a:latin typeface="Cambria Math" panose="02040503050406030204" pitchFamily="18" charset="0"/>
+                          </a:rPr>
+                        </m:ctrlPr>
+                      </m:sSubPr>
+                      <m:e>
+                        <m:r>
+                          <a:rPr lang="en-GB" b="0" i="1" smtClean="0">
+                            <a:latin typeface="Cambria Math" panose="02040503050406030204" pitchFamily="18" charset="0"/>
+                          </a:rPr>
+                          <m:t>𝑡</m:t>
+                        </m:r>
+                      </m:e>
+                      <m:sub>
+                        <m:r>
+                          <a:rPr lang="en-GB" b="0" i="1" smtClean="0">
+                            <a:latin typeface="Cambria Math" panose="02040503050406030204" pitchFamily="18" charset="0"/>
+                          </a:rPr>
+                          <m:t>𝑆h</m:t>
+                        </m:r>
+                      </m:sub>
+                    </m:sSub>
+                    <m:r>
+                      <a:rPr lang="en-GB" b="0" i="1" smtClean="0">
+                        <a:latin typeface="Cambria Math" panose="02040503050406030204" pitchFamily="18" charset="0"/>
+                      </a:rPr>
+                      <m:t>=</m:t>
+                    </m:r>
+                    <m:f>
+                      <m:fPr>
+                        <m:ctrlPr>
+                          <a:rPr lang="en-GB" b="0" i="1" smtClean="0">
+                            <a:latin typeface="Cambria Math" panose="02040503050406030204" pitchFamily="18" charset="0"/>
+                          </a:rPr>
+                        </m:ctrlPr>
+                      </m:fPr>
+                      <m:num>
+                        <m:r>
+                          <a:rPr lang="en-GB" b="0" i="1" smtClean="0">
+                            <a:latin typeface="Cambria Math" panose="02040503050406030204" pitchFamily="18" charset="0"/>
+                          </a:rPr>
+                          <m:t>2</m:t>
+                        </m:r>
+                        <m:r>
+                          <a:rPr lang="en-GB" b="0" i="1" smtClean="0">
+                            <a:latin typeface="Cambria Math" panose="02040503050406030204" pitchFamily="18" charset="0"/>
+                          </a:rPr>
+                          <m:t>𝐺𝑀</m:t>
+                        </m:r>
+                      </m:num>
+                      <m:den>
+                        <m:sSup>
+                          <m:sSupPr>
+                            <m:ctrlPr>
+                              <a:rPr lang="en-GB" b="0" i="1" smtClean="0">
+                                <a:latin typeface="Cambria Math" panose="02040503050406030204" pitchFamily="18" charset="0"/>
+                              </a:rPr>
+                            </m:ctrlPr>
+                          </m:sSupPr>
+                          <m:e>
+                            <m:r>
+                              <a:rPr lang="en-GB" b="0" i="1" smtClean="0">
+                                <a:latin typeface="Cambria Math" panose="02040503050406030204" pitchFamily="18" charset="0"/>
+                              </a:rPr>
+                              <m:t>𝑐</m:t>
+                            </m:r>
+                          </m:e>
+                          <m:sup>
+                            <m:r>
+                              <a:rPr lang="en-GB" b="0" i="1" smtClean="0">
+                                <a:latin typeface="Cambria Math" panose="02040503050406030204" pitchFamily="18" charset="0"/>
+                              </a:rPr>
+                              <m:t>3</m:t>
+                            </m:r>
+                          </m:sup>
+                        </m:sSup>
+                      </m:den>
+                    </m:f>
+                    <m:d>
+                      <m:dPr>
+                        <m:ctrlPr>
+                          <a:rPr lang="en-GB" b="0" i="1" smtClean="0">
+                            <a:latin typeface="Cambria Math" panose="02040503050406030204" pitchFamily="18" charset="0"/>
+                          </a:rPr>
+                        </m:ctrlPr>
+                      </m:dPr>
+                      <m:e>
+                        <m:d>
+                          <m:dPr>
+                            <m:begChr m:val="|"/>
+                            <m:endChr m:val="|"/>
+                            <m:ctrlPr>
+                              <a:rPr lang="en-GB" b="0" i="1" smtClean="0">
+                                <a:latin typeface="Cambria Math" panose="02040503050406030204" pitchFamily="18" charset="0"/>
+                              </a:rPr>
+                            </m:ctrlPr>
+                          </m:dPr>
+                          <m:e>
+                            <m:f>
+                              <m:fPr>
+                                <m:ctrlPr>
+                                  <a:rPr lang="en-GB" b="0" i="1" smtClean="0">
+                                    <a:latin typeface="Cambria Math" panose="02040503050406030204" pitchFamily="18" charset="0"/>
+                                  </a:rPr>
+                                </m:ctrlPr>
+                              </m:fPr>
+                              <m:num>
+                                <m:rad>
+                                  <m:radPr>
+                                    <m:degHide m:val="on"/>
+                                    <m:ctrlPr>
+                                      <a:rPr lang="en-GB" i="1">
+                                        <a:latin typeface="Cambria Math" panose="02040503050406030204" pitchFamily="18" charset="0"/>
+                                      </a:rPr>
+                                    </m:ctrlPr>
+                                  </m:radPr>
+                                  <m:deg/>
+                                  <m:e>
+                                    <m:sSubSup>
+                                      <m:sSubSupPr>
+                                        <m:ctrlPr>
+                                          <a:rPr lang="en-GB" i="1" smtClean="0">
+                                            <a:latin typeface="Cambria Math" panose="02040503050406030204" pitchFamily="18" charset="0"/>
+                                          </a:rPr>
+                                        </m:ctrlPr>
+                                      </m:sSubSupPr>
+                                      <m:e>
+                                        <m:r>
+                                          <a:rPr lang="en-GB" b="0" i="1" smtClean="0">
+                                            <a:latin typeface="Cambria Math" panose="02040503050406030204" pitchFamily="18" charset="0"/>
+                                          </a:rPr>
+                                          <m:t>𝐷</m:t>
+                                        </m:r>
+                                      </m:e>
+                                      <m:sub>
+                                        <m:r>
+                                          <a:rPr lang="en-GB" b="0" i="1" smtClean="0">
+                                            <a:latin typeface="Cambria Math" panose="02040503050406030204" pitchFamily="18" charset="0"/>
+                                          </a:rPr>
+                                          <m:t>𝐿</m:t>
+                                        </m:r>
+                                      </m:sub>
+                                      <m:sup>
+                                        <m:r>
+                                          <a:rPr lang="en-GB" b="0" i="1" smtClean="0">
+                                            <a:latin typeface="Cambria Math" panose="02040503050406030204" pitchFamily="18" charset="0"/>
+                                          </a:rPr>
+                                          <m:t>2</m:t>
+                                        </m:r>
+                                      </m:sup>
+                                    </m:sSubSup>
+                                    <m:r>
+                                      <a:rPr lang="en-GB" b="0" i="1" smtClean="0">
+                                        <a:latin typeface="Cambria Math" panose="02040503050406030204" pitchFamily="18" charset="0"/>
+                                      </a:rPr>
+                                      <m:t>+</m:t>
+                                    </m:r>
+                                    <m:sSup>
+                                      <m:sSupPr>
+                                        <m:ctrlPr>
+                                          <a:rPr lang="en-GB" b="0" i="1" smtClean="0">
+                                            <a:latin typeface="Cambria Math" panose="02040503050406030204" pitchFamily="18" charset="0"/>
+                                          </a:rPr>
+                                        </m:ctrlPr>
+                                      </m:sSupPr>
+                                      <m:e>
+                                        <m:r>
+                                          <a:rPr lang="en-GB" b="0" i="1" smtClean="0">
+                                            <a:latin typeface="Cambria Math" panose="02040503050406030204" pitchFamily="18" charset="0"/>
+                                          </a:rPr>
+                                          <m:t>𝑎</m:t>
+                                        </m:r>
+                                      </m:e>
+                                      <m:sup>
+                                        <m:r>
+                                          <a:rPr lang="en-GB" b="0" i="1" smtClean="0">
+                                            <a:latin typeface="Cambria Math" panose="02040503050406030204" pitchFamily="18" charset="0"/>
+                                          </a:rPr>
+                                          <m:t>2</m:t>
+                                        </m:r>
+                                      </m:sup>
+                                    </m:sSup>
+                                  </m:e>
+                                </m:rad>
+                              </m:num>
+                              <m:den>
+                                <m:r>
+                                  <a:rPr lang="en-GB" b="0" i="1" smtClean="0">
+                                    <a:latin typeface="Cambria Math" panose="02040503050406030204" pitchFamily="18" charset="0"/>
+                                  </a:rPr>
+                                  <m:t>𝑎</m:t>
+                                </m:r>
+                              </m:den>
+                            </m:f>
+                            <m:r>
+                              <a:rPr lang="en-GB" b="0" i="1" smtClean="0">
+                                <a:latin typeface="Cambria Math" panose="02040503050406030204" pitchFamily="18" charset="0"/>
+                              </a:rPr>
+                              <m:t>+</m:t>
+                            </m:r>
+                            <m:f>
+                              <m:fPr>
+                                <m:ctrlPr>
+                                  <a:rPr lang="en-GB" b="0" i="1" smtClean="0">
+                                    <a:latin typeface="Cambria Math" panose="02040503050406030204" pitchFamily="18" charset="0"/>
+                                  </a:rPr>
+                                </m:ctrlPr>
+                              </m:fPr>
+                              <m:num>
+                                <m:sSub>
+                                  <m:sSubPr>
+                                    <m:ctrlPr>
+                                      <a:rPr lang="en-GB" b="0" i="1" smtClean="0">
+                                        <a:latin typeface="Cambria Math" panose="02040503050406030204" pitchFamily="18" charset="0"/>
+                                      </a:rPr>
+                                    </m:ctrlPr>
+                                  </m:sSubPr>
+                                  <m:e>
+                                    <m:r>
+                                      <a:rPr lang="en-GB" b="0" i="1" smtClean="0">
+                                        <a:latin typeface="Cambria Math" panose="02040503050406030204" pitchFamily="18" charset="0"/>
+                                      </a:rPr>
+                                      <m:t>𝐷</m:t>
+                                    </m:r>
+                                  </m:e>
+                                  <m:sub>
+                                    <m:r>
+                                      <a:rPr lang="en-GB" b="0" i="1" smtClean="0">
+                                        <a:latin typeface="Cambria Math" panose="02040503050406030204" pitchFamily="18" charset="0"/>
+                                      </a:rPr>
+                                      <m:t>𝐿</m:t>
+                                    </m:r>
+                                  </m:sub>
+                                </m:sSub>
+                              </m:num>
+                              <m:den>
+                                <m:r>
+                                  <a:rPr lang="en-GB" b="0" i="1" smtClean="0">
+                                    <a:latin typeface="Cambria Math" panose="02040503050406030204" pitchFamily="18" charset="0"/>
+                                  </a:rPr>
+                                  <m:t>𝑎</m:t>
+                                </m:r>
+                              </m:den>
+                            </m:f>
+                          </m:e>
+                        </m:d>
+                        <m:r>
+                          <a:rPr lang="en-GB" b="0" i="1" smtClean="0">
+                            <a:latin typeface="Cambria Math" panose="02040503050406030204" pitchFamily="18" charset="0"/>
+                          </a:rPr>
+                          <m:t>+</m:t>
+                        </m:r>
+                        <m:r>
+                          <a:rPr lang="en-GB" b="0" i="1" smtClean="0">
+                            <a:latin typeface="Cambria Math" panose="02040503050406030204" pitchFamily="18" charset="0"/>
+                            <a:ea typeface="Cambria Math" panose="02040503050406030204" pitchFamily="18" charset="0"/>
+                          </a:rPr>
+                          <m:t>𝜅</m:t>
+                        </m:r>
+                        <m:func>
+                          <m:funcPr>
+                            <m:ctrlPr>
+                              <a:rPr lang="en-GB" b="0" i="1" smtClean="0">
+                                <a:latin typeface="Cambria Math" panose="02040503050406030204" pitchFamily="18" charset="0"/>
+                                <a:ea typeface="Cambria Math" panose="02040503050406030204" pitchFamily="18" charset="0"/>
+                              </a:rPr>
+                            </m:ctrlPr>
+                          </m:funcPr>
+                          <m:fName>
+                            <m:r>
+                              <m:rPr>
+                                <m:sty m:val="p"/>
+                              </m:rPr>
+                              <a:rPr lang="en-GB" b="0" i="0" smtClean="0">
+                                <a:latin typeface="Cambria Math" panose="02040503050406030204" pitchFamily="18" charset="0"/>
+                                <a:ea typeface="Cambria Math" panose="02040503050406030204" pitchFamily="18" charset="0"/>
+                              </a:rPr>
+                              <m:t>ln</m:t>
+                            </m:r>
+                          </m:fName>
+                          <m:e>
+                            <m:d>
+                              <m:dPr>
+                                <m:begChr m:val="|"/>
+                                <m:endChr m:val="|"/>
+                                <m:ctrlPr>
+                                  <a:rPr lang="en-GB" b="0" i="1" smtClean="0">
+                                    <a:latin typeface="Cambria Math" panose="02040503050406030204" pitchFamily="18" charset="0"/>
+                                    <a:ea typeface="Cambria Math" panose="02040503050406030204" pitchFamily="18" charset="0"/>
+                                  </a:rPr>
+                                </m:ctrlPr>
+                              </m:dPr>
+                              <m:e>
+                                <m:f>
+                                  <m:fPr>
+                                    <m:ctrlPr>
+                                      <a:rPr lang="en-GB" b="0" i="1" smtClean="0">
+                                        <a:latin typeface="Cambria Math" panose="02040503050406030204" pitchFamily="18" charset="0"/>
+                                        <a:ea typeface="Cambria Math" panose="02040503050406030204" pitchFamily="18" charset="0"/>
+                                      </a:rPr>
+                                    </m:ctrlPr>
+                                  </m:fPr>
+                                  <m:num>
+                                    <m:rad>
+                                      <m:radPr>
+                                        <m:degHide m:val="on"/>
+                                        <m:ctrlPr>
+                                          <a:rPr lang="en-GB" b="0" i="1" smtClean="0">
+                                            <a:latin typeface="Cambria Math" panose="02040503050406030204" pitchFamily="18" charset="0"/>
+                                            <a:ea typeface="Cambria Math" panose="02040503050406030204" pitchFamily="18" charset="0"/>
+                                          </a:rPr>
+                                        </m:ctrlPr>
+                                      </m:radPr>
+                                      <m:deg/>
+                                      <m:e>
+                                        <m:sSup>
+                                          <m:sSupPr>
+                                            <m:ctrlPr>
+                                              <a:rPr lang="en-GB" b="0" i="1" smtClean="0">
+                                                <a:latin typeface="Cambria Math" panose="02040503050406030204" pitchFamily="18" charset="0"/>
+                                                <a:ea typeface="Cambria Math" panose="02040503050406030204" pitchFamily="18" charset="0"/>
+                                              </a:rPr>
+                                            </m:ctrlPr>
+                                          </m:sSupPr>
+                                          <m:e>
+                                            <m:r>
+                                              <a:rPr lang="en-GB" b="0" i="1" smtClean="0">
+                                                <a:latin typeface="Cambria Math" panose="02040503050406030204" pitchFamily="18" charset="0"/>
+                                                <a:ea typeface="Cambria Math" panose="02040503050406030204" pitchFamily="18" charset="0"/>
+                                              </a:rPr>
+                                              <m:t>𝑎</m:t>
+                                            </m:r>
+                                          </m:e>
+                                          <m:sup>
+                                            <m:r>
+                                              <a:rPr lang="en-GB" b="0" i="1" smtClean="0">
+                                                <a:latin typeface="Cambria Math" panose="02040503050406030204" pitchFamily="18" charset="0"/>
+                                                <a:ea typeface="Cambria Math" panose="02040503050406030204" pitchFamily="18" charset="0"/>
+                                              </a:rPr>
+                                              <m:t>2</m:t>
+                                            </m:r>
+                                          </m:sup>
+                                        </m:sSup>
+                                        <m:r>
+                                          <a:rPr lang="en-GB" b="0" i="1" smtClean="0">
+                                            <a:latin typeface="Cambria Math" panose="02040503050406030204" pitchFamily="18" charset="0"/>
+                                            <a:ea typeface="Cambria Math" panose="02040503050406030204" pitchFamily="18" charset="0"/>
+                                          </a:rPr>
+                                          <m:t>+</m:t>
+                                        </m:r>
+                                        <m:sSubSup>
+                                          <m:sSubSupPr>
+                                            <m:ctrlPr>
+                                              <a:rPr lang="en-GB" b="0" i="1" smtClean="0">
+                                                <a:latin typeface="Cambria Math" panose="02040503050406030204" pitchFamily="18" charset="0"/>
+                                                <a:ea typeface="Cambria Math" panose="02040503050406030204" pitchFamily="18" charset="0"/>
+                                              </a:rPr>
+                                            </m:ctrlPr>
+                                          </m:sSubSupPr>
+                                          <m:e>
+                                            <m:r>
+                                              <a:rPr lang="en-GB" b="0" i="1" smtClean="0">
+                                                <a:latin typeface="Cambria Math" panose="02040503050406030204" pitchFamily="18" charset="0"/>
+                                                <a:ea typeface="Cambria Math" panose="02040503050406030204" pitchFamily="18" charset="0"/>
+                                              </a:rPr>
+                                              <m:t>𝐷</m:t>
+                                            </m:r>
+                                          </m:e>
+                                          <m:sub>
+                                            <m:r>
+                                              <a:rPr lang="en-GB" b="0" i="1" smtClean="0">
+                                                <a:latin typeface="Cambria Math" panose="02040503050406030204" pitchFamily="18" charset="0"/>
+                                                <a:ea typeface="Cambria Math" panose="02040503050406030204" pitchFamily="18" charset="0"/>
+                                              </a:rPr>
+                                              <m:t>𝐿𝑆</m:t>
+                                            </m:r>
+                                          </m:sub>
+                                          <m:sup>
+                                            <m:r>
+                                              <a:rPr lang="en-GB" b="0" i="1" smtClean="0">
+                                                <a:latin typeface="Cambria Math" panose="02040503050406030204" pitchFamily="18" charset="0"/>
+                                                <a:ea typeface="Cambria Math" panose="02040503050406030204" pitchFamily="18" charset="0"/>
+                                              </a:rPr>
+                                              <m:t>2</m:t>
+                                            </m:r>
+                                          </m:sup>
+                                        </m:sSubSup>
+                                      </m:e>
+                                    </m:rad>
+                                  </m:num>
+                                  <m:den>
+                                    <m:r>
+                                      <a:rPr lang="en-GB" b="0" i="1" smtClean="0">
+                                        <a:latin typeface="Cambria Math" panose="02040503050406030204" pitchFamily="18" charset="0"/>
+                                        <a:ea typeface="Cambria Math" panose="02040503050406030204" pitchFamily="18" charset="0"/>
+                                      </a:rPr>
+                                      <m:t>𝑎</m:t>
+                                    </m:r>
+                                  </m:den>
+                                </m:f>
+                                <m:r>
+                                  <a:rPr lang="en-GB" b="0" i="1" smtClean="0">
+                                    <a:latin typeface="Cambria Math" panose="02040503050406030204" pitchFamily="18" charset="0"/>
+                                    <a:ea typeface="Cambria Math" panose="02040503050406030204" pitchFamily="18" charset="0"/>
+                                  </a:rPr>
+                                  <m:t>+</m:t>
+                                </m:r>
+                                <m:r>
+                                  <a:rPr lang="en-GB" b="0" i="1" smtClean="0">
+                                    <a:latin typeface="Cambria Math" panose="02040503050406030204" pitchFamily="18" charset="0"/>
+                                    <a:ea typeface="Cambria Math" panose="02040503050406030204" pitchFamily="18" charset="0"/>
+                                  </a:rPr>
+                                  <m:t>𝜅</m:t>
+                                </m:r>
+                                <m:f>
+                                  <m:fPr>
+                                    <m:ctrlPr>
+                                      <a:rPr lang="en-GB" b="0" i="1" smtClean="0">
+                                        <a:latin typeface="Cambria Math" panose="02040503050406030204" pitchFamily="18" charset="0"/>
+                                        <a:ea typeface="Cambria Math" panose="02040503050406030204" pitchFamily="18" charset="0"/>
+                                      </a:rPr>
+                                    </m:ctrlPr>
+                                  </m:fPr>
+                                  <m:num>
+                                    <m:sSub>
+                                      <m:sSubPr>
+                                        <m:ctrlPr>
+                                          <a:rPr lang="en-GB" b="0" i="1" smtClean="0">
+                                            <a:latin typeface="Cambria Math" panose="02040503050406030204" pitchFamily="18" charset="0"/>
+                                            <a:ea typeface="Cambria Math" panose="02040503050406030204" pitchFamily="18" charset="0"/>
+                                          </a:rPr>
+                                        </m:ctrlPr>
+                                      </m:sSubPr>
+                                      <m:e>
+                                        <m:r>
+                                          <a:rPr lang="en-GB" b="0" i="1" smtClean="0">
+                                            <a:latin typeface="Cambria Math" panose="02040503050406030204" pitchFamily="18" charset="0"/>
+                                            <a:ea typeface="Cambria Math" panose="02040503050406030204" pitchFamily="18" charset="0"/>
+                                          </a:rPr>
+                                          <m:t>𝐷</m:t>
+                                        </m:r>
+                                      </m:e>
+                                      <m:sub>
+                                        <m:r>
+                                          <a:rPr lang="en-GB" b="0" i="1" smtClean="0">
+                                            <a:latin typeface="Cambria Math" panose="02040503050406030204" pitchFamily="18" charset="0"/>
+                                            <a:ea typeface="Cambria Math" panose="02040503050406030204" pitchFamily="18" charset="0"/>
+                                          </a:rPr>
+                                          <m:t>𝐿𝑆</m:t>
+                                        </m:r>
+                                      </m:sub>
+                                    </m:sSub>
+                                  </m:num>
+                                  <m:den>
+                                    <m:r>
+                                      <a:rPr lang="en-GB" b="0" i="1" smtClean="0">
+                                        <a:latin typeface="Cambria Math" panose="02040503050406030204" pitchFamily="18" charset="0"/>
+                                        <a:ea typeface="Cambria Math" panose="02040503050406030204" pitchFamily="18" charset="0"/>
+                                      </a:rPr>
+                                      <m:t>𝑎</m:t>
+                                    </m:r>
+                                  </m:den>
+                                </m:f>
+                              </m:e>
+                            </m:d>
+                          </m:e>
+                        </m:func>
+                      </m:e>
+                    </m:d>
+                  </m:oMath>
+                </a14:m>
+                <a:endParaRPr lang="en-GB" dirty="0"/>
+              </a:p>
+              <a:p>
+                <a:pPr lvl="1"/>
+                <a:endParaRPr lang="en-GB" dirty="0"/>
+              </a:p>
+              <a:p>
+                <a:pPr lvl="1"/>
+                <a:r>
+                  <a:rPr lang="en-GB" dirty="0"/>
+                  <a:t>Where </a:t>
+                </a:r>
+                <a14:m>
+                  <m:oMath xmlns:m="http://schemas.openxmlformats.org/officeDocument/2006/math">
+                    <m:r>
+                      <a:rPr lang="en-GB" i="1" smtClean="0">
+                        <a:latin typeface="Cambria Math" panose="02040503050406030204" pitchFamily="18" charset="0"/>
+                        <a:ea typeface="Cambria Math" panose="02040503050406030204" pitchFamily="18" charset="0"/>
+                      </a:rPr>
+                      <m:t>𝜅</m:t>
+                    </m:r>
+                    <m:r>
+                      <a:rPr lang="en-GB" b="0" i="1" smtClean="0">
+                        <a:latin typeface="Cambria Math" panose="02040503050406030204" pitchFamily="18" charset="0"/>
+                        <a:ea typeface="Cambria Math" panose="02040503050406030204" pitchFamily="18" charset="0"/>
+                      </a:rPr>
+                      <m:t>=</m:t>
+                    </m:r>
+                    <m:f>
+                      <m:fPr>
+                        <m:ctrlPr>
+                          <a:rPr lang="en-GB" b="0" i="1" smtClean="0">
+                            <a:latin typeface="Cambria Math" panose="02040503050406030204" pitchFamily="18" charset="0"/>
+                            <a:ea typeface="Cambria Math" panose="02040503050406030204" pitchFamily="18" charset="0"/>
+                          </a:rPr>
+                        </m:ctrlPr>
+                      </m:fPr>
+                      <m:num>
+                        <m:sSub>
+                          <m:sSubPr>
+                            <m:ctrlPr>
+                              <a:rPr lang="en-GB" b="0" i="1" smtClean="0">
+                                <a:latin typeface="Cambria Math" panose="02040503050406030204" pitchFamily="18" charset="0"/>
+                                <a:ea typeface="Cambria Math" panose="02040503050406030204" pitchFamily="18" charset="0"/>
+                              </a:rPr>
+                            </m:ctrlPr>
+                          </m:sSubPr>
+                          <m:e>
+                            <m:r>
+                              <a:rPr lang="en-GB" b="0" i="1" smtClean="0">
+                                <a:latin typeface="Cambria Math" panose="02040503050406030204" pitchFamily="18" charset="0"/>
+                                <a:ea typeface="Cambria Math" panose="02040503050406030204" pitchFamily="18" charset="0"/>
+                              </a:rPr>
+                              <m:t>𝐷</m:t>
+                            </m:r>
+                          </m:e>
+                          <m:sub>
+                            <m:r>
+                              <a:rPr lang="en-GB" b="0" i="1" smtClean="0">
+                                <a:latin typeface="Cambria Math" panose="02040503050406030204" pitchFamily="18" charset="0"/>
+                                <a:ea typeface="Cambria Math" panose="02040503050406030204" pitchFamily="18" charset="0"/>
+                              </a:rPr>
+                              <m:t>𝐿𝑆</m:t>
+                            </m:r>
+                          </m:sub>
+                        </m:sSub>
+                      </m:num>
+                      <m:den>
+                        <m:r>
+                          <a:rPr lang="en-GB" b="0" i="1" smtClean="0">
+                            <a:latin typeface="Cambria Math" panose="02040503050406030204" pitchFamily="18" charset="0"/>
+                            <a:ea typeface="Cambria Math" panose="02040503050406030204" pitchFamily="18" charset="0"/>
+                          </a:rPr>
+                          <m:t>|</m:t>
+                        </m:r>
+                        <m:sSub>
+                          <m:sSubPr>
+                            <m:ctrlPr>
+                              <a:rPr lang="en-GB" b="0" i="1" smtClean="0">
+                                <a:latin typeface="Cambria Math" panose="02040503050406030204" pitchFamily="18" charset="0"/>
+                                <a:ea typeface="Cambria Math" panose="02040503050406030204" pitchFamily="18" charset="0"/>
+                              </a:rPr>
+                            </m:ctrlPr>
+                          </m:sSubPr>
+                          <m:e>
+                            <m:r>
+                              <a:rPr lang="en-GB" b="0" i="1" smtClean="0">
+                                <a:latin typeface="Cambria Math" panose="02040503050406030204" pitchFamily="18" charset="0"/>
+                                <a:ea typeface="Cambria Math" panose="02040503050406030204" pitchFamily="18" charset="0"/>
+                              </a:rPr>
+                              <m:t>𝐷</m:t>
+                            </m:r>
+                          </m:e>
+                          <m:sub>
+                            <m:r>
+                              <a:rPr lang="en-GB" b="0" i="1" smtClean="0">
+                                <a:latin typeface="Cambria Math" panose="02040503050406030204" pitchFamily="18" charset="0"/>
+                                <a:ea typeface="Cambria Math" panose="02040503050406030204" pitchFamily="18" charset="0"/>
+                              </a:rPr>
+                              <m:t>𝐿𝑆</m:t>
+                            </m:r>
+                          </m:sub>
+                        </m:sSub>
+                        <m:r>
+                          <a:rPr lang="en-GB" b="0" i="1" smtClean="0">
+                            <a:latin typeface="Cambria Math" panose="02040503050406030204" pitchFamily="18" charset="0"/>
+                            <a:ea typeface="Cambria Math" panose="02040503050406030204" pitchFamily="18" charset="0"/>
+                          </a:rPr>
+                          <m:t>|</m:t>
+                        </m:r>
+                      </m:den>
+                    </m:f>
+                  </m:oMath>
+                </a14:m>
+                <a:endParaRPr lang="en-GB" dirty="0"/>
+              </a:p>
+            </p:txBody>
+          </p:sp>
+        </mc:Choice>
+        <mc:Fallback>
+          <p:sp>
+            <p:nvSpPr>
+              <p:cNvPr id="3" name="Content Placeholder 2">
+                <a:extLst>
+                  <a:ext uri="{FF2B5EF4-FFF2-40B4-BE49-F238E27FC236}">
+                    <a16:creationId xmlns:a16="http://schemas.microsoft.com/office/drawing/2014/main" id="{A9393AB9-AAB7-420B-815F-5FEA72445D5B}"/>
+                  </a:ext>
+                </a:extLst>
+              </p:cNvPr>
+              <p:cNvSpPr>
+                <a:spLocks noGrp="1" noRot="1" noChangeAspect="1" noMove="1" noResize="1" noEditPoints="1" noAdjustHandles="1" noChangeArrowheads="1" noChangeShapeType="1" noTextEdit="1"/>
+              </p:cNvSpPr>
+              <p:nvPr>
+                <p:ph idx="1"/>
+              </p:nvPr>
+            </p:nvSpPr>
+            <p:spPr>
+              <a:xfrm>
+                <a:off x="838200" y="3935186"/>
+                <a:ext cx="10515600" cy="2318658"/>
+              </a:xfrm>
+              <a:blipFill>
+                <a:blip r:embed="rId3"/>
+                <a:stretch>
+                  <a:fillRect l="-1043" t="-4474"/>
+                </a:stretch>
+              </a:blipFill>
+            </p:spPr>
+            <p:txBody>
+              <a:bodyPr/>
+              <a:lstStyle/>
+              <a:p>
+                <a:r>
+                  <a:rPr lang="en-GB">
+                    <a:noFill/>
+                  </a:rPr>
+                  <a:t> </a:t>
+                </a:r>
+              </a:p>
+            </p:txBody>
+          </p:sp>
+        </mc:Fallback>
+      </mc:AlternateContent>
+      <p:pic>
+        <p:nvPicPr>
+          <p:cNvPr id="4" name="Content Placeholder 4" descr="A picture containing text, sky, map, different&#10;&#10;Description automatically generated">
+            <a:extLst>
+              <a:ext uri="{FF2B5EF4-FFF2-40B4-BE49-F238E27FC236}">
+                <a16:creationId xmlns:a16="http://schemas.microsoft.com/office/drawing/2014/main" id="{543668E7-02CB-48E9-B890-E976FD6F368A}"/>
+              </a:ext>
+            </a:extLst>
+          </p:cNvPr>
+          <p:cNvPicPr>
+            <a:picLocks noChangeAspect="1"/>
+          </p:cNvPicPr>
+          <p:nvPr/>
+        </p:nvPicPr>
+        <p:blipFill rotWithShape="1">
+          <a:blip r:embed="rId4">
+            <a:alphaModFix amt="90000"/>
+            <a:extLst>
+              <a:ext uri="{28A0092B-C50C-407E-A947-70E740481C1C}">
+                <a14:useLocalDpi xmlns:a14="http://schemas.microsoft.com/office/drawing/2010/main" val="0"/>
+              </a:ext>
+            </a:extLst>
+          </a:blip>
+          <a:srcRect t="3351" b="4943"/>
+          <a:stretch/>
+        </p:blipFill>
+        <p:spPr>
+          <a:xfrm>
+            <a:off x="1528233" y="637031"/>
+            <a:ext cx="9135533" cy="3298155"/>
+          </a:xfrm>
+          <a:prstGeom prst="rect">
+            <a:avLst/>
+          </a:prstGeom>
+        </p:spPr>
+      </p:pic>
+    </p:spTree>
+    <p:extLst>
+      <p:ext uri="{BB962C8B-B14F-4D97-AF65-F5344CB8AC3E}">
+        <p14:creationId xmlns:p14="http://schemas.microsoft.com/office/powerpoint/2010/main" val="3303619449"/>
+      </p:ext>
+    </p:extLst>
+  </p:cSld>
+  <p:clrMapOvr>
+    <a:masterClrMapping/>
+  </p:clrMapOvr>
+</p:sld>
+</file>
+
+<file path=ppt/slides/slide17.xml><?xml version="1.0" encoding="utf-8"?>
+<p:sld xmlns:a="http://schemas.openxmlformats.org/drawingml/2006/main" xmlns:r="http://schemas.openxmlformats.org/officeDocument/2006/relationships" xmlns:p="http://schemas.openxmlformats.org/presentationml/2006/main">
+  <p:cSld>
+    <p:spTree>
+      <p:nvGrpSpPr>
+        <p:cNvPr id="1" name=""/>
+        <p:cNvGrpSpPr/>
+        <p:nvPr/>
+      </p:nvGrpSpPr>
+      <p:grpSpPr>
+        <a:xfrm>
+          <a:off x="0" y="0"/>
+          <a:ext cx="0" cy="0"/>
+          <a:chOff x="0" y="0"/>
+          <a:chExt cx="0" cy="0"/>
+        </a:xfrm>
+      </p:grpSpPr>
+      <p:pic>
+        <p:nvPicPr>
+          <p:cNvPr id="5" name="Picture 4" descr="A swirling meteorite">
+            <a:extLst>
+              <a:ext uri="{FF2B5EF4-FFF2-40B4-BE49-F238E27FC236}">
+                <a16:creationId xmlns:a16="http://schemas.microsoft.com/office/drawing/2014/main" id="{E8285FFA-8869-4BA4-8262-7B35BEB57EE7}"/>
+              </a:ext>
+            </a:extLst>
+          </p:cNvPr>
+          <p:cNvPicPr>
+            <a:picLocks noChangeAspect="1"/>
+          </p:cNvPicPr>
+          <p:nvPr/>
+        </p:nvPicPr>
+        <p:blipFill rotWithShape="1">
+          <a:blip r:embed="rId3">
+            <a:alphaModFix/>
+          </a:blip>
+          <a:srcRect t="157" b="12971"/>
+          <a:stretch/>
+        </p:blipFill>
+        <p:spPr>
+          <a:xfrm>
+            <a:off x="-1260340" y="-1685261"/>
+            <a:ext cx="18184010" cy="10228521"/>
+          </a:xfrm>
+          <a:prstGeom prst="rect">
+            <a:avLst/>
+          </a:prstGeom>
+        </p:spPr>
+      </p:pic>
+      <p:sp>
+        <p:nvSpPr>
+          <p:cNvPr id="4" name="Rectangle 3">
+            <a:extLst>
+              <a:ext uri="{FF2B5EF4-FFF2-40B4-BE49-F238E27FC236}">
+                <a16:creationId xmlns:a16="http://schemas.microsoft.com/office/drawing/2014/main" id="{EC7759D7-1DC5-42E5-8C19-E9BA721B86B3}"/>
+              </a:ext>
+            </a:extLst>
+          </p:cNvPr>
+          <p:cNvSpPr/>
+          <p:nvPr/>
+        </p:nvSpPr>
+        <p:spPr>
+          <a:xfrm>
+            <a:off x="710609" y="595423"/>
+            <a:ext cx="10770782" cy="5667154"/>
+          </a:xfrm>
+          <a:prstGeom prst="rect">
+            <a:avLst/>
+          </a:prstGeom>
+          <a:solidFill>
+            <a:schemeClr val="bg1">
+              <a:alpha val="90000"/>
+            </a:schemeClr>
+          </a:solidFill>
+        </p:spPr>
+        <p:style>
+          <a:lnRef idx="2">
+            <a:schemeClr val="accent1">
+              <a:shade val="50000"/>
+            </a:schemeClr>
+          </a:lnRef>
+          <a:fillRef idx="1">
+            <a:schemeClr val="accent1"/>
+          </a:fillRef>
+          <a:effectRef idx="0">
+            <a:schemeClr val="accent1"/>
+          </a:effectRef>
+          <a:fontRef idx="minor">
+            <a:schemeClr val="lt1"/>
+          </a:fontRef>
+        </p:style>
+        <p:txBody>
+          <a:bodyPr rtlCol="0" anchor="ctr"/>
+          <a:lstStyle/>
+          <a:p>
+            <a:pPr algn="ctr"/>
+            <a:endParaRPr lang="en-GB" dirty="0"/>
+          </a:p>
+        </p:txBody>
+      </p:sp>
+      <p:sp>
+        <p:nvSpPr>
+          <p:cNvPr id="2" name="Title 1">
+            <a:extLst>
+              <a:ext uri="{FF2B5EF4-FFF2-40B4-BE49-F238E27FC236}">
+                <a16:creationId xmlns:a16="http://schemas.microsoft.com/office/drawing/2014/main" id="{24396ECA-3364-4F7C-B1E8-CEFCDF120095}"/>
+              </a:ext>
+            </a:extLst>
+          </p:cNvPr>
+          <p:cNvSpPr>
+            <a:spLocks noGrp="1"/>
+          </p:cNvSpPr>
+          <p:nvPr>
+            <p:ph type="title"/>
+          </p:nvPr>
+        </p:nvSpPr>
+        <p:spPr>
+          <a:xfrm>
+            <a:off x="838200" y="595423"/>
+            <a:ext cx="10515600" cy="1095265"/>
+          </a:xfrm>
+        </p:spPr>
+        <p:txBody>
+          <a:bodyPr/>
+          <a:lstStyle/>
+          <a:p>
+            <a:pPr algn="ctr"/>
+            <a:r>
+              <a:rPr lang="en-GB" dirty="0"/>
+              <a:t>PSR J0737-3039A/B</a:t>
+            </a:r>
+          </a:p>
+        </p:txBody>
+      </p:sp>
+      <p:sp>
+        <p:nvSpPr>
+          <p:cNvPr id="3" name="Content Placeholder 2">
+            <a:extLst>
+              <a:ext uri="{FF2B5EF4-FFF2-40B4-BE49-F238E27FC236}">
+                <a16:creationId xmlns:a16="http://schemas.microsoft.com/office/drawing/2014/main" id="{C3FCF0C0-015B-482D-8BEA-7B9CE95292C9}"/>
+              </a:ext>
+            </a:extLst>
+          </p:cNvPr>
+          <p:cNvSpPr>
+            <a:spLocks noGrp="1"/>
+          </p:cNvSpPr>
+          <p:nvPr>
+            <p:ph idx="1"/>
+          </p:nvPr>
+        </p:nvSpPr>
+        <p:spPr/>
+        <p:txBody>
+          <a:bodyPr/>
+          <a:lstStyle/>
+          <a:p>
+            <a:r>
+              <a:rPr lang="en-GB" dirty="0"/>
+              <a:t>Unique due to the fact that both neutron stars in the binary system are detectable as radio pulsars.</a:t>
+            </a:r>
+          </a:p>
+        </p:txBody>
+      </p:sp>
+    </p:spTree>
+    <p:extLst>
+      <p:ext uri="{BB962C8B-B14F-4D97-AF65-F5344CB8AC3E}">
+        <p14:creationId xmlns:p14="http://schemas.microsoft.com/office/powerpoint/2010/main" val="877542699"/>
+      </p:ext>
+    </p:extLst>
+  </p:cSld>
+  <p:clrMapOvr>
+    <a:masterClrMapping/>
+  </p:clrMapOvr>
+</p:sld>
+</file>
+
+<file path=ppt/slides/slide18.xml><?xml version="1.0" encoding="utf-8"?>
+<p:sld xmlns:a="http://schemas.openxmlformats.org/drawingml/2006/main" xmlns:r="http://schemas.openxmlformats.org/officeDocument/2006/relationships" xmlns:p="http://schemas.openxmlformats.org/presentationml/2006/main">
+  <p:cSld>
+    <p:spTree>
+      <p:nvGrpSpPr>
+        <p:cNvPr id="1" name=""/>
+        <p:cNvGrpSpPr/>
+        <p:nvPr/>
+      </p:nvGrpSpPr>
+      <p:grpSpPr>
+        <a:xfrm>
+          <a:off x="0" y="0"/>
+          <a:ext cx="0" cy="0"/>
+          <a:chOff x="0" y="0"/>
+          <a:chExt cx="0" cy="0"/>
+        </a:xfrm>
+      </p:grpSpPr>
+      <p:pic>
+        <p:nvPicPr>
+          <p:cNvPr id="5" name="Picture 4" descr="A swirling meteorite">
+            <a:extLst>
+              <a:ext uri="{FF2B5EF4-FFF2-40B4-BE49-F238E27FC236}">
+                <a16:creationId xmlns:a16="http://schemas.microsoft.com/office/drawing/2014/main" id="{47F4D367-9A80-41D3-B42A-45202E7A426F}"/>
+              </a:ext>
+            </a:extLst>
+          </p:cNvPr>
+          <p:cNvPicPr>
+            <a:picLocks noChangeAspect="1"/>
+          </p:cNvPicPr>
+          <p:nvPr/>
+        </p:nvPicPr>
+        <p:blipFill rotWithShape="1">
+          <a:blip r:embed="rId3">
+            <a:alphaModFix/>
+          </a:blip>
+          <a:srcRect t="157" b="12971"/>
+          <a:stretch/>
+        </p:blipFill>
+        <p:spPr>
+          <a:xfrm>
+            <a:off x="-1091006" y="-1685261"/>
+            <a:ext cx="18184010" cy="10228521"/>
+          </a:xfrm>
+          <a:prstGeom prst="rect">
+            <a:avLst/>
+          </a:prstGeom>
+        </p:spPr>
+      </p:pic>
+      <p:sp>
+        <p:nvSpPr>
+          <p:cNvPr id="4" name="Rectangle 3">
+            <a:extLst>
+              <a:ext uri="{FF2B5EF4-FFF2-40B4-BE49-F238E27FC236}">
+                <a16:creationId xmlns:a16="http://schemas.microsoft.com/office/drawing/2014/main" id="{5FDBD61E-3E14-46D4-B218-0535D1B59F99}"/>
+              </a:ext>
+            </a:extLst>
+          </p:cNvPr>
+          <p:cNvSpPr/>
+          <p:nvPr/>
+        </p:nvSpPr>
+        <p:spPr>
+          <a:xfrm>
+            <a:off x="710609" y="595423"/>
+            <a:ext cx="10770782" cy="5667154"/>
+          </a:xfrm>
+          <a:prstGeom prst="rect">
+            <a:avLst/>
+          </a:prstGeom>
+          <a:solidFill>
+            <a:schemeClr val="bg1">
+              <a:alpha val="90000"/>
+            </a:schemeClr>
+          </a:solidFill>
+        </p:spPr>
+        <p:style>
+          <a:lnRef idx="2">
+            <a:schemeClr val="accent1">
+              <a:shade val="50000"/>
+            </a:schemeClr>
+          </a:lnRef>
+          <a:fillRef idx="1">
+            <a:schemeClr val="accent1"/>
+          </a:fillRef>
+          <a:effectRef idx="0">
+            <a:schemeClr val="accent1"/>
+          </a:effectRef>
+          <a:fontRef idx="minor">
+            <a:schemeClr val="lt1"/>
+          </a:fontRef>
+        </p:style>
+        <p:txBody>
+          <a:bodyPr rtlCol="0" anchor="ctr"/>
+          <a:lstStyle/>
+          <a:p>
+            <a:pPr algn="ctr"/>
+            <a:endParaRPr lang="en-GB" dirty="0"/>
+          </a:p>
+        </p:txBody>
+      </p:sp>
+      <p:sp>
+        <p:nvSpPr>
+          <p:cNvPr id="2" name="Title 1">
+            <a:extLst>
+              <a:ext uri="{FF2B5EF4-FFF2-40B4-BE49-F238E27FC236}">
+                <a16:creationId xmlns:a16="http://schemas.microsoft.com/office/drawing/2014/main" id="{4491146E-2236-473A-9B8F-362EED68753A}"/>
+              </a:ext>
+            </a:extLst>
+          </p:cNvPr>
+          <p:cNvSpPr>
+            <a:spLocks noGrp="1"/>
+          </p:cNvSpPr>
+          <p:nvPr>
+            <p:ph type="title"/>
+          </p:nvPr>
+        </p:nvSpPr>
+        <p:spPr>
+          <a:xfrm>
+            <a:off x="838200" y="595423"/>
+            <a:ext cx="10515600" cy="1095265"/>
+          </a:xfrm>
+        </p:spPr>
+        <p:txBody>
+          <a:bodyPr/>
+          <a:lstStyle/>
+          <a:p>
+            <a:pPr algn="ctr"/>
+            <a:r>
+              <a:rPr lang="en-GB" dirty="0"/>
+              <a:t>Strong field gravity tests</a:t>
+            </a:r>
+          </a:p>
+        </p:txBody>
+      </p:sp>
+      <mc:AlternateContent xmlns:mc="http://schemas.openxmlformats.org/markup-compatibility/2006">
+        <mc:Choice xmlns:a14="http://schemas.microsoft.com/office/drawing/2010/main" Requires="a14">
+          <p:sp>
+            <p:nvSpPr>
+              <p:cNvPr id="3" name="Content Placeholder 2">
+                <a:extLst>
+                  <a:ext uri="{FF2B5EF4-FFF2-40B4-BE49-F238E27FC236}">
+                    <a16:creationId xmlns:a16="http://schemas.microsoft.com/office/drawing/2014/main" id="{9AA93C4C-AA95-4494-B6BF-9F75BC0560F5}"/>
+                  </a:ext>
+                </a:extLst>
+              </p:cNvPr>
+              <p:cNvSpPr>
+                <a:spLocks noGrp="1"/>
+              </p:cNvSpPr>
+              <p:nvPr>
+                <p:ph idx="1"/>
+              </p:nvPr>
+            </p:nvSpPr>
+            <p:spPr/>
+            <p:txBody>
+              <a:bodyPr/>
+              <a:lstStyle/>
+              <a:p>
+                <a:r>
+                  <a:rPr lang="en-GB" dirty="0"/>
+                  <a:t>One can test </a:t>
+                </a:r>
+                <a:r>
+                  <a:rPr lang="en-GB" i="1" dirty="0"/>
+                  <a:t>s</a:t>
+                </a:r>
+                <a:r>
+                  <a:rPr lang="en-GB" dirty="0"/>
+                  <a:t> as part of a </a:t>
+                </a:r>
+                <a14:m>
+                  <m:oMath xmlns:m="http://schemas.openxmlformats.org/officeDocument/2006/math">
+                    <m:acc>
+                      <m:accPr>
+                        <m:chr m:val="̇"/>
+                        <m:ctrlPr>
+                          <a:rPr lang="en-GB" i="1" smtClean="0">
+                            <a:latin typeface="Cambria Math" panose="02040503050406030204" pitchFamily="18" charset="0"/>
+                          </a:rPr>
+                        </m:ctrlPr>
+                      </m:accPr>
+                      <m:e>
+                        <m:r>
+                          <a:rPr lang="en-GB" i="1" smtClean="0">
+                            <a:latin typeface="Cambria Math" panose="02040503050406030204" pitchFamily="18" charset="0"/>
+                            <a:ea typeface="Cambria Math" panose="02040503050406030204" pitchFamily="18" charset="0"/>
+                          </a:rPr>
+                          <m:t>𝜔</m:t>
+                        </m:r>
+                      </m:e>
+                    </m:acc>
+                    <m:r>
+                      <a:rPr lang="en-GB" b="0" i="1" smtClean="0">
+                        <a:latin typeface="Cambria Math" panose="02040503050406030204" pitchFamily="18" charset="0"/>
+                      </a:rPr>
+                      <m:t>−</m:t>
+                    </m:r>
+                    <m:sSub>
+                      <m:sSubPr>
+                        <m:ctrlPr>
+                          <a:rPr lang="en-GB" b="0" i="1" smtClean="0">
+                            <a:latin typeface="Cambria Math" panose="02040503050406030204" pitchFamily="18" charset="0"/>
+                          </a:rPr>
+                        </m:ctrlPr>
+                      </m:sSubPr>
+                      <m:e>
+                        <m:r>
+                          <a:rPr lang="en-GB" b="0" i="1" smtClean="0">
+                            <a:latin typeface="Cambria Math" panose="02040503050406030204" pitchFamily="18" charset="0"/>
+                            <a:ea typeface="Cambria Math" panose="02040503050406030204" pitchFamily="18" charset="0"/>
+                          </a:rPr>
+                          <m:t>𝛾</m:t>
+                        </m:r>
+                      </m:e>
+                      <m:sub>
+                        <m:r>
+                          <a:rPr lang="en-GB" b="0" i="1" smtClean="0">
+                            <a:latin typeface="Cambria Math" panose="02040503050406030204" pitchFamily="18" charset="0"/>
+                          </a:rPr>
+                          <m:t>𝐸</m:t>
+                        </m:r>
+                      </m:sub>
+                    </m:sSub>
+                    <m:r>
+                      <a:rPr lang="en-GB" b="0" i="1" smtClean="0">
+                        <a:latin typeface="Cambria Math" panose="02040503050406030204" pitchFamily="18" charset="0"/>
+                      </a:rPr>
+                      <m:t>−</m:t>
+                    </m:r>
+                    <m:r>
+                      <a:rPr lang="en-GB" b="0" i="1" smtClean="0">
+                        <a:latin typeface="Cambria Math" panose="02040503050406030204" pitchFamily="18" charset="0"/>
+                      </a:rPr>
+                      <m:t>𝑠</m:t>
+                    </m:r>
+                  </m:oMath>
+                </a14:m>
+                <a:r>
+                  <a:rPr lang="en-GB" dirty="0"/>
+                  <a:t> test, which leads to:</a:t>
+                </a:r>
+              </a:p>
+              <a:p>
+                <a:endParaRPr lang="en-GB" dirty="0"/>
+              </a:p>
+              <a:p>
+                <a14:m>
+                  <m:oMath xmlns:m="http://schemas.openxmlformats.org/officeDocument/2006/math">
+                    <m:f>
+                      <m:fPr>
+                        <m:ctrlPr>
+                          <a:rPr lang="en-GB" i="1" smtClean="0">
+                            <a:latin typeface="Cambria Math" panose="02040503050406030204" pitchFamily="18" charset="0"/>
+                          </a:rPr>
+                        </m:ctrlPr>
+                      </m:fPr>
+                      <m:num>
+                        <m:sSup>
+                          <m:sSupPr>
+                            <m:ctrlPr>
+                              <a:rPr lang="en-GB" i="1" smtClean="0">
+                                <a:latin typeface="Cambria Math" panose="02040503050406030204" pitchFamily="18" charset="0"/>
+                              </a:rPr>
+                            </m:ctrlPr>
+                          </m:sSupPr>
+                          <m:e>
+                            <m:r>
+                              <a:rPr lang="en-GB" b="0" i="1" smtClean="0">
+                                <a:latin typeface="Cambria Math" panose="02040503050406030204" pitchFamily="18" charset="0"/>
+                              </a:rPr>
+                              <m:t>𝑠</m:t>
+                            </m:r>
+                          </m:e>
+                          <m:sup>
+                            <m:r>
+                              <a:rPr lang="en-GB" b="0" i="1" smtClean="0">
+                                <a:latin typeface="Cambria Math" panose="02040503050406030204" pitchFamily="18" charset="0"/>
+                              </a:rPr>
+                              <m:t>𝑜𝑏𝑠</m:t>
+                            </m:r>
+                          </m:sup>
+                        </m:sSup>
+                      </m:num>
+                      <m:den>
+                        <m:sSup>
+                          <m:sSupPr>
+                            <m:ctrlPr>
+                              <a:rPr lang="en-GB" i="1" smtClean="0">
+                                <a:latin typeface="Cambria Math" panose="02040503050406030204" pitchFamily="18" charset="0"/>
+                              </a:rPr>
+                            </m:ctrlPr>
+                          </m:sSupPr>
+                          <m:e>
+                            <m:r>
+                              <a:rPr lang="en-GB" b="0" i="1" smtClean="0">
+                                <a:latin typeface="Cambria Math" panose="02040503050406030204" pitchFamily="18" charset="0"/>
+                              </a:rPr>
+                              <m:t>𝑠</m:t>
+                            </m:r>
+                          </m:e>
+                          <m:sup>
+                            <m:r>
+                              <a:rPr lang="en-GB" b="0" i="1" smtClean="0">
+                                <a:latin typeface="Cambria Math" panose="02040503050406030204" pitchFamily="18" charset="0"/>
+                              </a:rPr>
+                              <m:t>𝐺𝑅</m:t>
+                            </m:r>
+                          </m:sup>
+                        </m:sSup>
+                      </m:den>
+                    </m:f>
+                    <m:r>
+                      <a:rPr lang="en-GB" b="0" i="1" smtClean="0">
+                        <a:latin typeface="Cambria Math" panose="02040503050406030204" pitchFamily="18" charset="0"/>
+                      </a:rPr>
+                      <m:t>=1.000 09(18)</m:t>
+                    </m:r>
+                  </m:oMath>
+                </a14:m>
+                <a:endParaRPr lang="en-GB" dirty="0"/>
+              </a:p>
+              <a:p>
+                <a:endParaRPr lang="en-GB" dirty="0"/>
+              </a:p>
+              <a:p>
+                <a:r>
+                  <a:rPr lang="en-GB" dirty="0"/>
+                  <a:t>Meaning a 4 x 10</a:t>
+                </a:r>
+                <a:r>
+                  <a:rPr lang="en-GB" baseline="30000" dirty="0"/>
+                  <a:t>-4</a:t>
+                </a:r>
+                <a:r>
+                  <a:rPr lang="en-GB" dirty="0"/>
+                  <a:t> (95% C.L.) test in agreement with GR</a:t>
+                </a:r>
+              </a:p>
+              <a:p>
+                <a:pPr marL="0" indent="0">
+                  <a:buNone/>
+                </a:pPr>
+                <a:endParaRPr lang="en-GB" dirty="0"/>
+              </a:p>
+            </p:txBody>
+          </p:sp>
+        </mc:Choice>
+        <mc:Fallback>
+          <p:sp>
+            <p:nvSpPr>
+              <p:cNvPr id="3" name="Content Placeholder 2">
+                <a:extLst>
+                  <a:ext uri="{FF2B5EF4-FFF2-40B4-BE49-F238E27FC236}">
+                    <a16:creationId xmlns:a16="http://schemas.microsoft.com/office/drawing/2014/main" id="{9AA93C4C-AA95-4494-B6BF-9F75BC0560F5}"/>
+                  </a:ext>
+                </a:extLst>
+              </p:cNvPr>
+              <p:cNvSpPr>
+                <a:spLocks noGrp="1" noRot="1" noChangeAspect="1" noMove="1" noResize="1" noEditPoints="1" noAdjustHandles="1" noChangeArrowheads="1" noChangeShapeType="1" noTextEdit="1"/>
+              </p:cNvSpPr>
+              <p:nvPr>
+                <p:ph idx="1"/>
+              </p:nvPr>
+            </p:nvSpPr>
+            <p:spPr>
+              <a:blipFill>
+                <a:blip r:embed="rId4"/>
+                <a:stretch>
+                  <a:fillRect l="-1043" t="-2241"/>
+                </a:stretch>
+              </a:blipFill>
+            </p:spPr>
+            <p:txBody>
+              <a:bodyPr/>
+              <a:lstStyle/>
+              <a:p>
+                <a:r>
+                  <a:rPr lang="en-GB">
+                    <a:noFill/>
+                  </a:rPr>
+                  <a:t> </a:t>
+                </a:r>
+              </a:p>
+            </p:txBody>
+          </p:sp>
+        </mc:Fallback>
+      </mc:AlternateContent>
+    </p:spTree>
+    <p:extLst>
+      <p:ext uri="{BB962C8B-B14F-4D97-AF65-F5344CB8AC3E}">
+        <p14:creationId xmlns:p14="http://schemas.microsoft.com/office/powerpoint/2010/main" val="3099209079"/>
+      </p:ext>
+    </p:extLst>
+  </p:cSld>
+  <p:clrMapOvr>
+    <a:masterClrMapping/>
+  </p:clrMapOvr>
+</p:sld>
+</file>
+
+<file path=ppt/slides/slide19.xml><?xml version="1.0" encoding="utf-8"?>
+<p:sld xmlns:a="http://schemas.openxmlformats.org/drawingml/2006/main" xmlns:r="http://schemas.openxmlformats.org/officeDocument/2006/relationships" xmlns:p="http://schemas.openxmlformats.org/presentationml/2006/main">
+  <p:cSld>
+    <p:spTree>
+      <p:nvGrpSpPr>
+        <p:cNvPr id="1" name=""/>
+        <p:cNvGrpSpPr/>
+        <p:nvPr/>
+      </p:nvGrpSpPr>
+      <p:grpSpPr>
+        <a:xfrm>
+          <a:off x="0" y="0"/>
+          <a:ext cx="0" cy="0"/>
+          <a:chOff x="0" y="0"/>
+          <a:chExt cx="0" cy="0"/>
+        </a:xfrm>
+      </p:grpSpPr>
+      <p:pic>
+        <p:nvPicPr>
+          <p:cNvPr id="5" name="Picture 4" descr="A swirling meteorite">
+            <a:extLst>
+              <a:ext uri="{FF2B5EF4-FFF2-40B4-BE49-F238E27FC236}">
+                <a16:creationId xmlns:a16="http://schemas.microsoft.com/office/drawing/2014/main" id="{306A78D0-8409-4703-B9F1-339FC57C2107}"/>
+              </a:ext>
+            </a:extLst>
+          </p:cNvPr>
+          <p:cNvPicPr>
+            <a:picLocks noChangeAspect="1"/>
+          </p:cNvPicPr>
+          <p:nvPr/>
+        </p:nvPicPr>
+        <p:blipFill rotWithShape="1">
+          <a:blip r:embed="rId3">
+            <a:alphaModFix/>
+          </a:blip>
+          <a:srcRect t="157" b="12971"/>
+          <a:stretch/>
+        </p:blipFill>
+        <p:spPr>
+          <a:xfrm>
+            <a:off x="-938606" y="-1685261"/>
+            <a:ext cx="18184010" cy="10228521"/>
+          </a:xfrm>
+          <a:prstGeom prst="rect">
+            <a:avLst/>
+          </a:prstGeom>
+        </p:spPr>
+      </p:pic>
+      <p:sp>
+        <p:nvSpPr>
+          <p:cNvPr id="4" name="Rectangle 3">
+            <a:extLst>
+              <a:ext uri="{FF2B5EF4-FFF2-40B4-BE49-F238E27FC236}">
+                <a16:creationId xmlns:a16="http://schemas.microsoft.com/office/drawing/2014/main" id="{5AF7B283-04AE-43C3-82F8-7D7234E6F99C}"/>
+              </a:ext>
+            </a:extLst>
+          </p:cNvPr>
+          <p:cNvSpPr/>
+          <p:nvPr/>
+        </p:nvSpPr>
+        <p:spPr>
+          <a:xfrm>
+            <a:off x="710609" y="595423"/>
+            <a:ext cx="10770782" cy="5667154"/>
+          </a:xfrm>
+          <a:prstGeom prst="rect">
+            <a:avLst/>
+          </a:prstGeom>
+          <a:solidFill>
+            <a:schemeClr val="bg1">
+              <a:alpha val="90000"/>
+            </a:schemeClr>
+          </a:solidFill>
+        </p:spPr>
+        <p:style>
+          <a:lnRef idx="2">
+            <a:schemeClr val="accent1">
+              <a:shade val="50000"/>
+            </a:schemeClr>
+          </a:lnRef>
+          <a:fillRef idx="1">
+            <a:schemeClr val="accent1"/>
+          </a:fillRef>
+          <a:effectRef idx="0">
+            <a:schemeClr val="accent1"/>
+          </a:effectRef>
+          <a:fontRef idx="minor">
+            <a:schemeClr val="lt1"/>
+          </a:fontRef>
+        </p:style>
+        <p:txBody>
+          <a:bodyPr rtlCol="0" anchor="ctr"/>
+          <a:lstStyle/>
+          <a:p>
+            <a:pPr algn="ctr"/>
+            <a:endParaRPr lang="en-GB" dirty="0"/>
+          </a:p>
+        </p:txBody>
+      </p:sp>
+      <p:sp>
+        <p:nvSpPr>
+          <p:cNvPr id="2" name="Title 1">
+            <a:extLst>
+              <a:ext uri="{FF2B5EF4-FFF2-40B4-BE49-F238E27FC236}">
+                <a16:creationId xmlns:a16="http://schemas.microsoft.com/office/drawing/2014/main" id="{6E0E3685-BC71-4FDD-A41E-505BC171903C}"/>
+              </a:ext>
+            </a:extLst>
+          </p:cNvPr>
+          <p:cNvSpPr>
+            <a:spLocks noGrp="1"/>
+          </p:cNvSpPr>
+          <p:nvPr>
+            <p:ph type="title"/>
+          </p:nvPr>
+        </p:nvSpPr>
+        <p:spPr>
+          <a:xfrm>
+            <a:off x="838200" y="595423"/>
+            <a:ext cx="10515600" cy="1095265"/>
+          </a:xfrm>
+        </p:spPr>
+        <p:txBody>
+          <a:bodyPr/>
+          <a:lstStyle/>
+          <a:p>
+            <a:pPr algn="ctr"/>
+            <a:r>
+              <a:rPr lang="en-GB" dirty="0"/>
+              <a:t>Strong field gravity tests</a:t>
+            </a:r>
+          </a:p>
+        </p:txBody>
+      </p:sp>
+      <mc:AlternateContent xmlns:mc="http://schemas.openxmlformats.org/markup-compatibility/2006">
+        <mc:Choice xmlns:a14="http://schemas.microsoft.com/office/drawing/2010/main" Requires="a14">
+          <p:sp>
+            <p:nvSpPr>
+              <p:cNvPr id="3" name="Content Placeholder 2">
+                <a:extLst>
+                  <a:ext uri="{FF2B5EF4-FFF2-40B4-BE49-F238E27FC236}">
+                    <a16:creationId xmlns:a16="http://schemas.microsoft.com/office/drawing/2014/main" id="{39B8C6C8-F205-430D-BD98-66F991A081EB}"/>
+                  </a:ext>
+                </a:extLst>
+              </p:cNvPr>
+              <p:cNvSpPr>
+                <a:spLocks noGrp="1"/>
+              </p:cNvSpPr>
+              <p:nvPr>
+                <p:ph idx="1"/>
+              </p:nvPr>
+            </p:nvSpPr>
+            <p:spPr/>
+            <p:txBody>
+              <a:bodyPr/>
+              <a:lstStyle/>
+              <a:p>
+                <a:r>
+                  <a:rPr lang="en-GB" dirty="0"/>
+                  <a:t>A test of the Shapiro range </a:t>
+                </a:r>
+                <a14:m>
+                  <m:oMath xmlns:m="http://schemas.openxmlformats.org/officeDocument/2006/math">
+                    <m:r>
+                      <a:rPr lang="en-GB" b="0" i="1" smtClean="0">
+                        <a:latin typeface="Cambria Math" panose="02040503050406030204" pitchFamily="18" charset="0"/>
+                      </a:rPr>
+                      <m:t>𝑟</m:t>
+                    </m:r>
+                  </m:oMath>
+                </a14:m>
+                <a:r>
+                  <a:rPr lang="en-GB" dirty="0"/>
+                  <a:t> directly probes the interaction between a strongly self-gravitating NS and a photon. </a:t>
+                </a:r>
+              </a:p>
+              <a:p>
+                <a:endParaRPr lang="en-GB" dirty="0"/>
+              </a:p>
+              <a:p>
+                <a:r>
+                  <a:rPr lang="en-GB" dirty="0"/>
+                  <a:t>Paper shows that:</a:t>
+                </a:r>
+              </a:p>
+              <a:p>
+                <a:endParaRPr lang="en-GB" dirty="0"/>
+              </a:p>
+              <a:p>
+                <a14:m>
+                  <m:oMath xmlns:m="http://schemas.openxmlformats.org/officeDocument/2006/math">
+                    <m:f>
+                      <m:fPr>
+                        <m:ctrlPr>
+                          <a:rPr lang="en-GB" b="0" i="1" smtClean="0">
+                            <a:latin typeface="Cambria Math" panose="02040503050406030204" pitchFamily="18" charset="0"/>
+                          </a:rPr>
+                        </m:ctrlPr>
+                      </m:fPr>
+                      <m:num>
+                        <m:sSup>
+                          <m:sSupPr>
+                            <m:ctrlPr>
+                              <a:rPr lang="en-GB" b="0" i="1" smtClean="0">
+                                <a:latin typeface="Cambria Math" panose="02040503050406030204" pitchFamily="18" charset="0"/>
+                              </a:rPr>
+                            </m:ctrlPr>
+                          </m:sSupPr>
+                          <m:e>
+                            <m:r>
+                              <a:rPr lang="en-GB" b="0" i="1" smtClean="0">
+                                <a:latin typeface="Cambria Math" panose="02040503050406030204" pitchFamily="18" charset="0"/>
+                              </a:rPr>
+                              <m:t>𝑟</m:t>
+                            </m:r>
+                          </m:e>
+                          <m:sup>
+                            <m:r>
+                              <a:rPr lang="en-GB" b="0" i="1" smtClean="0">
+                                <a:latin typeface="Cambria Math" panose="02040503050406030204" pitchFamily="18" charset="0"/>
+                              </a:rPr>
+                              <m:t>𝑜𝑏𝑠</m:t>
+                            </m:r>
+                          </m:sup>
+                        </m:sSup>
+                      </m:num>
+                      <m:den>
+                        <m:sSup>
+                          <m:sSupPr>
+                            <m:ctrlPr>
+                              <a:rPr lang="en-GB" b="0" i="1" smtClean="0">
+                                <a:latin typeface="Cambria Math" panose="02040503050406030204" pitchFamily="18" charset="0"/>
+                              </a:rPr>
+                            </m:ctrlPr>
+                          </m:sSupPr>
+                          <m:e>
+                            <m:r>
+                              <a:rPr lang="en-GB" b="0" i="1" smtClean="0">
+                                <a:latin typeface="Cambria Math" panose="02040503050406030204" pitchFamily="18" charset="0"/>
+                              </a:rPr>
+                              <m:t>𝑟</m:t>
+                            </m:r>
+                          </m:e>
+                          <m:sup>
+                            <m:r>
+                              <a:rPr lang="en-GB" b="0" i="1" smtClean="0">
+                                <a:latin typeface="Cambria Math" panose="02040503050406030204" pitchFamily="18" charset="0"/>
+                              </a:rPr>
+                              <m:t>𝐺𝑅</m:t>
+                            </m:r>
+                          </m:sup>
+                        </m:sSup>
+                      </m:den>
+                    </m:f>
+                    <m:r>
+                      <a:rPr lang="en-GB" b="0" i="1" smtClean="0">
+                        <a:latin typeface="Cambria Math" panose="02040503050406030204" pitchFamily="18" charset="0"/>
+                      </a:rPr>
+                      <m:t>=1.0016</m:t>
+                    </m:r>
+                    <m:d>
+                      <m:dPr>
+                        <m:ctrlPr>
+                          <a:rPr lang="en-GB" b="0" i="1" smtClean="0">
+                            <a:latin typeface="Cambria Math" panose="02040503050406030204" pitchFamily="18" charset="0"/>
+                          </a:rPr>
+                        </m:ctrlPr>
+                      </m:dPr>
+                      <m:e>
+                        <m:r>
+                          <a:rPr lang="en-GB" b="0" i="1" smtClean="0">
+                            <a:latin typeface="Cambria Math" panose="02040503050406030204" pitchFamily="18" charset="0"/>
+                          </a:rPr>
+                          <m:t>34</m:t>
+                        </m:r>
+                      </m:e>
+                    </m:d>
+                  </m:oMath>
+                </a14:m>
+                <a:endParaRPr lang="en-GB" dirty="0"/>
+              </a:p>
+              <a:p>
+                <a:r>
+                  <a:rPr lang="en-GB" dirty="0"/>
+                  <a:t>leading to a 7 x 10</a:t>
+                </a:r>
+                <a:r>
+                  <a:rPr lang="en-GB" baseline="30000" dirty="0"/>
+                  <a:t>-3</a:t>
+                </a:r>
+                <a:r>
+                  <a:rPr lang="en-GB" dirty="0"/>
+                  <a:t> (95% C.L.) test of </a:t>
+                </a:r>
+                <a14:m>
+                  <m:oMath xmlns:m="http://schemas.openxmlformats.org/officeDocument/2006/math">
+                    <m:r>
+                      <a:rPr lang="en-GB" b="0" i="1" smtClean="0">
+                        <a:latin typeface="Cambria Math" panose="02040503050406030204" pitchFamily="18" charset="0"/>
+                      </a:rPr>
+                      <m:t>𝑟</m:t>
+                    </m:r>
+                  </m:oMath>
+                </a14:m>
+                <a:r>
+                  <a:rPr lang="en-GB" dirty="0"/>
+                  <a:t> in agreement with GR</a:t>
+                </a:r>
+              </a:p>
+            </p:txBody>
+          </p:sp>
+        </mc:Choice>
+        <mc:Fallback>
+          <p:sp>
+            <p:nvSpPr>
+              <p:cNvPr id="3" name="Content Placeholder 2">
+                <a:extLst>
+                  <a:ext uri="{FF2B5EF4-FFF2-40B4-BE49-F238E27FC236}">
+                    <a16:creationId xmlns:a16="http://schemas.microsoft.com/office/drawing/2014/main" id="{39B8C6C8-F205-430D-BD98-66F991A081EB}"/>
+                  </a:ext>
+                </a:extLst>
+              </p:cNvPr>
+              <p:cNvSpPr>
+                <a:spLocks noGrp="1" noRot="1" noChangeAspect="1" noMove="1" noResize="1" noEditPoints="1" noAdjustHandles="1" noChangeArrowheads="1" noChangeShapeType="1" noTextEdit="1"/>
+              </p:cNvSpPr>
+              <p:nvPr>
+                <p:ph idx="1"/>
+              </p:nvPr>
+            </p:nvSpPr>
+            <p:spPr>
+              <a:blipFill>
+                <a:blip r:embed="rId4"/>
+                <a:stretch>
+                  <a:fillRect l="-1043" t="-2241"/>
+                </a:stretch>
+              </a:blipFill>
+            </p:spPr>
+            <p:txBody>
+              <a:bodyPr/>
+              <a:lstStyle/>
+              <a:p>
+                <a:r>
+                  <a:rPr lang="en-GB">
+                    <a:noFill/>
+                  </a:rPr>
+                  <a:t> </a:t>
+                </a:r>
+              </a:p>
+            </p:txBody>
+          </p:sp>
+        </mc:Fallback>
+      </mc:AlternateContent>
+    </p:spTree>
+    <p:extLst>
+      <p:ext uri="{BB962C8B-B14F-4D97-AF65-F5344CB8AC3E}">
+        <p14:creationId xmlns:p14="http://schemas.microsoft.com/office/powerpoint/2010/main" val="3965939056"/>
       </p:ext>
     </p:extLst>
   </p:cSld>
@@ -3427,63 +9609,655 @@
           <a:chExt cx="0" cy="0"/>
         </a:xfrm>
       </p:grpSpPr>
-      <p:sp>
-        <p:nvSpPr>
-          <p:cNvPr id="2" name="Title 1">
-            <a:extLst>
-              <a:ext uri="{FF2B5EF4-FFF2-40B4-BE49-F238E27FC236}">
-                <a16:creationId xmlns:a16="http://schemas.microsoft.com/office/drawing/2014/main" id="{EB62EE0B-8FDC-4B28-BA1D-961E196D5C33}"/>
-              </a:ext>
-            </a:extLst>
-          </p:cNvPr>
-          <p:cNvSpPr>
-            <a:spLocks noGrp="1"/>
+      <p:pic>
+        <p:nvPicPr>
+          <p:cNvPr id="8" name="Picture 7" descr="A swirling meteorite">
+            <a:extLst>
+              <a:ext uri="{FF2B5EF4-FFF2-40B4-BE49-F238E27FC236}">
+                <a16:creationId xmlns:a16="http://schemas.microsoft.com/office/drawing/2014/main" id="{32FB1110-B619-46E5-8787-8B7BD6226901}"/>
+              </a:ext>
+            </a:extLst>
+          </p:cNvPr>
+          <p:cNvPicPr>
+            <a:picLocks noChangeAspect="1"/>
+          </p:cNvPicPr>
+          <p:nvPr/>
+        </p:nvPicPr>
+        <p:blipFill rotWithShape="1">
+          <a:blip r:embed="rId2">
+            <a:alphaModFix/>
+          </a:blip>
+          <a:srcRect t="157" b="12971"/>
+          <a:stretch/>
+        </p:blipFill>
+        <p:spPr>
+          <a:xfrm>
+            <a:off x="-3123597" y="-1685261"/>
+            <a:ext cx="18184010" cy="10228521"/>
+          </a:xfrm>
+          <a:prstGeom prst="rect">
+            <a:avLst/>
+          </a:prstGeom>
+        </p:spPr>
+      </p:pic>
+      <p:sp>
+        <p:nvSpPr>
+          <p:cNvPr id="9" name="Rectangle 8">
+            <a:extLst>
+              <a:ext uri="{FF2B5EF4-FFF2-40B4-BE49-F238E27FC236}">
+                <a16:creationId xmlns:a16="http://schemas.microsoft.com/office/drawing/2014/main" id="{06F903B6-4CCA-4071-8FA4-C675401BFBAC}"/>
+              </a:ext>
+            </a:extLst>
+          </p:cNvPr>
+          <p:cNvSpPr/>
+          <p:nvPr/>
+        </p:nvSpPr>
+        <p:spPr>
+          <a:xfrm>
+            <a:off x="710609" y="595422"/>
+            <a:ext cx="10770782" cy="5667154"/>
+          </a:xfrm>
+          <a:prstGeom prst="rect">
+            <a:avLst/>
+          </a:prstGeom>
+          <a:solidFill>
+            <a:sysClr val="window" lastClr="FFFFFF">
+              <a:alpha val="90000"/>
+            </a:sysClr>
+          </a:solidFill>
+          <a:ln w="12700" cap="flat" cmpd="sng" algn="ctr">
+            <a:solidFill>
+              <a:srgbClr val="4472C4">
+                <a:shade val="50000"/>
+              </a:srgbClr>
+            </a:solidFill>
+            <a:prstDash val="solid"/>
+            <a:miter lim="800000"/>
+          </a:ln>
+          <a:effectLst/>
+        </p:spPr>
+        <p:txBody>
+          <a:bodyPr rtlCol="0" anchor="ctr"/>
+          <a:lstStyle/>
+          <a:p>
+            <a:pPr marL="0" marR="0" lvl="0" indent="0" algn="ctr" defTabSz="914400" eaLnBrk="1" fontAlgn="auto" latinLnBrk="0" hangingPunct="1">
+              <a:lnSpc>
+                <a:spcPct val="100000"/>
+              </a:lnSpc>
+              <a:spcBef>
+                <a:spcPts val="0"/>
+              </a:spcBef>
+              <a:spcAft>
+                <a:spcPts val="0"/>
+              </a:spcAft>
+              <a:buClrTx/>
+              <a:buSzTx/>
+              <a:buFontTx/>
+              <a:buNone/>
+              <a:tabLst/>
+              <a:defRPr/>
+            </a:pPr>
+            <a:endParaRPr kumimoji="0" lang="en-GB" sz="1800" b="0" i="0" u="none" strike="noStrike" kern="0" cap="none" spc="0" normalizeH="0" baseline="0" noProof="0" dirty="0">
+              <a:ln>
+                <a:noFill/>
+              </a:ln>
+              <a:solidFill>
+                <a:prstClr val="white"/>
+              </a:solidFill>
+              <a:effectLst/>
+              <a:uLnTx/>
+              <a:uFillTx/>
+              <a:latin typeface="Calibri" panose="020F0502020204030204"/>
+              <a:ea typeface="+mn-ea"/>
+              <a:cs typeface="+mn-cs"/>
+            </a:endParaRPr>
+          </a:p>
+        </p:txBody>
+      </p:sp>
+      <p:sp>
+        <p:nvSpPr>
+          <p:cNvPr id="10" name="Title 1">
+            <a:extLst>
+              <a:ext uri="{FF2B5EF4-FFF2-40B4-BE49-F238E27FC236}">
+                <a16:creationId xmlns:a16="http://schemas.microsoft.com/office/drawing/2014/main" id="{B7B718F0-85CA-4851-B173-62ED90402918}"/>
+              </a:ext>
+            </a:extLst>
+          </p:cNvPr>
+          <p:cNvSpPr txBox="1">
+            <a:spLocks/>
           </p:cNvSpPr>
-          <p:nvPr>
-            <p:ph type="title"/>
-          </p:nvPr>
-        </p:nvSpPr>
-        <p:spPr/>
-        <p:txBody>
-          <a:bodyPr/>
-          <a:lstStyle/>
-          <a:p>
-            <a:r>
-              <a:rPr lang="en-GB" dirty="0"/>
-              <a:t>What is the Shapiro Delay?</a:t>
-            </a:r>
-          </a:p>
-        </p:txBody>
-      </p:sp>
-      <p:sp>
-        <p:nvSpPr>
-          <p:cNvPr id="3" name="Content Placeholder 2">
-            <a:extLst>
-              <a:ext uri="{FF2B5EF4-FFF2-40B4-BE49-F238E27FC236}">
-                <a16:creationId xmlns:a16="http://schemas.microsoft.com/office/drawing/2014/main" id="{10DF9721-A31E-4B48-9783-87F3AB6A983C}"/>
-              </a:ext>
-            </a:extLst>
-          </p:cNvPr>
-          <p:cNvSpPr>
-            <a:spLocks noGrp="1"/>
+          <p:nvPr/>
+        </p:nvSpPr>
+        <p:spPr>
+          <a:xfrm>
+            <a:off x="838200" y="1065862"/>
+            <a:ext cx="4063999" cy="4726276"/>
+          </a:xfrm>
+          <a:prstGeom prst="rect">
+            <a:avLst/>
+          </a:prstGeom>
+        </p:spPr>
+        <p:txBody>
+          <a:bodyPr vert="horz" lIns="91440" tIns="45720" rIns="91440" bIns="45720" rtlCol="0" anchor="ctr">
+            <a:normAutofit/>
+          </a:bodyPr>
+          <a:lstStyle>
+            <a:lvl1pPr algn="l" defTabSz="914400" rtl="0" eaLnBrk="1" latinLnBrk="0" hangingPunct="1">
+              <a:lnSpc>
+                <a:spcPct val="90000"/>
+              </a:lnSpc>
+              <a:spcBef>
+                <a:spcPct val="0"/>
+              </a:spcBef>
+              <a:buNone/>
+              <a:defRPr sz="4400" kern="1200">
+                <a:solidFill>
+                  <a:schemeClr val="tx1"/>
+                </a:solidFill>
+                <a:latin typeface="+mj-lt"/>
+                <a:ea typeface="+mj-ea"/>
+                <a:cs typeface="+mj-cs"/>
+              </a:defRPr>
+            </a:lvl1pPr>
+          </a:lstStyle>
+          <a:p>
+            <a:pPr marL="0" marR="0" lvl="0" indent="0" algn="r" defTabSz="914400" rtl="0" eaLnBrk="1" fontAlgn="auto" latinLnBrk="0" hangingPunct="1">
+              <a:lnSpc>
+                <a:spcPct val="90000"/>
+              </a:lnSpc>
+              <a:spcBef>
+                <a:spcPct val="0"/>
+              </a:spcBef>
+              <a:spcAft>
+                <a:spcPts val="0"/>
+              </a:spcAft>
+              <a:buClrTx/>
+              <a:buSzTx/>
+              <a:buFontTx/>
+              <a:buNone/>
+              <a:tabLst/>
+              <a:defRPr/>
+            </a:pPr>
+            <a:r>
+              <a:rPr kumimoji="0" lang="en-GB" sz="5400" b="0" i="0" u="none" strike="noStrike" kern="1200" cap="none" spc="0" normalizeH="0" baseline="0" noProof="0">
+                <a:ln>
+                  <a:noFill/>
+                </a:ln>
+                <a:solidFill>
+                  <a:sysClr val="windowText" lastClr="000000"/>
+                </a:solidFill>
+                <a:effectLst/>
+                <a:uLnTx/>
+                <a:uFillTx/>
+                <a:latin typeface="Calibri Light" panose="020F0302020204030204"/>
+                <a:ea typeface="+mj-ea"/>
+                <a:cs typeface="+mj-cs"/>
+              </a:rPr>
+              <a:t>Background</a:t>
+            </a:r>
+            <a:endParaRPr kumimoji="0" lang="en-GB" sz="5400" b="0" i="0" u="none" strike="noStrike" kern="1200" cap="none" spc="0" normalizeH="0" baseline="0" noProof="0" dirty="0">
+              <a:ln>
+                <a:noFill/>
+              </a:ln>
+              <a:solidFill>
+                <a:sysClr val="windowText" lastClr="000000"/>
+              </a:solidFill>
+              <a:effectLst/>
+              <a:uLnTx/>
+              <a:uFillTx/>
+              <a:latin typeface="Calibri Light" panose="020F0302020204030204"/>
+              <a:ea typeface="+mj-ea"/>
+              <a:cs typeface="+mj-cs"/>
+            </a:endParaRPr>
+          </a:p>
+        </p:txBody>
+      </p:sp>
+      <p:sp>
+        <p:nvSpPr>
+          <p:cNvPr id="11" name="Content Placeholder 2">
+            <a:extLst>
+              <a:ext uri="{FF2B5EF4-FFF2-40B4-BE49-F238E27FC236}">
+                <a16:creationId xmlns:a16="http://schemas.microsoft.com/office/drawing/2014/main" id="{EFE6A788-60AF-4A55-8218-22AFA6E7A4BC}"/>
+              </a:ext>
+            </a:extLst>
+          </p:cNvPr>
+          <p:cNvSpPr txBox="1">
+            <a:spLocks/>
           </p:cNvSpPr>
-          <p:nvPr>
-            <p:ph idx="1"/>
-          </p:nvPr>
-        </p:nvSpPr>
-        <p:spPr/>
-        <p:txBody>
-          <a:bodyPr/>
-          <a:lstStyle/>
-          <a:p>
-            <a:endParaRPr lang="en-GB"/>
+          <p:nvPr/>
+        </p:nvSpPr>
+        <p:spPr>
+          <a:xfrm>
+            <a:off x="5155379" y="1065862"/>
+            <a:ext cx="5744685" cy="4726276"/>
+          </a:xfrm>
+          <a:prstGeom prst="rect">
+            <a:avLst/>
+          </a:prstGeom>
+        </p:spPr>
+        <p:txBody>
+          <a:bodyPr vert="horz" lIns="91440" tIns="45720" rIns="91440" bIns="45720" rtlCol="0" anchor="ctr">
+            <a:normAutofit/>
+          </a:bodyPr>
+          <a:lstStyle>
+            <a:lvl1pPr marL="228600" indent="-228600" algn="l" defTabSz="914400" rtl="0" eaLnBrk="1" latinLnBrk="0" hangingPunct="1">
+              <a:lnSpc>
+                <a:spcPct val="90000"/>
+              </a:lnSpc>
+              <a:spcBef>
+                <a:spcPts val="1000"/>
+              </a:spcBef>
+              <a:buFont typeface="Arial" panose="020B0604020202020204" pitchFamily="34" charset="0"/>
+              <a:buChar char="•"/>
+              <a:defRPr sz="2800" kern="1200">
+                <a:solidFill>
+                  <a:schemeClr val="tx1"/>
+                </a:solidFill>
+                <a:latin typeface="+mn-lt"/>
+                <a:ea typeface="+mn-ea"/>
+                <a:cs typeface="+mn-cs"/>
+              </a:defRPr>
+            </a:lvl1pPr>
+            <a:lvl2pPr marL="685800" indent="-228600" algn="l" defTabSz="914400" rtl="0" eaLnBrk="1" latinLnBrk="0" hangingPunct="1">
+              <a:lnSpc>
+                <a:spcPct val="90000"/>
+              </a:lnSpc>
+              <a:spcBef>
+                <a:spcPts val="500"/>
+              </a:spcBef>
+              <a:buFont typeface="Arial" panose="020B0604020202020204" pitchFamily="34" charset="0"/>
+              <a:buChar char="•"/>
+              <a:defRPr sz="2400" kern="1200">
+                <a:solidFill>
+                  <a:schemeClr val="tx1"/>
+                </a:solidFill>
+                <a:latin typeface="+mn-lt"/>
+                <a:ea typeface="+mn-ea"/>
+                <a:cs typeface="+mn-cs"/>
+              </a:defRPr>
+            </a:lvl2pPr>
+            <a:lvl3pPr marL="1143000" indent="-228600" algn="l" defTabSz="914400" rtl="0" eaLnBrk="1" latinLnBrk="0" hangingPunct="1">
+              <a:lnSpc>
+                <a:spcPct val="90000"/>
+              </a:lnSpc>
+              <a:spcBef>
+                <a:spcPts val="500"/>
+              </a:spcBef>
+              <a:buFont typeface="Arial" panose="020B0604020202020204" pitchFamily="34" charset="0"/>
+              <a:buChar char="•"/>
+              <a:defRPr sz="2000" kern="1200">
+                <a:solidFill>
+                  <a:schemeClr val="tx1"/>
+                </a:solidFill>
+                <a:latin typeface="+mn-lt"/>
+                <a:ea typeface="+mn-ea"/>
+                <a:cs typeface="+mn-cs"/>
+              </a:defRPr>
+            </a:lvl3pPr>
+            <a:lvl4pPr marL="1600200" indent="-228600" algn="l" defTabSz="914400" rtl="0" eaLnBrk="1" latinLnBrk="0" hangingPunct="1">
+              <a:lnSpc>
+                <a:spcPct val="90000"/>
+              </a:lnSpc>
+              <a:spcBef>
+                <a:spcPts val="500"/>
+              </a:spcBef>
+              <a:buFont typeface="Arial" panose="020B0604020202020204" pitchFamily="34" charset="0"/>
+              <a:buChar char="•"/>
+              <a:defRPr sz="1800" kern="1200">
+                <a:solidFill>
+                  <a:schemeClr val="tx1"/>
+                </a:solidFill>
+                <a:latin typeface="+mn-lt"/>
+                <a:ea typeface="+mn-ea"/>
+                <a:cs typeface="+mn-cs"/>
+              </a:defRPr>
+            </a:lvl4pPr>
+            <a:lvl5pPr marL="2057400" indent="-228600" algn="l" defTabSz="914400" rtl="0" eaLnBrk="1" latinLnBrk="0" hangingPunct="1">
+              <a:lnSpc>
+                <a:spcPct val="90000"/>
+              </a:lnSpc>
+              <a:spcBef>
+                <a:spcPts val="500"/>
+              </a:spcBef>
+              <a:buFont typeface="Arial" panose="020B0604020202020204" pitchFamily="34" charset="0"/>
+              <a:buChar char="•"/>
+              <a:defRPr sz="1800" kern="1200">
+                <a:solidFill>
+                  <a:schemeClr val="tx1"/>
+                </a:solidFill>
+                <a:latin typeface="+mn-lt"/>
+                <a:ea typeface="+mn-ea"/>
+                <a:cs typeface="+mn-cs"/>
+              </a:defRPr>
+            </a:lvl5pPr>
+            <a:lvl6pPr marL="2514600" indent="-228600" algn="l" defTabSz="914400" rtl="0" eaLnBrk="1" latinLnBrk="0" hangingPunct="1">
+              <a:lnSpc>
+                <a:spcPct val="90000"/>
+              </a:lnSpc>
+              <a:spcBef>
+                <a:spcPts val="500"/>
+              </a:spcBef>
+              <a:buFont typeface="Arial" panose="020B0604020202020204" pitchFamily="34" charset="0"/>
+              <a:buChar char="•"/>
+              <a:defRPr sz="1800" kern="1200">
+                <a:solidFill>
+                  <a:schemeClr val="tx1"/>
+                </a:solidFill>
+                <a:latin typeface="+mn-lt"/>
+                <a:ea typeface="+mn-ea"/>
+                <a:cs typeface="+mn-cs"/>
+              </a:defRPr>
+            </a:lvl6pPr>
+            <a:lvl7pPr marL="2971800" indent="-228600" algn="l" defTabSz="914400" rtl="0" eaLnBrk="1" latinLnBrk="0" hangingPunct="1">
+              <a:lnSpc>
+                <a:spcPct val="90000"/>
+              </a:lnSpc>
+              <a:spcBef>
+                <a:spcPts val="500"/>
+              </a:spcBef>
+              <a:buFont typeface="Arial" panose="020B0604020202020204" pitchFamily="34" charset="0"/>
+              <a:buChar char="•"/>
+              <a:defRPr sz="1800" kern="1200">
+                <a:solidFill>
+                  <a:schemeClr val="tx1"/>
+                </a:solidFill>
+                <a:latin typeface="+mn-lt"/>
+                <a:ea typeface="+mn-ea"/>
+                <a:cs typeface="+mn-cs"/>
+              </a:defRPr>
+            </a:lvl7pPr>
+            <a:lvl8pPr marL="3429000" indent="-228600" algn="l" defTabSz="914400" rtl="0" eaLnBrk="1" latinLnBrk="0" hangingPunct="1">
+              <a:lnSpc>
+                <a:spcPct val="90000"/>
+              </a:lnSpc>
+              <a:spcBef>
+                <a:spcPts val="500"/>
+              </a:spcBef>
+              <a:buFont typeface="Arial" panose="020B0604020202020204" pitchFamily="34" charset="0"/>
+              <a:buChar char="•"/>
+              <a:defRPr sz="1800" kern="1200">
+                <a:solidFill>
+                  <a:schemeClr val="tx1"/>
+                </a:solidFill>
+                <a:latin typeface="+mn-lt"/>
+                <a:ea typeface="+mn-ea"/>
+                <a:cs typeface="+mn-cs"/>
+              </a:defRPr>
+            </a:lvl8pPr>
+            <a:lvl9pPr marL="3886200" indent="-228600" algn="l" defTabSz="914400" rtl="0" eaLnBrk="1" latinLnBrk="0" hangingPunct="1">
+              <a:lnSpc>
+                <a:spcPct val="90000"/>
+              </a:lnSpc>
+              <a:spcBef>
+                <a:spcPts val="500"/>
+              </a:spcBef>
+              <a:buFont typeface="Arial" panose="020B0604020202020204" pitchFamily="34" charset="0"/>
+              <a:buChar char="•"/>
+              <a:defRPr sz="1800" kern="1200">
+                <a:solidFill>
+                  <a:schemeClr val="tx1"/>
+                </a:solidFill>
+                <a:latin typeface="+mn-lt"/>
+                <a:ea typeface="+mn-ea"/>
+                <a:cs typeface="+mn-cs"/>
+              </a:defRPr>
+            </a:lvl9pPr>
+          </a:lstStyle>
+          <a:p>
+            <a:pPr marL="228600" marR="0" lvl="0" indent="-228600" algn="l" defTabSz="914400" rtl="0" eaLnBrk="1" fontAlgn="auto" latinLnBrk="0" hangingPunct="1">
+              <a:lnSpc>
+                <a:spcPct val="90000"/>
+              </a:lnSpc>
+              <a:spcBef>
+                <a:spcPts val="1000"/>
+              </a:spcBef>
+              <a:spcAft>
+                <a:spcPts val="0"/>
+              </a:spcAft>
+              <a:buClrTx/>
+              <a:buSzTx/>
+              <a:buFont typeface="Arial" panose="020B0604020202020204" pitchFamily="34" charset="0"/>
+              <a:buChar char="•"/>
+              <a:tabLst/>
+              <a:defRPr/>
+            </a:pPr>
+            <a:r>
+              <a:rPr kumimoji="0" lang="en-GB" sz="3200" b="0" i="0" u="none" strike="noStrike" kern="1200" cap="none" spc="0" normalizeH="0" baseline="0" noProof="0" dirty="0">
+                <a:ln>
+                  <a:noFill/>
+                </a:ln>
+                <a:solidFill>
+                  <a:sysClr val="windowText" lastClr="000000"/>
+                </a:solidFill>
+                <a:effectLst/>
+                <a:uLnTx/>
+                <a:uFillTx/>
+                <a:latin typeface="Calibri" panose="020F0502020204030204"/>
+                <a:ea typeface="+mn-ea"/>
+                <a:cs typeface="+mn-cs"/>
+              </a:rPr>
+              <a:t>Neutron stars</a:t>
+            </a:r>
+          </a:p>
+          <a:p>
+            <a:pPr marL="228600" marR="0" lvl="0" indent="-228600" algn="l" defTabSz="914400" rtl="0" eaLnBrk="1" fontAlgn="auto" latinLnBrk="0" hangingPunct="1">
+              <a:lnSpc>
+                <a:spcPct val="90000"/>
+              </a:lnSpc>
+              <a:spcBef>
+                <a:spcPts val="1000"/>
+              </a:spcBef>
+              <a:spcAft>
+                <a:spcPts val="0"/>
+              </a:spcAft>
+              <a:buClrTx/>
+              <a:buSzTx/>
+              <a:buFont typeface="Arial" panose="020B0604020202020204" pitchFamily="34" charset="0"/>
+              <a:buChar char="•"/>
+              <a:tabLst/>
+              <a:defRPr/>
+            </a:pPr>
+            <a:r>
+              <a:rPr kumimoji="0" lang="en-GB" sz="3200" b="0" i="0" u="none" strike="noStrike" kern="1200" cap="none" spc="0" normalizeH="0" baseline="0" noProof="0" dirty="0">
+                <a:ln>
+                  <a:noFill/>
+                </a:ln>
+                <a:solidFill>
+                  <a:sysClr val="windowText" lastClr="000000"/>
+                </a:solidFill>
+                <a:effectLst/>
+                <a:uLnTx/>
+                <a:uFillTx/>
+                <a:latin typeface="Calibri" panose="020F0502020204030204"/>
+                <a:ea typeface="+mn-ea"/>
+                <a:cs typeface="+mn-cs"/>
+              </a:rPr>
+              <a:t>Pulsars</a:t>
+            </a:r>
+          </a:p>
+          <a:p>
+            <a:pPr marL="228600" marR="0" lvl="0" indent="-228600" algn="l" defTabSz="914400" rtl="0" eaLnBrk="1" fontAlgn="auto" latinLnBrk="0" hangingPunct="1">
+              <a:lnSpc>
+                <a:spcPct val="90000"/>
+              </a:lnSpc>
+              <a:spcBef>
+                <a:spcPts val="1000"/>
+              </a:spcBef>
+              <a:spcAft>
+                <a:spcPts val="0"/>
+              </a:spcAft>
+              <a:buClrTx/>
+              <a:buSzTx/>
+              <a:buFont typeface="Arial" panose="020B0604020202020204" pitchFamily="34" charset="0"/>
+              <a:buChar char="•"/>
+              <a:tabLst/>
+              <a:defRPr/>
+            </a:pPr>
+            <a:r>
+              <a:rPr kumimoji="0" lang="en-GB" sz="3200" b="0" i="0" u="none" strike="noStrike" kern="1200" cap="none" spc="0" normalizeH="0" baseline="0" noProof="0" dirty="0">
+                <a:ln>
+                  <a:noFill/>
+                </a:ln>
+                <a:solidFill>
+                  <a:sysClr val="windowText" lastClr="000000"/>
+                </a:solidFill>
+                <a:effectLst/>
+                <a:uLnTx/>
+                <a:uFillTx/>
+                <a:latin typeface="Calibri" panose="020F0502020204030204"/>
+                <a:ea typeface="+mn-ea"/>
+                <a:cs typeface="+mn-cs"/>
+              </a:rPr>
+              <a:t>Times of Arrival (TOA)</a:t>
+            </a:r>
+          </a:p>
+          <a:p>
+            <a:pPr marL="228600" marR="0" lvl="0" indent="-228600" algn="l" defTabSz="914400" rtl="0" eaLnBrk="1" fontAlgn="auto" latinLnBrk="0" hangingPunct="1">
+              <a:lnSpc>
+                <a:spcPct val="90000"/>
+              </a:lnSpc>
+              <a:spcBef>
+                <a:spcPts val="1000"/>
+              </a:spcBef>
+              <a:spcAft>
+                <a:spcPts val="0"/>
+              </a:spcAft>
+              <a:buClrTx/>
+              <a:buSzTx/>
+              <a:buFont typeface="Arial" panose="020B0604020202020204" pitchFamily="34" charset="0"/>
+              <a:buChar char="•"/>
+              <a:tabLst/>
+              <a:defRPr/>
+            </a:pPr>
+            <a:r>
+              <a:rPr kumimoji="0" lang="en-GB" sz="3200" b="0" i="0" u="none" strike="noStrike" kern="1200" cap="none" spc="0" normalizeH="0" baseline="0" noProof="0" dirty="0">
+                <a:ln>
+                  <a:noFill/>
+                </a:ln>
+                <a:solidFill>
+                  <a:sysClr val="windowText" lastClr="000000"/>
+                </a:solidFill>
+                <a:effectLst/>
+                <a:uLnTx/>
+                <a:uFillTx/>
+                <a:latin typeface="Calibri" panose="020F0502020204030204"/>
+                <a:ea typeface="+mn-ea"/>
+                <a:cs typeface="+mn-cs"/>
+              </a:rPr>
+              <a:t>Line of sight (LOS)</a:t>
+            </a:r>
+          </a:p>
+          <a:p>
+            <a:pPr marL="228600" marR="0" lvl="0" indent="-228600" algn="l" defTabSz="914400" rtl="0" eaLnBrk="1" fontAlgn="auto" latinLnBrk="0" hangingPunct="1">
+              <a:lnSpc>
+                <a:spcPct val="90000"/>
+              </a:lnSpc>
+              <a:spcBef>
+                <a:spcPts val="1000"/>
+              </a:spcBef>
+              <a:spcAft>
+                <a:spcPts val="0"/>
+              </a:spcAft>
+              <a:buClrTx/>
+              <a:buSzTx/>
+              <a:buFont typeface="Arial" panose="020B0604020202020204" pitchFamily="34" charset="0"/>
+              <a:buChar char="•"/>
+              <a:tabLst/>
+              <a:defRPr/>
+            </a:pPr>
+            <a:r>
+              <a:rPr kumimoji="0" lang="en-GB" sz="3200" b="0" i="0" u="none" strike="noStrike" kern="1200" cap="none" spc="0" normalizeH="0" baseline="0" noProof="0" dirty="0">
+                <a:ln>
+                  <a:noFill/>
+                </a:ln>
+                <a:solidFill>
+                  <a:sysClr val="windowText" lastClr="000000"/>
+                </a:solidFill>
+                <a:effectLst/>
+                <a:uLnTx/>
+                <a:uFillTx/>
+                <a:latin typeface="Calibri" panose="020F0502020204030204"/>
+                <a:ea typeface="+mn-ea"/>
+                <a:cs typeface="+mn-cs"/>
+              </a:rPr>
+              <a:t>Romer Delay</a:t>
+            </a:r>
+          </a:p>
+          <a:p>
+            <a:pPr marL="228600" marR="0" lvl="0" indent="-228600" algn="l" defTabSz="914400" rtl="0" eaLnBrk="1" fontAlgn="auto" latinLnBrk="0" hangingPunct="1">
+              <a:lnSpc>
+                <a:spcPct val="90000"/>
+              </a:lnSpc>
+              <a:spcBef>
+                <a:spcPts val="1000"/>
+              </a:spcBef>
+              <a:spcAft>
+                <a:spcPts val="0"/>
+              </a:spcAft>
+              <a:buClrTx/>
+              <a:buSzTx/>
+              <a:buFont typeface="Arial" panose="020B0604020202020204" pitchFamily="34" charset="0"/>
+              <a:buChar char="•"/>
+              <a:tabLst/>
+              <a:defRPr/>
+            </a:pPr>
+            <a:r>
+              <a:rPr kumimoji="0" lang="en-GB" sz="3200" b="0" i="0" u="none" strike="noStrike" kern="1200" cap="none" spc="0" normalizeH="0" baseline="0" noProof="0" dirty="0">
+                <a:ln>
+                  <a:noFill/>
+                </a:ln>
+                <a:solidFill>
+                  <a:sysClr val="windowText" lastClr="000000"/>
+                </a:solidFill>
+                <a:effectLst/>
+                <a:uLnTx/>
+                <a:uFillTx/>
+                <a:latin typeface="Calibri" panose="020F0502020204030204"/>
+                <a:ea typeface="+mn-ea"/>
+                <a:cs typeface="+mn-cs"/>
+              </a:rPr>
+              <a:t>Einstein Delay</a:t>
+            </a:r>
+          </a:p>
+          <a:p>
+            <a:pPr marL="228600" marR="0" lvl="0" indent="-228600" algn="l" defTabSz="914400" rtl="0" eaLnBrk="1" fontAlgn="auto" latinLnBrk="0" hangingPunct="1">
+              <a:lnSpc>
+                <a:spcPct val="90000"/>
+              </a:lnSpc>
+              <a:spcBef>
+                <a:spcPts val="1000"/>
+              </a:spcBef>
+              <a:spcAft>
+                <a:spcPts val="0"/>
+              </a:spcAft>
+              <a:buClrTx/>
+              <a:buSzTx/>
+              <a:buFont typeface="Arial" panose="020B0604020202020204" pitchFamily="34" charset="0"/>
+              <a:buChar char="•"/>
+              <a:tabLst/>
+              <a:defRPr/>
+            </a:pPr>
+            <a:endParaRPr kumimoji="0" lang="en-GB" sz="2000" b="0" i="0" u="none" strike="noStrike" kern="1200" cap="none" spc="0" normalizeH="0" baseline="0" noProof="0" dirty="0">
+              <a:ln>
+                <a:noFill/>
+              </a:ln>
+              <a:solidFill>
+                <a:srgbClr val="FFFFFF"/>
+              </a:solidFill>
+              <a:effectLst/>
+              <a:uLnTx/>
+              <a:uFillTx/>
+              <a:latin typeface="Calibri" panose="020F0502020204030204"/>
+              <a:ea typeface="+mn-ea"/>
+              <a:cs typeface="+mn-cs"/>
+            </a:endParaRPr>
           </a:p>
         </p:txBody>
       </p:sp>
     </p:spTree>
     <p:extLst>
       <p:ext uri="{BB962C8B-B14F-4D97-AF65-F5344CB8AC3E}">
-        <p14:creationId xmlns:p14="http://schemas.microsoft.com/office/powerpoint/2010/main" val="542959809"/>
+        <p14:creationId xmlns:p14="http://schemas.microsoft.com/office/powerpoint/2010/main" val="1579586926"/>
       </p:ext>
     </p:extLst>
   </p:cSld>
@@ -3493,17 +10267,9 @@
 </p:sld>
 </file>
 
-<file path=ppt/slides/slide3.xml><?xml version="1.0" encoding="utf-8"?>
+<file path=ppt/slides/slide20.xml><?xml version="1.0" encoding="utf-8"?>
 <p:sld xmlns:a="http://schemas.openxmlformats.org/drawingml/2006/main" xmlns:r="http://schemas.openxmlformats.org/officeDocument/2006/relationships" xmlns:p="http://schemas.openxmlformats.org/presentationml/2006/main">
   <p:cSld>
-    <p:bg>
-      <p:bgPr>
-        <a:solidFill>
-          <a:schemeClr val="bg1"/>
-        </a:solidFill>
-        <a:effectLst/>
-      </p:bgPr>
-    </p:bg>
     <p:spTree>
       <p:nvGrpSpPr>
         <p:cNvPr id="1" name=""/>
@@ -3518,43 +10284,62 @@
           <a:chExt cx="0" cy="0"/>
         </a:xfrm>
       </p:grpSpPr>
-      <p:sp>
-        <p:nvSpPr>
-          <p:cNvPr id="9" name="Rectangle 8">
-            <a:extLst>
-              <a:ext uri="{FF2B5EF4-FFF2-40B4-BE49-F238E27FC236}">
-                <a16:creationId xmlns:a16="http://schemas.microsoft.com/office/drawing/2014/main" id="{C5E6CFF1-2F42-4E10-9A97-F116F46F53FE}"/>
-              </a:ext>
-              <a:ext uri="{C183D7F6-B498-43B3-948B-1728B52AA6E4}">
-                <adec:decorative xmlns:adec="http://schemas.microsoft.com/office/drawing/2017/decorative" val="1"/>
-              </a:ext>
-            </a:extLst>
-          </p:cNvPr>
-          <p:cNvSpPr>
-            <a:spLocks noGrp="1" noRot="1" noChangeAspect="1" noMove="1" noResize="1" noEditPoints="1" noAdjustHandles="1" noChangeArrowheads="1" noChangeShapeType="1" noTextEdit="1"/>
-          </p:cNvSpPr>
-          <p:nvPr>
-            <p:extLst>
-              <p:ext uri="{386F3935-93C4-4BCD-93E2-E3B085C9AB24}">
-                <p16:designElem xmlns:p16="http://schemas.microsoft.com/office/powerpoint/2015/main" val="1"/>
-              </p:ext>
-            </p:extLst>
-          </p:nvPr>
-        </p:nvSpPr>
+      <p:pic>
+        <p:nvPicPr>
+          <p:cNvPr id="5" name="Picture 4" descr="A swirling meteorite">
+            <a:extLst>
+              <a:ext uri="{FF2B5EF4-FFF2-40B4-BE49-F238E27FC236}">
+                <a16:creationId xmlns:a16="http://schemas.microsoft.com/office/drawing/2014/main" id="{65A278EC-F8EA-478B-9636-B25F27B30CC8}"/>
+              </a:ext>
+            </a:extLst>
+          </p:cNvPr>
+          <p:cNvPicPr>
+            <a:picLocks noChangeAspect="1"/>
+          </p:cNvPicPr>
+          <p:nvPr/>
+        </p:nvPicPr>
+        <p:blipFill rotWithShape="1">
+          <a:blip r:embed="rId3">
+            <a:alphaModFix/>
+          </a:blip>
+          <a:srcRect t="157" b="12971"/>
+          <a:stretch/>
+        </p:blipFill>
         <p:spPr>
           <a:xfrm>
-            <a:off x="0" y="0"/>
-            <a:ext cx="12192000" cy="6858000"/>
+            <a:off x="-820072" y="-1685261"/>
+            <a:ext cx="18184010" cy="10228521"/>
+          </a:xfrm>
+          <a:prstGeom prst="rect">
+            <a:avLst/>
+          </a:prstGeom>
+        </p:spPr>
+      </p:pic>
+      <p:sp>
+        <p:nvSpPr>
+          <p:cNvPr id="4" name="Rectangle 3">
+            <a:extLst>
+              <a:ext uri="{FF2B5EF4-FFF2-40B4-BE49-F238E27FC236}">
+                <a16:creationId xmlns:a16="http://schemas.microsoft.com/office/drawing/2014/main" id="{52515F56-8F39-4431-8A46-95E391BEDF78}"/>
+              </a:ext>
+            </a:extLst>
+          </p:cNvPr>
+          <p:cNvSpPr/>
+          <p:nvPr/>
+        </p:nvSpPr>
+        <p:spPr>
+          <a:xfrm>
+            <a:off x="710609" y="595423"/>
+            <a:ext cx="10770782" cy="5667154"/>
           </a:xfrm>
           <a:prstGeom prst="rect">
             <a:avLst/>
           </a:prstGeom>
           <a:solidFill>
-            <a:srgbClr val="000000"/>
+            <a:schemeClr val="bg1">
+              <a:alpha val="90000"/>
+            </a:schemeClr>
           </a:solidFill>
-          <a:ln>
-            <a:noFill/>
-          </a:ln>
         </p:spPr>
         <p:style>
           <a:lnRef idx="2">
@@ -3577,16 +10362,200 @@
           <a:lstStyle/>
           <a:p>
             <a:pPr algn="ctr"/>
-            <a:endParaRPr lang="en-US"/>
-          </a:p>
-        </p:txBody>
-      </p:sp>
+            <a:endParaRPr lang="en-GB" dirty="0"/>
+          </a:p>
+        </p:txBody>
+      </p:sp>
+      <p:sp>
+        <p:nvSpPr>
+          <p:cNvPr id="2" name="Title 1">
+            <a:extLst>
+              <a:ext uri="{FF2B5EF4-FFF2-40B4-BE49-F238E27FC236}">
+                <a16:creationId xmlns:a16="http://schemas.microsoft.com/office/drawing/2014/main" id="{E04EB31D-7D65-4467-82E4-48C5BA9A740F}"/>
+              </a:ext>
+            </a:extLst>
+          </p:cNvPr>
+          <p:cNvSpPr>
+            <a:spLocks noGrp="1"/>
+          </p:cNvSpPr>
+          <p:nvPr>
+            <p:ph type="title"/>
+          </p:nvPr>
+        </p:nvSpPr>
+        <p:spPr>
+          <a:xfrm>
+            <a:off x="838200" y="595423"/>
+            <a:ext cx="10515600" cy="1095265"/>
+          </a:xfrm>
+        </p:spPr>
+        <p:txBody>
+          <a:bodyPr/>
+          <a:lstStyle/>
+          <a:p>
+            <a:pPr algn="ctr"/>
+            <a:r>
+              <a:rPr lang="en-GB" dirty="0"/>
+              <a:t>PSR J0740+6620</a:t>
+            </a:r>
+          </a:p>
+        </p:txBody>
+      </p:sp>
+      <mc:AlternateContent xmlns:mc="http://schemas.openxmlformats.org/markup-compatibility/2006">
+        <mc:Choice xmlns:a14="http://schemas.microsoft.com/office/drawing/2010/main" Requires="a14">
+          <p:sp>
+            <p:nvSpPr>
+              <p:cNvPr id="3" name="Content Placeholder 2">
+                <a:extLst>
+                  <a:ext uri="{FF2B5EF4-FFF2-40B4-BE49-F238E27FC236}">
+                    <a16:creationId xmlns:a16="http://schemas.microsoft.com/office/drawing/2014/main" id="{9F0F3858-2627-4F71-91E7-49934DAD042C}"/>
+                  </a:ext>
+                </a:extLst>
+              </p:cNvPr>
+              <p:cNvSpPr>
+                <a:spLocks noGrp="1"/>
+              </p:cNvSpPr>
+              <p:nvPr>
+                <p:ph idx="1"/>
+              </p:nvPr>
+            </p:nvSpPr>
+            <p:spPr/>
+            <p:txBody>
+              <a:bodyPr>
+                <a:normAutofit fontScale="92500"/>
+              </a:bodyPr>
+              <a:lstStyle/>
+              <a:p>
+                <a:r>
+                  <a:rPr lang="en-GB" dirty="0"/>
+                  <a:t>Spins at approximately 346Hz as it orbits with its binary companion</a:t>
+                </a:r>
+              </a:p>
+              <a:p>
+                <a:r>
+                  <a:rPr lang="en-GB" dirty="0"/>
+                  <a:t>Being in a binary at a favourable inclination for measurement of the Shapiro delay allows the mass of this source to be measured independently via radio timing. </a:t>
+                </a:r>
+              </a:p>
+              <a:p>
+                <a:r>
+                  <a:rPr lang="en-GB" dirty="0"/>
+                  <a:t>Highest mass neutron star (Cromartie et al (2020))</a:t>
+                </a:r>
+              </a:p>
+              <a:p>
+                <a:r>
+                  <a:rPr lang="en-GB" dirty="0"/>
+                  <a:t>High-mass neutron stars (with the highest central densities) are particularly powerful in terms of their potential to constrain the dense matter EOS. </a:t>
+                </a:r>
+              </a:p>
+              <a:p>
+                <a:r>
+                  <a:rPr lang="en-GB" dirty="0"/>
+                  <a:t>The radio observations of the Shapiro delay by </a:t>
+                </a:r>
+                <a:r>
+                  <a:rPr lang="en-GB" dirty="0" err="1"/>
+                  <a:t>NANOGrav</a:t>
+                </a:r>
+                <a:r>
+                  <a:rPr lang="en-GB" dirty="0"/>
+                  <a:t> and CHIME/Pulsar (Fonseca et al 2021a) lead to the marginal 68% credible interval of M=2.08 ± 0.07 </a:t>
+                </a:r>
+                <a14:m>
+                  <m:oMath xmlns:m="http://schemas.openxmlformats.org/officeDocument/2006/math">
+                    <m:r>
+                      <a:rPr lang="en-GB" i="1" smtClean="0">
+                        <a:latin typeface="Cambria Math" panose="02040503050406030204" pitchFamily="18" charset="0"/>
+                        <a:ea typeface="Cambria Math" panose="02040503050406030204" pitchFamily="18" charset="0"/>
+                      </a:rPr>
+                      <m:t>⊙</m:t>
+                    </m:r>
+                  </m:oMath>
+                </a14:m>
+                <a:r>
+                  <a:rPr lang="en-GB" dirty="0"/>
+                  <a:t> </a:t>
+                </a:r>
+              </a:p>
+            </p:txBody>
+          </p:sp>
+        </mc:Choice>
+        <mc:Fallback>
+          <p:sp>
+            <p:nvSpPr>
+              <p:cNvPr id="3" name="Content Placeholder 2">
+                <a:extLst>
+                  <a:ext uri="{FF2B5EF4-FFF2-40B4-BE49-F238E27FC236}">
+                    <a16:creationId xmlns:a16="http://schemas.microsoft.com/office/drawing/2014/main" id="{9F0F3858-2627-4F71-91E7-49934DAD042C}"/>
+                  </a:ext>
+                </a:extLst>
+              </p:cNvPr>
+              <p:cNvSpPr>
+                <a:spLocks noGrp="1" noRot="1" noChangeAspect="1" noMove="1" noResize="1" noEditPoints="1" noAdjustHandles="1" noChangeArrowheads="1" noChangeShapeType="1" noTextEdit="1"/>
+              </p:cNvSpPr>
+              <p:nvPr>
+                <p:ph idx="1"/>
+              </p:nvPr>
+            </p:nvSpPr>
+            <p:spPr>
+              <a:blipFill>
+                <a:blip r:embed="rId4"/>
+                <a:stretch>
+                  <a:fillRect l="-928" t="-2101" r="-1449"/>
+                </a:stretch>
+              </a:blipFill>
+            </p:spPr>
+            <p:txBody>
+              <a:bodyPr/>
+              <a:lstStyle/>
+              <a:p>
+                <a:r>
+                  <a:rPr lang="en-GB">
+                    <a:noFill/>
+                  </a:rPr>
+                  <a:t> </a:t>
+                </a:r>
+              </a:p>
+            </p:txBody>
+          </p:sp>
+        </mc:Fallback>
+      </mc:AlternateContent>
+    </p:spTree>
+    <p:extLst>
+      <p:ext uri="{BB962C8B-B14F-4D97-AF65-F5344CB8AC3E}">
+        <p14:creationId xmlns:p14="http://schemas.microsoft.com/office/powerpoint/2010/main" val="3096959536"/>
+      </p:ext>
+    </p:extLst>
+  </p:cSld>
+  <p:clrMapOvr>
+    <a:masterClrMapping/>
+  </p:clrMapOvr>
+</p:sld>
+</file>
+
+<file path=ppt/slides/slide21.xml><?xml version="1.0" encoding="utf-8"?>
+<p:sld xmlns:a="http://schemas.openxmlformats.org/drawingml/2006/main" xmlns:r="http://schemas.openxmlformats.org/officeDocument/2006/relationships" xmlns:p="http://schemas.openxmlformats.org/presentationml/2006/main">
+  <p:cSld>
+    <p:spTree>
+      <p:nvGrpSpPr>
+        <p:cNvPr id="1" name=""/>
+        <p:cNvGrpSpPr/>
+        <p:nvPr/>
+      </p:nvGrpSpPr>
+      <p:grpSpPr>
+        <a:xfrm>
+          <a:off x="0" y="0"/>
+          <a:ext cx="0" cy="0"/>
+          <a:chOff x="0" y="0"/>
+          <a:chExt cx="0" cy="0"/>
+        </a:xfrm>
+      </p:grpSpPr>
       <p:pic>
         <p:nvPicPr>
           <p:cNvPr id="5" name="Picture 4" descr="A swirling meteorite">
             <a:extLst>
               <a:ext uri="{FF2B5EF4-FFF2-40B4-BE49-F238E27FC236}">
-                <a16:creationId xmlns:a16="http://schemas.microsoft.com/office/drawing/2014/main" id="{CFFE39CE-C964-731E-9F0E-2FFCBF130492}"/>
+                <a16:creationId xmlns:a16="http://schemas.microsoft.com/office/drawing/2014/main" id="{30702C77-6999-425B-921E-54379D91A921}"/>
               </a:ext>
             </a:extLst>
           </p:cNvPr>
@@ -3597,15 +10566,15 @@
         </p:nvPicPr>
         <p:blipFill rotWithShape="1">
           <a:blip r:embed="rId2">
-            <a:alphaModFix amt="35000"/>
+            <a:alphaModFix/>
           </a:blip>
           <a:srcRect t="157" b="12971"/>
           <a:stretch/>
         </p:blipFill>
         <p:spPr>
           <a:xfrm>
-            <a:off x="20" y="1"/>
-            <a:ext cx="12191980" cy="6857999"/>
+            <a:off x="-667673" y="-1685261"/>
+            <a:ext cx="18184010" cy="10228521"/>
           </a:xfrm>
           <a:prstGeom prst="rect">
             <a:avLst/>
@@ -3614,10 +10583,61 @@
       </p:pic>
       <p:sp>
         <p:nvSpPr>
+          <p:cNvPr id="4" name="Rectangle 3">
+            <a:extLst>
+              <a:ext uri="{FF2B5EF4-FFF2-40B4-BE49-F238E27FC236}">
+                <a16:creationId xmlns:a16="http://schemas.microsoft.com/office/drawing/2014/main" id="{85AF4EEE-4735-40DC-815D-68C507E0A062}"/>
+              </a:ext>
+            </a:extLst>
+          </p:cNvPr>
+          <p:cNvSpPr/>
+          <p:nvPr/>
+        </p:nvSpPr>
+        <p:spPr>
+          <a:xfrm>
+            <a:off x="710609" y="595423"/>
+            <a:ext cx="10770782" cy="5667154"/>
+          </a:xfrm>
+          <a:prstGeom prst="rect">
+            <a:avLst/>
+          </a:prstGeom>
+          <a:solidFill>
+            <a:schemeClr val="bg1">
+              <a:alpha val="90000"/>
+            </a:schemeClr>
+          </a:solidFill>
+        </p:spPr>
+        <p:style>
+          <a:lnRef idx="2">
+            <a:schemeClr val="accent1">
+              <a:shade val="50000"/>
+            </a:schemeClr>
+          </a:lnRef>
+          <a:fillRef idx="1">
+            <a:schemeClr val="accent1"/>
+          </a:fillRef>
+          <a:effectRef idx="0">
+            <a:schemeClr val="accent1"/>
+          </a:effectRef>
+          <a:fontRef idx="minor">
+            <a:schemeClr val="lt1"/>
+          </a:fontRef>
+        </p:style>
+        <p:txBody>
+          <a:bodyPr rtlCol="0" anchor="ctr"/>
+          <a:lstStyle/>
+          <a:p>
+            <a:pPr algn="ctr"/>
+            <a:endParaRPr lang="en-GB" dirty="0"/>
+          </a:p>
+        </p:txBody>
+      </p:sp>
+      <p:sp>
+        <p:nvSpPr>
           <p:cNvPr id="2" name="Title 1">
             <a:extLst>
               <a:ext uri="{FF2B5EF4-FFF2-40B4-BE49-F238E27FC236}">
-                <a16:creationId xmlns:a16="http://schemas.microsoft.com/office/drawing/2014/main" id="{C29FA867-FFC5-4975-AD91-8E108B4A4ACF}"/>
+                <a16:creationId xmlns:a16="http://schemas.microsoft.com/office/drawing/2014/main" id="{DC67EB37-37C1-4689-9325-DE21A4B0F096}"/>
               </a:ext>
             </a:extLst>
           </p:cNvPr>
@@ -3630,86 +10650,174 @@
         </p:nvSpPr>
         <p:spPr>
           <a:xfrm>
-            <a:off x="838201" y="1065862"/>
-            <a:ext cx="3313164" cy="4726276"/>
+            <a:off x="838200" y="595423"/>
+            <a:ext cx="10515600" cy="1095265"/>
           </a:xfrm>
         </p:spPr>
         <p:txBody>
-          <a:bodyPr>
-            <a:normAutofit/>
-          </a:bodyPr>
+          <a:bodyPr/>
           <a:lstStyle/>
           <a:p>
-            <a:pPr algn="r"/>
-            <a:r>
-              <a:rPr lang="en-GB" sz="4000">
-                <a:solidFill>
-                  <a:srgbClr val="FFFFFF"/>
-                </a:solidFill>
-              </a:rPr>
-              <a:t>Background</a:t>
-            </a:r>
-          </a:p>
-        </p:txBody>
-      </p:sp>
-      <p:cxnSp>
-        <p:nvCxnSpPr>
-          <p:cNvPr id="11" name="Straight Connector 10">
-            <a:extLst>
-              <a:ext uri="{FF2B5EF4-FFF2-40B4-BE49-F238E27FC236}">
-                <a16:creationId xmlns:a16="http://schemas.microsoft.com/office/drawing/2014/main" id="{67182200-4859-4C8D-BCBB-55B245C28BA3}"/>
-              </a:ext>
-              <a:ext uri="{C183D7F6-B498-43B3-948B-1728B52AA6E4}">
-                <adec:decorative xmlns:adec="http://schemas.microsoft.com/office/drawing/2017/decorative" val="1"/>
-              </a:ext>
-            </a:extLst>
-          </p:cNvPr>
-          <p:cNvCxnSpPr>
-            <a:cxnSpLocks noGrp="1" noRot="1" noChangeAspect="1" noMove="1" noResize="1" noEditPoints="1" noAdjustHandles="1" noChangeArrowheads="1" noChangeShapeType="1"/>
-          </p:cNvCxnSpPr>
+            <a:pPr algn="ctr"/>
+            <a:r>
+              <a:rPr lang="en-GB" dirty="0"/>
+              <a:t>Summary</a:t>
+            </a:r>
+          </a:p>
+        </p:txBody>
+      </p:sp>
+      <p:sp>
+        <p:nvSpPr>
+          <p:cNvPr id="3" name="Content Placeholder 2">
+            <a:extLst>
+              <a:ext uri="{FF2B5EF4-FFF2-40B4-BE49-F238E27FC236}">
+                <a16:creationId xmlns:a16="http://schemas.microsoft.com/office/drawing/2014/main" id="{68930195-1D25-4286-9FAF-46027F629CE6}"/>
+              </a:ext>
+            </a:extLst>
+          </p:cNvPr>
+          <p:cNvSpPr>
+            <a:spLocks noGrp="1"/>
+          </p:cNvSpPr>
           <p:nvPr>
-            <p:extLst>
-              <p:ext uri="{386F3935-93C4-4BCD-93E2-E3B085C9AB24}">
-                <p16:designElem xmlns:p16="http://schemas.microsoft.com/office/powerpoint/2015/main" val="1"/>
-              </p:ext>
-            </p:extLst>
+            <p:ph idx="1"/>
           </p:nvPr>
-        </p:nvCxnSpPr>
+        </p:nvSpPr>
+        <p:spPr/>
+        <p:txBody>
+          <a:bodyPr/>
+          <a:lstStyle/>
+          <a:p>
+            <a:r>
+              <a:rPr lang="en-GB" dirty="0"/>
+              <a:t>Shapiro delay constrains parameters precisely to achieve masses of pulsars and rule out incorrect equations of state.</a:t>
+            </a:r>
+          </a:p>
+          <a:p>
+            <a:r>
+              <a:rPr lang="en-GB" dirty="0"/>
+              <a:t>Acts as an extra backbone to General Relativity</a:t>
+            </a:r>
+          </a:p>
+        </p:txBody>
+      </p:sp>
+    </p:spTree>
+    <p:extLst>
+      <p:ext uri="{BB962C8B-B14F-4D97-AF65-F5344CB8AC3E}">
+        <p14:creationId xmlns:p14="http://schemas.microsoft.com/office/powerpoint/2010/main" val="1540554510"/>
+      </p:ext>
+    </p:extLst>
+  </p:cSld>
+  <p:clrMapOvr>
+    <a:masterClrMapping/>
+  </p:clrMapOvr>
+</p:sld>
+</file>
+
+<file path=ppt/slides/slide3.xml><?xml version="1.0" encoding="utf-8"?>
+<p:sld xmlns:a="http://schemas.openxmlformats.org/drawingml/2006/main" xmlns:r="http://schemas.openxmlformats.org/officeDocument/2006/relationships" xmlns:p="http://schemas.openxmlformats.org/presentationml/2006/main">
+  <p:cSld>
+    <p:spTree>
+      <p:nvGrpSpPr>
+        <p:cNvPr id="1" name=""/>
+        <p:cNvGrpSpPr/>
+        <p:nvPr/>
+      </p:nvGrpSpPr>
+      <p:grpSpPr>
+        <a:xfrm>
+          <a:off x="0" y="0"/>
+          <a:ext cx="0" cy="0"/>
+          <a:chOff x="0" y="0"/>
+          <a:chExt cx="0" cy="0"/>
+        </a:xfrm>
+      </p:grpSpPr>
+      <p:pic>
+        <p:nvPicPr>
+          <p:cNvPr id="6" name="Picture 5" descr="A swirling meteorite">
+            <a:extLst>
+              <a:ext uri="{FF2B5EF4-FFF2-40B4-BE49-F238E27FC236}">
+                <a16:creationId xmlns:a16="http://schemas.microsoft.com/office/drawing/2014/main" id="{F278C698-DBC7-4D95-B5E1-BC1A4D29F5DF}"/>
+              </a:ext>
+            </a:extLst>
+          </p:cNvPr>
+          <p:cNvPicPr>
+            <a:picLocks noChangeAspect="1"/>
+          </p:cNvPicPr>
+          <p:nvPr/>
+        </p:nvPicPr>
+        <p:blipFill rotWithShape="1">
+          <a:blip r:embed="rId3">
+            <a:alphaModFix/>
+          </a:blip>
+          <a:srcRect t="157" b="12971"/>
+          <a:stretch/>
+        </p:blipFill>
         <p:spPr>
           <a:xfrm>
-            <a:off x="4653372" y="2286000"/>
-            <a:ext cx="0" cy="2286000"/>
+            <a:off x="-2996005" y="-1685262"/>
+            <a:ext cx="18184010" cy="10228521"/>
           </a:xfrm>
-          <a:prstGeom prst="line">
+          <a:prstGeom prst="rect">
             <a:avLst/>
           </a:prstGeom>
-          <a:ln w="15875">
-            <a:solidFill>
-              <a:srgbClr val="FFFFFF"/>
-            </a:solidFill>
-          </a:ln>
+        </p:spPr>
+      </p:pic>
+      <p:sp>
+        <p:nvSpPr>
+          <p:cNvPr id="5" name="Rectangle 4">
+            <a:extLst>
+              <a:ext uri="{FF2B5EF4-FFF2-40B4-BE49-F238E27FC236}">
+                <a16:creationId xmlns:a16="http://schemas.microsoft.com/office/drawing/2014/main" id="{9EA054A0-8E4D-4103-B6DB-42E441BD384E}"/>
+              </a:ext>
+            </a:extLst>
+          </p:cNvPr>
+          <p:cNvSpPr/>
+          <p:nvPr/>
+        </p:nvSpPr>
+        <p:spPr>
+          <a:xfrm>
+            <a:off x="710609" y="595422"/>
+            <a:ext cx="10770782" cy="5667154"/>
+          </a:xfrm>
+          <a:prstGeom prst="rect">
+            <a:avLst/>
+          </a:prstGeom>
+          <a:solidFill>
+            <a:schemeClr val="bg1">
+              <a:alpha val="90000"/>
+            </a:schemeClr>
+          </a:solidFill>
         </p:spPr>
         <p:style>
-          <a:lnRef idx="1">
-            <a:schemeClr val="accent1"/>
+          <a:lnRef idx="2">
+            <a:schemeClr val="accent1">
+              <a:shade val="50000"/>
+            </a:schemeClr>
           </a:lnRef>
-          <a:fillRef idx="0">
+          <a:fillRef idx="1">
             <a:schemeClr val="accent1"/>
           </a:fillRef>
           <a:effectRef idx="0">
             <a:schemeClr val="accent1"/>
           </a:effectRef>
           <a:fontRef idx="minor">
-            <a:schemeClr val="tx1"/>
+            <a:schemeClr val="lt1"/>
           </a:fontRef>
         </p:style>
-      </p:cxnSp>
+        <p:txBody>
+          <a:bodyPr rtlCol="0" anchor="ctr"/>
+          <a:lstStyle/>
+          <a:p>
+            <a:pPr algn="ctr"/>
+            <a:endParaRPr lang="en-GB" dirty="0"/>
+          </a:p>
+        </p:txBody>
+      </p:sp>
       <p:sp>
         <p:nvSpPr>
           <p:cNvPr id="3" name="Content Placeholder 2">
             <a:extLst>
               <a:ext uri="{FF2B5EF4-FFF2-40B4-BE49-F238E27FC236}">
-                <a16:creationId xmlns:a16="http://schemas.microsoft.com/office/drawing/2014/main" id="{CCE49E5D-F709-4449-9E39-97D9BE7545D9}"/>
+                <a16:creationId xmlns:a16="http://schemas.microsoft.com/office/drawing/2014/main" id="{58C37931-4F87-4AAC-B56C-5F02441B3165}"/>
               </a:ext>
             </a:extLst>
           </p:cNvPr>
@@ -3722,103 +10830,1374 @@
         </p:nvSpPr>
         <p:spPr>
           <a:xfrm>
-            <a:off x="5155379" y="1065862"/>
-            <a:ext cx="5744685" cy="4726276"/>
+            <a:off x="855132" y="809091"/>
+            <a:ext cx="10498667" cy="5239817"/>
           </a:xfrm>
         </p:spPr>
         <p:txBody>
-          <a:bodyPr anchor="ctr">
+          <a:bodyPr>
             <a:normAutofit/>
           </a:bodyPr>
           <a:lstStyle/>
           <a:p>
             <a:r>
-              <a:rPr lang="en-GB" sz="2000" dirty="0">
-                <a:solidFill>
-                  <a:srgbClr val="FFFFFF"/>
-                </a:solidFill>
-              </a:rPr>
-              <a:t>Neutron stars</a:t>
-            </a:r>
-          </a:p>
-          <a:p>
-            <a:r>
-              <a:rPr lang="en-GB" sz="2000" dirty="0">
-                <a:solidFill>
-                  <a:srgbClr val="FFFFFF"/>
-                </a:solidFill>
-              </a:rPr>
+              <a:rPr lang="en-GB" dirty="0"/>
+              <a:t>Neutron Stars</a:t>
+            </a:r>
+          </a:p>
+          <a:p>
+            <a:pPr lvl="1"/>
+            <a:r>
+              <a:rPr lang="en-GB" dirty="0"/>
+              <a:t>Compact stars</a:t>
+            </a:r>
+          </a:p>
+          <a:p>
+            <a:pPr lvl="1"/>
+            <a:r>
+              <a:rPr lang="en-GB" dirty="0"/>
+              <a:t>Masses similar to our Sun</a:t>
+            </a:r>
+          </a:p>
+          <a:p>
+            <a:pPr lvl="1"/>
+            <a:r>
+              <a:rPr lang="en-GB" dirty="0"/>
+              <a:t>Spin rapidly</a:t>
+            </a:r>
+          </a:p>
+          <a:p>
+            <a:pPr lvl="1"/>
+            <a:r>
+              <a:rPr lang="en-GB" dirty="0"/>
+              <a:t>Originate from binary systems</a:t>
+            </a:r>
+          </a:p>
+          <a:p>
+            <a:pPr lvl="1"/>
+            <a:r>
+              <a:rPr lang="en-GB" dirty="0"/>
+              <a:t>Emits beams of electromagnetic radiation</a:t>
+            </a:r>
+          </a:p>
+          <a:p>
+            <a:r>
+              <a:rPr lang="en-GB" dirty="0"/>
               <a:t>Pulsars</a:t>
             </a:r>
           </a:p>
           <a:p>
-            <a:r>
-              <a:rPr lang="en-GB" sz="2000" dirty="0">
-                <a:solidFill>
-                  <a:srgbClr val="FFFFFF"/>
-                </a:solidFill>
-              </a:rPr>
-              <a:t>Times of Arrival (TOA)</a:t>
-            </a:r>
-          </a:p>
-          <a:p>
-            <a:r>
-              <a:rPr lang="en-GB" sz="2000" dirty="0">
-                <a:solidFill>
-                  <a:srgbClr val="FFFFFF"/>
-                </a:solidFill>
-              </a:rPr>
-              <a:t>Line of sight (LOS)</a:t>
-            </a:r>
-          </a:p>
-          <a:p>
-            <a:r>
-              <a:rPr lang="en-GB" sz="2000" dirty="0">
-                <a:solidFill>
-                  <a:srgbClr val="FFFFFF"/>
-                </a:solidFill>
-              </a:rPr>
-              <a:t>Dispersion Measure (DM)</a:t>
-            </a:r>
-          </a:p>
-          <a:p>
-            <a:r>
-              <a:rPr lang="en-GB" sz="2000" dirty="0">
-                <a:solidFill>
-                  <a:srgbClr val="FFFFFF"/>
-                </a:solidFill>
-              </a:rPr>
-              <a:t>Romer Delay</a:t>
-            </a:r>
-          </a:p>
-          <a:p>
-            <a:r>
-              <a:rPr lang="en-GB" sz="2000" dirty="0">
-                <a:solidFill>
-                  <a:srgbClr val="FFFFFF"/>
-                </a:solidFill>
-              </a:rPr>
-              <a:t>Einstein Delay</a:t>
-            </a:r>
-          </a:p>
-          <a:p>
-            <a:endParaRPr lang="en-GB" sz="2000" dirty="0">
-              <a:solidFill>
-                <a:srgbClr val="FFFFFF"/>
-              </a:solidFill>
-            </a:endParaRPr>
+            <a:pPr lvl="1"/>
+            <a:r>
+              <a:rPr lang="en-GB" dirty="0"/>
+              <a:t>Neutron stars that have their magnetic poles aligned with the Earth </a:t>
+            </a:r>
+          </a:p>
+          <a:p>
+            <a:r>
+              <a:rPr lang="en-GB" dirty="0"/>
+              <a:t>Line of Sight (LOS)</a:t>
+            </a:r>
+          </a:p>
+          <a:p>
+            <a:pPr lvl="1"/>
+            <a:r>
+              <a:rPr lang="en-GB" dirty="0"/>
+              <a:t>Axis connecting pulsar and Earth</a:t>
+            </a:r>
           </a:p>
         </p:txBody>
       </p:sp>
     </p:spTree>
     <p:extLst>
       <p:ext uri="{BB962C8B-B14F-4D97-AF65-F5344CB8AC3E}">
-        <p14:creationId xmlns:p14="http://schemas.microsoft.com/office/powerpoint/2010/main" val="4179921313"/>
+        <p14:creationId xmlns:p14="http://schemas.microsoft.com/office/powerpoint/2010/main" val="1533107991"/>
       </p:ext>
     </p:extLst>
   </p:cSld>
   <p:clrMapOvr>
-    <a:overrideClrMapping bg1="dk1" tx1="lt1" bg2="dk2" tx2="lt2" accent1="accent1" accent2="accent2" accent3="accent3" accent4="accent4" accent5="accent5" accent6="accent6" hlink="hlink" folHlink="folHlink"/>
+    <a:masterClrMapping/>
+  </p:clrMapOvr>
+</p:sld>
+</file>
+
+<file path=ppt/slides/slide4.xml><?xml version="1.0" encoding="utf-8"?>
+<p:sld xmlns:a="http://schemas.openxmlformats.org/drawingml/2006/main" xmlns:r="http://schemas.openxmlformats.org/officeDocument/2006/relationships" xmlns:p="http://schemas.openxmlformats.org/presentationml/2006/main">
+  <p:cSld>
+    <p:spTree>
+      <p:nvGrpSpPr>
+        <p:cNvPr id="1" name=""/>
+        <p:cNvGrpSpPr/>
+        <p:nvPr/>
+      </p:nvGrpSpPr>
+      <p:grpSpPr>
+        <a:xfrm>
+          <a:off x="0" y="0"/>
+          <a:ext cx="0" cy="0"/>
+          <a:chOff x="0" y="0"/>
+          <a:chExt cx="0" cy="0"/>
+        </a:xfrm>
+      </p:grpSpPr>
+      <p:pic>
+        <p:nvPicPr>
+          <p:cNvPr id="6" name="Picture 5" descr="A swirling meteorite">
+            <a:extLst>
+              <a:ext uri="{FF2B5EF4-FFF2-40B4-BE49-F238E27FC236}">
+                <a16:creationId xmlns:a16="http://schemas.microsoft.com/office/drawing/2014/main" id="{F278C698-DBC7-4D95-B5E1-BC1A4D29F5DF}"/>
+              </a:ext>
+            </a:extLst>
+          </p:cNvPr>
+          <p:cNvPicPr>
+            <a:picLocks noChangeAspect="1"/>
+          </p:cNvPicPr>
+          <p:nvPr/>
+        </p:nvPicPr>
+        <p:blipFill rotWithShape="1">
+          <a:blip r:embed="rId3">
+            <a:alphaModFix/>
+          </a:blip>
+          <a:srcRect t="157" b="12971"/>
+          <a:stretch/>
+        </p:blipFill>
+        <p:spPr>
+          <a:xfrm>
+            <a:off x="-2996005" y="-1685262"/>
+            <a:ext cx="18184010" cy="10228521"/>
+          </a:xfrm>
+          <a:prstGeom prst="rect">
+            <a:avLst/>
+          </a:prstGeom>
+        </p:spPr>
+      </p:pic>
+      <p:sp>
+        <p:nvSpPr>
+          <p:cNvPr id="5" name="Rectangle 4">
+            <a:extLst>
+              <a:ext uri="{FF2B5EF4-FFF2-40B4-BE49-F238E27FC236}">
+                <a16:creationId xmlns:a16="http://schemas.microsoft.com/office/drawing/2014/main" id="{9EA054A0-8E4D-4103-B6DB-42E441BD384E}"/>
+              </a:ext>
+            </a:extLst>
+          </p:cNvPr>
+          <p:cNvSpPr/>
+          <p:nvPr/>
+        </p:nvSpPr>
+        <p:spPr>
+          <a:xfrm>
+            <a:off x="710609" y="595422"/>
+            <a:ext cx="10770782" cy="5667154"/>
+          </a:xfrm>
+          <a:prstGeom prst="rect">
+            <a:avLst/>
+          </a:prstGeom>
+          <a:solidFill>
+            <a:schemeClr val="bg1">
+              <a:alpha val="90000"/>
+            </a:schemeClr>
+          </a:solidFill>
+        </p:spPr>
+        <p:style>
+          <a:lnRef idx="2">
+            <a:schemeClr val="accent1">
+              <a:shade val="50000"/>
+            </a:schemeClr>
+          </a:lnRef>
+          <a:fillRef idx="1">
+            <a:schemeClr val="accent1"/>
+          </a:fillRef>
+          <a:effectRef idx="0">
+            <a:schemeClr val="accent1"/>
+          </a:effectRef>
+          <a:fontRef idx="minor">
+            <a:schemeClr val="lt1"/>
+          </a:fontRef>
+        </p:style>
+        <p:txBody>
+          <a:bodyPr rtlCol="0" anchor="ctr"/>
+          <a:lstStyle/>
+          <a:p>
+            <a:pPr algn="ctr"/>
+            <a:endParaRPr lang="en-GB" dirty="0"/>
+          </a:p>
+        </p:txBody>
+      </p:sp>
+      <p:pic>
+        <p:nvPicPr>
+          <p:cNvPr id="7" name="Content Placeholder 16" descr="Diagram&#10;&#10;Description automatically generated">
+            <a:extLst>
+              <a:ext uri="{FF2B5EF4-FFF2-40B4-BE49-F238E27FC236}">
+                <a16:creationId xmlns:a16="http://schemas.microsoft.com/office/drawing/2014/main" id="{6B47A15E-6AE4-41D5-A4A4-9987701947B9}"/>
+              </a:ext>
+            </a:extLst>
+          </p:cNvPr>
+          <p:cNvPicPr>
+            <a:picLocks noChangeAspect="1"/>
+          </p:cNvPicPr>
+          <p:nvPr/>
+        </p:nvPicPr>
+        <p:blipFill>
+          <a:blip r:embed="rId4">
+            <a:extLst>
+              <a:ext uri="{28A0092B-C50C-407E-A947-70E740481C1C}">
+                <a14:useLocalDpi xmlns:a14="http://schemas.microsoft.com/office/drawing/2010/main" val="0"/>
+              </a:ext>
+            </a:extLst>
+          </a:blip>
+          <a:stretch>
+            <a:fillRect/>
+          </a:stretch>
+        </p:blipFill>
+        <p:spPr>
+          <a:xfrm>
+            <a:off x="3397267" y="998689"/>
+            <a:ext cx="5397465" cy="4860621"/>
+          </a:xfrm>
+          <a:prstGeom prst="rect">
+            <a:avLst/>
+          </a:prstGeom>
+        </p:spPr>
+      </p:pic>
+    </p:spTree>
+    <p:extLst>
+      <p:ext uri="{BB962C8B-B14F-4D97-AF65-F5344CB8AC3E}">
+        <p14:creationId xmlns:p14="http://schemas.microsoft.com/office/powerpoint/2010/main" val="3973140893"/>
+      </p:ext>
+    </p:extLst>
+  </p:cSld>
+  <p:clrMapOvr>
+    <a:masterClrMapping/>
+  </p:clrMapOvr>
+</p:sld>
+</file>
+
+<file path=ppt/slides/slide5.xml><?xml version="1.0" encoding="utf-8"?>
+<p:sld xmlns:a="http://schemas.openxmlformats.org/drawingml/2006/main" xmlns:r="http://schemas.openxmlformats.org/officeDocument/2006/relationships" xmlns:p="http://schemas.openxmlformats.org/presentationml/2006/main">
+  <p:cSld>
+    <p:spTree>
+      <p:nvGrpSpPr>
+        <p:cNvPr id="1" name=""/>
+        <p:cNvGrpSpPr/>
+        <p:nvPr/>
+      </p:nvGrpSpPr>
+      <p:grpSpPr>
+        <a:xfrm>
+          <a:off x="0" y="0"/>
+          <a:ext cx="0" cy="0"/>
+          <a:chOff x="0" y="0"/>
+          <a:chExt cx="0" cy="0"/>
+        </a:xfrm>
+      </p:grpSpPr>
+      <p:sp>
+        <p:nvSpPr>
+          <p:cNvPr id="2" name="Title 1">
+            <a:extLst>
+              <a:ext uri="{FF2B5EF4-FFF2-40B4-BE49-F238E27FC236}">
+                <a16:creationId xmlns:a16="http://schemas.microsoft.com/office/drawing/2014/main" id="{BEEB25F7-03BB-447A-8EE3-54699F9EFEEF}"/>
+              </a:ext>
+            </a:extLst>
+          </p:cNvPr>
+          <p:cNvSpPr>
+            <a:spLocks noGrp="1"/>
+          </p:cNvSpPr>
+          <p:nvPr>
+            <p:ph type="title"/>
+          </p:nvPr>
+        </p:nvSpPr>
+        <p:spPr/>
+        <p:txBody>
+          <a:bodyPr/>
+          <a:lstStyle/>
+          <a:p>
+            <a:endParaRPr lang="en-GB"/>
+          </a:p>
+        </p:txBody>
+      </p:sp>
+      <p:sp>
+        <p:nvSpPr>
+          <p:cNvPr id="19" name="Content Placeholder 18">
+            <a:extLst>
+              <a:ext uri="{FF2B5EF4-FFF2-40B4-BE49-F238E27FC236}">
+                <a16:creationId xmlns:a16="http://schemas.microsoft.com/office/drawing/2014/main" id="{E4AE29E4-548F-40A7-A655-A6816E2C731F}"/>
+              </a:ext>
+            </a:extLst>
+          </p:cNvPr>
+          <p:cNvSpPr>
+            <a:spLocks noGrp="1"/>
+          </p:cNvSpPr>
+          <p:nvPr>
+            <p:ph idx="1"/>
+          </p:nvPr>
+        </p:nvSpPr>
+        <p:spPr/>
+        <p:txBody>
+          <a:bodyPr/>
+          <a:lstStyle/>
+          <a:p>
+            <a:endParaRPr lang="en-GB"/>
+          </a:p>
+        </p:txBody>
+      </p:sp>
+    </p:spTree>
+    <p:extLst>
+      <p:ext uri="{BB962C8B-B14F-4D97-AF65-F5344CB8AC3E}">
+        <p14:creationId xmlns:p14="http://schemas.microsoft.com/office/powerpoint/2010/main" val="3970214722"/>
+      </p:ext>
+    </p:extLst>
+  </p:cSld>
+  <p:clrMapOvr>
+    <a:masterClrMapping/>
+  </p:clrMapOvr>
+</p:sld>
+</file>
+
+<file path=ppt/slides/slide6.xml><?xml version="1.0" encoding="utf-8"?>
+<p:sld xmlns:a="http://schemas.openxmlformats.org/drawingml/2006/main" xmlns:r="http://schemas.openxmlformats.org/officeDocument/2006/relationships" xmlns:p="http://schemas.openxmlformats.org/presentationml/2006/main">
+  <p:cSld>
+    <p:spTree>
+      <p:nvGrpSpPr>
+        <p:cNvPr id="1" name=""/>
+        <p:cNvGrpSpPr/>
+        <p:nvPr/>
+      </p:nvGrpSpPr>
+      <p:grpSpPr>
+        <a:xfrm>
+          <a:off x="0" y="0"/>
+          <a:ext cx="0" cy="0"/>
+          <a:chOff x="0" y="0"/>
+          <a:chExt cx="0" cy="0"/>
+        </a:xfrm>
+      </p:grpSpPr>
+      <p:pic>
+        <p:nvPicPr>
+          <p:cNvPr id="6" name="Picture 5" descr="A swirling meteorite">
+            <a:extLst>
+              <a:ext uri="{FF2B5EF4-FFF2-40B4-BE49-F238E27FC236}">
+                <a16:creationId xmlns:a16="http://schemas.microsoft.com/office/drawing/2014/main" id="{F278C698-DBC7-4D95-B5E1-BC1A4D29F5DF}"/>
+              </a:ext>
+            </a:extLst>
+          </p:cNvPr>
+          <p:cNvPicPr>
+            <a:picLocks noChangeAspect="1"/>
+          </p:cNvPicPr>
+          <p:nvPr/>
+        </p:nvPicPr>
+        <p:blipFill rotWithShape="1">
+          <a:blip r:embed="rId3">
+            <a:alphaModFix/>
+          </a:blip>
+          <a:srcRect t="157" b="12971"/>
+          <a:stretch/>
+        </p:blipFill>
+        <p:spPr>
+          <a:xfrm>
+            <a:off x="-2996005" y="-1685262"/>
+            <a:ext cx="18184010" cy="10228521"/>
+          </a:xfrm>
+          <a:prstGeom prst="rect">
+            <a:avLst/>
+          </a:prstGeom>
+        </p:spPr>
+      </p:pic>
+      <p:sp>
+        <p:nvSpPr>
+          <p:cNvPr id="5" name="Rectangle 4">
+            <a:extLst>
+              <a:ext uri="{FF2B5EF4-FFF2-40B4-BE49-F238E27FC236}">
+                <a16:creationId xmlns:a16="http://schemas.microsoft.com/office/drawing/2014/main" id="{9EA054A0-8E4D-4103-B6DB-42E441BD384E}"/>
+              </a:ext>
+            </a:extLst>
+          </p:cNvPr>
+          <p:cNvSpPr/>
+          <p:nvPr/>
+        </p:nvSpPr>
+        <p:spPr>
+          <a:xfrm>
+            <a:off x="710609" y="595422"/>
+            <a:ext cx="10770782" cy="5667154"/>
+          </a:xfrm>
+          <a:prstGeom prst="rect">
+            <a:avLst/>
+          </a:prstGeom>
+          <a:solidFill>
+            <a:schemeClr val="bg1">
+              <a:alpha val="90000"/>
+            </a:schemeClr>
+          </a:solidFill>
+        </p:spPr>
+        <p:style>
+          <a:lnRef idx="2">
+            <a:schemeClr val="accent1">
+              <a:shade val="50000"/>
+            </a:schemeClr>
+          </a:lnRef>
+          <a:fillRef idx="1">
+            <a:schemeClr val="accent1"/>
+          </a:fillRef>
+          <a:effectRef idx="0">
+            <a:schemeClr val="accent1"/>
+          </a:effectRef>
+          <a:fontRef idx="minor">
+            <a:schemeClr val="lt1"/>
+          </a:fontRef>
+        </p:style>
+        <p:txBody>
+          <a:bodyPr rtlCol="0" anchor="ctr"/>
+          <a:lstStyle/>
+          <a:p>
+            <a:pPr algn="ctr"/>
+            <a:endParaRPr lang="en-GB" dirty="0"/>
+          </a:p>
+        </p:txBody>
+      </p:sp>
+      <p:sp>
+        <p:nvSpPr>
+          <p:cNvPr id="3" name="Content Placeholder 2">
+            <a:extLst>
+              <a:ext uri="{FF2B5EF4-FFF2-40B4-BE49-F238E27FC236}">
+                <a16:creationId xmlns:a16="http://schemas.microsoft.com/office/drawing/2014/main" id="{58C37931-4F87-4AAC-B56C-5F02441B3165}"/>
+              </a:ext>
+            </a:extLst>
+          </p:cNvPr>
+          <p:cNvSpPr>
+            <a:spLocks noGrp="1"/>
+          </p:cNvSpPr>
+          <p:nvPr>
+            <p:ph idx="1"/>
+          </p:nvPr>
+        </p:nvSpPr>
+        <p:spPr>
+          <a:xfrm>
+            <a:off x="855132" y="809091"/>
+            <a:ext cx="10498667" cy="5239817"/>
+          </a:xfrm>
+        </p:spPr>
+        <p:txBody>
+          <a:bodyPr>
+            <a:normAutofit fontScale="92500" lnSpcReduction="10000"/>
+          </a:bodyPr>
+          <a:lstStyle/>
+          <a:p>
+            <a:r>
+              <a:rPr lang="en-GB" dirty="0"/>
+              <a:t>Pulsar Timing</a:t>
+            </a:r>
+          </a:p>
+          <a:p>
+            <a:pPr lvl="1"/>
+            <a:r>
+              <a:rPr lang="en-GB" dirty="0"/>
+              <a:t>The process of creating a model that accounts for every single pulse from a pulsar over long periods of time</a:t>
+            </a:r>
+          </a:p>
+          <a:p>
+            <a:r>
+              <a:rPr lang="en-GB" dirty="0"/>
+              <a:t>Times of Arrival (TOAs)</a:t>
+            </a:r>
+          </a:p>
+          <a:p>
+            <a:pPr lvl="1"/>
+            <a:r>
+              <a:rPr lang="en-GB" dirty="0"/>
+              <a:t>The measurement from pulsar timing</a:t>
+            </a:r>
+          </a:p>
+          <a:p>
+            <a:pPr lvl="1"/>
+            <a:r>
+              <a:rPr lang="en-GB" dirty="0"/>
+              <a:t>Absolute Time Instant</a:t>
+            </a:r>
+          </a:p>
+          <a:p>
+            <a:pPr lvl="1"/>
+            <a:r>
+              <a:rPr lang="en-GB" dirty="0"/>
+              <a:t>Timing Residuals – difference between the measured TOA and the predicted value</a:t>
+            </a:r>
+          </a:p>
+          <a:p>
+            <a:r>
+              <a:rPr lang="en-GB" dirty="0"/>
+              <a:t>Pulsar Timing Arrays</a:t>
+            </a:r>
+          </a:p>
+          <a:p>
+            <a:pPr lvl="1"/>
+            <a:r>
+              <a:rPr lang="en-GB" dirty="0" err="1"/>
+              <a:t>NANOGrav</a:t>
+            </a:r>
+            <a:r>
+              <a:rPr lang="en-GB" dirty="0"/>
+              <a:t> (North American Nanohertz Observatory for Gravitational Waves)</a:t>
+            </a:r>
+          </a:p>
+          <a:p>
+            <a:pPr lvl="2"/>
+            <a:r>
+              <a:rPr lang="en-GB" dirty="0"/>
+              <a:t>Uses data from the Arecibo and Green Bank radio telescopes</a:t>
+            </a:r>
+          </a:p>
+          <a:p>
+            <a:pPr lvl="1"/>
+            <a:r>
+              <a:rPr lang="en-GB" dirty="0"/>
+              <a:t>EPTA (European Pulsar Timing Array)</a:t>
+            </a:r>
+          </a:p>
+          <a:p>
+            <a:pPr lvl="2"/>
+            <a:r>
+              <a:rPr lang="en-GB" dirty="0"/>
+              <a:t>Uses data from 4 largest radio telescopes in Europe: 	</a:t>
+            </a:r>
+          </a:p>
+          <a:p>
+            <a:pPr lvl="3"/>
+            <a:r>
+              <a:rPr lang="en-GB" dirty="0"/>
+              <a:t>Lovell Telescope</a:t>
+            </a:r>
+          </a:p>
+          <a:p>
+            <a:pPr lvl="3"/>
+            <a:r>
+              <a:rPr lang="en-GB" dirty="0" err="1"/>
+              <a:t>Westerbork</a:t>
+            </a:r>
+            <a:r>
+              <a:rPr lang="en-GB" dirty="0"/>
+              <a:t> Synthesis Radio Telescope</a:t>
+            </a:r>
+          </a:p>
+          <a:p>
+            <a:pPr lvl="3"/>
+            <a:r>
+              <a:rPr lang="en-GB" dirty="0" err="1"/>
+              <a:t>Effelsberg</a:t>
+            </a:r>
+            <a:r>
+              <a:rPr lang="en-GB" dirty="0"/>
+              <a:t> Telescope</a:t>
+            </a:r>
+          </a:p>
+          <a:p>
+            <a:pPr lvl="3"/>
+            <a:r>
+              <a:rPr lang="en-GB" dirty="0" err="1"/>
+              <a:t>Nancay</a:t>
+            </a:r>
+            <a:r>
+              <a:rPr lang="en-GB" dirty="0"/>
+              <a:t> Radio Telescope</a:t>
+            </a:r>
+          </a:p>
+        </p:txBody>
+      </p:sp>
+    </p:spTree>
+    <p:extLst>
+      <p:ext uri="{BB962C8B-B14F-4D97-AF65-F5344CB8AC3E}">
+        <p14:creationId xmlns:p14="http://schemas.microsoft.com/office/powerpoint/2010/main" val="3330733025"/>
+      </p:ext>
+    </p:extLst>
+  </p:cSld>
+  <p:clrMapOvr>
+    <a:masterClrMapping/>
+  </p:clrMapOvr>
+</p:sld>
+</file>
+
+<file path=ppt/slides/slide7.xml><?xml version="1.0" encoding="utf-8"?>
+<p:sld xmlns:a="http://schemas.openxmlformats.org/drawingml/2006/main" xmlns:r="http://schemas.openxmlformats.org/officeDocument/2006/relationships" xmlns:p="http://schemas.openxmlformats.org/presentationml/2006/main">
+  <p:cSld>
+    <p:spTree>
+      <p:nvGrpSpPr>
+        <p:cNvPr id="1" name=""/>
+        <p:cNvGrpSpPr/>
+        <p:nvPr/>
+      </p:nvGrpSpPr>
+      <p:grpSpPr>
+        <a:xfrm>
+          <a:off x="0" y="0"/>
+          <a:ext cx="0" cy="0"/>
+          <a:chOff x="0" y="0"/>
+          <a:chExt cx="0" cy="0"/>
+        </a:xfrm>
+      </p:grpSpPr>
+      <p:pic>
+        <p:nvPicPr>
+          <p:cNvPr id="4" name="Picture 3" descr="A swirling meteorite">
+            <a:extLst>
+              <a:ext uri="{FF2B5EF4-FFF2-40B4-BE49-F238E27FC236}">
+                <a16:creationId xmlns:a16="http://schemas.microsoft.com/office/drawing/2014/main" id="{9BCBBEA0-C1DA-4D07-ADC7-3D62D9310C88}"/>
+              </a:ext>
+            </a:extLst>
+          </p:cNvPr>
+          <p:cNvPicPr>
+            <a:picLocks noChangeAspect="1"/>
+          </p:cNvPicPr>
+          <p:nvPr/>
+        </p:nvPicPr>
+        <p:blipFill rotWithShape="1">
+          <a:blip r:embed="rId2">
+            <a:alphaModFix/>
+          </a:blip>
+          <a:srcRect t="157" b="12971"/>
+          <a:stretch/>
+        </p:blipFill>
+        <p:spPr>
+          <a:xfrm>
+            <a:off x="-2758937" y="-1685261"/>
+            <a:ext cx="18184010" cy="10228521"/>
+          </a:xfrm>
+          <a:prstGeom prst="rect">
+            <a:avLst/>
+          </a:prstGeom>
+        </p:spPr>
+      </p:pic>
+      <p:sp>
+        <p:nvSpPr>
+          <p:cNvPr id="5" name="Rectangle 4">
+            <a:extLst>
+              <a:ext uri="{FF2B5EF4-FFF2-40B4-BE49-F238E27FC236}">
+                <a16:creationId xmlns:a16="http://schemas.microsoft.com/office/drawing/2014/main" id="{7E506CC4-070B-466D-B602-D756AC69C831}"/>
+              </a:ext>
+            </a:extLst>
+          </p:cNvPr>
+          <p:cNvSpPr/>
+          <p:nvPr/>
+        </p:nvSpPr>
+        <p:spPr>
+          <a:xfrm>
+            <a:off x="710609" y="595422"/>
+            <a:ext cx="10770782" cy="5667154"/>
+          </a:xfrm>
+          <a:prstGeom prst="rect">
+            <a:avLst/>
+          </a:prstGeom>
+          <a:solidFill>
+            <a:schemeClr val="bg1">
+              <a:alpha val="90000"/>
+            </a:schemeClr>
+          </a:solidFill>
+        </p:spPr>
+        <p:style>
+          <a:lnRef idx="2">
+            <a:schemeClr val="accent1">
+              <a:shade val="50000"/>
+            </a:schemeClr>
+          </a:lnRef>
+          <a:fillRef idx="1">
+            <a:schemeClr val="accent1"/>
+          </a:fillRef>
+          <a:effectRef idx="0">
+            <a:schemeClr val="accent1"/>
+          </a:effectRef>
+          <a:fontRef idx="minor">
+            <a:schemeClr val="lt1"/>
+          </a:fontRef>
+        </p:style>
+        <p:txBody>
+          <a:bodyPr rtlCol="0" anchor="ctr"/>
+          <a:lstStyle/>
+          <a:p>
+            <a:pPr algn="ctr"/>
+            <a:endParaRPr lang="en-GB" dirty="0"/>
+          </a:p>
+        </p:txBody>
+      </p:sp>
+      <p:sp>
+        <p:nvSpPr>
+          <p:cNvPr id="3" name="Content Placeholder 2">
+            <a:extLst>
+              <a:ext uri="{FF2B5EF4-FFF2-40B4-BE49-F238E27FC236}">
+                <a16:creationId xmlns:a16="http://schemas.microsoft.com/office/drawing/2014/main" id="{F98AFB0D-B49E-4FC2-AF4E-A10360DB25AD}"/>
+              </a:ext>
+            </a:extLst>
+          </p:cNvPr>
+          <p:cNvSpPr>
+            <a:spLocks noGrp="1"/>
+          </p:cNvSpPr>
+          <p:nvPr>
+            <p:ph idx="1"/>
+          </p:nvPr>
+        </p:nvSpPr>
+        <p:spPr/>
+        <p:txBody>
+          <a:bodyPr/>
+          <a:lstStyle/>
+          <a:p>
+            <a:r>
+              <a:rPr lang="en-GB" dirty="0" err="1"/>
+              <a:t>Römer</a:t>
+            </a:r>
+            <a:r>
+              <a:rPr lang="en-GB" dirty="0"/>
+              <a:t> delay</a:t>
+            </a:r>
+          </a:p>
+          <a:p>
+            <a:pPr lvl="1"/>
+            <a:r>
+              <a:rPr lang="en-GB" dirty="0"/>
+              <a:t>Classical light travel time across Earth’s orbit</a:t>
+            </a:r>
+          </a:p>
+          <a:p>
+            <a:r>
+              <a:rPr lang="en-GB" dirty="0"/>
+              <a:t>Einstein delay</a:t>
+            </a:r>
+          </a:p>
+          <a:p>
+            <a:pPr lvl="1"/>
+            <a:r>
+              <a:rPr lang="en-GB" dirty="0"/>
+              <a:t>Accounts for the effects of gravitational redshift</a:t>
+            </a:r>
+          </a:p>
+        </p:txBody>
+      </p:sp>
+    </p:spTree>
+    <p:extLst>
+      <p:ext uri="{BB962C8B-B14F-4D97-AF65-F5344CB8AC3E}">
+        <p14:creationId xmlns:p14="http://schemas.microsoft.com/office/powerpoint/2010/main" val="1275380817"/>
+      </p:ext>
+    </p:extLst>
+  </p:cSld>
+  <p:clrMapOvr>
+    <a:masterClrMapping/>
+  </p:clrMapOvr>
+</p:sld>
+</file>
+
+<file path=ppt/slides/slide8.xml><?xml version="1.0" encoding="utf-8"?>
+<p:sld xmlns:a="http://schemas.openxmlformats.org/drawingml/2006/main" xmlns:r="http://schemas.openxmlformats.org/officeDocument/2006/relationships" xmlns:p="http://schemas.openxmlformats.org/presentationml/2006/main">
+  <p:cSld>
+    <p:spTree>
+      <p:nvGrpSpPr>
+        <p:cNvPr id="1" name=""/>
+        <p:cNvGrpSpPr/>
+        <p:nvPr/>
+      </p:nvGrpSpPr>
+      <p:grpSpPr>
+        <a:xfrm>
+          <a:off x="0" y="0"/>
+          <a:ext cx="0" cy="0"/>
+          <a:chOff x="0" y="0"/>
+          <a:chExt cx="0" cy="0"/>
+        </a:xfrm>
+      </p:grpSpPr>
+      <p:sp>
+        <p:nvSpPr>
+          <p:cNvPr id="2" name="Title 1">
+            <a:extLst>
+              <a:ext uri="{FF2B5EF4-FFF2-40B4-BE49-F238E27FC236}">
+                <a16:creationId xmlns:a16="http://schemas.microsoft.com/office/drawing/2014/main" id="{65F728DC-C211-4B52-8BB1-49284AEA8FB7}"/>
+              </a:ext>
+            </a:extLst>
+          </p:cNvPr>
+          <p:cNvSpPr>
+            <a:spLocks noGrp="1"/>
+          </p:cNvSpPr>
+          <p:nvPr>
+            <p:ph type="title"/>
+          </p:nvPr>
+        </p:nvSpPr>
+        <p:spPr/>
+        <p:txBody>
+          <a:bodyPr/>
+          <a:lstStyle/>
+          <a:p>
+            <a:endParaRPr lang="en-GB"/>
+          </a:p>
+        </p:txBody>
+      </p:sp>
+      <p:sp>
+        <p:nvSpPr>
+          <p:cNvPr id="3" name="Content Placeholder 2">
+            <a:extLst>
+              <a:ext uri="{FF2B5EF4-FFF2-40B4-BE49-F238E27FC236}">
+                <a16:creationId xmlns:a16="http://schemas.microsoft.com/office/drawing/2014/main" id="{E7A9DB18-FD55-45FB-B704-38F01FB1A3B7}"/>
+              </a:ext>
+            </a:extLst>
+          </p:cNvPr>
+          <p:cNvSpPr>
+            <a:spLocks noGrp="1"/>
+          </p:cNvSpPr>
+          <p:nvPr>
+            <p:ph idx="1"/>
+          </p:nvPr>
+        </p:nvSpPr>
+        <p:spPr/>
+        <p:txBody>
+          <a:bodyPr/>
+          <a:lstStyle/>
+          <a:p>
+            <a:endParaRPr lang="en-GB"/>
+          </a:p>
+        </p:txBody>
+      </p:sp>
+      <p:pic>
+        <p:nvPicPr>
+          <p:cNvPr id="4" name="Picture 3" descr="A swirling meteorite">
+            <a:extLst>
+              <a:ext uri="{FF2B5EF4-FFF2-40B4-BE49-F238E27FC236}">
+                <a16:creationId xmlns:a16="http://schemas.microsoft.com/office/drawing/2014/main" id="{0383413C-21F8-43D4-A92B-5D24AEE12288}"/>
+              </a:ext>
+            </a:extLst>
+          </p:cNvPr>
+          <p:cNvPicPr>
+            <a:picLocks noChangeAspect="1"/>
+          </p:cNvPicPr>
+          <p:nvPr/>
+        </p:nvPicPr>
+        <p:blipFill rotWithShape="1">
+          <a:blip r:embed="rId3">
+            <a:alphaModFix/>
+          </a:blip>
+          <a:srcRect t="157" b="12971"/>
+          <a:stretch/>
+        </p:blipFill>
+        <p:spPr>
+          <a:xfrm>
+            <a:off x="-2521873" y="-1685261"/>
+            <a:ext cx="18184010" cy="10228521"/>
+          </a:xfrm>
+          <a:prstGeom prst="rect">
+            <a:avLst/>
+          </a:prstGeom>
+        </p:spPr>
+      </p:pic>
+      <p:sp>
+        <p:nvSpPr>
+          <p:cNvPr id="5" name="Rectangle 4">
+            <a:extLst>
+              <a:ext uri="{FF2B5EF4-FFF2-40B4-BE49-F238E27FC236}">
+                <a16:creationId xmlns:a16="http://schemas.microsoft.com/office/drawing/2014/main" id="{132FBCB0-D5A7-4BD0-B287-EB19D89C0201}"/>
+              </a:ext>
+            </a:extLst>
+          </p:cNvPr>
+          <p:cNvSpPr/>
+          <p:nvPr/>
+        </p:nvSpPr>
+        <p:spPr>
+          <a:xfrm>
+            <a:off x="710609" y="595423"/>
+            <a:ext cx="10770782" cy="5667154"/>
+          </a:xfrm>
+          <a:prstGeom prst="rect">
+            <a:avLst/>
+          </a:prstGeom>
+          <a:solidFill>
+            <a:schemeClr val="bg1">
+              <a:alpha val="90000"/>
+            </a:schemeClr>
+          </a:solidFill>
+        </p:spPr>
+        <p:style>
+          <a:lnRef idx="2">
+            <a:schemeClr val="accent1">
+              <a:shade val="50000"/>
+            </a:schemeClr>
+          </a:lnRef>
+          <a:fillRef idx="1">
+            <a:schemeClr val="accent1"/>
+          </a:fillRef>
+          <a:effectRef idx="0">
+            <a:schemeClr val="accent1"/>
+          </a:effectRef>
+          <a:fontRef idx="minor">
+            <a:schemeClr val="lt1"/>
+          </a:fontRef>
+        </p:style>
+        <p:txBody>
+          <a:bodyPr rtlCol="0" anchor="ctr"/>
+          <a:lstStyle/>
+          <a:p>
+            <a:pPr algn="ctr"/>
+            <a:endParaRPr lang="en-GB" dirty="0"/>
+          </a:p>
+        </p:txBody>
+      </p:sp>
+      <p:sp>
+        <p:nvSpPr>
+          <p:cNvPr id="6" name="Title 1">
+            <a:extLst>
+              <a:ext uri="{FF2B5EF4-FFF2-40B4-BE49-F238E27FC236}">
+                <a16:creationId xmlns:a16="http://schemas.microsoft.com/office/drawing/2014/main" id="{74E411D3-9573-4415-9E21-8C7A2FAF984D}"/>
+              </a:ext>
+            </a:extLst>
+          </p:cNvPr>
+          <p:cNvSpPr txBox="1">
+            <a:spLocks/>
+          </p:cNvSpPr>
+          <p:nvPr/>
+        </p:nvSpPr>
+        <p:spPr>
+          <a:xfrm>
+            <a:off x="2786093" y="681037"/>
+            <a:ext cx="6619811" cy="1344975"/>
+          </a:xfrm>
+          <a:prstGeom prst="rect">
+            <a:avLst/>
+          </a:prstGeom>
+        </p:spPr>
+        <p:txBody>
+          <a:bodyPr vert="horz" lIns="91440" tIns="45720" rIns="91440" bIns="45720" rtlCol="0" anchor="ctr">
+            <a:normAutofit/>
+          </a:bodyPr>
+          <a:lstStyle>
+            <a:lvl1pPr algn="l" defTabSz="914400" rtl="0" eaLnBrk="1" latinLnBrk="0" hangingPunct="1">
+              <a:lnSpc>
+                <a:spcPct val="90000"/>
+              </a:lnSpc>
+              <a:spcBef>
+                <a:spcPct val="0"/>
+              </a:spcBef>
+              <a:buNone/>
+              <a:defRPr sz="4400" kern="1200">
+                <a:solidFill>
+                  <a:schemeClr val="tx1"/>
+                </a:solidFill>
+                <a:latin typeface="+mj-lt"/>
+                <a:ea typeface="+mj-ea"/>
+                <a:cs typeface="+mj-cs"/>
+              </a:defRPr>
+            </a:lvl1pPr>
+          </a:lstStyle>
+          <a:p>
+            <a:pPr algn="ctr"/>
+            <a:r>
+              <a:rPr lang="en-GB" sz="4000" dirty="0"/>
+              <a:t>What is the Shapiro Delay?</a:t>
+            </a:r>
+          </a:p>
+        </p:txBody>
+      </p:sp>
+      <p:sp>
+        <p:nvSpPr>
+          <p:cNvPr id="7" name="Content Placeholder 2">
+            <a:extLst>
+              <a:ext uri="{FF2B5EF4-FFF2-40B4-BE49-F238E27FC236}">
+                <a16:creationId xmlns:a16="http://schemas.microsoft.com/office/drawing/2014/main" id="{9A258B1B-6EC3-4F12-A867-FEF8EA363B6D}"/>
+              </a:ext>
+            </a:extLst>
+          </p:cNvPr>
+          <p:cNvSpPr txBox="1">
+            <a:spLocks/>
+          </p:cNvSpPr>
+          <p:nvPr/>
+        </p:nvSpPr>
+        <p:spPr>
+          <a:xfrm>
+            <a:off x="838201" y="2207155"/>
+            <a:ext cx="10515600" cy="3773010"/>
+          </a:xfrm>
+          <a:prstGeom prst="rect">
+            <a:avLst/>
+          </a:prstGeom>
+        </p:spPr>
+        <p:txBody>
+          <a:bodyPr vert="horz" lIns="91440" tIns="45720" rIns="91440" bIns="45720" rtlCol="0">
+            <a:normAutofit/>
+          </a:bodyPr>
+          <a:lstStyle>
+            <a:lvl1pPr marL="228600" indent="-228600" algn="l" defTabSz="914400" rtl="0" eaLnBrk="1" latinLnBrk="0" hangingPunct="1">
+              <a:lnSpc>
+                <a:spcPct val="90000"/>
+              </a:lnSpc>
+              <a:spcBef>
+                <a:spcPts val="1000"/>
+              </a:spcBef>
+              <a:buFont typeface="Arial" panose="020B0604020202020204" pitchFamily="34" charset="0"/>
+              <a:buChar char="•"/>
+              <a:defRPr sz="2800" kern="1200">
+                <a:solidFill>
+                  <a:schemeClr val="tx1"/>
+                </a:solidFill>
+                <a:latin typeface="+mn-lt"/>
+                <a:ea typeface="+mn-ea"/>
+                <a:cs typeface="+mn-cs"/>
+              </a:defRPr>
+            </a:lvl1pPr>
+            <a:lvl2pPr marL="685800" indent="-228600" algn="l" defTabSz="914400" rtl="0" eaLnBrk="1" latinLnBrk="0" hangingPunct="1">
+              <a:lnSpc>
+                <a:spcPct val="90000"/>
+              </a:lnSpc>
+              <a:spcBef>
+                <a:spcPts val="500"/>
+              </a:spcBef>
+              <a:buFont typeface="Arial" panose="020B0604020202020204" pitchFamily="34" charset="0"/>
+              <a:buChar char="•"/>
+              <a:defRPr sz="2400" kern="1200">
+                <a:solidFill>
+                  <a:schemeClr val="tx1"/>
+                </a:solidFill>
+                <a:latin typeface="+mn-lt"/>
+                <a:ea typeface="+mn-ea"/>
+                <a:cs typeface="+mn-cs"/>
+              </a:defRPr>
+            </a:lvl2pPr>
+            <a:lvl3pPr marL="1143000" indent="-228600" algn="l" defTabSz="914400" rtl="0" eaLnBrk="1" latinLnBrk="0" hangingPunct="1">
+              <a:lnSpc>
+                <a:spcPct val="90000"/>
+              </a:lnSpc>
+              <a:spcBef>
+                <a:spcPts val="500"/>
+              </a:spcBef>
+              <a:buFont typeface="Arial" panose="020B0604020202020204" pitchFamily="34" charset="0"/>
+              <a:buChar char="•"/>
+              <a:defRPr sz="2000" kern="1200">
+                <a:solidFill>
+                  <a:schemeClr val="tx1"/>
+                </a:solidFill>
+                <a:latin typeface="+mn-lt"/>
+                <a:ea typeface="+mn-ea"/>
+                <a:cs typeface="+mn-cs"/>
+              </a:defRPr>
+            </a:lvl3pPr>
+            <a:lvl4pPr marL="1600200" indent="-228600" algn="l" defTabSz="914400" rtl="0" eaLnBrk="1" latinLnBrk="0" hangingPunct="1">
+              <a:lnSpc>
+                <a:spcPct val="90000"/>
+              </a:lnSpc>
+              <a:spcBef>
+                <a:spcPts val="500"/>
+              </a:spcBef>
+              <a:buFont typeface="Arial" panose="020B0604020202020204" pitchFamily="34" charset="0"/>
+              <a:buChar char="•"/>
+              <a:defRPr sz="1800" kern="1200">
+                <a:solidFill>
+                  <a:schemeClr val="tx1"/>
+                </a:solidFill>
+                <a:latin typeface="+mn-lt"/>
+                <a:ea typeface="+mn-ea"/>
+                <a:cs typeface="+mn-cs"/>
+              </a:defRPr>
+            </a:lvl4pPr>
+            <a:lvl5pPr marL="2057400" indent="-228600" algn="l" defTabSz="914400" rtl="0" eaLnBrk="1" latinLnBrk="0" hangingPunct="1">
+              <a:lnSpc>
+                <a:spcPct val="90000"/>
+              </a:lnSpc>
+              <a:spcBef>
+                <a:spcPts val="500"/>
+              </a:spcBef>
+              <a:buFont typeface="Arial" panose="020B0604020202020204" pitchFamily="34" charset="0"/>
+              <a:buChar char="•"/>
+              <a:defRPr sz="1800" kern="1200">
+                <a:solidFill>
+                  <a:schemeClr val="tx1"/>
+                </a:solidFill>
+                <a:latin typeface="+mn-lt"/>
+                <a:ea typeface="+mn-ea"/>
+                <a:cs typeface="+mn-cs"/>
+              </a:defRPr>
+            </a:lvl5pPr>
+            <a:lvl6pPr marL="2514600" indent="-228600" algn="l" defTabSz="914400" rtl="0" eaLnBrk="1" latinLnBrk="0" hangingPunct="1">
+              <a:lnSpc>
+                <a:spcPct val="90000"/>
+              </a:lnSpc>
+              <a:spcBef>
+                <a:spcPts val="500"/>
+              </a:spcBef>
+              <a:buFont typeface="Arial" panose="020B0604020202020204" pitchFamily="34" charset="0"/>
+              <a:buChar char="•"/>
+              <a:defRPr sz="1800" kern="1200">
+                <a:solidFill>
+                  <a:schemeClr val="tx1"/>
+                </a:solidFill>
+                <a:latin typeface="+mn-lt"/>
+                <a:ea typeface="+mn-ea"/>
+                <a:cs typeface="+mn-cs"/>
+              </a:defRPr>
+            </a:lvl6pPr>
+            <a:lvl7pPr marL="2971800" indent="-228600" algn="l" defTabSz="914400" rtl="0" eaLnBrk="1" latinLnBrk="0" hangingPunct="1">
+              <a:lnSpc>
+                <a:spcPct val="90000"/>
+              </a:lnSpc>
+              <a:spcBef>
+                <a:spcPts val="500"/>
+              </a:spcBef>
+              <a:buFont typeface="Arial" panose="020B0604020202020204" pitchFamily="34" charset="0"/>
+              <a:buChar char="•"/>
+              <a:defRPr sz="1800" kern="1200">
+                <a:solidFill>
+                  <a:schemeClr val="tx1"/>
+                </a:solidFill>
+                <a:latin typeface="+mn-lt"/>
+                <a:ea typeface="+mn-ea"/>
+                <a:cs typeface="+mn-cs"/>
+              </a:defRPr>
+            </a:lvl7pPr>
+            <a:lvl8pPr marL="3429000" indent="-228600" algn="l" defTabSz="914400" rtl="0" eaLnBrk="1" latinLnBrk="0" hangingPunct="1">
+              <a:lnSpc>
+                <a:spcPct val="90000"/>
+              </a:lnSpc>
+              <a:spcBef>
+                <a:spcPts val="500"/>
+              </a:spcBef>
+              <a:buFont typeface="Arial" panose="020B0604020202020204" pitchFamily="34" charset="0"/>
+              <a:buChar char="•"/>
+              <a:defRPr sz="1800" kern="1200">
+                <a:solidFill>
+                  <a:schemeClr val="tx1"/>
+                </a:solidFill>
+                <a:latin typeface="+mn-lt"/>
+                <a:ea typeface="+mn-ea"/>
+                <a:cs typeface="+mn-cs"/>
+              </a:defRPr>
+            </a:lvl8pPr>
+            <a:lvl9pPr marL="3886200" indent="-228600" algn="l" defTabSz="914400" rtl="0" eaLnBrk="1" latinLnBrk="0" hangingPunct="1">
+              <a:lnSpc>
+                <a:spcPct val="90000"/>
+              </a:lnSpc>
+              <a:spcBef>
+                <a:spcPts val="500"/>
+              </a:spcBef>
+              <a:buFont typeface="Arial" panose="020B0604020202020204" pitchFamily="34" charset="0"/>
+              <a:buChar char="•"/>
+              <a:defRPr sz="1800" kern="1200">
+                <a:solidFill>
+                  <a:schemeClr val="tx1"/>
+                </a:solidFill>
+                <a:latin typeface="+mn-lt"/>
+                <a:ea typeface="+mn-ea"/>
+                <a:cs typeface="+mn-cs"/>
+              </a:defRPr>
+            </a:lvl9pPr>
+          </a:lstStyle>
+          <a:p>
+            <a:r>
+              <a:rPr lang="en-GB" sz="2400" dirty="0"/>
+              <a:t>Named after Irwin Shapiro, who wrote a paper predicting this phenomenon in 1964, titled: The Fourth Test of General Relativity (REF1)</a:t>
+            </a:r>
+          </a:p>
+          <a:p>
+            <a:r>
+              <a:rPr lang="en-GB" sz="2400" dirty="0"/>
+              <a:t>The Shapiro delay itself cannot be observed directly, whereas it is possible to observe some changes in the Shapiro delay. (REF2)</a:t>
+            </a:r>
+          </a:p>
+          <a:p>
+            <a:r>
+              <a:rPr lang="en-GB" sz="2400" dirty="0"/>
+              <a:t>“Because, according to the general theory, the speed of a light wave depends on the strength of the gravitational potential along its path, these time delays should thereby be increased by almost 2x10</a:t>
+            </a:r>
+            <a:r>
+              <a:rPr lang="en-GB" sz="2400" baseline="30000" dirty="0"/>
+              <a:t>-4</a:t>
+            </a:r>
+            <a:r>
+              <a:rPr lang="en-GB" sz="2400" dirty="0"/>
+              <a:t> sec when the radar pulses pass near the Sun” – fourth test of general relativity, Irwin Shapiro (REF1)</a:t>
+            </a:r>
+          </a:p>
+        </p:txBody>
+      </p:sp>
+    </p:spTree>
+    <p:extLst>
+      <p:ext uri="{BB962C8B-B14F-4D97-AF65-F5344CB8AC3E}">
+        <p14:creationId xmlns:p14="http://schemas.microsoft.com/office/powerpoint/2010/main" val="2066486710"/>
+      </p:ext>
+    </p:extLst>
+  </p:cSld>
+  <p:clrMapOvr>
+    <a:masterClrMapping/>
+  </p:clrMapOvr>
+</p:sld>
+</file>
+
+<file path=ppt/slides/slide9.xml><?xml version="1.0" encoding="utf-8"?>
+<p:sld xmlns:a="http://schemas.openxmlformats.org/drawingml/2006/main" xmlns:r="http://schemas.openxmlformats.org/officeDocument/2006/relationships" xmlns:p="http://schemas.openxmlformats.org/presentationml/2006/main">
+  <p:cSld>
+    <p:spTree>
+      <p:nvGrpSpPr>
+        <p:cNvPr id="1" name=""/>
+        <p:cNvGrpSpPr/>
+        <p:nvPr/>
+      </p:nvGrpSpPr>
+      <p:grpSpPr>
+        <a:xfrm>
+          <a:off x="0" y="0"/>
+          <a:ext cx="0" cy="0"/>
+          <a:chOff x="0" y="0"/>
+          <a:chExt cx="0" cy="0"/>
+        </a:xfrm>
+      </p:grpSpPr>
+      <p:pic>
+        <p:nvPicPr>
+          <p:cNvPr id="5" name="Picture 4" descr="A swirling meteorite">
+            <a:extLst>
+              <a:ext uri="{FF2B5EF4-FFF2-40B4-BE49-F238E27FC236}">
+                <a16:creationId xmlns:a16="http://schemas.microsoft.com/office/drawing/2014/main" id="{1EC1C0E9-B7CD-4ACB-A5C7-24C56CF687DD}"/>
+              </a:ext>
+            </a:extLst>
+          </p:cNvPr>
+          <p:cNvPicPr>
+            <a:picLocks noChangeAspect="1"/>
+          </p:cNvPicPr>
+          <p:nvPr/>
+        </p:nvPicPr>
+        <p:blipFill rotWithShape="1">
+          <a:blip r:embed="rId2">
+            <a:alphaModFix/>
+          </a:blip>
+          <a:srcRect t="157" b="12971"/>
+          <a:stretch/>
+        </p:blipFill>
+        <p:spPr>
+          <a:xfrm>
+            <a:off x="-2394873" y="-1685261"/>
+            <a:ext cx="18184010" cy="10228521"/>
+          </a:xfrm>
+          <a:prstGeom prst="rect">
+            <a:avLst/>
+          </a:prstGeom>
+        </p:spPr>
+      </p:pic>
+      <p:sp>
+        <p:nvSpPr>
+          <p:cNvPr id="4" name="Rectangle 3">
+            <a:extLst>
+              <a:ext uri="{FF2B5EF4-FFF2-40B4-BE49-F238E27FC236}">
+                <a16:creationId xmlns:a16="http://schemas.microsoft.com/office/drawing/2014/main" id="{0068D2E3-B1A9-4B96-9E0D-C81923AF659D}"/>
+              </a:ext>
+            </a:extLst>
+          </p:cNvPr>
+          <p:cNvSpPr/>
+          <p:nvPr/>
+        </p:nvSpPr>
+        <p:spPr>
+          <a:xfrm>
+            <a:off x="709084" y="595422"/>
+            <a:ext cx="10770782" cy="5667154"/>
+          </a:xfrm>
+          <a:prstGeom prst="rect">
+            <a:avLst/>
+          </a:prstGeom>
+          <a:solidFill>
+            <a:schemeClr val="bg1">
+              <a:alpha val="90000"/>
+            </a:schemeClr>
+          </a:solidFill>
+        </p:spPr>
+        <p:style>
+          <a:lnRef idx="2">
+            <a:schemeClr val="accent1">
+              <a:shade val="50000"/>
+            </a:schemeClr>
+          </a:lnRef>
+          <a:fillRef idx="1">
+            <a:schemeClr val="accent1"/>
+          </a:fillRef>
+          <a:effectRef idx="0">
+            <a:schemeClr val="accent1"/>
+          </a:effectRef>
+          <a:fontRef idx="minor">
+            <a:schemeClr val="lt1"/>
+          </a:fontRef>
+        </p:style>
+        <p:txBody>
+          <a:bodyPr rtlCol="0" anchor="ctr"/>
+          <a:lstStyle/>
+          <a:p>
+            <a:pPr algn="ctr"/>
+            <a:endParaRPr lang="en-GB" dirty="0"/>
+          </a:p>
+        </p:txBody>
+      </p:sp>
+      <p:sp>
+        <p:nvSpPr>
+          <p:cNvPr id="6" name="Title 1">
+            <a:extLst>
+              <a:ext uri="{FF2B5EF4-FFF2-40B4-BE49-F238E27FC236}">
+                <a16:creationId xmlns:a16="http://schemas.microsoft.com/office/drawing/2014/main" id="{84E8942C-B119-47B6-B78D-712AF8ECFB7E}"/>
+              </a:ext>
+            </a:extLst>
+          </p:cNvPr>
+          <p:cNvSpPr>
+            <a:spLocks noGrp="1"/>
+          </p:cNvSpPr>
+          <p:nvPr>
+            <p:ph type="title"/>
+          </p:nvPr>
+        </p:nvSpPr>
+        <p:spPr>
+          <a:xfrm>
+            <a:off x="3258621" y="525992"/>
+            <a:ext cx="5671710" cy="1807305"/>
+          </a:xfrm>
+        </p:spPr>
+        <p:txBody>
+          <a:bodyPr>
+            <a:normAutofit/>
+          </a:bodyPr>
+          <a:lstStyle/>
+          <a:p>
+            <a:r>
+              <a:rPr lang="en-GB" dirty="0"/>
+              <a:t>Why do we measure it?</a:t>
+            </a:r>
+          </a:p>
+        </p:txBody>
+      </p:sp>
+      <p:sp>
+        <p:nvSpPr>
+          <p:cNvPr id="7" name="Content Placeholder 2">
+            <a:extLst>
+              <a:ext uri="{FF2B5EF4-FFF2-40B4-BE49-F238E27FC236}">
+                <a16:creationId xmlns:a16="http://schemas.microsoft.com/office/drawing/2014/main" id="{5997C1DD-85DA-4F88-9B4C-549C168B5E83}"/>
+              </a:ext>
+            </a:extLst>
+          </p:cNvPr>
+          <p:cNvSpPr>
+            <a:spLocks noGrp="1"/>
+          </p:cNvSpPr>
+          <p:nvPr>
+            <p:ph idx="1"/>
+          </p:nvPr>
+        </p:nvSpPr>
+        <p:spPr>
+          <a:xfrm>
+            <a:off x="917109" y="2172430"/>
+            <a:ext cx="10354733" cy="3843666"/>
+          </a:xfrm>
+        </p:spPr>
+        <p:txBody>
+          <a:bodyPr>
+            <a:noAutofit/>
+          </a:bodyPr>
+          <a:lstStyle/>
+          <a:p>
+            <a:r>
+              <a:rPr lang="en-GB" sz="2400" dirty="0"/>
+              <a:t>It is of great interest to obtain more neutron star mass measurements, in order to probe a wider parameter space of the EOS and to better understand the true distribution of neutron star masses. </a:t>
+            </a:r>
+          </a:p>
+          <a:p>
+            <a:r>
+              <a:rPr lang="en-GB" sz="2400" dirty="0"/>
+              <a:t>Can yield precise mass for both a millisecond pulsar and its companion</a:t>
+            </a:r>
+          </a:p>
+          <a:p>
+            <a:r>
+              <a:rPr lang="en-GB" sz="2400" dirty="0"/>
+              <a:t>Determining how much effect this change in Shapiro delay will have on pulsar timing allows for the introduction of another correction term, allowing for the possibility of reducing timing noise, as well as improving the chances for detecting gravitational waves. </a:t>
+            </a:r>
+          </a:p>
+        </p:txBody>
+      </p:sp>
+    </p:spTree>
+    <p:extLst>
+      <p:ext uri="{BB962C8B-B14F-4D97-AF65-F5344CB8AC3E}">
+        <p14:creationId xmlns:p14="http://schemas.microsoft.com/office/powerpoint/2010/main" val="1836409000"/>
+      </p:ext>
+    </p:extLst>
+  </p:cSld>
+  <p:clrMapOvr>
+    <a:masterClrMapping/>
   </p:clrMapOvr>
 </p:sld>
 </file>
@@ -4118,7 +12497,308 @@
 </a:theme>
 </file>
 
+<file path=ppt/theme/theme2.xml><?xml version="1.0" encoding="utf-8"?>
+<a:theme xmlns:a="http://schemas.openxmlformats.org/drawingml/2006/main" name="Office Theme">
+  <a:themeElements>
+    <a:clrScheme name="Office">
+      <a:dk1>
+        <a:sysClr val="windowText" lastClr="000000"/>
+      </a:dk1>
+      <a:lt1>
+        <a:sysClr val="window" lastClr="FFFFFF"/>
+      </a:lt1>
+      <a:dk2>
+        <a:srgbClr val="44546A"/>
+      </a:dk2>
+      <a:lt2>
+        <a:srgbClr val="E7E6E6"/>
+      </a:lt2>
+      <a:accent1>
+        <a:srgbClr val="4472C4"/>
+      </a:accent1>
+      <a:accent2>
+        <a:srgbClr val="ED7D31"/>
+      </a:accent2>
+      <a:accent3>
+        <a:srgbClr val="A5A5A5"/>
+      </a:accent3>
+      <a:accent4>
+        <a:srgbClr val="FFC000"/>
+      </a:accent4>
+      <a:accent5>
+        <a:srgbClr val="5B9BD5"/>
+      </a:accent5>
+      <a:accent6>
+        <a:srgbClr val="70AD47"/>
+      </a:accent6>
+      <a:hlink>
+        <a:srgbClr val="0563C1"/>
+      </a:hlink>
+      <a:folHlink>
+        <a:srgbClr val="954F72"/>
+      </a:folHlink>
+    </a:clrScheme>
+    <a:fontScheme name="Office">
+      <a:majorFont>
+        <a:latin typeface="Calibri Light" panose="020F0302020204030204"/>
+        <a:ea typeface=""/>
+        <a:cs typeface=""/>
+        <a:font script="Jpan" typeface="游ゴシック Light"/>
+        <a:font script="Hang" typeface="맑은 고딕"/>
+        <a:font script="Hans" typeface="等线 Light"/>
+        <a:font script="Hant" typeface="新細明體"/>
+        <a:font script="Arab" typeface="Times New Roman"/>
+        <a:font script="Hebr" typeface="Times New Roman"/>
+        <a:font script="Thai" typeface="Angsana New"/>
+        <a:font script="Ethi" typeface="Nyala"/>
+        <a:font script="Beng" typeface="Vrinda"/>
+        <a:font script="Gujr" typeface="Shruti"/>
+        <a:font script="Khmr" typeface="MoolBoran"/>
+        <a:font script="Knda" typeface="Tunga"/>
+        <a:font script="Guru" typeface="Raavi"/>
+        <a:font script="Cans" typeface="Euphemia"/>
+        <a:font script="Cher" typeface="Plantagenet Cherokee"/>
+        <a:font script="Yiii" typeface="Microsoft Yi Baiti"/>
+        <a:font script="Tibt" typeface="Microsoft Himalaya"/>
+        <a:font script="Thaa" typeface="MV Boli"/>
+        <a:font script="Deva" typeface="Mangal"/>
+        <a:font script="Telu" typeface="Gautami"/>
+        <a:font script="Taml" typeface="Latha"/>
+        <a:font script="Syrc" typeface="Estrangelo Edessa"/>
+        <a:font script="Orya" typeface="Kalinga"/>
+        <a:font script="Mlym" typeface="Kartika"/>
+        <a:font script="Laoo" typeface="DokChampa"/>
+        <a:font script="Sinh" typeface="Iskoola Pota"/>
+        <a:font script="Mong" typeface="Mongolian Baiti"/>
+        <a:font script="Viet" typeface="Times New Roman"/>
+        <a:font script="Uigh" typeface="Microsoft Uighur"/>
+        <a:font script="Geor" typeface="Sylfaen"/>
+        <a:font script="Armn" typeface="Arial"/>
+        <a:font script="Bugi" typeface="Leelawadee UI"/>
+        <a:font script="Bopo" typeface="Microsoft JhengHei"/>
+        <a:font script="Java" typeface="Javanese Text"/>
+        <a:font script="Lisu" typeface="Segoe UI"/>
+        <a:font script="Mymr" typeface="Myanmar Text"/>
+        <a:font script="Nkoo" typeface="Ebrima"/>
+        <a:font script="Olck" typeface="Nirmala UI"/>
+        <a:font script="Osma" typeface="Ebrima"/>
+        <a:font script="Phag" typeface="Phagspa"/>
+        <a:font script="Syrn" typeface="Estrangelo Edessa"/>
+        <a:font script="Syrj" typeface="Estrangelo Edessa"/>
+        <a:font script="Syre" typeface="Estrangelo Edessa"/>
+        <a:font script="Sora" typeface="Nirmala UI"/>
+        <a:font script="Tale" typeface="Microsoft Tai Le"/>
+        <a:font script="Talu" typeface="Microsoft New Tai Lue"/>
+        <a:font script="Tfng" typeface="Ebrima"/>
+      </a:majorFont>
+      <a:minorFont>
+        <a:latin typeface="Calibri" panose="020F0502020204030204"/>
+        <a:ea typeface=""/>
+        <a:cs typeface=""/>
+        <a:font script="Jpan" typeface="游ゴシック"/>
+        <a:font script="Hang" typeface="맑은 고딕"/>
+        <a:font script="Hans" typeface="等线"/>
+        <a:font script="Hant" typeface="新細明體"/>
+        <a:font script="Arab" typeface="Arial"/>
+        <a:font script="Hebr" typeface="Arial"/>
+        <a:font script="Thai" typeface="Cordia New"/>
+        <a:font script="Ethi" typeface="Nyala"/>
+        <a:font script="Beng" typeface="Vrinda"/>
+        <a:font script="Gujr" typeface="Shruti"/>
+        <a:font script="Khmr" typeface="DaunPenh"/>
+        <a:font script="Knda" typeface="Tunga"/>
+        <a:font script="Guru" typeface="Raavi"/>
+        <a:font script="Cans" typeface="Euphemia"/>
+        <a:font script="Cher" typeface="Plantagenet Cherokee"/>
+        <a:font script="Yiii" typeface="Microsoft Yi Baiti"/>
+        <a:font script="Tibt" typeface="Microsoft Himalaya"/>
+        <a:font script="Thaa" typeface="MV Boli"/>
+        <a:font script="Deva" typeface="Mangal"/>
+        <a:font script="Telu" typeface="Gautami"/>
+        <a:font script="Taml" typeface="Latha"/>
+        <a:font script="Syrc" typeface="Estrangelo Edessa"/>
+        <a:font script="Orya" typeface="Kalinga"/>
+        <a:font script="Mlym" typeface="Kartika"/>
+        <a:font script="Laoo" typeface="DokChampa"/>
+        <a:font script="Sinh" typeface="Iskoola Pota"/>
+        <a:font script="Mong" typeface="Mongolian Baiti"/>
+        <a:font script="Viet" typeface="Arial"/>
+        <a:font script="Uigh" typeface="Microsoft Uighur"/>
+        <a:font script="Geor" typeface="Sylfaen"/>
+        <a:font script="Armn" typeface="Arial"/>
+        <a:font script="Bugi" typeface="Leelawadee UI"/>
+        <a:font script="Bopo" typeface="Microsoft JhengHei"/>
+        <a:font script="Java" typeface="Javanese Text"/>
+        <a:font script="Lisu" typeface="Segoe UI"/>
+        <a:font script="Mymr" typeface="Myanmar Text"/>
+        <a:font script="Nkoo" typeface="Ebrima"/>
+        <a:font script="Olck" typeface="Nirmala UI"/>
+        <a:font script="Osma" typeface="Ebrima"/>
+        <a:font script="Phag" typeface="Phagspa"/>
+        <a:font script="Syrn" typeface="Estrangelo Edessa"/>
+        <a:font script="Syrj" typeface="Estrangelo Edessa"/>
+        <a:font script="Syre" typeface="Estrangelo Edessa"/>
+        <a:font script="Sora" typeface="Nirmala UI"/>
+        <a:font script="Tale" typeface="Microsoft Tai Le"/>
+        <a:font script="Talu" typeface="Microsoft New Tai Lue"/>
+        <a:font script="Tfng" typeface="Ebrima"/>
+      </a:minorFont>
+    </a:fontScheme>
+    <a:fmtScheme name="Office">
+      <a:fillStyleLst>
+        <a:solidFill>
+          <a:schemeClr val="phClr"/>
+        </a:solidFill>
+        <a:gradFill rotWithShape="1">
+          <a:gsLst>
+            <a:gs pos="0">
+              <a:schemeClr val="phClr">
+                <a:lumMod val="110000"/>
+                <a:satMod val="105000"/>
+                <a:tint val="67000"/>
+              </a:schemeClr>
+            </a:gs>
+            <a:gs pos="50000">
+              <a:schemeClr val="phClr">
+                <a:lumMod val="105000"/>
+                <a:satMod val="103000"/>
+                <a:tint val="73000"/>
+              </a:schemeClr>
+            </a:gs>
+            <a:gs pos="100000">
+              <a:schemeClr val="phClr">
+                <a:lumMod val="105000"/>
+                <a:satMod val="109000"/>
+                <a:tint val="81000"/>
+              </a:schemeClr>
+            </a:gs>
+          </a:gsLst>
+          <a:lin ang="5400000" scaled="0"/>
+        </a:gradFill>
+        <a:gradFill rotWithShape="1">
+          <a:gsLst>
+            <a:gs pos="0">
+              <a:schemeClr val="phClr">
+                <a:satMod val="103000"/>
+                <a:lumMod val="102000"/>
+                <a:tint val="94000"/>
+              </a:schemeClr>
+            </a:gs>
+            <a:gs pos="50000">
+              <a:schemeClr val="phClr">
+                <a:satMod val="110000"/>
+                <a:lumMod val="100000"/>
+                <a:shade val="100000"/>
+              </a:schemeClr>
+            </a:gs>
+            <a:gs pos="100000">
+              <a:schemeClr val="phClr">
+                <a:lumMod val="99000"/>
+                <a:satMod val="120000"/>
+                <a:shade val="78000"/>
+              </a:schemeClr>
+            </a:gs>
+          </a:gsLst>
+          <a:lin ang="5400000" scaled="0"/>
+        </a:gradFill>
+      </a:fillStyleLst>
+      <a:lnStyleLst>
+        <a:ln w="6350" cap="flat" cmpd="sng" algn="ctr">
+          <a:solidFill>
+            <a:schemeClr val="phClr"/>
+          </a:solidFill>
+          <a:prstDash val="solid"/>
+          <a:miter lim="800000"/>
+        </a:ln>
+        <a:ln w="12700" cap="flat" cmpd="sng" algn="ctr">
+          <a:solidFill>
+            <a:schemeClr val="phClr"/>
+          </a:solidFill>
+          <a:prstDash val="solid"/>
+          <a:miter lim="800000"/>
+        </a:ln>
+        <a:ln w="19050" cap="flat" cmpd="sng" algn="ctr">
+          <a:solidFill>
+            <a:schemeClr val="phClr"/>
+          </a:solidFill>
+          <a:prstDash val="solid"/>
+          <a:miter lim="800000"/>
+        </a:ln>
+      </a:lnStyleLst>
+      <a:effectStyleLst>
+        <a:effectStyle>
+          <a:effectLst/>
+        </a:effectStyle>
+        <a:effectStyle>
+          <a:effectLst/>
+        </a:effectStyle>
+        <a:effectStyle>
+          <a:effectLst>
+            <a:outerShdw blurRad="57150" dist="19050" dir="5400000" algn="ctr" rotWithShape="0">
+              <a:srgbClr val="000000">
+                <a:alpha val="63000"/>
+              </a:srgbClr>
+            </a:outerShdw>
+          </a:effectLst>
+        </a:effectStyle>
+      </a:effectStyleLst>
+      <a:bgFillStyleLst>
+        <a:solidFill>
+          <a:schemeClr val="phClr"/>
+        </a:solidFill>
+        <a:solidFill>
+          <a:schemeClr val="phClr">
+            <a:tint val="95000"/>
+            <a:satMod val="170000"/>
+          </a:schemeClr>
+        </a:solidFill>
+        <a:gradFill rotWithShape="1">
+          <a:gsLst>
+            <a:gs pos="0">
+              <a:schemeClr val="phClr">
+                <a:tint val="93000"/>
+                <a:satMod val="150000"/>
+                <a:shade val="98000"/>
+                <a:lumMod val="102000"/>
+              </a:schemeClr>
+            </a:gs>
+            <a:gs pos="50000">
+              <a:schemeClr val="phClr">
+                <a:tint val="98000"/>
+                <a:satMod val="130000"/>
+                <a:shade val="90000"/>
+                <a:lumMod val="103000"/>
+              </a:schemeClr>
+            </a:gs>
+            <a:gs pos="100000">
+              <a:schemeClr val="phClr">
+                <a:shade val="63000"/>
+                <a:satMod val="120000"/>
+              </a:schemeClr>
+            </a:gs>
+          </a:gsLst>
+          <a:lin ang="5400000" scaled="0"/>
+        </a:gradFill>
+      </a:bgFillStyleLst>
+    </a:fmtScheme>
+  </a:themeElements>
+  <a:objectDefaults/>
+  <a:extraClrSchemeLst/>
+  <a:extLst>
+    <a:ext uri="{05A4C25C-085E-4340-85A3-A5531E510DB2}">
+      <thm15:themeFamily xmlns:thm15="http://schemas.microsoft.com/office/thememl/2012/main" name="Office Theme" id="{62F939B6-93AF-4DB8-9C6B-D6C7DFDC589F}" vid="{4A3C46E8-61CC-4603-A589-7422A47A8E4A}"/>
+    </a:ext>
+  </a:extLst>
+</a:theme>
+</file>
+
 <file path=customXml/item1.xml><?xml version="1.0" encoding="utf-8"?>
+<p:properties xmlns:p="http://schemas.microsoft.com/office/2006/metadata/properties" xmlns:xsi="http://www.w3.org/2001/XMLSchema-instance" xmlns:pc="http://schemas.microsoft.com/office/infopath/2007/PartnerControls">
+  <documentManagement/>
+</p:properties>
+</file>
+
+<file path=customXml/item2.xml><?xml version="1.0" encoding="utf-8"?>
 <ct:contentTypeSchema xmlns:ct="http://schemas.microsoft.com/office/2006/metadata/contentType" xmlns:ma="http://schemas.microsoft.com/office/2006/metadata/properties/metaAttributes" ct:_="" ma:_="" ma:contentTypeName="Document" ma:contentTypeID="0x01010041C669EFC3798A4D894A83C1EEF93E49" ma:contentTypeVersion="11" ma:contentTypeDescription="Create a new document." ma:contentTypeScope="" ma:versionID="2fb4f83c4f9aebf96385597b61e8010e">
   <xsd:schema xmlns:xsd="http://www.w3.org/2001/XMLSchema" xmlns:xs="http://www.w3.org/2001/XMLSchema" xmlns:p="http://schemas.microsoft.com/office/2006/metadata/properties" xmlns:ns3="2adac75b-9e10-4acb-bf78-89491d38a841" xmlns:ns4="e2937630-ee42-45b6-866e-01988b4dbb5f" targetNamespace="http://schemas.microsoft.com/office/2006/metadata/properties" ma:root="true" ma:fieldsID="85cc52aaabc9f5043b02afbabcefa003" ns3:_="" ns4:_="">
     <xsd:import namespace="2adac75b-9e10-4acb-bf78-89491d38a841"/>
@@ -4329,7 +13009,7 @@
 </ct:contentTypeSchema>
 </file>
 
-<file path=customXml/item2.xml><?xml version="1.0" encoding="utf-8"?>
+<file path=customXml/item3.xml><?xml version="1.0" encoding="utf-8"?>
 <?mso-contentType ?>
 <FormTemplates xmlns="http://schemas.microsoft.com/sharepoint/v3/contenttype/forms">
   <Display>DocumentLibraryForm</Display>
@@ -4338,13 +13018,24 @@
 </FormTemplates>
 </file>
 
-<file path=customXml/item3.xml><?xml version="1.0" encoding="utf-8"?>
-<p:properties xmlns:p="http://schemas.microsoft.com/office/2006/metadata/properties" xmlns:xsi="http://www.w3.org/2001/XMLSchema-instance" xmlns:pc="http://schemas.microsoft.com/office/infopath/2007/PartnerControls">
-  <documentManagement/>
-</p:properties>
+<file path=customXml/itemProps1.xml><?xml version="1.0" encoding="utf-8"?>
+<ds:datastoreItem xmlns:ds="http://schemas.openxmlformats.org/officeDocument/2006/customXml" ds:itemID="{5C52B5CD-4098-4BCC-BF78-C120FFC3232D}">
+  <ds:schemaRefs>
+    <ds:schemaRef ds:uri="http://www.w3.org/XML/1998/namespace"/>
+    <ds:schemaRef ds:uri="http://schemas.microsoft.com/office/infopath/2007/PartnerControls"/>
+    <ds:schemaRef ds:uri="http://purl.org/dc/elements/1.1/"/>
+    <ds:schemaRef ds:uri="http://schemas.microsoft.com/office/2006/documentManagement/types"/>
+    <ds:schemaRef ds:uri="http://schemas.microsoft.com/office/2006/metadata/properties"/>
+    <ds:schemaRef ds:uri="e2937630-ee42-45b6-866e-01988b4dbb5f"/>
+    <ds:schemaRef ds:uri="http://purl.org/dc/dcmitype/"/>
+    <ds:schemaRef ds:uri="http://purl.org/dc/terms/"/>
+    <ds:schemaRef ds:uri="http://schemas.openxmlformats.org/package/2006/metadata/core-properties"/>
+    <ds:schemaRef ds:uri="2adac75b-9e10-4acb-bf78-89491d38a841"/>
+  </ds:schemaRefs>
+</ds:datastoreItem>
 </file>
 
-<file path=customXml/itemProps1.xml><?xml version="1.0" encoding="utf-8"?>
+<file path=customXml/itemProps2.xml><?xml version="1.0" encoding="utf-8"?>
 <ds:datastoreItem xmlns:ds="http://schemas.openxmlformats.org/officeDocument/2006/customXml" ds:itemID="{00B022A3-3786-4D84-8E22-FE5CA11A42C6}">
   <ds:schemaRefs>
     <ds:schemaRef ds:uri="http://schemas.microsoft.com/office/2006/metadata/contentType"/>
@@ -4363,27 +13054,10 @@
 </ds:datastoreItem>
 </file>
 
-<file path=customXml/itemProps2.xml><?xml version="1.0" encoding="utf-8"?>
+<file path=customXml/itemProps3.xml><?xml version="1.0" encoding="utf-8"?>
 <ds:datastoreItem xmlns:ds="http://schemas.openxmlformats.org/officeDocument/2006/customXml" ds:itemID="{092D4580-E579-42FE-9448-FF2E10C81335}">
   <ds:schemaRefs>
     <ds:schemaRef ds:uri="http://schemas.microsoft.com/sharepoint/v3/contenttype/forms"/>
   </ds:schemaRefs>
 </ds:datastoreItem>
-</file>
-
-<file path=customXml/itemProps3.xml><?xml version="1.0" encoding="utf-8"?>
-<ds:datastoreItem xmlns:ds="http://schemas.openxmlformats.org/officeDocument/2006/customXml" ds:itemID="{5C52B5CD-4098-4BCC-BF78-C120FFC3232D}">
-  <ds:schemaRefs>
-    <ds:schemaRef ds:uri="http://www.w3.org/XML/1998/namespace"/>
-    <ds:schemaRef ds:uri="http://schemas.microsoft.com/office/infopath/2007/PartnerControls"/>
-    <ds:schemaRef ds:uri="http://purl.org/dc/elements/1.1/"/>
-    <ds:schemaRef ds:uri="http://schemas.microsoft.com/office/2006/documentManagement/types"/>
-    <ds:schemaRef ds:uri="http://schemas.microsoft.com/office/2006/metadata/properties"/>
-    <ds:schemaRef ds:uri="e2937630-ee42-45b6-866e-01988b4dbb5f"/>
-    <ds:schemaRef ds:uri="http://purl.org/dc/dcmitype/"/>
-    <ds:schemaRef ds:uri="http://purl.org/dc/terms/"/>
-    <ds:schemaRef ds:uri="http://schemas.openxmlformats.org/package/2006/metadata/core-properties"/>
-    <ds:schemaRef ds:uri="2adac75b-9e10-4acb-bf78-89491d38a841"/>
-  </ds:schemaRefs>
-</ds:datastoreItem>
 </file>
--- a/The Shapiro Delay.pptx
+++ b/The Shapiro Delay.pptx
@@ -5,30 +5,29 @@
     <p:sldMasterId id="2147483648" r:id="rId4"/>
   </p:sldMasterIdLst>
   <p:notesMasterIdLst>
-    <p:notesMasterId r:id="rId26"/>
+    <p:notesMasterId r:id="rId25"/>
   </p:notesMasterIdLst>
   <p:sldIdLst>
     <p:sldId id="284" r:id="rId5"/>
     <p:sldId id="282" r:id="rId6"/>
     <p:sldId id="278" r:id="rId7"/>
     <p:sldId id="290" r:id="rId8"/>
-    <p:sldId id="288" r:id="rId9"/>
-    <p:sldId id="286" r:id="rId10"/>
-    <p:sldId id="279" r:id="rId11"/>
-    <p:sldId id="280" r:id="rId12"/>
-    <p:sldId id="283" r:id="rId13"/>
-    <p:sldId id="264" r:id="rId14"/>
+    <p:sldId id="286" r:id="rId9"/>
+    <p:sldId id="279" r:id="rId10"/>
+    <p:sldId id="280" r:id="rId11"/>
+    <p:sldId id="283" r:id="rId12"/>
+    <p:sldId id="264" r:id="rId13"/>
+    <p:sldId id="292" r:id="rId14"/>
     <p:sldId id="259" r:id="rId15"/>
     <p:sldId id="273" r:id="rId16"/>
     <p:sldId id="276" r:id="rId17"/>
-    <p:sldId id="287" r:id="rId18"/>
-    <p:sldId id="289" r:id="rId19"/>
-    <p:sldId id="277" r:id="rId20"/>
-    <p:sldId id="270" r:id="rId21"/>
-    <p:sldId id="274" r:id="rId22"/>
-    <p:sldId id="275" r:id="rId23"/>
-    <p:sldId id="272" r:id="rId24"/>
-    <p:sldId id="281" r:id="rId25"/>
+    <p:sldId id="277" r:id="rId18"/>
+    <p:sldId id="270" r:id="rId19"/>
+    <p:sldId id="274" r:id="rId20"/>
+    <p:sldId id="275" r:id="rId21"/>
+    <p:sldId id="272" r:id="rId22"/>
+    <p:sldId id="291" r:id="rId23"/>
+    <p:sldId id="281" r:id="rId24"/>
   </p:sldIdLst>
   <p:sldSz cx="12192000" cy="6858000"/>
   <p:notesSz cx="6858000" cy="9144000"/>
@@ -217,7 +216,7 @@
           <a:p>
             <a:fld id="{463C3F3F-D8C2-4E42-87E0-44DD2F4E2BB9}" type="datetimeFigureOut">
               <a:rPr lang="en-GB" smtClean="0"/>
-              <a:t>23/03/2022</a:t>
+              <a:t>24/03/2022</a:t>
             </a:fld>
             <a:endParaRPr lang="en-GB"/>
           </a:p>
@@ -646,7 +645,7 @@
           <a:p>
             <a:fld id="{56B68599-4D83-4034-9F61-62DE31CFFF18}" type="slidenum">
               <a:rPr lang="en-GB" smtClean="0"/>
-              <a:t>20</a:t>
+              <a:t>18</a:t>
             </a:fld>
             <a:endParaRPr lang="en-GB"/>
           </a:p>
@@ -656,6 +655,102 @@
     <p:extLst>
       <p:ext uri="{BB962C8B-B14F-4D97-AF65-F5344CB8AC3E}">
         <p14:creationId xmlns:p14="http://schemas.microsoft.com/office/powerpoint/2010/main" val="907120293"/>
+      </p:ext>
+    </p:extLst>
+  </p:cSld>
+  <p:clrMapOvr>
+    <a:masterClrMapping/>
+  </p:clrMapOvr>
+</p:notes>
+</file>
+
+<file path=ppt/notesSlides/notesSlide11.xml><?xml version="1.0" encoding="utf-8"?>
+<p:notes xmlns:a="http://schemas.openxmlformats.org/drawingml/2006/main" xmlns:r="http://schemas.openxmlformats.org/officeDocument/2006/relationships" xmlns:p="http://schemas.openxmlformats.org/presentationml/2006/main">
+  <p:cSld>
+    <p:spTree>
+      <p:nvGrpSpPr>
+        <p:cNvPr id="1" name=""/>
+        <p:cNvGrpSpPr/>
+        <p:nvPr/>
+      </p:nvGrpSpPr>
+      <p:grpSpPr>
+        <a:xfrm>
+          <a:off x="0" y="0"/>
+          <a:ext cx="0" cy="0"/>
+          <a:chOff x="0" y="0"/>
+          <a:chExt cx="0" cy="0"/>
+        </a:xfrm>
+      </p:grpSpPr>
+      <p:sp>
+        <p:nvSpPr>
+          <p:cNvPr id="2" name="Slide Image Placeholder 1"/>
+          <p:cNvSpPr>
+            <a:spLocks noGrp="1" noRot="1" noChangeAspect="1"/>
+          </p:cNvSpPr>
+          <p:nvPr>
+            <p:ph type="sldImg"/>
+          </p:nvPr>
+        </p:nvSpPr>
+        <p:spPr/>
+      </p:sp>
+      <p:sp>
+        <p:nvSpPr>
+          <p:cNvPr id="3" name="Notes Placeholder 2"/>
+          <p:cNvSpPr>
+            <a:spLocks noGrp="1"/>
+          </p:cNvSpPr>
+          <p:nvPr>
+            <p:ph type="body" idx="1"/>
+          </p:nvPr>
+        </p:nvSpPr>
+        <p:spPr/>
+        <p:txBody>
+          <a:bodyPr/>
+          <a:lstStyle/>
+          <a:p>
+            <a:r>
+              <a:rPr lang="en-GB" dirty="0"/>
+              <a:t>Spin shows it’s a millisecond pulsar</a:t>
+            </a:r>
+          </a:p>
+          <a:p>
+            <a:endParaRPr lang="en-GB" dirty="0"/>
+          </a:p>
+          <a:p>
+            <a:r>
+              <a:rPr lang="en-GB" dirty="0"/>
+              <a:t>Highest mass neutron star measured to date</a:t>
+            </a:r>
+          </a:p>
+        </p:txBody>
+      </p:sp>
+      <p:sp>
+        <p:nvSpPr>
+          <p:cNvPr id="4" name="Slide Number Placeholder 3"/>
+          <p:cNvSpPr>
+            <a:spLocks noGrp="1"/>
+          </p:cNvSpPr>
+          <p:nvPr>
+            <p:ph type="sldNum" sz="quarter" idx="5"/>
+          </p:nvPr>
+        </p:nvSpPr>
+        <p:spPr/>
+        <p:txBody>
+          <a:bodyPr/>
+          <a:lstStyle/>
+          <a:p>
+            <a:fld id="{56B68599-4D83-4034-9F61-62DE31CFFF18}" type="slidenum">
+              <a:rPr lang="en-GB" smtClean="0"/>
+              <a:t>19</a:t>
+            </a:fld>
+            <a:endParaRPr lang="en-GB"/>
+          </a:p>
+        </p:txBody>
+      </p:sp>
+    </p:spTree>
+    <p:extLst>
+      <p:ext uri="{BB962C8B-B14F-4D97-AF65-F5344CB8AC3E}">
+        <p14:creationId xmlns:p14="http://schemas.microsoft.com/office/powerpoint/2010/main" val="1599272388"/>
       </p:ext>
     </p:extLst>
   </p:cSld>
@@ -835,7 +930,7 @@
           <a:p>
             <a:fld id="{56B68599-4D83-4034-9F61-62DE31CFFF18}" type="slidenum">
               <a:rPr lang="en-GB" smtClean="0"/>
-              <a:t>6</a:t>
+              <a:t>5</a:t>
             </a:fld>
             <a:endParaRPr lang="en-GB"/>
           </a:p>
@@ -1024,7 +1119,7 @@
           <a:p>
             <a:fld id="{56B68599-4D83-4034-9F61-62DE31CFFF18}" type="slidenum">
               <a:rPr lang="en-GB" smtClean="0"/>
-              <a:t>8</a:t>
+              <a:t>7</a:t>
             </a:fld>
             <a:endParaRPr lang="en-GB"/>
           </a:p>
@@ -1382,7 +1477,7 @@
           <a:p>
             <a:fld id="{56B68599-4D83-4034-9F61-62DE31CFFF18}" type="slidenum">
               <a:rPr lang="en-GB" smtClean="0"/>
-              <a:t>17</a:t>
+              <a:t>15</a:t>
             </a:fld>
             <a:endParaRPr lang="en-GB"/>
           </a:p>
@@ -1589,7 +1684,7 @@
           <a:p>
             <a:fld id="{56B68599-4D83-4034-9F61-62DE31CFFF18}" type="slidenum">
               <a:rPr lang="en-GB" smtClean="0"/>
-              <a:t>18</a:t>
+              <a:t>16</a:t>
             </a:fld>
             <a:endParaRPr lang="en-GB"/>
           </a:p>
@@ -1773,7 +1868,7 @@
           <a:p>
             <a:fld id="{56B68599-4D83-4034-9F61-62DE31CFFF18}" type="slidenum">
               <a:rPr lang="en-GB" smtClean="0"/>
-              <a:t>19</a:t>
+              <a:t>17</a:t>
             </a:fld>
             <a:endParaRPr lang="en-GB"/>
           </a:p>
@@ -1941,7 +2036,7 @@
           <a:p>
             <a:fld id="{50BBD304-4FA8-44A0-8565-0ECBBC742C1E}" type="datetimeFigureOut">
               <a:rPr lang="en-GB" smtClean="0"/>
-              <a:t>23/03/2022</a:t>
+              <a:t>24/03/2022</a:t>
             </a:fld>
             <a:endParaRPr lang="en-GB"/>
           </a:p>
@@ -2141,7 +2236,7 @@
           <a:p>
             <a:fld id="{50BBD304-4FA8-44A0-8565-0ECBBC742C1E}" type="datetimeFigureOut">
               <a:rPr lang="en-GB" smtClean="0"/>
-              <a:t>23/03/2022</a:t>
+              <a:t>24/03/2022</a:t>
             </a:fld>
             <a:endParaRPr lang="en-GB"/>
           </a:p>
@@ -2351,7 +2446,7 @@
           <a:p>
             <a:fld id="{50BBD304-4FA8-44A0-8565-0ECBBC742C1E}" type="datetimeFigureOut">
               <a:rPr lang="en-GB" smtClean="0"/>
-              <a:t>23/03/2022</a:t>
+              <a:t>24/03/2022</a:t>
             </a:fld>
             <a:endParaRPr lang="en-GB"/>
           </a:p>
@@ -2551,7 +2646,7 @@
           <a:p>
             <a:fld id="{50BBD304-4FA8-44A0-8565-0ECBBC742C1E}" type="datetimeFigureOut">
               <a:rPr lang="en-GB" smtClean="0"/>
-              <a:t>23/03/2022</a:t>
+              <a:t>24/03/2022</a:t>
             </a:fld>
             <a:endParaRPr lang="en-GB"/>
           </a:p>
@@ -2827,7 +2922,7 @@
           <a:p>
             <a:fld id="{50BBD304-4FA8-44A0-8565-0ECBBC742C1E}" type="datetimeFigureOut">
               <a:rPr lang="en-GB" smtClean="0"/>
-              <a:t>23/03/2022</a:t>
+              <a:t>24/03/2022</a:t>
             </a:fld>
             <a:endParaRPr lang="en-GB"/>
           </a:p>
@@ -3095,7 +3190,7 @@
           <a:p>
             <a:fld id="{50BBD304-4FA8-44A0-8565-0ECBBC742C1E}" type="datetimeFigureOut">
               <a:rPr lang="en-GB" smtClean="0"/>
-              <a:t>23/03/2022</a:t>
+              <a:t>24/03/2022</a:t>
             </a:fld>
             <a:endParaRPr lang="en-GB"/>
           </a:p>
@@ -3510,7 +3605,7 @@
           <a:p>
             <a:fld id="{50BBD304-4FA8-44A0-8565-0ECBBC742C1E}" type="datetimeFigureOut">
               <a:rPr lang="en-GB" smtClean="0"/>
-              <a:t>23/03/2022</a:t>
+              <a:t>24/03/2022</a:t>
             </a:fld>
             <a:endParaRPr lang="en-GB"/>
           </a:p>
@@ -3652,7 +3747,7 @@
           <a:p>
             <a:fld id="{50BBD304-4FA8-44A0-8565-0ECBBC742C1E}" type="datetimeFigureOut">
               <a:rPr lang="en-GB" smtClean="0"/>
-              <a:t>23/03/2022</a:t>
+              <a:t>24/03/2022</a:t>
             </a:fld>
             <a:endParaRPr lang="en-GB"/>
           </a:p>
@@ -3765,7 +3860,7 @@
           <a:p>
             <a:fld id="{50BBD304-4FA8-44A0-8565-0ECBBC742C1E}" type="datetimeFigureOut">
               <a:rPr lang="en-GB" smtClean="0"/>
-              <a:t>23/03/2022</a:t>
+              <a:t>24/03/2022</a:t>
             </a:fld>
             <a:endParaRPr lang="en-GB"/>
           </a:p>
@@ -4078,7 +4173,7 @@
           <a:p>
             <a:fld id="{50BBD304-4FA8-44A0-8565-0ECBBC742C1E}" type="datetimeFigureOut">
               <a:rPr lang="en-GB" smtClean="0"/>
-              <a:t>23/03/2022</a:t>
+              <a:t>24/03/2022</a:t>
             </a:fld>
             <a:endParaRPr lang="en-GB"/>
           </a:p>
@@ -4367,7 +4462,7 @@
           <a:p>
             <a:fld id="{50BBD304-4FA8-44A0-8565-0ECBBC742C1E}" type="datetimeFigureOut">
               <a:rPr lang="en-GB" smtClean="0"/>
-              <a:t>23/03/2022</a:t>
+              <a:t>24/03/2022</a:t>
             </a:fld>
             <a:endParaRPr lang="en-GB"/>
           </a:p>
@@ -4610,7 +4705,7 @@
           <a:p>
             <a:fld id="{50BBD304-4FA8-44A0-8565-0ECBBC742C1E}" type="datetimeFigureOut">
               <a:rPr lang="en-GB" smtClean="0"/>
-              <a:t>23/03/2022</a:t>
+              <a:t>24/03/2022</a:t>
             </a:fld>
             <a:endParaRPr lang="en-GB"/>
           </a:p>
@@ -5417,94 +5512,45 @@
           </a:p>
         </p:txBody>
       </p:sp>
-      <p:sp>
-        <p:nvSpPr>
-          <p:cNvPr id="2" name="Title 1">
+      <p:pic>
+        <p:nvPicPr>
+          <p:cNvPr id="10" name="Content Placeholder 4" descr="Chart&#10;&#10;Description automatically generated">
             <a:extLst>
               <a:ext uri="{FF2B5EF4-FFF2-40B4-BE49-F238E27FC236}">
-                <a16:creationId xmlns:a16="http://schemas.microsoft.com/office/drawing/2014/main" id="{64F2FD3D-A8A8-43A4-8956-C7594DB0DD85}"/>
+                <a16:creationId xmlns:a16="http://schemas.microsoft.com/office/drawing/2014/main" id="{13D17548-5C18-477C-A1D0-734C5A3CE506}"/>
               </a:ext>
             </a:extLst>
           </p:cNvPr>
-          <p:cNvSpPr>
-            <a:spLocks noGrp="1"/>
-          </p:cNvSpPr>
-          <p:nvPr>
-            <p:ph type="title"/>
-          </p:nvPr>
-        </p:nvSpPr>
-        <p:spPr>
-          <a:xfrm>
-            <a:off x="838200" y="710959"/>
-            <a:ext cx="10515600" cy="979729"/>
-          </a:xfrm>
-        </p:spPr>
-        <p:txBody>
-          <a:bodyPr/>
-          <a:lstStyle/>
-          <a:p>
-            <a:pPr algn="ctr"/>
-            <a:r>
-              <a:rPr lang="en-GB" dirty="0"/>
-              <a:t>When is it important?</a:t>
-            </a:r>
-          </a:p>
-        </p:txBody>
-      </p:sp>
-      <p:sp>
-        <p:nvSpPr>
-          <p:cNvPr id="3" name="Content Placeholder 2">
-            <a:extLst>
-              <a:ext uri="{FF2B5EF4-FFF2-40B4-BE49-F238E27FC236}">
-                <a16:creationId xmlns:a16="http://schemas.microsoft.com/office/drawing/2014/main" id="{926CD75D-37E5-469A-8767-D64ED8E89DB3}"/>
-              </a:ext>
-            </a:extLst>
-          </p:cNvPr>
-          <p:cNvSpPr>
-            <a:spLocks noGrp="1"/>
-          </p:cNvSpPr>
+          <p:cNvPicPr>
+            <a:picLocks noGrp="1" noChangeAspect="1"/>
+          </p:cNvPicPr>
           <p:nvPr>
             <p:ph idx="1"/>
           </p:nvPr>
-        </p:nvSpPr>
+        </p:nvPicPr>
+        <p:blipFill>
+          <a:blip r:embed="rId3">
+            <a:extLst>
+              <a:ext uri="{28A0092B-C50C-407E-A947-70E740481C1C}">
+                <a14:useLocalDpi xmlns:a14="http://schemas.microsoft.com/office/drawing/2010/main" val="0"/>
+              </a:ext>
+            </a:extLst>
+          </a:blip>
+          <a:stretch>
+            <a:fillRect/>
+          </a:stretch>
+        </p:blipFill>
         <p:spPr>
           <a:xfrm>
-            <a:off x="1718733" y="1795703"/>
-            <a:ext cx="8754533" cy="4351338"/>
+            <a:off x="1993829" y="782637"/>
+            <a:ext cx="8204341" cy="5292725"/>
           </a:xfrm>
         </p:spPr>
-        <p:txBody>
-          <a:bodyPr/>
-          <a:lstStyle/>
-          <a:p>
-            <a:r>
-              <a:rPr lang="en-GB" dirty="0"/>
-              <a:t>When the pulsar’s binary companion approaches the LOS</a:t>
-            </a:r>
-          </a:p>
-          <a:p>
-            <a:r>
-              <a:rPr lang="en-GB" dirty="0"/>
-              <a:t>When the inclination is close to 90</a:t>
-            </a:r>
-            <a:r>
-              <a:rPr lang="en-GB" baseline="30000" dirty="0"/>
-              <a:t>o</a:t>
-            </a:r>
-            <a:r>
-              <a:rPr lang="en-GB" dirty="0"/>
-              <a:t> </a:t>
-            </a:r>
-          </a:p>
-          <a:p>
-            <a:endParaRPr lang="en-GB" dirty="0"/>
-          </a:p>
-        </p:txBody>
-      </p:sp>
+      </p:pic>
     </p:spTree>
     <p:extLst>
       <p:ext uri="{BB962C8B-B14F-4D97-AF65-F5344CB8AC3E}">
-        <p14:creationId xmlns:p14="http://schemas.microsoft.com/office/powerpoint/2010/main" val="411494476"/>
+        <p14:creationId xmlns:p14="http://schemas.microsoft.com/office/powerpoint/2010/main" val="3136567480"/>
       </p:ext>
     </p:extLst>
   </p:cSld>
@@ -5843,8 +5889,8 @@
           </a:p>
         </p:txBody>
       </p:sp>
-      <mc:AlternateContent xmlns:mc="http://schemas.openxmlformats.org/markup-compatibility/2006">
-        <mc:Choice xmlns:a14="http://schemas.microsoft.com/office/drawing/2010/main" Requires="a14">
+      <mc:AlternateContent xmlns:mc="http://schemas.openxmlformats.org/markup-compatibility/2006" xmlns:a14="http://schemas.microsoft.com/office/drawing/2010/main">
+        <mc:Choice Requires="a14">
           <p:sp>
             <p:nvSpPr>
               <p:cNvPr id="3" name="Content Placeholder 2">
@@ -6556,7 +6602,7 @@
             </p:txBody>
           </p:sp>
         </mc:Choice>
-        <mc:Fallback>
+        <mc:Fallback xmlns="">
           <p:sp>
             <p:nvSpPr>
               <p:cNvPr id="3" name="Content Placeholder 2">
@@ -6742,8 +6788,8 @@
           </a:p>
         </p:txBody>
       </p:sp>
-      <mc:AlternateContent xmlns:mc="http://schemas.openxmlformats.org/markup-compatibility/2006">
-        <mc:Choice xmlns:a14="http://schemas.microsoft.com/office/drawing/2010/main" Requires="a14">
+      <mc:AlternateContent xmlns:mc="http://schemas.openxmlformats.org/markup-compatibility/2006" xmlns:a14="http://schemas.microsoft.com/office/drawing/2010/main">
+        <mc:Choice Requires="a14">
           <p:sp>
             <p:nvSpPr>
               <p:cNvPr id="3" name="Content Placeholder 2">
@@ -7599,7 +7645,7 @@
             </p:txBody>
           </p:sp>
         </mc:Choice>
-        <mc:Fallback>
+        <mc:Fallback xmlns="">
           <p:sp>
             <p:nvSpPr>
               <p:cNvPr id="3" name="Content Placeholder 2">
@@ -7669,186 +7715,6 @@
           <a:chExt cx="0" cy="0"/>
         </a:xfrm>
       </p:grpSpPr>
-      <p:sp>
-        <p:nvSpPr>
-          <p:cNvPr id="2" name="Title 1">
-            <a:extLst>
-              <a:ext uri="{FF2B5EF4-FFF2-40B4-BE49-F238E27FC236}">
-                <a16:creationId xmlns:a16="http://schemas.microsoft.com/office/drawing/2014/main" id="{F1F6FFF9-4D18-42C3-8F0D-D298F7ADE8F2}"/>
-              </a:ext>
-            </a:extLst>
-          </p:cNvPr>
-          <p:cNvSpPr>
-            <a:spLocks noGrp="1"/>
-          </p:cNvSpPr>
-          <p:nvPr>
-            <p:ph type="title"/>
-          </p:nvPr>
-        </p:nvSpPr>
-        <p:spPr/>
-        <p:txBody>
-          <a:bodyPr/>
-          <a:lstStyle/>
-          <a:p>
-            <a:endParaRPr lang="en-GB"/>
-          </a:p>
-        </p:txBody>
-      </p:sp>
-      <p:pic>
-        <p:nvPicPr>
-          <p:cNvPr id="5" name="Content Placeholder 4" descr="Chart&#10;&#10;Description automatically generated">
-            <a:extLst>
-              <a:ext uri="{FF2B5EF4-FFF2-40B4-BE49-F238E27FC236}">
-                <a16:creationId xmlns:a16="http://schemas.microsoft.com/office/drawing/2014/main" id="{7D50C0BA-874F-4C7A-BA1D-B665D12B8CAC}"/>
-              </a:ext>
-            </a:extLst>
-          </p:cNvPr>
-          <p:cNvPicPr>
-            <a:picLocks noGrp="1" noChangeAspect="1"/>
-          </p:cNvPicPr>
-          <p:nvPr>
-            <p:ph idx="1"/>
-          </p:nvPr>
-        </p:nvPicPr>
-        <p:blipFill>
-          <a:blip r:embed="rId2">
-            <a:extLst>
-              <a:ext uri="{28A0092B-C50C-407E-A947-70E740481C1C}">
-                <a14:useLocalDpi xmlns:a14="http://schemas.microsoft.com/office/drawing/2010/main" val="0"/>
-              </a:ext>
-            </a:extLst>
-          </a:blip>
-          <a:stretch>
-            <a:fillRect/>
-          </a:stretch>
-        </p:blipFill>
-        <p:spPr>
-          <a:xfrm>
-            <a:off x="2723459" y="1825625"/>
-            <a:ext cx="6745081" cy="4351338"/>
-          </a:xfrm>
-        </p:spPr>
-      </p:pic>
-    </p:spTree>
-    <p:extLst>
-      <p:ext uri="{BB962C8B-B14F-4D97-AF65-F5344CB8AC3E}">
-        <p14:creationId xmlns:p14="http://schemas.microsoft.com/office/powerpoint/2010/main" val="2307757675"/>
-      </p:ext>
-    </p:extLst>
-  </p:cSld>
-  <p:clrMapOvr>
-    <a:masterClrMapping/>
-  </p:clrMapOvr>
-</p:sld>
-</file>
-
-<file path=ppt/slides/slide15.xml><?xml version="1.0" encoding="utf-8"?>
-<p:sld xmlns:a="http://schemas.openxmlformats.org/drawingml/2006/main" xmlns:r="http://schemas.openxmlformats.org/officeDocument/2006/relationships" xmlns:p="http://schemas.openxmlformats.org/presentationml/2006/main">
-  <p:cSld>
-    <p:spTree>
-      <p:nvGrpSpPr>
-        <p:cNvPr id="1" name=""/>
-        <p:cNvGrpSpPr/>
-        <p:nvPr/>
-      </p:nvGrpSpPr>
-      <p:grpSpPr>
-        <a:xfrm>
-          <a:off x="0" y="0"/>
-          <a:ext cx="0" cy="0"/>
-          <a:chOff x="0" y="0"/>
-          <a:chExt cx="0" cy="0"/>
-        </a:xfrm>
-      </p:grpSpPr>
-      <p:sp>
-        <p:nvSpPr>
-          <p:cNvPr id="2" name="Title 1">
-            <a:extLst>
-              <a:ext uri="{FF2B5EF4-FFF2-40B4-BE49-F238E27FC236}">
-                <a16:creationId xmlns:a16="http://schemas.microsoft.com/office/drawing/2014/main" id="{06E28C68-0185-4EB2-8890-9D5C2CDAD27F}"/>
-              </a:ext>
-            </a:extLst>
-          </p:cNvPr>
-          <p:cNvSpPr>
-            <a:spLocks noGrp="1"/>
-          </p:cNvSpPr>
-          <p:nvPr>
-            <p:ph type="title"/>
-          </p:nvPr>
-        </p:nvSpPr>
-        <p:spPr/>
-        <p:txBody>
-          <a:bodyPr/>
-          <a:lstStyle/>
-          <a:p>
-            <a:endParaRPr lang="en-GB"/>
-          </a:p>
-        </p:txBody>
-      </p:sp>
-      <p:pic>
-        <p:nvPicPr>
-          <p:cNvPr id="5" name="Content Placeholder 4" descr="Chart&#10;&#10;Description automatically generated with medium confidence">
-            <a:extLst>
-              <a:ext uri="{FF2B5EF4-FFF2-40B4-BE49-F238E27FC236}">
-                <a16:creationId xmlns:a16="http://schemas.microsoft.com/office/drawing/2014/main" id="{7403A282-858E-40B3-99D2-E874D5C0E5A7}"/>
-              </a:ext>
-            </a:extLst>
-          </p:cNvPr>
-          <p:cNvPicPr>
-            <a:picLocks noGrp="1" noChangeAspect="1"/>
-          </p:cNvPicPr>
-          <p:nvPr>
-            <p:ph idx="1"/>
-          </p:nvPr>
-        </p:nvPicPr>
-        <p:blipFill>
-          <a:blip r:embed="rId2">
-            <a:extLst>
-              <a:ext uri="{28A0092B-C50C-407E-A947-70E740481C1C}">
-                <a14:useLocalDpi xmlns:a14="http://schemas.microsoft.com/office/drawing/2010/main" val="0"/>
-              </a:ext>
-            </a:extLst>
-          </a:blip>
-          <a:stretch>
-            <a:fillRect/>
-          </a:stretch>
-        </p:blipFill>
-        <p:spPr>
-          <a:xfrm>
-            <a:off x="3687413" y="1825625"/>
-            <a:ext cx="4817174" cy="4351338"/>
-          </a:xfrm>
-        </p:spPr>
-      </p:pic>
-    </p:spTree>
-    <p:extLst>
-      <p:ext uri="{BB962C8B-B14F-4D97-AF65-F5344CB8AC3E}">
-        <p14:creationId xmlns:p14="http://schemas.microsoft.com/office/powerpoint/2010/main" val="885643680"/>
-      </p:ext>
-    </p:extLst>
-  </p:cSld>
-  <p:clrMapOvr>
-    <a:masterClrMapping/>
-  </p:clrMapOvr>
-</p:sld>
-</file>
-
-<file path=ppt/slides/slide16.xml><?xml version="1.0" encoding="utf-8"?>
-<p:sld xmlns:a="http://schemas.openxmlformats.org/drawingml/2006/main" xmlns:r="http://schemas.openxmlformats.org/officeDocument/2006/relationships" xmlns:p="http://schemas.openxmlformats.org/presentationml/2006/main">
-  <p:cSld>
-    <p:spTree>
-      <p:nvGrpSpPr>
-        <p:cNvPr id="1" name=""/>
-        <p:cNvGrpSpPr/>
-        <p:nvPr/>
-      </p:nvGrpSpPr>
-      <p:grpSpPr>
-        <a:xfrm>
-          <a:off x="0" y="0"/>
-          <a:ext cx="0" cy="0"/>
-          <a:chOff x="0" y="0"/>
-          <a:chExt cx="0" cy="0"/>
-        </a:xfrm>
-      </p:grpSpPr>
       <p:pic>
         <p:nvPicPr>
           <p:cNvPr id="8" name="Picture 7" descr="A swirling meteorite">
@@ -7931,8 +7797,8 @@
           </a:p>
         </p:txBody>
       </p:sp>
-      <mc:AlternateContent xmlns:mc="http://schemas.openxmlformats.org/markup-compatibility/2006">
-        <mc:Choice xmlns:a14="http://schemas.microsoft.com/office/drawing/2010/main" Requires="a14">
+      <mc:AlternateContent xmlns:mc="http://schemas.openxmlformats.org/markup-compatibility/2006" xmlns:a14="http://schemas.microsoft.com/office/drawing/2010/main">
+        <mc:Choice Requires="a14">
           <p:sp>
             <p:nvSpPr>
               <p:cNvPr id="3" name="Content Placeholder 2">
@@ -8563,7 +8429,7 @@
             </p:txBody>
           </p:sp>
         </mc:Choice>
-        <mc:Fallback>
+        <mc:Fallback xmlns="">
           <p:sp>
             <p:nvSpPr>
               <p:cNvPr id="3" name="Content Placeholder 2">
@@ -8656,7 +8522,7 @@
 </p:sld>
 </file>
 
-<file path=ppt/slides/slide17.xml><?xml version="1.0" encoding="utf-8"?>
+<file path=ppt/slides/slide15.xml><?xml version="1.0" encoding="utf-8"?>
 <p:sld xmlns:a="http://schemas.openxmlformats.org/drawingml/2006/main" xmlns:r="http://schemas.openxmlformats.org/officeDocument/2006/relationships" xmlns:p="http://schemas.openxmlformats.org/presentationml/2006/main">
   <p:cSld>
     <p:spTree>
@@ -8830,7 +8696,7 @@
 </p:sld>
 </file>
 
-<file path=ppt/slides/slide18.xml><?xml version="1.0" encoding="utf-8"?>
+<file path=ppt/slides/slide16.xml><?xml version="1.0" encoding="utf-8"?>
 <p:sld xmlns:a="http://schemas.openxmlformats.org/drawingml/2006/main" xmlns:r="http://schemas.openxmlformats.org/officeDocument/2006/relationships" xmlns:p="http://schemas.openxmlformats.org/presentationml/2006/main">
   <p:cSld>
     <p:spTree>
@@ -8963,8 +8829,8 @@
           </a:p>
         </p:txBody>
       </p:sp>
-      <mc:AlternateContent xmlns:mc="http://schemas.openxmlformats.org/markup-compatibility/2006">
-        <mc:Choice xmlns:a14="http://schemas.microsoft.com/office/drawing/2010/main" Requires="a14">
+      <mc:AlternateContent xmlns:mc="http://schemas.openxmlformats.org/markup-compatibility/2006" xmlns:a14="http://schemas.microsoft.com/office/drawing/2010/main">
+        <mc:Choice Requires="a14">
           <p:sp>
             <p:nvSpPr>
               <p:cNvPr id="3" name="Content Placeholder 2">
@@ -9175,7 +9041,7 @@
             </p:txBody>
           </p:sp>
         </mc:Choice>
-        <mc:Fallback>
+        <mc:Fallback xmlns="">
           <p:sp>
             <p:nvSpPr>
               <p:cNvPr id="3" name="Content Placeholder 2">
@@ -9228,7 +9094,7 @@
 </p:sld>
 </file>
 
-<file path=ppt/slides/slide19.xml><?xml version="1.0" encoding="utf-8"?>
+<file path=ppt/slides/slide17.xml><?xml version="1.0" encoding="utf-8"?>
 <p:sld xmlns:a="http://schemas.openxmlformats.org/drawingml/2006/main" xmlns:r="http://schemas.openxmlformats.org/officeDocument/2006/relationships" xmlns:p="http://schemas.openxmlformats.org/presentationml/2006/main">
   <p:cSld>
     <p:spTree>
@@ -9361,8 +9227,8 @@
           </a:p>
         </p:txBody>
       </p:sp>
-      <mc:AlternateContent xmlns:mc="http://schemas.openxmlformats.org/markup-compatibility/2006">
-        <mc:Choice xmlns:a14="http://schemas.microsoft.com/office/drawing/2010/main" Requires="a14">
+      <mc:AlternateContent xmlns:mc="http://schemas.openxmlformats.org/markup-compatibility/2006" xmlns:a14="http://schemas.microsoft.com/office/drawing/2010/main">
+        <mc:Choice Requires="a14">
           <p:sp>
             <p:nvSpPr>
               <p:cNvPr id="3" name="Content Placeholder 2">
@@ -9539,7 +9405,7 @@
             </p:txBody>
           </p:sp>
         </mc:Choice>
-        <mc:Fallback>
+        <mc:Fallback xmlns="">
           <p:sp>
             <p:nvSpPr>
               <p:cNvPr id="3" name="Content Placeholder 2">
@@ -9583,6 +9449,419 @@
     <p:extLst>
       <p:ext uri="{BB962C8B-B14F-4D97-AF65-F5344CB8AC3E}">
         <p14:creationId xmlns:p14="http://schemas.microsoft.com/office/powerpoint/2010/main" val="3965939056"/>
+      </p:ext>
+    </p:extLst>
+  </p:cSld>
+  <p:clrMapOvr>
+    <a:masterClrMapping/>
+  </p:clrMapOvr>
+</p:sld>
+</file>
+
+<file path=ppt/slides/slide18.xml><?xml version="1.0" encoding="utf-8"?>
+<p:sld xmlns:a="http://schemas.openxmlformats.org/drawingml/2006/main" xmlns:r="http://schemas.openxmlformats.org/officeDocument/2006/relationships" xmlns:p="http://schemas.openxmlformats.org/presentationml/2006/main">
+  <p:cSld>
+    <p:spTree>
+      <p:nvGrpSpPr>
+        <p:cNvPr id="1" name=""/>
+        <p:cNvGrpSpPr/>
+        <p:nvPr/>
+      </p:nvGrpSpPr>
+      <p:grpSpPr>
+        <a:xfrm>
+          <a:off x="0" y="0"/>
+          <a:ext cx="0" cy="0"/>
+          <a:chOff x="0" y="0"/>
+          <a:chExt cx="0" cy="0"/>
+        </a:xfrm>
+      </p:grpSpPr>
+      <p:pic>
+        <p:nvPicPr>
+          <p:cNvPr id="5" name="Picture 4" descr="A swirling meteorite">
+            <a:extLst>
+              <a:ext uri="{FF2B5EF4-FFF2-40B4-BE49-F238E27FC236}">
+                <a16:creationId xmlns:a16="http://schemas.microsoft.com/office/drawing/2014/main" id="{65A278EC-F8EA-478B-9636-B25F27B30CC8}"/>
+              </a:ext>
+            </a:extLst>
+          </p:cNvPr>
+          <p:cNvPicPr>
+            <a:picLocks noChangeAspect="1"/>
+          </p:cNvPicPr>
+          <p:nvPr/>
+        </p:nvPicPr>
+        <p:blipFill rotWithShape="1">
+          <a:blip r:embed="rId3">
+            <a:alphaModFix/>
+          </a:blip>
+          <a:srcRect t="157" b="12971"/>
+          <a:stretch/>
+        </p:blipFill>
+        <p:spPr>
+          <a:xfrm>
+            <a:off x="-820072" y="-1685261"/>
+            <a:ext cx="18184010" cy="10228521"/>
+          </a:xfrm>
+          <a:prstGeom prst="rect">
+            <a:avLst/>
+          </a:prstGeom>
+        </p:spPr>
+      </p:pic>
+      <p:sp>
+        <p:nvSpPr>
+          <p:cNvPr id="4" name="Rectangle 3">
+            <a:extLst>
+              <a:ext uri="{FF2B5EF4-FFF2-40B4-BE49-F238E27FC236}">
+                <a16:creationId xmlns:a16="http://schemas.microsoft.com/office/drawing/2014/main" id="{52515F56-8F39-4431-8A46-95E391BEDF78}"/>
+              </a:ext>
+            </a:extLst>
+          </p:cNvPr>
+          <p:cNvSpPr/>
+          <p:nvPr/>
+        </p:nvSpPr>
+        <p:spPr>
+          <a:xfrm>
+            <a:off x="710609" y="595423"/>
+            <a:ext cx="10770782" cy="5667154"/>
+          </a:xfrm>
+          <a:prstGeom prst="rect">
+            <a:avLst/>
+          </a:prstGeom>
+          <a:solidFill>
+            <a:schemeClr val="bg1">
+              <a:alpha val="90000"/>
+            </a:schemeClr>
+          </a:solidFill>
+        </p:spPr>
+        <p:style>
+          <a:lnRef idx="2">
+            <a:schemeClr val="accent1">
+              <a:shade val="50000"/>
+            </a:schemeClr>
+          </a:lnRef>
+          <a:fillRef idx="1">
+            <a:schemeClr val="accent1"/>
+          </a:fillRef>
+          <a:effectRef idx="0">
+            <a:schemeClr val="accent1"/>
+          </a:effectRef>
+          <a:fontRef idx="minor">
+            <a:schemeClr val="lt1"/>
+          </a:fontRef>
+        </p:style>
+        <p:txBody>
+          <a:bodyPr rtlCol="0" anchor="ctr"/>
+          <a:lstStyle/>
+          <a:p>
+            <a:pPr algn="ctr"/>
+            <a:endParaRPr lang="en-GB" dirty="0"/>
+          </a:p>
+        </p:txBody>
+      </p:sp>
+      <p:sp>
+        <p:nvSpPr>
+          <p:cNvPr id="2" name="Title 1">
+            <a:extLst>
+              <a:ext uri="{FF2B5EF4-FFF2-40B4-BE49-F238E27FC236}">
+                <a16:creationId xmlns:a16="http://schemas.microsoft.com/office/drawing/2014/main" id="{E04EB31D-7D65-4467-82E4-48C5BA9A740F}"/>
+              </a:ext>
+            </a:extLst>
+          </p:cNvPr>
+          <p:cNvSpPr>
+            <a:spLocks noGrp="1"/>
+          </p:cNvSpPr>
+          <p:nvPr>
+            <p:ph type="title"/>
+          </p:nvPr>
+        </p:nvSpPr>
+        <p:spPr>
+          <a:xfrm>
+            <a:off x="838200" y="595423"/>
+            <a:ext cx="10515600" cy="1095265"/>
+          </a:xfrm>
+        </p:spPr>
+        <p:txBody>
+          <a:bodyPr/>
+          <a:lstStyle/>
+          <a:p>
+            <a:pPr algn="ctr"/>
+            <a:r>
+              <a:rPr lang="en-GB" dirty="0"/>
+              <a:t>PSR J0740+6620</a:t>
+            </a:r>
+          </a:p>
+        </p:txBody>
+      </p:sp>
+      <mc:AlternateContent xmlns:mc="http://schemas.openxmlformats.org/markup-compatibility/2006" xmlns:a14="http://schemas.microsoft.com/office/drawing/2010/main">
+        <mc:Choice Requires="a14">
+          <p:sp>
+            <p:nvSpPr>
+              <p:cNvPr id="3" name="Content Placeholder 2">
+                <a:extLst>
+                  <a:ext uri="{FF2B5EF4-FFF2-40B4-BE49-F238E27FC236}">
+                    <a16:creationId xmlns:a16="http://schemas.microsoft.com/office/drawing/2014/main" id="{9F0F3858-2627-4F71-91E7-49934DAD042C}"/>
+                  </a:ext>
+                </a:extLst>
+              </p:cNvPr>
+              <p:cNvSpPr>
+                <a:spLocks noGrp="1"/>
+              </p:cNvSpPr>
+              <p:nvPr>
+                <p:ph idx="1"/>
+              </p:nvPr>
+            </p:nvSpPr>
+            <p:spPr/>
+            <p:txBody>
+              <a:bodyPr>
+                <a:normAutofit fontScale="92500"/>
+              </a:bodyPr>
+              <a:lstStyle/>
+              <a:p>
+                <a:r>
+                  <a:rPr lang="en-GB" dirty="0"/>
+                  <a:t>Spins at approximately 346Hz as it orbits with its binary companion</a:t>
+                </a:r>
+              </a:p>
+              <a:p>
+                <a:r>
+                  <a:rPr lang="en-GB" dirty="0"/>
+                  <a:t>Being in a binary at a favourable inclination for measurement of the Shapiro delay allows the mass of this source to be measured independently via radio timing. </a:t>
+                </a:r>
+              </a:p>
+              <a:p>
+                <a:r>
+                  <a:rPr lang="en-GB" dirty="0"/>
+                  <a:t>Highest mass neutron star (Cromartie et al (2020))</a:t>
+                </a:r>
+              </a:p>
+              <a:p>
+                <a:r>
+                  <a:rPr lang="en-GB" dirty="0"/>
+                  <a:t>High-mass neutron stars (with the highest central densities) are particularly powerful in terms of their potential to constrain the dense matter EOS. </a:t>
+                </a:r>
+              </a:p>
+              <a:p>
+                <a:r>
+                  <a:rPr lang="en-GB" dirty="0"/>
+                  <a:t>The radio observations of the Shapiro delay by </a:t>
+                </a:r>
+                <a:r>
+                  <a:rPr lang="en-GB" dirty="0" err="1"/>
+                  <a:t>NANOGrav</a:t>
+                </a:r>
+                <a:r>
+                  <a:rPr lang="en-GB" dirty="0"/>
+                  <a:t> and CHIME/Pulsar (Fonseca et al 2021a) lead to the marginal 68% credible interval of M=2.08 ± 0.07 </a:t>
+                </a:r>
+                <a14:m>
+                  <m:oMath xmlns:m="http://schemas.openxmlformats.org/officeDocument/2006/math">
+                    <m:r>
+                      <a:rPr lang="en-GB" i="1" smtClean="0">
+                        <a:latin typeface="Cambria Math" panose="02040503050406030204" pitchFamily="18" charset="0"/>
+                        <a:ea typeface="Cambria Math" panose="02040503050406030204" pitchFamily="18" charset="0"/>
+                      </a:rPr>
+                      <m:t>⊙</m:t>
+                    </m:r>
+                  </m:oMath>
+                </a14:m>
+                <a:r>
+                  <a:rPr lang="en-GB" dirty="0"/>
+                  <a:t> </a:t>
+                </a:r>
+              </a:p>
+            </p:txBody>
+          </p:sp>
+        </mc:Choice>
+        <mc:Fallback xmlns="">
+          <p:sp>
+            <p:nvSpPr>
+              <p:cNvPr id="3" name="Content Placeholder 2">
+                <a:extLst>
+                  <a:ext uri="{FF2B5EF4-FFF2-40B4-BE49-F238E27FC236}">
+                    <a16:creationId xmlns:a16="http://schemas.microsoft.com/office/drawing/2014/main" id="{9F0F3858-2627-4F71-91E7-49934DAD042C}"/>
+                  </a:ext>
+                </a:extLst>
+              </p:cNvPr>
+              <p:cNvSpPr>
+                <a:spLocks noGrp="1" noRot="1" noChangeAspect="1" noMove="1" noResize="1" noEditPoints="1" noAdjustHandles="1" noChangeArrowheads="1" noChangeShapeType="1" noTextEdit="1"/>
+              </p:cNvSpPr>
+              <p:nvPr>
+                <p:ph idx="1"/>
+              </p:nvPr>
+            </p:nvSpPr>
+            <p:spPr>
+              <a:blipFill>
+                <a:blip r:embed="rId4"/>
+                <a:stretch>
+                  <a:fillRect l="-928" t="-2101" r="-1449"/>
+                </a:stretch>
+              </a:blipFill>
+            </p:spPr>
+            <p:txBody>
+              <a:bodyPr/>
+              <a:lstStyle/>
+              <a:p>
+                <a:r>
+                  <a:rPr lang="en-GB">
+                    <a:noFill/>
+                  </a:rPr>
+                  <a:t> </a:t>
+                </a:r>
+              </a:p>
+            </p:txBody>
+          </p:sp>
+        </mc:Fallback>
+      </mc:AlternateContent>
+    </p:spTree>
+    <p:extLst>
+      <p:ext uri="{BB962C8B-B14F-4D97-AF65-F5344CB8AC3E}">
+        <p14:creationId xmlns:p14="http://schemas.microsoft.com/office/powerpoint/2010/main" val="3096959536"/>
+      </p:ext>
+    </p:extLst>
+  </p:cSld>
+  <p:clrMapOvr>
+    <a:masterClrMapping/>
+  </p:clrMapOvr>
+</p:sld>
+</file>
+
+<file path=ppt/slides/slide19.xml><?xml version="1.0" encoding="utf-8"?>
+<p:sld xmlns:a="http://schemas.openxmlformats.org/drawingml/2006/main" xmlns:r="http://schemas.openxmlformats.org/officeDocument/2006/relationships" xmlns:p="http://schemas.openxmlformats.org/presentationml/2006/main">
+  <p:cSld>
+    <p:spTree>
+      <p:nvGrpSpPr>
+        <p:cNvPr id="1" name=""/>
+        <p:cNvGrpSpPr/>
+        <p:nvPr/>
+      </p:nvGrpSpPr>
+      <p:grpSpPr>
+        <a:xfrm>
+          <a:off x="0" y="0"/>
+          <a:ext cx="0" cy="0"/>
+          <a:chOff x="0" y="0"/>
+          <a:chExt cx="0" cy="0"/>
+        </a:xfrm>
+      </p:grpSpPr>
+      <p:pic>
+        <p:nvPicPr>
+          <p:cNvPr id="5" name="Picture 4" descr="A swirling meteorite">
+            <a:extLst>
+              <a:ext uri="{FF2B5EF4-FFF2-40B4-BE49-F238E27FC236}">
+                <a16:creationId xmlns:a16="http://schemas.microsoft.com/office/drawing/2014/main" id="{65A278EC-F8EA-478B-9636-B25F27B30CC8}"/>
+              </a:ext>
+            </a:extLst>
+          </p:cNvPr>
+          <p:cNvPicPr>
+            <a:picLocks noChangeAspect="1"/>
+          </p:cNvPicPr>
+          <p:nvPr/>
+        </p:nvPicPr>
+        <p:blipFill rotWithShape="1">
+          <a:blip r:embed="rId3">
+            <a:alphaModFix/>
+          </a:blip>
+          <a:srcRect t="157" b="12971"/>
+          <a:stretch/>
+        </p:blipFill>
+        <p:spPr>
+          <a:xfrm>
+            <a:off x="-820072" y="-1685261"/>
+            <a:ext cx="18184010" cy="10228521"/>
+          </a:xfrm>
+          <a:prstGeom prst="rect">
+            <a:avLst/>
+          </a:prstGeom>
+        </p:spPr>
+      </p:pic>
+      <p:sp>
+        <p:nvSpPr>
+          <p:cNvPr id="4" name="Rectangle 3">
+            <a:extLst>
+              <a:ext uri="{FF2B5EF4-FFF2-40B4-BE49-F238E27FC236}">
+                <a16:creationId xmlns:a16="http://schemas.microsoft.com/office/drawing/2014/main" id="{52515F56-8F39-4431-8A46-95E391BEDF78}"/>
+              </a:ext>
+            </a:extLst>
+          </p:cNvPr>
+          <p:cNvSpPr/>
+          <p:nvPr/>
+        </p:nvSpPr>
+        <p:spPr>
+          <a:xfrm>
+            <a:off x="710609" y="595423"/>
+            <a:ext cx="10770782" cy="5667154"/>
+          </a:xfrm>
+          <a:prstGeom prst="rect">
+            <a:avLst/>
+          </a:prstGeom>
+          <a:solidFill>
+            <a:schemeClr val="bg1">
+              <a:alpha val="90000"/>
+            </a:schemeClr>
+          </a:solidFill>
+        </p:spPr>
+        <p:style>
+          <a:lnRef idx="2">
+            <a:schemeClr val="accent1">
+              <a:shade val="50000"/>
+            </a:schemeClr>
+          </a:lnRef>
+          <a:fillRef idx="1">
+            <a:schemeClr val="accent1"/>
+          </a:fillRef>
+          <a:effectRef idx="0">
+            <a:schemeClr val="accent1"/>
+          </a:effectRef>
+          <a:fontRef idx="minor">
+            <a:schemeClr val="lt1"/>
+          </a:fontRef>
+        </p:style>
+        <p:txBody>
+          <a:bodyPr rtlCol="0" anchor="ctr"/>
+          <a:lstStyle/>
+          <a:p>
+            <a:pPr algn="ctr"/>
+            <a:endParaRPr lang="en-GB" dirty="0"/>
+          </a:p>
+        </p:txBody>
+      </p:sp>
+      <p:pic>
+        <p:nvPicPr>
+          <p:cNvPr id="6" name="Content Placeholder 4" descr="Chart&#10;&#10;Description automatically generated with medium confidence">
+            <a:extLst>
+              <a:ext uri="{FF2B5EF4-FFF2-40B4-BE49-F238E27FC236}">
+                <a16:creationId xmlns:a16="http://schemas.microsoft.com/office/drawing/2014/main" id="{A1FDA4A1-E022-4BFD-B093-AF5DCE20C43F}"/>
+              </a:ext>
+            </a:extLst>
+          </p:cNvPr>
+          <p:cNvPicPr>
+            <a:picLocks noGrp="1" noChangeAspect="1"/>
+          </p:cNvPicPr>
+          <p:nvPr>
+            <p:ph idx="1"/>
+          </p:nvPr>
+        </p:nvPicPr>
+        <p:blipFill>
+          <a:blip r:embed="rId4">
+            <a:extLst>
+              <a:ext uri="{28A0092B-C50C-407E-A947-70E740481C1C}">
+                <a14:useLocalDpi xmlns:a14="http://schemas.microsoft.com/office/drawing/2010/main" val="0"/>
+              </a:ext>
+            </a:extLst>
+          </a:blip>
+          <a:stretch>
+            <a:fillRect/>
+          </a:stretch>
+        </p:blipFill>
+        <p:spPr>
+          <a:xfrm>
+            <a:off x="3065657" y="691700"/>
+            <a:ext cx="6060686" cy="5474599"/>
+          </a:xfrm>
+        </p:spPr>
+      </p:pic>
+    </p:spTree>
+    <p:extLst>
+      <p:ext uri="{BB962C8B-B14F-4D97-AF65-F5344CB8AC3E}">
+        <p14:creationId xmlns:p14="http://schemas.microsoft.com/office/powerpoint/2010/main" val="2051661431"/>
       </p:ext>
     </p:extLst>
   </p:cSld>
@@ -10289,272 +10568,6 @@
           <p:cNvPr id="5" name="Picture 4" descr="A swirling meteorite">
             <a:extLst>
               <a:ext uri="{FF2B5EF4-FFF2-40B4-BE49-F238E27FC236}">
-                <a16:creationId xmlns:a16="http://schemas.microsoft.com/office/drawing/2014/main" id="{65A278EC-F8EA-478B-9636-B25F27B30CC8}"/>
-              </a:ext>
-            </a:extLst>
-          </p:cNvPr>
-          <p:cNvPicPr>
-            <a:picLocks noChangeAspect="1"/>
-          </p:cNvPicPr>
-          <p:nvPr/>
-        </p:nvPicPr>
-        <p:blipFill rotWithShape="1">
-          <a:blip r:embed="rId3">
-            <a:alphaModFix/>
-          </a:blip>
-          <a:srcRect t="157" b="12971"/>
-          <a:stretch/>
-        </p:blipFill>
-        <p:spPr>
-          <a:xfrm>
-            <a:off x="-820072" y="-1685261"/>
-            <a:ext cx="18184010" cy="10228521"/>
-          </a:xfrm>
-          <a:prstGeom prst="rect">
-            <a:avLst/>
-          </a:prstGeom>
-        </p:spPr>
-      </p:pic>
-      <p:sp>
-        <p:nvSpPr>
-          <p:cNvPr id="4" name="Rectangle 3">
-            <a:extLst>
-              <a:ext uri="{FF2B5EF4-FFF2-40B4-BE49-F238E27FC236}">
-                <a16:creationId xmlns:a16="http://schemas.microsoft.com/office/drawing/2014/main" id="{52515F56-8F39-4431-8A46-95E391BEDF78}"/>
-              </a:ext>
-            </a:extLst>
-          </p:cNvPr>
-          <p:cNvSpPr/>
-          <p:nvPr/>
-        </p:nvSpPr>
-        <p:spPr>
-          <a:xfrm>
-            <a:off x="710609" y="595423"/>
-            <a:ext cx="10770782" cy="5667154"/>
-          </a:xfrm>
-          <a:prstGeom prst="rect">
-            <a:avLst/>
-          </a:prstGeom>
-          <a:solidFill>
-            <a:schemeClr val="bg1">
-              <a:alpha val="90000"/>
-            </a:schemeClr>
-          </a:solidFill>
-        </p:spPr>
-        <p:style>
-          <a:lnRef idx="2">
-            <a:schemeClr val="accent1">
-              <a:shade val="50000"/>
-            </a:schemeClr>
-          </a:lnRef>
-          <a:fillRef idx="1">
-            <a:schemeClr val="accent1"/>
-          </a:fillRef>
-          <a:effectRef idx="0">
-            <a:schemeClr val="accent1"/>
-          </a:effectRef>
-          <a:fontRef idx="minor">
-            <a:schemeClr val="lt1"/>
-          </a:fontRef>
-        </p:style>
-        <p:txBody>
-          <a:bodyPr rtlCol="0" anchor="ctr"/>
-          <a:lstStyle/>
-          <a:p>
-            <a:pPr algn="ctr"/>
-            <a:endParaRPr lang="en-GB" dirty="0"/>
-          </a:p>
-        </p:txBody>
-      </p:sp>
-      <p:sp>
-        <p:nvSpPr>
-          <p:cNvPr id="2" name="Title 1">
-            <a:extLst>
-              <a:ext uri="{FF2B5EF4-FFF2-40B4-BE49-F238E27FC236}">
-                <a16:creationId xmlns:a16="http://schemas.microsoft.com/office/drawing/2014/main" id="{E04EB31D-7D65-4467-82E4-48C5BA9A740F}"/>
-              </a:ext>
-            </a:extLst>
-          </p:cNvPr>
-          <p:cNvSpPr>
-            <a:spLocks noGrp="1"/>
-          </p:cNvSpPr>
-          <p:nvPr>
-            <p:ph type="title"/>
-          </p:nvPr>
-        </p:nvSpPr>
-        <p:spPr>
-          <a:xfrm>
-            <a:off x="838200" y="595423"/>
-            <a:ext cx="10515600" cy="1095265"/>
-          </a:xfrm>
-        </p:spPr>
-        <p:txBody>
-          <a:bodyPr/>
-          <a:lstStyle/>
-          <a:p>
-            <a:pPr algn="ctr"/>
-            <a:r>
-              <a:rPr lang="en-GB" dirty="0"/>
-              <a:t>PSR J0740+6620</a:t>
-            </a:r>
-          </a:p>
-        </p:txBody>
-      </p:sp>
-      <mc:AlternateContent xmlns:mc="http://schemas.openxmlformats.org/markup-compatibility/2006">
-        <mc:Choice xmlns:a14="http://schemas.microsoft.com/office/drawing/2010/main" Requires="a14">
-          <p:sp>
-            <p:nvSpPr>
-              <p:cNvPr id="3" name="Content Placeholder 2">
-                <a:extLst>
-                  <a:ext uri="{FF2B5EF4-FFF2-40B4-BE49-F238E27FC236}">
-                    <a16:creationId xmlns:a16="http://schemas.microsoft.com/office/drawing/2014/main" id="{9F0F3858-2627-4F71-91E7-49934DAD042C}"/>
-                  </a:ext>
-                </a:extLst>
-              </p:cNvPr>
-              <p:cNvSpPr>
-                <a:spLocks noGrp="1"/>
-              </p:cNvSpPr>
-              <p:nvPr>
-                <p:ph idx="1"/>
-              </p:nvPr>
-            </p:nvSpPr>
-            <p:spPr/>
-            <p:txBody>
-              <a:bodyPr>
-                <a:normAutofit fontScale="92500"/>
-              </a:bodyPr>
-              <a:lstStyle/>
-              <a:p>
-                <a:r>
-                  <a:rPr lang="en-GB" dirty="0"/>
-                  <a:t>Spins at approximately 346Hz as it orbits with its binary companion</a:t>
-                </a:r>
-              </a:p>
-              <a:p>
-                <a:r>
-                  <a:rPr lang="en-GB" dirty="0"/>
-                  <a:t>Being in a binary at a favourable inclination for measurement of the Shapiro delay allows the mass of this source to be measured independently via radio timing. </a:t>
-                </a:r>
-              </a:p>
-              <a:p>
-                <a:r>
-                  <a:rPr lang="en-GB" dirty="0"/>
-                  <a:t>Highest mass neutron star (Cromartie et al (2020))</a:t>
-                </a:r>
-              </a:p>
-              <a:p>
-                <a:r>
-                  <a:rPr lang="en-GB" dirty="0"/>
-                  <a:t>High-mass neutron stars (with the highest central densities) are particularly powerful in terms of their potential to constrain the dense matter EOS. </a:t>
-                </a:r>
-              </a:p>
-              <a:p>
-                <a:r>
-                  <a:rPr lang="en-GB" dirty="0"/>
-                  <a:t>The radio observations of the Shapiro delay by </a:t>
-                </a:r>
-                <a:r>
-                  <a:rPr lang="en-GB" dirty="0" err="1"/>
-                  <a:t>NANOGrav</a:t>
-                </a:r>
-                <a:r>
-                  <a:rPr lang="en-GB" dirty="0"/>
-                  <a:t> and CHIME/Pulsar (Fonseca et al 2021a) lead to the marginal 68% credible interval of M=2.08 ± 0.07 </a:t>
-                </a:r>
-                <a14:m>
-                  <m:oMath xmlns:m="http://schemas.openxmlformats.org/officeDocument/2006/math">
-                    <m:r>
-                      <a:rPr lang="en-GB" i="1" smtClean="0">
-                        <a:latin typeface="Cambria Math" panose="02040503050406030204" pitchFamily="18" charset="0"/>
-                        <a:ea typeface="Cambria Math" panose="02040503050406030204" pitchFamily="18" charset="0"/>
-                      </a:rPr>
-                      <m:t>⊙</m:t>
-                    </m:r>
-                  </m:oMath>
-                </a14:m>
-                <a:r>
-                  <a:rPr lang="en-GB" dirty="0"/>
-                  <a:t> </a:t>
-                </a:r>
-              </a:p>
-            </p:txBody>
-          </p:sp>
-        </mc:Choice>
-        <mc:Fallback>
-          <p:sp>
-            <p:nvSpPr>
-              <p:cNvPr id="3" name="Content Placeholder 2">
-                <a:extLst>
-                  <a:ext uri="{FF2B5EF4-FFF2-40B4-BE49-F238E27FC236}">
-                    <a16:creationId xmlns:a16="http://schemas.microsoft.com/office/drawing/2014/main" id="{9F0F3858-2627-4F71-91E7-49934DAD042C}"/>
-                  </a:ext>
-                </a:extLst>
-              </p:cNvPr>
-              <p:cNvSpPr>
-                <a:spLocks noGrp="1" noRot="1" noChangeAspect="1" noMove="1" noResize="1" noEditPoints="1" noAdjustHandles="1" noChangeArrowheads="1" noChangeShapeType="1" noTextEdit="1"/>
-              </p:cNvSpPr>
-              <p:nvPr>
-                <p:ph idx="1"/>
-              </p:nvPr>
-            </p:nvSpPr>
-            <p:spPr>
-              <a:blipFill>
-                <a:blip r:embed="rId4"/>
-                <a:stretch>
-                  <a:fillRect l="-928" t="-2101" r="-1449"/>
-                </a:stretch>
-              </a:blipFill>
-            </p:spPr>
-            <p:txBody>
-              <a:bodyPr/>
-              <a:lstStyle/>
-              <a:p>
-                <a:r>
-                  <a:rPr lang="en-GB">
-                    <a:noFill/>
-                  </a:rPr>
-                  <a:t> </a:t>
-                </a:r>
-              </a:p>
-            </p:txBody>
-          </p:sp>
-        </mc:Fallback>
-      </mc:AlternateContent>
-    </p:spTree>
-    <p:extLst>
-      <p:ext uri="{BB962C8B-B14F-4D97-AF65-F5344CB8AC3E}">
-        <p14:creationId xmlns:p14="http://schemas.microsoft.com/office/powerpoint/2010/main" val="3096959536"/>
-      </p:ext>
-    </p:extLst>
-  </p:cSld>
-  <p:clrMapOvr>
-    <a:masterClrMapping/>
-  </p:clrMapOvr>
-</p:sld>
-</file>
-
-<file path=ppt/slides/slide21.xml><?xml version="1.0" encoding="utf-8"?>
-<p:sld xmlns:a="http://schemas.openxmlformats.org/drawingml/2006/main" xmlns:r="http://schemas.openxmlformats.org/officeDocument/2006/relationships" xmlns:p="http://schemas.openxmlformats.org/presentationml/2006/main">
-  <p:cSld>
-    <p:spTree>
-      <p:nvGrpSpPr>
-        <p:cNvPr id="1" name=""/>
-        <p:cNvGrpSpPr/>
-        <p:nvPr/>
-      </p:nvGrpSpPr>
-      <p:grpSpPr>
-        <a:xfrm>
-          <a:off x="0" y="0"/>
-          <a:ext cx="0" cy="0"/>
-          <a:chOff x="0" y="0"/>
-          <a:chExt cx="0" cy="0"/>
-        </a:xfrm>
-      </p:grpSpPr>
-      <p:pic>
-        <p:nvPicPr>
-          <p:cNvPr id="5" name="Picture 4" descr="A swirling meteorite">
-            <a:extLst>
-              <a:ext uri="{FF2B5EF4-FFF2-40B4-BE49-F238E27FC236}">
                 <a16:creationId xmlns:a16="http://schemas.microsoft.com/office/drawing/2014/main" id="{30702C77-6999-425B-921E-54379D91A921}"/>
               </a:ext>
             </a:extLst>
@@ -11086,86 +11099,6 @@
           <a:chExt cx="0" cy="0"/>
         </a:xfrm>
       </p:grpSpPr>
-      <p:sp>
-        <p:nvSpPr>
-          <p:cNvPr id="2" name="Title 1">
-            <a:extLst>
-              <a:ext uri="{FF2B5EF4-FFF2-40B4-BE49-F238E27FC236}">
-                <a16:creationId xmlns:a16="http://schemas.microsoft.com/office/drawing/2014/main" id="{BEEB25F7-03BB-447A-8EE3-54699F9EFEEF}"/>
-              </a:ext>
-            </a:extLst>
-          </p:cNvPr>
-          <p:cNvSpPr>
-            <a:spLocks noGrp="1"/>
-          </p:cNvSpPr>
-          <p:nvPr>
-            <p:ph type="title"/>
-          </p:nvPr>
-        </p:nvSpPr>
-        <p:spPr/>
-        <p:txBody>
-          <a:bodyPr/>
-          <a:lstStyle/>
-          <a:p>
-            <a:endParaRPr lang="en-GB"/>
-          </a:p>
-        </p:txBody>
-      </p:sp>
-      <p:sp>
-        <p:nvSpPr>
-          <p:cNvPr id="19" name="Content Placeholder 18">
-            <a:extLst>
-              <a:ext uri="{FF2B5EF4-FFF2-40B4-BE49-F238E27FC236}">
-                <a16:creationId xmlns:a16="http://schemas.microsoft.com/office/drawing/2014/main" id="{E4AE29E4-548F-40A7-A655-A6816E2C731F}"/>
-              </a:ext>
-            </a:extLst>
-          </p:cNvPr>
-          <p:cNvSpPr>
-            <a:spLocks noGrp="1"/>
-          </p:cNvSpPr>
-          <p:nvPr>
-            <p:ph idx="1"/>
-          </p:nvPr>
-        </p:nvSpPr>
-        <p:spPr/>
-        <p:txBody>
-          <a:bodyPr/>
-          <a:lstStyle/>
-          <a:p>
-            <a:endParaRPr lang="en-GB"/>
-          </a:p>
-        </p:txBody>
-      </p:sp>
-    </p:spTree>
-    <p:extLst>
-      <p:ext uri="{BB962C8B-B14F-4D97-AF65-F5344CB8AC3E}">
-        <p14:creationId xmlns:p14="http://schemas.microsoft.com/office/powerpoint/2010/main" val="3970214722"/>
-      </p:ext>
-    </p:extLst>
-  </p:cSld>
-  <p:clrMapOvr>
-    <a:masterClrMapping/>
-  </p:clrMapOvr>
-</p:sld>
-</file>
-
-<file path=ppt/slides/slide6.xml><?xml version="1.0" encoding="utf-8"?>
-<p:sld xmlns:a="http://schemas.openxmlformats.org/drawingml/2006/main" xmlns:r="http://schemas.openxmlformats.org/officeDocument/2006/relationships" xmlns:p="http://schemas.openxmlformats.org/presentationml/2006/main">
-  <p:cSld>
-    <p:spTree>
-      <p:nvGrpSpPr>
-        <p:cNvPr id="1" name=""/>
-        <p:cNvGrpSpPr/>
-        <p:nvPr/>
-      </p:nvGrpSpPr>
-      <p:grpSpPr>
-        <a:xfrm>
-          <a:off x="0" y="0"/>
-          <a:ext cx="0" cy="0"/>
-          <a:chOff x="0" y="0"/>
-          <a:chExt cx="0" cy="0"/>
-        </a:xfrm>
-      </p:grpSpPr>
       <p:pic>
         <p:nvPicPr>
           <p:cNvPr id="6" name="Picture 5" descr="A swirling meteorite">
@@ -11408,7 +11341,7 @@
 </p:sld>
 </file>
 
-<file path=ppt/slides/slide7.xml><?xml version="1.0" encoding="utf-8"?>
+<file path=ppt/slides/slide6.xml><?xml version="1.0" encoding="utf-8"?>
 <p:sld xmlns:a="http://schemas.openxmlformats.org/drawingml/2006/main" xmlns:r="http://schemas.openxmlformats.org/officeDocument/2006/relationships" xmlns:p="http://schemas.openxmlformats.org/presentationml/2006/main">
   <p:cSld>
     <p:spTree>
@@ -11572,7 +11505,7 @@
 </p:sld>
 </file>
 
-<file path=ppt/slides/slide8.xml><?xml version="1.0" encoding="utf-8"?>
+<file path=ppt/slides/slide7.xml><?xml version="1.0" encoding="utf-8"?>
 <p:sld xmlns:a="http://schemas.openxmlformats.org/drawingml/2006/main" xmlns:r="http://schemas.openxmlformats.org/officeDocument/2006/relationships" xmlns:p="http://schemas.openxmlformats.org/presentationml/2006/main">
   <p:cSld>
     <p:spTree>
@@ -12008,7 +11941,7 @@
 </p:sld>
 </file>
 
-<file path=ppt/slides/slide9.xml><?xml version="1.0" encoding="utf-8"?>
+<file path=ppt/slides/slide8.xml><?xml version="1.0" encoding="utf-8"?>
 <p:sld xmlns:a="http://schemas.openxmlformats.org/drawingml/2006/main" xmlns:r="http://schemas.openxmlformats.org/officeDocument/2006/relationships" xmlns:p="http://schemas.openxmlformats.org/presentationml/2006/main">
   <p:cSld>
     <p:spTree>
@@ -12193,6 +12126,202 @@
     <p:extLst>
       <p:ext uri="{BB962C8B-B14F-4D97-AF65-F5344CB8AC3E}">
         <p14:creationId xmlns:p14="http://schemas.microsoft.com/office/powerpoint/2010/main" val="1836409000"/>
+      </p:ext>
+    </p:extLst>
+  </p:cSld>
+  <p:clrMapOvr>
+    <a:masterClrMapping/>
+  </p:clrMapOvr>
+</p:sld>
+</file>
+
+<file path=ppt/slides/slide9.xml><?xml version="1.0" encoding="utf-8"?>
+<p:sld xmlns:a="http://schemas.openxmlformats.org/drawingml/2006/main" xmlns:r="http://schemas.openxmlformats.org/officeDocument/2006/relationships" xmlns:p="http://schemas.openxmlformats.org/presentationml/2006/main">
+  <p:cSld>
+    <p:spTree>
+      <p:nvGrpSpPr>
+        <p:cNvPr id="1" name=""/>
+        <p:cNvGrpSpPr/>
+        <p:nvPr/>
+      </p:nvGrpSpPr>
+      <p:grpSpPr>
+        <a:xfrm>
+          <a:off x="0" y="0"/>
+          <a:ext cx="0" cy="0"/>
+          <a:chOff x="0" y="0"/>
+          <a:chExt cx="0" cy="0"/>
+        </a:xfrm>
+      </p:grpSpPr>
+      <p:pic>
+        <p:nvPicPr>
+          <p:cNvPr id="5" name="Picture 4" descr="A swirling meteorite">
+            <a:extLst>
+              <a:ext uri="{FF2B5EF4-FFF2-40B4-BE49-F238E27FC236}">
+                <a16:creationId xmlns:a16="http://schemas.microsoft.com/office/drawing/2014/main" id="{BE65E142-9C40-4E87-94CA-8821FA71E7D8}"/>
+              </a:ext>
+            </a:extLst>
+          </p:cNvPr>
+          <p:cNvPicPr>
+            <a:picLocks noChangeAspect="1"/>
+          </p:cNvPicPr>
+          <p:nvPr/>
+        </p:nvPicPr>
+        <p:blipFill rotWithShape="1">
+          <a:blip r:embed="rId2">
+            <a:alphaModFix/>
+          </a:blip>
+          <a:srcRect t="157" b="12971"/>
+          <a:stretch/>
+        </p:blipFill>
+        <p:spPr>
+          <a:xfrm>
+            <a:off x="-2107007" y="-1685261"/>
+            <a:ext cx="18184010" cy="10228521"/>
+          </a:xfrm>
+          <a:prstGeom prst="rect">
+            <a:avLst/>
+          </a:prstGeom>
+        </p:spPr>
+      </p:pic>
+      <p:sp>
+        <p:nvSpPr>
+          <p:cNvPr id="4" name="Rectangle 3">
+            <a:extLst>
+              <a:ext uri="{FF2B5EF4-FFF2-40B4-BE49-F238E27FC236}">
+                <a16:creationId xmlns:a16="http://schemas.microsoft.com/office/drawing/2014/main" id="{65783FAD-6E77-4DB7-A109-D7D9829F6901}"/>
+              </a:ext>
+            </a:extLst>
+          </p:cNvPr>
+          <p:cNvSpPr/>
+          <p:nvPr/>
+        </p:nvSpPr>
+        <p:spPr>
+          <a:xfrm>
+            <a:off x="710609" y="595423"/>
+            <a:ext cx="10770782" cy="5667154"/>
+          </a:xfrm>
+          <a:prstGeom prst="rect">
+            <a:avLst/>
+          </a:prstGeom>
+          <a:solidFill>
+            <a:schemeClr val="bg1">
+              <a:alpha val="90000"/>
+            </a:schemeClr>
+          </a:solidFill>
+        </p:spPr>
+        <p:style>
+          <a:lnRef idx="2">
+            <a:schemeClr val="accent1">
+              <a:shade val="50000"/>
+            </a:schemeClr>
+          </a:lnRef>
+          <a:fillRef idx="1">
+            <a:schemeClr val="accent1"/>
+          </a:fillRef>
+          <a:effectRef idx="0">
+            <a:schemeClr val="accent1"/>
+          </a:effectRef>
+          <a:fontRef idx="minor">
+            <a:schemeClr val="lt1"/>
+          </a:fontRef>
+        </p:style>
+        <p:txBody>
+          <a:bodyPr rtlCol="0" anchor="ctr"/>
+          <a:lstStyle/>
+          <a:p>
+            <a:pPr algn="ctr"/>
+            <a:endParaRPr lang="en-GB" dirty="0"/>
+          </a:p>
+        </p:txBody>
+      </p:sp>
+      <p:sp>
+        <p:nvSpPr>
+          <p:cNvPr id="2" name="Title 1">
+            <a:extLst>
+              <a:ext uri="{FF2B5EF4-FFF2-40B4-BE49-F238E27FC236}">
+                <a16:creationId xmlns:a16="http://schemas.microsoft.com/office/drawing/2014/main" id="{64F2FD3D-A8A8-43A4-8956-C7594DB0DD85}"/>
+              </a:ext>
+            </a:extLst>
+          </p:cNvPr>
+          <p:cNvSpPr>
+            <a:spLocks noGrp="1"/>
+          </p:cNvSpPr>
+          <p:nvPr>
+            <p:ph type="title"/>
+          </p:nvPr>
+        </p:nvSpPr>
+        <p:spPr>
+          <a:xfrm>
+            <a:off x="838200" y="710959"/>
+            <a:ext cx="10515600" cy="979729"/>
+          </a:xfrm>
+        </p:spPr>
+        <p:txBody>
+          <a:bodyPr/>
+          <a:lstStyle/>
+          <a:p>
+            <a:pPr algn="ctr"/>
+            <a:r>
+              <a:rPr lang="en-GB" dirty="0"/>
+              <a:t>When is it important?</a:t>
+            </a:r>
+          </a:p>
+        </p:txBody>
+      </p:sp>
+      <p:sp>
+        <p:nvSpPr>
+          <p:cNvPr id="3" name="Content Placeholder 2">
+            <a:extLst>
+              <a:ext uri="{FF2B5EF4-FFF2-40B4-BE49-F238E27FC236}">
+                <a16:creationId xmlns:a16="http://schemas.microsoft.com/office/drawing/2014/main" id="{926CD75D-37E5-469A-8767-D64ED8E89DB3}"/>
+              </a:ext>
+            </a:extLst>
+          </p:cNvPr>
+          <p:cNvSpPr>
+            <a:spLocks noGrp="1"/>
+          </p:cNvSpPr>
+          <p:nvPr>
+            <p:ph idx="1"/>
+          </p:nvPr>
+        </p:nvSpPr>
+        <p:spPr>
+          <a:xfrm>
+            <a:off x="1718733" y="1795703"/>
+            <a:ext cx="8754533" cy="4351338"/>
+          </a:xfrm>
+        </p:spPr>
+        <p:txBody>
+          <a:bodyPr/>
+          <a:lstStyle/>
+          <a:p>
+            <a:r>
+              <a:rPr lang="en-GB" dirty="0"/>
+              <a:t>When the pulsar’s binary companion approaches the LOS</a:t>
+            </a:r>
+          </a:p>
+          <a:p>
+            <a:r>
+              <a:rPr lang="en-GB" dirty="0"/>
+              <a:t>When the inclination is close to 90</a:t>
+            </a:r>
+            <a:r>
+              <a:rPr lang="en-GB" baseline="30000" dirty="0"/>
+              <a:t>o</a:t>
+            </a:r>
+            <a:r>
+              <a:rPr lang="en-GB" dirty="0"/>
+              <a:t> </a:t>
+            </a:r>
+          </a:p>
+          <a:p>
+            <a:endParaRPr lang="en-GB" dirty="0"/>
+          </a:p>
+        </p:txBody>
+      </p:sp>
+    </p:spTree>
+    <p:extLst>
+      <p:ext uri="{BB962C8B-B14F-4D97-AF65-F5344CB8AC3E}">
+        <p14:creationId xmlns:p14="http://schemas.microsoft.com/office/powerpoint/2010/main" val="411494476"/>
       </p:ext>
     </p:extLst>
   </p:cSld>
@@ -12793,12 +12922,6 @@
 </file>
 
 <file path=customXml/item1.xml><?xml version="1.0" encoding="utf-8"?>
-<p:properties xmlns:p="http://schemas.microsoft.com/office/2006/metadata/properties" xmlns:xsi="http://www.w3.org/2001/XMLSchema-instance" xmlns:pc="http://schemas.microsoft.com/office/infopath/2007/PartnerControls">
-  <documentManagement/>
-</p:properties>
-</file>
-
-<file path=customXml/item2.xml><?xml version="1.0" encoding="utf-8"?>
 <ct:contentTypeSchema xmlns:ct="http://schemas.microsoft.com/office/2006/metadata/contentType" xmlns:ma="http://schemas.microsoft.com/office/2006/metadata/properties/metaAttributes" ct:_="" ma:_="" ma:contentTypeName="Document" ma:contentTypeID="0x01010041C669EFC3798A4D894A83C1EEF93E49" ma:contentTypeVersion="11" ma:contentTypeDescription="Create a new document." ma:contentTypeScope="" ma:versionID="2fb4f83c4f9aebf96385597b61e8010e">
   <xsd:schema xmlns:xsd="http://www.w3.org/2001/XMLSchema" xmlns:xs="http://www.w3.org/2001/XMLSchema" xmlns:p="http://schemas.microsoft.com/office/2006/metadata/properties" xmlns:ns3="2adac75b-9e10-4acb-bf78-89491d38a841" xmlns:ns4="e2937630-ee42-45b6-866e-01988b4dbb5f" targetNamespace="http://schemas.microsoft.com/office/2006/metadata/properties" ma:root="true" ma:fieldsID="85cc52aaabc9f5043b02afbabcefa003" ns3:_="" ns4:_="">
     <xsd:import namespace="2adac75b-9e10-4acb-bf78-89491d38a841"/>
@@ -13009,6 +13132,12 @@
 </ct:contentTypeSchema>
 </file>
 
+<file path=customXml/item2.xml><?xml version="1.0" encoding="utf-8"?>
+<p:properties xmlns:p="http://schemas.microsoft.com/office/2006/metadata/properties" xmlns:xsi="http://www.w3.org/2001/XMLSchema-instance" xmlns:pc="http://schemas.microsoft.com/office/infopath/2007/PartnerControls">
+  <documentManagement/>
+</p:properties>
+</file>
+
 <file path=customXml/item3.xml><?xml version="1.0" encoding="utf-8"?>
 <?mso-contentType ?>
 <FormTemplates xmlns="http://schemas.microsoft.com/sharepoint/v3/contenttype/forms">
@@ -13019,23 +13148,6 @@
 </file>
 
 <file path=customXml/itemProps1.xml><?xml version="1.0" encoding="utf-8"?>
-<ds:datastoreItem xmlns:ds="http://schemas.openxmlformats.org/officeDocument/2006/customXml" ds:itemID="{5C52B5CD-4098-4BCC-BF78-C120FFC3232D}">
-  <ds:schemaRefs>
-    <ds:schemaRef ds:uri="http://www.w3.org/XML/1998/namespace"/>
-    <ds:schemaRef ds:uri="http://schemas.microsoft.com/office/infopath/2007/PartnerControls"/>
-    <ds:schemaRef ds:uri="http://purl.org/dc/elements/1.1/"/>
-    <ds:schemaRef ds:uri="http://schemas.microsoft.com/office/2006/documentManagement/types"/>
-    <ds:schemaRef ds:uri="http://schemas.microsoft.com/office/2006/metadata/properties"/>
-    <ds:schemaRef ds:uri="e2937630-ee42-45b6-866e-01988b4dbb5f"/>
-    <ds:schemaRef ds:uri="http://purl.org/dc/dcmitype/"/>
-    <ds:schemaRef ds:uri="http://purl.org/dc/terms/"/>
-    <ds:schemaRef ds:uri="http://schemas.openxmlformats.org/package/2006/metadata/core-properties"/>
-    <ds:schemaRef ds:uri="2adac75b-9e10-4acb-bf78-89491d38a841"/>
-  </ds:schemaRefs>
-</ds:datastoreItem>
-</file>
-
-<file path=customXml/itemProps2.xml><?xml version="1.0" encoding="utf-8"?>
 <ds:datastoreItem xmlns:ds="http://schemas.openxmlformats.org/officeDocument/2006/customXml" ds:itemID="{00B022A3-3786-4D84-8E22-FE5CA11A42C6}">
   <ds:schemaRefs>
     <ds:schemaRef ds:uri="http://schemas.microsoft.com/office/2006/metadata/contentType"/>
@@ -13054,6 +13166,23 @@
 </ds:datastoreItem>
 </file>
 
+<file path=customXml/itemProps2.xml><?xml version="1.0" encoding="utf-8"?>
+<ds:datastoreItem xmlns:ds="http://schemas.openxmlformats.org/officeDocument/2006/customXml" ds:itemID="{5C52B5CD-4098-4BCC-BF78-C120FFC3232D}">
+  <ds:schemaRefs>
+    <ds:schemaRef ds:uri="http://www.w3.org/XML/1998/namespace"/>
+    <ds:schemaRef ds:uri="http://schemas.microsoft.com/office/infopath/2007/PartnerControls"/>
+    <ds:schemaRef ds:uri="http://purl.org/dc/elements/1.1/"/>
+    <ds:schemaRef ds:uri="http://schemas.microsoft.com/office/2006/documentManagement/types"/>
+    <ds:schemaRef ds:uri="http://schemas.microsoft.com/office/2006/metadata/properties"/>
+    <ds:schemaRef ds:uri="e2937630-ee42-45b6-866e-01988b4dbb5f"/>
+    <ds:schemaRef ds:uri="http://purl.org/dc/dcmitype/"/>
+    <ds:schemaRef ds:uri="http://purl.org/dc/terms/"/>
+    <ds:schemaRef ds:uri="http://schemas.openxmlformats.org/package/2006/metadata/core-properties"/>
+    <ds:schemaRef ds:uri="2adac75b-9e10-4acb-bf78-89491d38a841"/>
+  </ds:schemaRefs>
+</ds:datastoreItem>
+</file>
+
 <file path=customXml/itemProps3.xml><?xml version="1.0" encoding="utf-8"?>
 <ds:datastoreItem xmlns:ds="http://schemas.openxmlformats.org/officeDocument/2006/customXml" ds:itemID="{092D4580-E579-42FE-9448-FF2E10C81335}">
   <ds:schemaRefs>

--- a/The Shapiro Delay.pptx
+++ b/The Shapiro Delay.pptx
@@ -5,29 +5,33 @@
     <p:sldMasterId id="2147483648" r:id="rId4"/>
   </p:sldMasterIdLst>
   <p:notesMasterIdLst>
-    <p:notesMasterId r:id="rId25"/>
+    <p:notesMasterId r:id="rId29"/>
   </p:notesMasterIdLst>
   <p:sldIdLst>
     <p:sldId id="284" r:id="rId5"/>
     <p:sldId id="282" r:id="rId6"/>
     <p:sldId id="278" r:id="rId7"/>
     <p:sldId id="290" r:id="rId8"/>
-    <p:sldId id="286" r:id="rId9"/>
-    <p:sldId id="279" r:id="rId10"/>
-    <p:sldId id="280" r:id="rId11"/>
-    <p:sldId id="283" r:id="rId12"/>
-    <p:sldId id="264" r:id="rId13"/>
-    <p:sldId id="292" r:id="rId14"/>
-    <p:sldId id="259" r:id="rId15"/>
-    <p:sldId id="273" r:id="rId16"/>
-    <p:sldId id="276" r:id="rId17"/>
-    <p:sldId id="277" r:id="rId18"/>
-    <p:sldId id="270" r:id="rId19"/>
-    <p:sldId id="274" r:id="rId20"/>
-    <p:sldId id="275" r:id="rId21"/>
-    <p:sldId id="272" r:id="rId22"/>
-    <p:sldId id="291" r:id="rId23"/>
-    <p:sldId id="281" r:id="rId24"/>
+    <p:sldId id="295" r:id="rId9"/>
+    <p:sldId id="296" r:id="rId10"/>
+    <p:sldId id="286" r:id="rId11"/>
+    <p:sldId id="293" r:id="rId12"/>
+    <p:sldId id="294" r:id="rId13"/>
+    <p:sldId id="279" r:id="rId14"/>
+    <p:sldId id="280" r:id="rId15"/>
+    <p:sldId id="283" r:id="rId16"/>
+    <p:sldId id="264" r:id="rId17"/>
+    <p:sldId id="292" r:id="rId18"/>
+    <p:sldId id="259" r:id="rId19"/>
+    <p:sldId id="273" r:id="rId20"/>
+    <p:sldId id="276" r:id="rId21"/>
+    <p:sldId id="277" r:id="rId22"/>
+    <p:sldId id="270" r:id="rId23"/>
+    <p:sldId id="274" r:id="rId24"/>
+    <p:sldId id="275" r:id="rId25"/>
+    <p:sldId id="272" r:id="rId26"/>
+    <p:sldId id="291" r:id="rId27"/>
+    <p:sldId id="281" r:id="rId28"/>
   </p:sldIdLst>
   <p:sldSz cx="12192000" cy="6858000"/>
   <p:notesSz cx="6858000" cy="9144000"/>
@@ -614,16 +618,7 @@
           <a:p>
             <a:r>
               <a:rPr lang="en-GB" dirty="0"/>
-              <a:t>Spin shows it’s a millisecond pulsar</a:t>
-            </a:r>
-          </a:p>
-          <a:p>
-            <a:endParaRPr lang="en-GB" dirty="0"/>
-          </a:p>
-          <a:p>
-            <a:r>
-              <a:rPr lang="en-GB" dirty="0"/>
-              <a:t>Highest mass neutron star measured to date</a:t>
+              <a:t>First equation here considers only the Sun</a:t>
             </a:r>
           </a:p>
         </p:txBody>
@@ -645,7 +640,7 @@
           <a:p>
             <a:fld id="{56B68599-4D83-4034-9F61-62DE31CFFF18}" type="slidenum">
               <a:rPr lang="en-GB" smtClean="0"/>
-              <a:t>18</a:t>
+              <a:t>17</a:t>
             </a:fld>
             <a:endParaRPr lang="en-GB"/>
           </a:p>
@@ -654,7 +649,7 @@
     </p:spTree>
     <p:extLst>
       <p:ext uri="{BB962C8B-B14F-4D97-AF65-F5344CB8AC3E}">
-        <p14:creationId xmlns:p14="http://schemas.microsoft.com/office/powerpoint/2010/main" val="907120293"/>
+        <p14:creationId xmlns:p14="http://schemas.microsoft.com/office/powerpoint/2010/main" val="2719185301"/>
       </p:ext>
     </p:extLst>
   </p:cSld>
@@ -710,16 +705,7 @@
           <a:p>
             <a:r>
               <a:rPr lang="en-GB" dirty="0"/>
-              <a:t>Spin shows it’s a millisecond pulsar</a:t>
-            </a:r>
-          </a:p>
-          <a:p>
-            <a:endParaRPr lang="en-GB" dirty="0"/>
-          </a:p>
-          <a:p>
-            <a:r>
-              <a:rPr lang="en-GB" dirty="0"/>
-              <a:t>Highest mass neutron star measured to date</a:t>
+              <a:t>This double pulsar binary gives great strong field tests for general relativity</a:t>
             </a:r>
           </a:p>
         </p:txBody>
@@ -742,6 +728,598 @@
             <a:fld id="{56B68599-4D83-4034-9F61-62DE31CFFF18}" type="slidenum">
               <a:rPr lang="en-GB" smtClean="0"/>
               <a:t>19</a:t>
+            </a:fld>
+            <a:endParaRPr lang="en-GB"/>
+          </a:p>
+        </p:txBody>
+      </p:sp>
+    </p:spTree>
+    <p:extLst>
+      <p:ext uri="{BB962C8B-B14F-4D97-AF65-F5344CB8AC3E}">
+        <p14:creationId xmlns:p14="http://schemas.microsoft.com/office/powerpoint/2010/main" val="296865468"/>
+      </p:ext>
+    </p:extLst>
+  </p:cSld>
+  <p:clrMapOvr>
+    <a:masterClrMapping/>
+  </p:clrMapOvr>
+</p:notes>
+</file>
+
+<file path=ppt/notesSlides/notesSlide12.xml><?xml version="1.0" encoding="utf-8"?>
+<p:notes xmlns:a="http://schemas.openxmlformats.org/drawingml/2006/main" xmlns:r="http://schemas.openxmlformats.org/officeDocument/2006/relationships" xmlns:p="http://schemas.openxmlformats.org/presentationml/2006/main">
+  <p:cSld>
+    <p:spTree>
+      <p:nvGrpSpPr>
+        <p:cNvPr id="1" name=""/>
+        <p:cNvGrpSpPr/>
+        <p:nvPr/>
+      </p:nvGrpSpPr>
+      <p:grpSpPr>
+        <a:xfrm>
+          <a:off x="0" y="0"/>
+          <a:ext cx="0" cy="0"/>
+          <a:chOff x="0" y="0"/>
+          <a:chExt cx="0" cy="0"/>
+        </a:xfrm>
+      </p:grpSpPr>
+      <p:sp>
+        <p:nvSpPr>
+          <p:cNvPr id="2" name="Slide Image Placeholder 1"/>
+          <p:cNvSpPr>
+            <a:spLocks noGrp="1" noRot="1" noChangeAspect="1"/>
+          </p:cNvSpPr>
+          <p:nvPr>
+            <p:ph type="sldImg"/>
+          </p:nvPr>
+        </p:nvSpPr>
+        <p:spPr/>
+      </p:sp>
+      <p:sp>
+        <p:nvSpPr>
+          <p:cNvPr id="3" name="Notes Placeholder 2"/>
+          <p:cNvSpPr>
+            <a:spLocks noGrp="1"/>
+          </p:cNvSpPr>
+          <p:nvPr>
+            <p:ph type="body" idx="1"/>
+          </p:nvPr>
+        </p:nvSpPr>
+        <p:spPr/>
+        <p:txBody>
+          <a:bodyPr/>
+          <a:lstStyle/>
+          <a:p>
+            <a:pPr algn="l"/>
+            <a:r>
+              <a:rPr lang="en-GB" dirty="0"/>
+              <a:t>Strong-Field Gravity Tests with the Double Pulsar, </a:t>
+            </a:r>
+            <a:r>
+              <a:rPr lang="da-DK" b="0" i="0" dirty="0">
+                <a:solidFill>
+                  <a:srgbClr val="555555"/>
+                </a:solidFill>
+                <a:effectLst/>
+                <a:latin typeface="Proxima Nova"/>
+              </a:rPr>
+              <a:t>M. Kramer </a:t>
+            </a:r>
+            <a:r>
+              <a:rPr lang="da-DK" b="0" i="1" dirty="0">
+                <a:solidFill>
+                  <a:srgbClr val="555555"/>
+                </a:solidFill>
+                <a:effectLst/>
+                <a:latin typeface="Proxima Nova"/>
+              </a:rPr>
+              <a:t>et al.</a:t>
+            </a:r>
+            <a:endParaRPr lang="da-DK" b="0" i="0" dirty="0">
+              <a:solidFill>
+                <a:srgbClr val="555555"/>
+              </a:solidFill>
+              <a:effectLst/>
+              <a:latin typeface="Proxima Nova"/>
+            </a:endParaRPr>
+          </a:p>
+          <a:p>
+            <a:pPr algn="l"/>
+            <a:r>
+              <a:rPr lang="da-DK" b="0" i="0" dirty="0">
+                <a:solidFill>
+                  <a:srgbClr val="555555"/>
+                </a:solidFill>
+                <a:effectLst/>
+                <a:latin typeface="Proxima Nova"/>
+              </a:rPr>
+              <a:t>Phys. Rev. X </a:t>
+            </a:r>
+            <a:r>
+              <a:rPr lang="da-DK" b="1" i="0" dirty="0">
+                <a:solidFill>
+                  <a:srgbClr val="555555"/>
+                </a:solidFill>
+                <a:effectLst/>
+                <a:latin typeface="Proxima Nova"/>
+              </a:rPr>
+              <a:t>11</a:t>
+            </a:r>
+            <a:r>
+              <a:rPr lang="da-DK" b="0" i="0" dirty="0">
+                <a:solidFill>
+                  <a:srgbClr val="555555"/>
+                </a:solidFill>
+                <a:effectLst/>
+                <a:latin typeface="Proxima Nova"/>
+              </a:rPr>
+              <a:t>, 041050 – Published 13 December 2021, </a:t>
+            </a:r>
+            <a:r>
+              <a:rPr lang="en-GB" b="0" i="0" dirty="0" err="1">
+                <a:solidFill>
+                  <a:srgbClr val="222222"/>
+                </a:solidFill>
+                <a:effectLst/>
+                <a:latin typeface="Helvetica Neue"/>
+              </a:rPr>
+              <a:t>DOI:https</a:t>
+            </a:r>
+            <a:r>
+              <a:rPr lang="en-GB" b="0" i="0" dirty="0">
+                <a:solidFill>
+                  <a:srgbClr val="222222"/>
+                </a:solidFill>
+                <a:effectLst/>
+                <a:latin typeface="Helvetica Neue"/>
+              </a:rPr>
+              <a:t>://doi.org/10.1103/PhysRevX.11.041050</a:t>
+            </a:r>
+            <a:endParaRPr lang="da-DK" b="0" i="0" dirty="0">
+              <a:solidFill>
+                <a:srgbClr val="555555"/>
+              </a:solidFill>
+              <a:effectLst/>
+              <a:latin typeface="Proxima Nova"/>
+            </a:endParaRPr>
+          </a:p>
+          <a:p>
+            <a:pPr marL="0" marR="0" lvl="0" indent="0" algn="l" defTabSz="914400" rtl="0" eaLnBrk="1" fontAlgn="auto" latinLnBrk="0" hangingPunct="1">
+              <a:lnSpc>
+                <a:spcPct val="100000"/>
+              </a:lnSpc>
+              <a:spcBef>
+                <a:spcPts val="0"/>
+              </a:spcBef>
+              <a:spcAft>
+                <a:spcPts val="0"/>
+              </a:spcAft>
+              <a:buClrTx/>
+              <a:buSzTx/>
+              <a:buFontTx/>
+              <a:buNone/>
+              <a:tabLst/>
+              <a:defRPr/>
+            </a:pPr>
+            <a:r>
+              <a:rPr lang="da-DK" b="0" i="0" dirty="0">
+                <a:solidFill>
+                  <a:srgbClr val="555555"/>
+                </a:solidFill>
+                <a:effectLst/>
+                <a:latin typeface="Proxima Nova"/>
+              </a:rPr>
+              <a:t>Double Pulsar PSR J0737-3039A/B</a:t>
+            </a:r>
+          </a:p>
+          <a:p>
+            <a:endParaRPr lang="en-GB" dirty="0"/>
+          </a:p>
+        </p:txBody>
+      </p:sp>
+      <p:sp>
+        <p:nvSpPr>
+          <p:cNvPr id="4" name="Slide Number Placeholder 3"/>
+          <p:cNvSpPr>
+            <a:spLocks noGrp="1"/>
+          </p:cNvSpPr>
+          <p:nvPr>
+            <p:ph type="sldNum" sz="quarter" idx="5"/>
+          </p:nvPr>
+        </p:nvSpPr>
+        <p:spPr/>
+        <p:txBody>
+          <a:bodyPr/>
+          <a:lstStyle/>
+          <a:p>
+            <a:fld id="{56B68599-4D83-4034-9F61-62DE31CFFF18}" type="slidenum">
+              <a:rPr lang="en-GB" smtClean="0"/>
+              <a:t>20</a:t>
+            </a:fld>
+            <a:endParaRPr lang="en-GB"/>
+          </a:p>
+        </p:txBody>
+      </p:sp>
+    </p:spTree>
+    <p:extLst>
+      <p:ext uri="{BB962C8B-B14F-4D97-AF65-F5344CB8AC3E}">
+        <p14:creationId xmlns:p14="http://schemas.microsoft.com/office/powerpoint/2010/main" val="3211416762"/>
+      </p:ext>
+    </p:extLst>
+  </p:cSld>
+  <p:clrMapOvr>
+    <a:masterClrMapping/>
+  </p:clrMapOvr>
+</p:notes>
+</file>
+
+<file path=ppt/notesSlides/notesSlide13.xml><?xml version="1.0" encoding="utf-8"?>
+<p:notes xmlns:a="http://schemas.openxmlformats.org/drawingml/2006/main" xmlns:r="http://schemas.openxmlformats.org/officeDocument/2006/relationships" xmlns:p="http://schemas.openxmlformats.org/presentationml/2006/main">
+  <p:cSld>
+    <p:spTree>
+      <p:nvGrpSpPr>
+        <p:cNvPr id="1" name=""/>
+        <p:cNvGrpSpPr/>
+        <p:nvPr/>
+      </p:nvGrpSpPr>
+      <p:grpSpPr>
+        <a:xfrm>
+          <a:off x="0" y="0"/>
+          <a:ext cx="0" cy="0"/>
+          <a:chOff x="0" y="0"/>
+          <a:chExt cx="0" cy="0"/>
+        </a:xfrm>
+      </p:grpSpPr>
+      <p:sp>
+        <p:nvSpPr>
+          <p:cNvPr id="2" name="Slide Image Placeholder 1"/>
+          <p:cNvSpPr>
+            <a:spLocks noGrp="1" noRot="1" noChangeAspect="1"/>
+          </p:cNvSpPr>
+          <p:nvPr>
+            <p:ph type="sldImg"/>
+          </p:nvPr>
+        </p:nvSpPr>
+        <p:spPr/>
+      </p:sp>
+      <p:sp>
+        <p:nvSpPr>
+          <p:cNvPr id="3" name="Notes Placeholder 2"/>
+          <p:cNvSpPr>
+            <a:spLocks noGrp="1"/>
+          </p:cNvSpPr>
+          <p:nvPr>
+            <p:ph type="body" idx="1"/>
+          </p:nvPr>
+        </p:nvSpPr>
+        <p:spPr/>
+        <p:txBody>
+          <a:bodyPr/>
+          <a:lstStyle/>
+          <a:p>
+            <a:pPr algn="l"/>
+            <a:r>
+              <a:rPr lang="en-GB" dirty="0"/>
+              <a:t>Strong-Field Gravity Tests with the Double Pulsar, </a:t>
+            </a:r>
+            <a:r>
+              <a:rPr lang="da-DK" b="0" i="0" dirty="0">
+                <a:solidFill>
+                  <a:srgbClr val="555555"/>
+                </a:solidFill>
+                <a:effectLst/>
+                <a:latin typeface="Proxima Nova"/>
+              </a:rPr>
+              <a:t>M. Kramer </a:t>
+            </a:r>
+            <a:r>
+              <a:rPr lang="da-DK" b="0" i="1" dirty="0">
+                <a:solidFill>
+                  <a:srgbClr val="555555"/>
+                </a:solidFill>
+                <a:effectLst/>
+                <a:latin typeface="Proxima Nova"/>
+              </a:rPr>
+              <a:t>et al.</a:t>
+            </a:r>
+            <a:endParaRPr lang="da-DK" b="0" i="0" dirty="0">
+              <a:solidFill>
+                <a:srgbClr val="555555"/>
+              </a:solidFill>
+              <a:effectLst/>
+              <a:latin typeface="Proxima Nova"/>
+            </a:endParaRPr>
+          </a:p>
+          <a:p>
+            <a:pPr algn="l"/>
+            <a:r>
+              <a:rPr lang="da-DK" b="0" i="0" dirty="0">
+                <a:solidFill>
+                  <a:srgbClr val="555555"/>
+                </a:solidFill>
+                <a:effectLst/>
+                <a:latin typeface="Proxima Nova"/>
+              </a:rPr>
+              <a:t>Phys. Rev. X </a:t>
+            </a:r>
+            <a:r>
+              <a:rPr lang="da-DK" b="1" i="0" dirty="0">
+                <a:solidFill>
+                  <a:srgbClr val="555555"/>
+                </a:solidFill>
+                <a:effectLst/>
+                <a:latin typeface="Proxima Nova"/>
+              </a:rPr>
+              <a:t>11</a:t>
+            </a:r>
+            <a:r>
+              <a:rPr lang="da-DK" b="0" i="0" dirty="0">
+                <a:solidFill>
+                  <a:srgbClr val="555555"/>
+                </a:solidFill>
+                <a:effectLst/>
+                <a:latin typeface="Proxima Nova"/>
+              </a:rPr>
+              <a:t>, 041050 – Published 13 December 2021, </a:t>
+            </a:r>
+            <a:r>
+              <a:rPr lang="en-GB" b="0" i="0" dirty="0" err="1">
+                <a:solidFill>
+                  <a:srgbClr val="222222"/>
+                </a:solidFill>
+                <a:effectLst/>
+                <a:latin typeface="Helvetica Neue"/>
+              </a:rPr>
+              <a:t>DOI:https</a:t>
+            </a:r>
+            <a:r>
+              <a:rPr lang="en-GB" b="0" i="0" dirty="0">
+                <a:solidFill>
+                  <a:srgbClr val="222222"/>
+                </a:solidFill>
+                <a:effectLst/>
+                <a:latin typeface="Helvetica Neue"/>
+              </a:rPr>
+              <a:t>://doi.org/10.1103/PhysRevX.11.041050</a:t>
+            </a:r>
+          </a:p>
+          <a:p>
+            <a:pPr algn="l"/>
+            <a:r>
+              <a:rPr lang="da-DK" b="0" i="0" dirty="0">
+                <a:solidFill>
+                  <a:srgbClr val="555555"/>
+                </a:solidFill>
+                <a:effectLst/>
+                <a:latin typeface="Proxima Nova"/>
+              </a:rPr>
+              <a:t>Double Pulsar PSR J0737-3039A/B</a:t>
+            </a:r>
+          </a:p>
+          <a:p>
+            <a:endParaRPr lang="en-GB" dirty="0"/>
+          </a:p>
+        </p:txBody>
+      </p:sp>
+      <p:sp>
+        <p:nvSpPr>
+          <p:cNvPr id="4" name="Slide Number Placeholder 3"/>
+          <p:cNvSpPr>
+            <a:spLocks noGrp="1"/>
+          </p:cNvSpPr>
+          <p:nvPr>
+            <p:ph type="sldNum" sz="quarter" idx="5"/>
+          </p:nvPr>
+        </p:nvSpPr>
+        <p:spPr/>
+        <p:txBody>
+          <a:bodyPr/>
+          <a:lstStyle/>
+          <a:p>
+            <a:fld id="{56B68599-4D83-4034-9F61-62DE31CFFF18}" type="slidenum">
+              <a:rPr lang="en-GB" smtClean="0"/>
+              <a:t>21</a:t>
+            </a:fld>
+            <a:endParaRPr lang="en-GB"/>
+          </a:p>
+        </p:txBody>
+      </p:sp>
+    </p:spTree>
+    <p:extLst>
+      <p:ext uri="{BB962C8B-B14F-4D97-AF65-F5344CB8AC3E}">
+        <p14:creationId xmlns:p14="http://schemas.microsoft.com/office/powerpoint/2010/main" val="2421621205"/>
+      </p:ext>
+    </p:extLst>
+  </p:cSld>
+  <p:clrMapOvr>
+    <a:masterClrMapping/>
+  </p:clrMapOvr>
+</p:notes>
+</file>
+
+<file path=ppt/notesSlides/notesSlide14.xml><?xml version="1.0" encoding="utf-8"?>
+<p:notes xmlns:a="http://schemas.openxmlformats.org/drawingml/2006/main" xmlns:r="http://schemas.openxmlformats.org/officeDocument/2006/relationships" xmlns:p="http://schemas.openxmlformats.org/presentationml/2006/main">
+  <p:cSld>
+    <p:spTree>
+      <p:nvGrpSpPr>
+        <p:cNvPr id="1" name=""/>
+        <p:cNvGrpSpPr/>
+        <p:nvPr/>
+      </p:nvGrpSpPr>
+      <p:grpSpPr>
+        <a:xfrm>
+          <a:off x="0" y="0"/>
+          <a:ext cx="0" cy="0"/>
+          <a:chOff x="0" y="0"/>
+          <a:chExt cx="0" cy="0"/>
+        </a:xfrm>
+      </p:grpSpPr>
+      <p:sp>
+        <p:nvSpPr>
+          <p:cNvPr id="2" name="Slide Image Placeholder 1"/>
+          <p:cNvSpPr>
+            <a:spLocks noGrp="1" noRot="1" noChangeAspect="1"/>
+          </p:cNvSpPr>
+          <p:nvPr>
+            <p:ph type="sldImg"/>
+          </p:nvPr>
+        </p:nvSpPr>
+        <p:spPr/>
+      </p:sp>
+      <p:sp>
+        <p:nvSpPr>
+          <p:cNvPr id="3" name="Notes Placeholder 2"/>
+          <p:cNvSpPr>
+            <a:spLocks noGrp="1"/>
+          </p:cNvSpPr>
+          <p:nvPr>
+            <p:ph type="body" idx="1"/>
+          </p:nvPr>
+        </p:nvSpPr>
+        <p:spPr/>
+        <p:txBody>
+          <a:bodyPr/>
+          <a:lstStyle/>
+          <a:p>
+            <a:r>
+              <a:rPr lang="en-GB" dirty="0"/>
+              <a:t>Spin shows it’s a millisecond pulsar</a:t>
+            </a:r>
+          </a:p>
+          <a:p>
+            <a:endParaRPr lang="en-GB" dirty="0"/>
+          </a:p>
+          <a:p>
+            <a:r>
+              <a:rPr lang="en-GB" dirty="0"/>
+              <a:t>Highest mass neutron star measured to date</a:t>
+            </a:r>
+          </a:p>
+        </p:txBody>
+      </p:sp>
+      <p:sp>
+        <p:nvSpPr>
+          <p:cNvPr id="4" name="Slide Number Placeholder 3"/>
+          <p:cNvSpPr>
+            <a:spLocks noGrp="1"/>
+          </p:cNvSpPr>
+          <p:nvPr>
+            <p:ph type="sldNum" sz="quarter" idx="5"/>
+          </p:nvPr>
+        </p:nvSpPr>
+        <p:spPr/>
+        <p:txBody>
+          <a:bodyPr/>
+          <a:lstStyle/>
+          <a:p>
+            <a:fld id="{56B68599-4D83-4034-9F61-62DE31CFFF18}" type="slidenum">
+              <a:rPr lang="en-GB" smtClean="0"/>
+              <a:t>22</a:t>
+            </a:fld>
+            <a:endParaRPr lang="en-GB"/>
+          </a:p>
+        </p:txBody>
+      </p:sp>
+    </p:spTree>
+    <p:extLst>
+      <p:ext uri="{BB962C8B-B14F-4D97-AF65-F5344CB8AC3E}">
+        <p14:creationId xmlns:p14="http://schemas.microsoft.com/office/powerpoint/2010/main" val="907120293"/>
+      </p:ext>
+    </p:extLst>
+  </p:cSld>
+  <p:clrMapOvr>
+    <a:masterClrMapping/>
+  </p:clrMapOvr>
+</p:notes>
+</file>
+
+<file path=ppt/notesSlides/notesSlide15.xml><?xml version="1.0" encoding="utf-8"?>
+<p:notes xmlns:a="http://schemas.openxmlformats.org/drawingml/2006/main" xmlns:r="http://schemas.openxmlformats.org/officeDocument/2006/relationships" xmlns:p="http://schemas.openxmlformats.org/presentationml/2006/main">
+  <p:cSld>
+    <p:spTree>
+      <p:nvGrpSpPr>
+        <p:cNvPr id="1" name=""/>
+        <p:cNvGrpSpPr/>
+        <p:nvPr/>
+      </p:nvGrpSpPr>
+      <p:grpSpPr>
+        <a:xfrm>
+          <a:off x="0" y="0"/>
+          <a:ext cx="0" cy="0"/>
+          <a:chOff x="0" y="0"/>
+          <a:chExt cx="0" cy="0"/>
+        </a:xfrm>
+      </p:grpSpPr>
+      <p:sp>
+        <p:nvSpPr>
+          <p:cNvPr id="2" name="Slide Image Placeholder 1"/>
+          <p:cNvSpPr>
+            <a:spLocks noGrp="1" noRot="1" noChangeAspect="1"/>
+          </p:cNvSpPr>
+          <p:nvPr>
+            <p:ph type="sldImg"/>
+          </p:nvPr>
+        </p:nvSpPr>
+        <p:spPr/>
+      </p:sp>
+      <p:sp>
+        <p:nvSpPr>
+          <p:cNvPr id="3" name="Notes Placeholder 2"/>
+          <p:cNvSpPr>
+            <a:spLocks noGrp="1"/>
+          </p:cNvSpPr>
+          <p:nvPr>
+            <p:ph type="body" idx="1"/>
+          </p:nvPr>
+        </p:nvSpPr>
+        <p:spPr/>
+        <p:txBody>
+          <a:bodyPr/>
+          <a:lstStyle/>
+          <a:p>
+            <a:r>
+              <a:rPr lang="en-GB" dirty="0"/>
+              <a:t>Superior conjunction at 0.25 orbital phase</a:t>
+            </a:r>
+          </a:p>
+          <a:p>
+            <a:endParaRPr lang="en-GB" dirty="0"/>
+          </a:p>
+          <a:p>
+            <a:r>
+              <a:rPr lang="en-GB" dirty="0"/>
+              <a:t>Orange points = multi-frequency timing residuals</a:t>
+            </a:r>
+          </a:p>
+          <a:p>
+            <a:endParaRPr lang="en-GB" dirty="0"/>
+          </a:p>
+          <a:p>
+            <a:r>
+              <a:rPr lang="en-GB" dirty="0"/>
+              <a:t>Dark blue points = averages of each timing epoch</a:t>
+            </a:r>
+          </a:p>
+        </p:txBody>
+      </p:sp>
+      <p:sp>
+        <p:nvSpPr>
+          <p:cNvPr id="4" name="Slide Number Placeholder 3"/>
+          <p:cNvSpPr>
+            <a:spLocks noGrp="1"/>
+          </p:cNvSpPr>
+          <p:nvPr>
+            <p:ph type="sldNum" sz="quarter" idx="5"/>
+          </p:nvPr>
+        </p:nvSpPr>
+        <p:spPr/>
+        <p:txBody>
+          <a:bodyPr/>
+          <a:lstStyle/>
+          <a:p>
+            <a:fld id="{56B68599-4D83-4034-9F61-62DE31CFFF18}" type="slidenum">
+              <a:rPr lang="en-GB" smtClean="0"/>
+              <a:t>23</a:t>
             </a:fld>
             <a:endParaRPr lang="en-GB"/>
           </a:p>
@@ -888,28 +1466,7 @@
           <a:bodyPr/>
           <a:lstStyle/>
           <a:p>
-            <a:r>
-              <a:rPr lang="en-GB" dirty="0"/>
-              <a:t>Owing both to pulsars’ extremely stable spin periods and also to the fact that our models track integer numbers of pulses, pulsar timing has yielded some of the most precise measurements in astrophysics.</a:t>
-            </a:r>
-          </a:p>
-          <a:p>
             <a:endParaRPr lang="en-GB" dirty="0"/>
-          </a:p>
-          <a:p>
-            <a:r>
-              <a:rPr lang="en-GB" dirty="0"/>
-              <a:t>The description of pulsars as “clock-like” is perhaps overused — though for a good reason. </a:t>
-            </a:r>
-          </a:p>
-          <a:p>
-            <a:endParaRPr lang="en-GB" dirty="0"/>
-          </a:p>
-          <a:p>
-            <a:r>
-              <a:rPr lang="en-GB" dirty="0"/>
-              <a:t>The extremely slow spin-down of MSPs, for example, means that our timing measurements rival the precision of atomic clocks</a:t>
-            </a:r>
           </a:p>
         </p:txBody>
       </p:sp>
@@ -939,7 +1496,7 @@
     </p:spTree>
     <p:extLst>
       <p:ext uri="{BB962C8B-B14F-4D97-AF65-F5344CB8AC3E}">
-        <p14:creationId xmlns:p14="http://schemas.microsoft.com/office/powerpoint/2010/main" val="2662837810"/>
+        <p14:creationId xmlns:p14="http://schemas.microsoft.com/office/powerpoint/2010/main" val="3319715751"/>
       </p:ext>
     </p:extLst>
   </p:cSld>
@@ -993,111 +1550,6 @@
           <a:bodyPr/>
           <a:lstStyle/>
           <a:p>
-            <a:pPr algn="l"/>
-            <a:r>
-              <a:rPr lang="en-GB" dirty="0"/>
-              <a:t>REF1 - Fourth Test of General Relativity - </a:t>
-            </a:r>
-            <a:r>
-              <a:rPr lang="en-GB" b="0" i="0" dirty="0">
-                <a:solidFill>
-                  <a:srgbClr val="222222"/>
-                </a:solidFill>
-                <a:effectLst/>
-                <a:latin typeface="Helvetica Neue"/>
-              </a:rPr>
-              <a:t>https://doi.org/10.1103/PhysRevLett.13.789, </a:t>
-            </a:r>
-            <a:r>
-              <a:rPr lang="en-GB" sz="1800" b="0" i="0" u="none" strike="noStrike" baseline="0" dirty="0">
-                <a:solidFill>
-                  <a:srgbClr val="231F20"/>
-                </a:solidFill>
-                <a:latin typeface="AdvOT483a8203"/>
-              </a:rPr>
-              <a:t>I. I. Shapiro, Fourth Test of General Relativity, </a:t>
-            </a:r>
-            <a:r>
-              <a:rPr lang="en-GB" sz="1800" b="0" i="0" u="none" strike="noStrike" baseline="0" dirty="0">
-                <a:solidFill>
-                  <a:srgbClr val="2E3093"/>
-                </a:solidFill>
-                <a:latin typeface="AdvOT483a8203"/>
-              </a:rPr>
-              <a:t>Phys. Rev.</a:t>
-            </a:r>
-          </a:p>
-          <a:p>
-            <a:pPr algn="l"/>
-            <a:r>
-              <a:rPr lang="en-GB" sz="1800" b="0" i="0" u="none" strike="noStrike" baseline="0" dirty="0">
-                <a:solidFill>
-                  <a:srgbClr val="2E3093"/>
-                </a:solidFill>
-                <a:latin typeface="AdvOT483a8203"/>
-              </a:rPr>
-              <a:t>Lett. </a:t>
-            </a:r>
-            <a:r>
-              <a:rPr lang="en-GB" sz="1800" b="0" i="0" u="none" strike="noStrike" baseline="0" dirty="0">
-                <a:solidFill>
-                  <a:srgbClr val="2E3093"/>
-                </a:solidFill>
-                <a:latin typeface="AdvOT19ee2aa8.B"/>
-              </a:rPr>
-              <a:t>13</a:t>
-            </a:r>
-            <a:r>
-              <a:rPr lang="en-GB" sz="1800" b="0" i="0" u="none" strike="noStrike" baseline="0" dirty="0">
-                <a:solidFill>
-                  <a:srgbClr val="2E3093"/>
-                </a:solidFill>
-                <a:latin typeface="AdvOT483a8203"/>
-              </a:rPr>
-              <a:t>, 789 (1964)</a:t>
-            </a:r>
-            <a:r>
-              <a:rPr lang="en-GB" sz="1800" b="0" i="0" u="none" strike="noStrike" baseline="0" dirty="0">
-                <a:solidFill>
-                  <a:srgbClr val="231F20"/>
-                </a:solidFill>
-                <a:latin typeface="AdvOT483a8203"/>
-              </a:rPr>
-              <a:t>.</a:t>
-            </a:r>
-          </a:p>
-          <a:p>
-            <a:pPr algn="l"/>
-            <a:r>
-              <a:rPr lang="en-GB" sz="1800" b="0" i="0" u="none" strike="noStrike" baseline="0" dirty="0">
-                <a:solidFill>
-                  <a:srgbClr val="231F20"/>
-                </a:solidFill>
-                <a:latin typeface="AdvOT483a8203"/>
-              </a:rPr>
-              <a:t>REF2 – Sakai, Satoru (2011) </a:t>
-            </a:r>
-            <a:r>
-              <a:rPr lang="en-GB" sz="1800" b="0" i="1" u="none" strike="noStrike" baseline="0" dirty="0">
-                <a:solidFill>
-                  <a:srgbClr val="231F20"/>
-                </a:solidFill>
-                <a:latin typeface="AdvOT483a8203"/>
-              </a:rPr>
-              <a:t>The effect of Shapiro delay on pulsar timing</a:t>
-            </a:r>
-            <a:r>
-              <a:rPr lang="en-GB" sz="1800" b="0" i="0" u="none" strike="noStrike" baseline="0" dirty="0">
-                <a:solidFill>
-                  <a:srgbClr val="231F20"/>
-                </a:solidFill>
-                <a:latin typeface="AdvOT483a8203"/>
-              </a:rPr>
-              <a:t> PhD thesis</a:t>
-            </a:r>
-          </a:p>
-          <a:p>
-            <a:pPr algn="l"/>
             <a:endParaRPr lang="en-GB" dirty="0"/>
           </a:p>
         </p:txBody>
@@ -1119,7 +1571,7 @@
           <a:p>
             <a:fld id="{56B68599-4D83-4034-9F61-62DE31CFFF18}" type="slidenum">
               <a:rPr lang="en-GB" smtClean="0"/>
-              <a:t>7</a:t>
+              <a:t>6</a:t>
             </a:fld>
             <a:endParaRPr lang="en-GB"/>
           </a:p>
@@ -1128,7 +1580,7 @@
     </p:spTree>
     <p:extLst>
       <p:ext uri="{BB962C8B-B14F-4D97-AF65-F5344CB8AC3E}">
-        <p14:creationId xmlns:p14="http://schemas.microsoft.com/office/powerpoint/2010/main" val="3482139463"/>
+        <p14:creationId xmlns:p14="http://schemas.microsoft.com/office/powerpoint/2010/main" val="1034143248"/>
       </p:ext>
     </p:extLst>
   </p:cSld>
@@ -1184,105 +1636,26 @@
           <a:p>
             <a:r>
               <a:rPr lang="en-GB" dirty="0"/>
-              <a:t>This basic version of the equation ignores the lens and retardation correction terms</a:t>
-            </a:r>
-          </a:p>
-          <a:p>
-            <a:pPr algn="l"/>
+              <a:t>Owing both to pulsars’ extremely stable spin periods and also to the fact that our models track integer numbers of pulses, pulsar timing has yielded some of the most precise measurements in astrophysics.</a:t>
+            </a:r>
+          </a:p>
+          <a:p>
+            <a:endParaRPr lang="en-GB" dirty="0"/>
+          </a:p>
+          <a:p>
             <a:r>
               <a:rPr lang="en-GB" dirty="0"/>
-              <a:t>Strong-Field Gravity Tests with the Double Pulsar, </a:t>
-            </a:r>
-            <a:r>
-              <a:rPr lang="da-DK" b="0" i="0" dirty="0">
-                <a:solidFill>
-                  <a:srgbClr val="555555"/>
-                </a:solidFill>
-                <a:effectLst/>
-                <a:latin typeface="Proxima Nova"/>
-              </a:rPr>
-              <a:t>M. Kramer </a:t>
-            </a:r>
-            <a:r>
-              <a:rPr lang="da-DK" b="0" i="1" dirty="0">
-                <a:solidFill>
-                  <a:srgbClr val="555555"/>
-                </a:solidFill>
-                <a:effectLst/>
-                <a:latin typeface="Proxima Nova"/>
-              </a:rPr>
-              <a:t>et al.</a:t>
-            </a:r>
-            <a:endParaRPr lang="da-DK" b="0" i="0" dirty="0">
-              <a:solidFill>
-                <a:srgbClr val="555555"/>
-              </a:solidFill>
-              <a:effectLst/>
-              <a:latin typeface="Proxima Nova"/>
-            </a:endParaRPr>
-          </a:p>
-          <a:p>
-            <a:pPr algn="l"/>
-            <a:r>
-              <a:rPr lang="da-DK" b="0" i="0" dirty="0">
-                <a:solidFill>
-                  <a:srgbClr val="555555"/>
-                </a:solidFill>
-                <a:effectLst/>
-                <a:latin typeface="Proxima Nova"/>
-              </a:rPr>
-              <a:t>Phys. Rev. X </a:t>
-            </a:r>
-            <a:r>
-              <a:rPr lang="da-DK" b="1" i="0" dirty="0">
-                <a:solidFill>
-                  <a:srgbClr val="555555"/>
-                </a:solidFill>
-                <a:effectLst/>
-                <a:latin typeface="Proxima Nova"/>
-              </a:rPr>
-              <a:t>11</a:t>
-            </a:r>
-            <a:r>
-              <a:rPr lang="da-DK" b="0" i="0" dirty="0">
-                <a:solidFill>
-                  <a:srgbClr val="555555"/>
-                </a:solidFill>
-                <a:effectLst/>
-                <a:latin typeface="Proxima Nova"/>
-              </a:rPr>
-              <a:t>, 041050 – Published 13 December 2021, </a:t>
-            </a:r>
-            <a:r>
-              <a:rPr lang="en-GB" b="0" i="0" dirty="0" err="1">
-                <a:solidFill>
-                  <a:srgbClr val="222222"/>
-                </a:solidFill>
-                <a:effectLst/>
-                <a:latin typeface="Helvetica Neue"/>
-              </a:rPr>
-              <a:t>DOI:https</a:t>
-            </a:r>
-            <a:r>
-              <a:rPr lang="en-GB" b="0" i="0" dirty="0">
-                <a:solidFill>
-                  <a:srgbClr val="222222"/>
-                </a:solidFill>
-                <a:effectLst/>
-                <a:latin typeface="Helvetica Neue"/>
-              </a:rPr>
-              <a:t>://doi.org/10.1103/PhysRevX.11.041050</a:t>
-            </a:r>
-            <a:endParaRPr lang="da-DK" b="0" i="0" dirty="0">
-              <a:solidFill>
-                <a:srgbClr val="555555"/>
-              </a:solidFill>
-              <a:effectLst/>
-              <a:latin typeface="Proxima Nova"/>
-            </a:endParaRPr>
+              <a:t>The description of pulsars as “clock-like” is perhaps overused — though for a good reason. </a:t>
+            </a:r>
           </a:p>
           <a:p>
             <a:endParaRPr lang="en-GB" dirty="0"/>
+          </a:p>
+          <a:p>
+            <a:r>
+              <a:rPr lang="en-GB" dirty="0"/>
+              <a:t>The extremely slow spin-down of MSPs, for example, means that our timing measurements rival the precision of atomic clocks</a:t>
+            </a:r>
           </a:p>
         </p:txBody>
       </p:sp>
@@ -1303,7 +1676,7 @@
           <a:p>
             <a:fld id="{56B68599-4D83-4034-9F61-62DE31CFFF18}" type="slidenum">
               <a:rPr lang="en-GB" smtClean="0"/>
-              <a:t>12</a:t>
+              <a:t>7</a:t>
             </a:fld>
             <a:endParaRPr lang="en-GB"/>
           </a:p>
@@ -1312,7 +1685,7 @@
     </p:spTree>
     <p:extLst>
       <p:ext uri="{BB962C8B-B14F-4D97-AF65-F5344CB8AC3E}">
-        <p14:creationId xmlns:p14="http://schemas.microsoft.com/office/powerpoint/2010/main" val="3047840875"/>
+        <p14:creationId xmlns:p14="http://schemas.microsoft.com/office/powerpoint/2010/main" val="2662837810"/>
       </p:ext>
     </p:extLst>
   </p:cSld>
@@ -1368,7 +1741,25 @@
           <a:p>
             <a:r>
               <a:rPr lang="en-GB" dirty="0"/>
-              <a:t>First equation here considers only the Sun</a:t>
+              <a:t>Owing both to pulsars’ extremely stable spin periods and also to the fact that our models track integer numbers of pulses, pulsar timing has yielded some of the most precise measurements in astrophysics.</a:t>
+            </a:r>
+          </a:p>
+          <a:p>
+            <a:endParaRPr lang="en-GB" dirty="0"/>
+          </a:p>
+          <a:p>
+            <a:r>
+              <a:rPr lang="en-GB" dirty="0"/>
+              <a:t>The description of pulsars as “clock-like” is perhaps overused — though for a good reason. </a:t>
+            </a:r>
+          </a:p>
+          <a:p>
+            <a:endParaRPr lang="en-GB" dirty="0"/>
+          </a:p>
+          <a:p>
+            <a:r>
+              <a:rPr lang="en-GB" dirty="0"/>
+              <a:t>The extremely slow spin-down of MSPs, for example, means that our timing measurements rival the precision of atomic clocks</a:t>
             </a:r>
           </a:p>
         </p:txBody>
@@ -1390,7 +1781,7 @@
           <a:p>
             <a:fld id="{56B68599-4D83-4034-9F61-62DE31CFFF18}" type="slidenum">
               <a:rPr lang="en-GB" smtClean="0"/>
-              <a:t>13</a:t>
+              <a:t>8</a:t>
             </a:fld>
             <a:endParaRPr lang="en-GB"/>
           </a:p>
@@ -1399,7 +1790,7 @@
     </p:spTree>
     <p:extLst>
       <p:ext uri="{BB962C8B-B14F-4D97-AF65-F5344CB8AC3E}">
-        <p14:creationId xmlns:p14="http://schemas.microsoft.com/office/powerpoint/2010/main" val="2719185301"/>
+        <p14:creationId xmlns:p14="http://schemas.microsoft.com/office/powerpoint/2010/main" val="1656850640"/>
       </p:ext>
     </p:extLst>
   </p:cSld>
@@ -1455,7 +1846,25 @@
           <a:p>
             <a:r>
               <a:rPr lang="en-GB" dirty="0"/>
-              <a:t>This double pulsar binary gives great strong field tests for general relativity</a:t>
+              <a:t>Owing both to pulsars’ extremely stable spin periods and also to the fact that our models track integer numbers of pulses, pulsar timing has yielded some of the most precise measurements in astrophysics.</a:t>
+            </a:r>
+          </a:p>
+          <a:p>
+            <a:endParaRPr lang="en-GB" dirty="0"/>
+          </a:p>
+          <a:p>
+            <a:r>
+              <a:rPr lang="en-GB" dirty="0"/>
+              <a:t>The description of pulsars as “clock-like” is perhaps overused — though for a good reason. </a:t>
+            </a:r>
+          </a:p>
+          <a:p>
+            <a:endParaRPr lang="en-GB" dirty="0"/>
+          </a:p>
+          <a:p>
+            <a:r>
+              <a:rPr lang="en-GB" dirty="0"/>
+              <a:t>The extremely slow spin-down of MSPs, for example, means that our timing measurements rival the precision of atomic clocks</a:t>
             </a:r>
           </a:p>
         </p:txBody>
@@ -1477,7 +1886,7 @@
           <a:p>
             <a:fld id="{56B68599-4D83-4034-9F61-62DE31CFFF18}" type="slidenum">
               <a:rPr lang="en-GB" smtClean="0"/>
-              <a:t>15</a:t>
+              <a:t>9</a:t>
             </a:fld>
             <a:endParaRPr lang="en-GB"/>
           </a:p>
@@ -1486,7 +1895,7 @@
     </p:spTree>
     <p:extLst>
       <p:ext uri="{BB962C8B-B14F-4D97-AF65-F5344CB8AC3E}">
-        <p14:creationId xmlns:p14="http://schemas.microsoft.com/office/powerpoint/2010/main" val="296865468"/>
+        <p14:creationId xmlns:p14="http://schemas.microsoft.com/office/powerpoint/2010/main" val="842347909"/>
       </p:ext>
     </p:extLst>
   </p:cSld>
@@ -1543,77 +1952,7 @@
             <a:pPr algn="l"/>
             <a:r>
               <a:rPr lang="en-GB" dirty="0"/>
-              <a:t>Strong-Field Gravity Tests with the Double Pulsar, </a:t>
-            </a:r>
-            <a:r>
-              <a:rPr lang="da-DK" b="0" i="0" dirty="0">
-                <a:solidFill>
-                  <a:srgbClr val="555555"/>
-                </a:solidFill>
-                <a:effectLst/>
-                <a:latin typeface="Proxima Nova"/>
-              </a:rPr>
-              <a:t>M. Kramer </a:t>
-            </a:r>
-            <a:r>
-              <a:rPr lang="da-DK" b="0" i="1" dirty="0">
-                <a:solidFill>
-                  <a:srgbClr val="555555"/>
-                </a:solidFill>
-                <a:effectLst/>
-                <a:latin typeface="Proxima Nova"/>
-              </a:rPr>
-              <a:t>et al.</a:t>
-            </a:r>
-            <a:endParaRPr lang="da-DK" b="0" i="0" dirty="0">
-              <a:solidFill>
-                <a:srgbClr val="555555"/>
-              </a:solidFill>
-              <a:effectLst/>
-              <a:latin typeface="Proxima Nova"/>
-            </a:endParaRPr>
-          </a:p>
-          <a:p>
-            <a:pPr algn="l"/>
-            <a:r>
-              <a:rPr lang="da-DK" b="0" i="0" dirty="0">
-                <a:solidFill>
-                  <a:srgbClr val="555555"/>
-                </a:solidFill>
-                <a:effectLst/>
-                <a:latin typeface="Proxima Nova"/>
-              </a:rPr>
-              <a:t>Phys. Rev. X </a:t>
-            </a:r>
-            <a:r>
-              <a:rPr lang="da-DK" b="1" i="0" dirty="0">
-                <a:solidFill>
-                  <a:srgbClr val="555555"/>
-                </a:solidFill>
-                <a:effectLst/>
-                <a:latin typeface="Proxima Nova"/>
-              </a:rPr>
-              <a:t>11</a:t>
-            </a:r>
-            <a:r>
-              <a:rPr lang="da-DK" b="0" i="0" dirty="0">
-                <a:solidFill>
-                  <a:srgbClr val="555555"/>
-                </a:solidFill>
-                <a:effectLst/>
-                <a:latin typeface="Proxima Nova"/>
-              </a:rPr>
-              <a:t>, 041050 – Published 13 December 2021, </a:t>
-            </a:r>
-            <a:r>
-              <a:rPr lang="en-GB" b="0" i="0" dirty="0" err="1">
-                <a:solidFill>
-                  <a:srgbClr val="222222"/>
-                </a:solidFill>
-                <a:effectLst/>
-                <a:latin typeface="Helvetica Neue"/>
-              </a:rPr>
-              <a:t>DOI:https</a:t>
+              <a:t>REF1 - Fourth Test of General Relativity - </a:t>
             </a:r>
             <a:r>
               <a:rPr lang="en-GB" b="0" i="0" dirty="0">
@@ -1623,46 +1962,98 @@
                 <a:effectLst/>
                 <a:latin typeface="Helvetica Neue"/>
               </a:rPr>
-              <a:t>://doi.org/10.1103/PhysRevX.11.041050</a:t>
-            </a:r>
-            <a:endParaRPr lang="da-DK" b="0" i="0" dirty="0">
-              <a:solidFill>
-                <a:srgbClr val="555555"/>
-              </a:solidFill>
-              <a:effectLst/>
-              <a:latin typeface="Proxima Nova"/>
-            </a:endParaRPr>
-          </a:p>
-          <a:p>
-            <a:pPr marL="0" marR="0" lvl="0" indent="0" algn="l" defTabSz="914400" rtl="0" eaLnBrk="1" fontAlgn="auto" latinLnBrk="0" hangingPunct="1">
-              <a:lnSpc>
-                <a:spcPct val="100000"/>
-              </a:lnSpc>
-              <a:spcBef>
-                <a:spcPts val="0"/>
-              </a:spcBef>
-              <a:spcAft>
-                <a:spcPts val="0"/>
-              </a:spcAft>
-              <a:buClrTx/>
-              <a:buSzTx/>
-              <a:buFontTx/>
-              <a:buNone/>
-              <a:tabLst/>
-              <a:defRPr/>
-            </a:pPr>
-            <a:r>
-              <a:rPr lang="da-DK" b="0" i="0" dirty="0">
+              <a:t>https://doi.org/10.1103/PhysRevLett.13.789, </a:t>
+            </a:r>
+            <a:r>
+              <a:rPr lang="en-GB" sz="1800" b="0" i="0" u="none" strike="noStrike" baseline="0" dirty="0">
                 <a:solidFill>
-                  <a:srgbClr val="555555"/>
+                  <a:srgbClr val="231F20"/>
                 </a:solidFill>
-                <a:effectLst/>
-                <a:latin typeface="Proxima Nova"/>
+                <a:latin typeface="AdvOT483a8203"/>
               </a:rPr>
-              <a:t>Double Pulsar PSR J0737-3039A/B</a:t>
-            </a:r>
-          </a:p>
-          <a:p>
+              <a:t>I. I. Shapiro, Fourth Test of General Relativity, </a:t>
+            </a:r>
+            <a:r>
+              <a:rPr lang="en-GB" sz="1800" b="0" i="0" u="none" strike="noStrike" baseline="0" dirty="0">
+                <a:solidFill>
+                  <a:srgbClr val="2E3093"/>
+                </a:solidFill>
+                <a:latin typeface="AdvOT483a8203"/>
+              </a:rPr>
+              <a:t>Phys. Rev.</a:t>
+            </a:r>
+          </a:p>
+          <a:p>
+            <a:pPr algn="l"/>
+            <a:r>
+              <a:rPr lang="en-GB" sz="1800" b="0" i="0" u="none" strike="noStrike" baseline="0" dirty="0">
+                <a:solidFill>
+                  <a:srgbClr val="2E3093"/>
+                </a:solidFill>
+                <a:latin typeface="AdvOT483a8203"/>
+              </a:rPr>
+              <a:t>Lett. </a:t>
+            </a:r>
+            <a:r>
+              <a:rPr lang="en-GB" sz="1800" b="0" i="0" u="none" strike="noStrike" baseline="0" dirty="0">
+                <a:solidFill>
+                  <a:srgbClr val="2E3093"/>
+                </a:solidFill>
+                <a:latin typeface="AdvOT19ee2aa8.B"/>
+              </a:rPr>
+              <a:t>13</a:t>
+            </a:r>
+            <a:r>
+              <a:rPr lang="en-GB" sz="1800" b="0" i="0" u="none" strike="noStrike" baseline="0" dirty="0">
+                <a:solidFill>
+                  <a:srgbClr val="2E3093"/>
+                </a:solidFill>
+                <a:latin typeface="AdvOT483a8203"/>
+              </a:rPr>
+              <a:t>, 789 (1964)</a:t>
+            </a:r>
+            <a:r>
+              <a:rPr lang="en-GB" sz="1800" b="0" i="0" u="none" strike="noStrike" baseline="0" dirty="0">
+                <a:solidFill>
+                  <a:srgbClr val="231F20"/>
+                </a:solidFill>
+                <a:latin typeface="AdvOT483a8203"/>
+              </a:rPr>
+              <a:t>.</a:t>
+            </a:r>
+          </a:p>
+          <a:p>
+            <a:pPr algn="l"/>
+            <a:r>
+              <a:rPr lang="en-GB" sz="1800" b="0" i="0" u="none" strike="noStrike" baseline="0" dirty="0">
+                <a:solidFill>
+                  <a:srgbClr val="231F20"/>
+                </a:solidFill>
+                <a:latin typeface="AdvOT483a8203"/>
+              </a:rPr>
+              <a:t>REF2 – Sakai, Satoru (2011) </a:t>
+            </a:r>
+            <a:r>
+              <a:rPr lang="en-GB" sz="1800" b="0" i="1" u="none" strike="noStrike" baseline="0" dirty="0">
+                <a:solidFill>
+                  <a:srgbClr val="231F20"/>
+                </a:solidFill>
+                <a:latin typeface="AdvOT483a8203"/>
+              </a:rPr>
+              <a:t>The effect of Shapiro delay on pulsar timing</a:t>
+            </a:r>
+            <a:r>
+              <a:rPr lang="en-GB" sz="1800" b="0" i="0" u="none" strike="noStrike" baseline="0" dirty="0">
+                <a:solidFill>
+                  <a:srgbClr val="231F20"/>
+                </a:solidFill>
+                <a:latin typeface="AdvOT483a8203"/>
+              </a:rPr>
+              <a:t> PhD thesis</a:t>
+            </a:r>
+          </a:p>
+          <a:p>
+            <a:pPr algn="l"/>
             <a:endParaRPr lang="en-GB" dirty="0"/>
           </a:p>
         </p:txBody>
@@ -1684,7 +2075,7 @@
           <a:p>
             <a:fld id="{56B68599-4D83-4034-9F61-62DE31CFFF18}" type="slidenum">
               <a:rPr lang="en-GB" smtClean="0"/>
-              <a:t>16</a:t>
+              <a:t>11</a:t>
             </a:fld>
             <a:endParaRPr lang="en-GB"/>
           </a:p>
@@ -1693,7 +2084,7 @@
     </p:spTree>
     <p:extLst>
       <p:ext uri="{BB962C8B-B14F-4D97-AF65-F5344CB8AC3E}">
-        <p14:creationId xmlns:p14="http://schemas.microsoft.com/office/powerpoint/2010/main" val="3211416762"/>
+        <p14:creationId xmlns:p14="http://schemas.microsoft.com/office/powerpoint/2010/main" val="3482139463"/>
       </p:ext>
     </p:extLst>
   </p:cSld>
@@ -1747,6 +2138,12 @@
           <a:bodyPr/>
           <a:lstStyle/>
           <a:p>
+            <a:r>
+              <a:rPr lang="en-GB" dirty="0"/>
+              <a:t>This basic version of the equation ignores the lens and retardation correction terms</a:t>
+            </a:r>
+          </a:p>
+          <a:p>
             <a:pPr algn="l"/>
             <a:r>
               <a:rPr lang="en-GB" dirty="0"/>
@@ -1832,19 +2229,13 @@
               </a:rPr>
               <a:t>://doi.org/10.1103/PhysRevX.11.041050</a:t>
             </a:r>
-          </a:p>
-          <a:p>
-            <a:pPr algn="l"/>
-            <a:r>
-              <a:rPr lang="da-DK" b="0" i="0" dirty="0">
-                <a:solidFill>
-                  <a:srgbClr val="555555"/>
-                </a:solidFill>
-                <a:effectLst/>
-                <a:latin typeface="Proxima Nova"/>
-              </a:rPr>
-              <a:t>Double Pulsar PSR J0737-3039A/B</a:t>
-            </a:r>
+            <a:endParaRPr lang="da-DK" b="0" i="0" dirty="0">
+              <a:solidFill>
+                <a:srgbClr val="555555"/>
+              </a:solidFill>
+              <a:effectLst/>
+              <a:latin typeface="Proxima Nova"/>
+            </a:endParaRPr>
           </a:p>
           <a:p>
             <a:endParaRPr lang="en-GB" dirty="0"/>
@@ -1868,7 +2259,7 @@
           <a:p>
             <a:fld id="{56B68599-4D83-4034-9F61-62DE31CFFF18}" type="slidenum">
               <a:rPr lang="en-GB" smtClean="0"/>
-              <a:t>17</a:t>
+              <a:t>16</a:t>
             </a:fld>
             <a:endParaRPr lang="en-GB"/>
           </a:p>
@@ -1877,7 +2268,7 @@
     </p:spTree>
     <p:extLst>
       <p:ext uri="{BB962C8B-B14F-4D97-AF65-F5344CB8AC3E}">
-        <p14:creationId xmlns:p14="http://schemas.microsoft.com/office/powerpoint/2010/main" val="2421621205"/>
+        <p14:creationId xmlns:p14="http://schemas.microsoft.com/office/powerpoint/2010/main" val="3047840875"/>
       </p:ext>
     </p:extLst>
   </p:cSld>
@@ -5432,10 +5823,10 @@
       </p:grpSpPr>
       <p:pic>
         <p:nvPicPr>
-          <p:cNvPr id="5" name="Picture 4" descr="A swirling meteorite">
-            <a:extLst>
-              <a:ext uri="{FF2B5EF4-FFF2-40B4-BE49-F238E27FC236}">
-                <a16:creationId xmlns:a16="http://schemas.microsoft.com/office/drawing/2014/main" id="{BE65E142-9C40-4E87-94CA-8821FA71E7D8}"/>
+          <p:cNvPr id="4" name="Picture 3" descr="A swirling meteorite">
+            <a:extLst>
+              <a:ext uri="{FF2B5EF4-FFF2-40B4-BE49-F238E27FC236}">
+                <a16:creationId xmlns:a16="http://schemas.microsoft.com/office/drawing/2014/main" id="{9BCBBEA0-C1DA-4D07-ADC7-3D62D9310C88}"/>
               </a:ext>
             </a:extLst>
           </p:cNvPr>
@@ -5453,7 +5844,7 @@
         </p:blipFill>
         <p:spPr>
           <a:xfrm>
-            <a:off x="-2107007" y="-1685261"/>
+            <a:off x="-2301737" y="-1685261"/>
             <a:ext cx="18184010" cy="10228521"/>
           </a:xfrm>
           <a:prstGeom prst="rect">
@@ -5463,10 +5854,229 @@
       </p:pic>
       <p:sp>
         <p:nvSpPr>
-          <p:cNvPr id="4" name="Rectangle 3">
-            <a:extLst>
-              <a:ext uri="{FF2B5EF4-FFF2-40B4-BE49-F238E27FC236}">
-                <a16:creationId xmlns:a16="http://schemas.microsoft.com/office/drawing/2014/main" id="{65783FAD-6E77-4DB7-A109-D7D9829F6901}"/>
+          <p:cNvPr id="5" name="Rectangle 4">
+            <a:extLst>
+              <a:ext uri="{FF2B5EF4-FFF2-40B4-BE49-F238E27FC236}">
+                <a16:creationId xmlns:a16="http://schemas.microsoft.com/office/drawing/2014/main" id="{7E506CC4-070B-466D-B602-D756AC69C831}"/>
+              </a:ext>
+            </a:extLst>
+          </p:cNvPr>
+          <p:cNvSpPr/>
+          <p:nvPr/>
+        </p:nvSpPr>
+        <p:spPr>
+          <a:xfrm>
+            <a:off x="710609" y="595422"/>
+            <a:ext cx="10770782" cy="5667154"/>
+          </a:xfrm>
+          <a:prstGeom prst="rect">
+            <a:avLst/>
+          </a:prstGeom>
+          <a:solidFill>
+            <a:schemeClr val="bg1">
+              <a:alpha val="90000"/>
+            </a:schemeClr>
+          </a:solidFill>
+        </p:spPr>
+        <p:style>
+          <a:lnRef idx="2">
+            <a:schemeClr val="accent1">
+              <a:shade val="50000"/>
+            </a:schemeClr>
+          </a:lnRef>
+          <a:fillRef idx="1">
+            <a:schemeClr val="accent1"/>
+          </a:fillRef>
+          <a:effectRef idx="0">
+            <a:schemeClr val="accent1"/>
+          </a:effectRef>
+          <a:fontRef idx="minor">
+            <a:schemeClr val="lt1"/>
+          </a:fontRef>
+        </p:style>
+        <p:txBody>
+          <a:bodyPr rtlCol="0" anchor="ctr"/>
+          <a:lstStyle/>
+          <a:p>
+            <a:pPr algn="ctr"/>
+            <a:endParaRPr lang="en-GB" dirty="0"/>
+          </a:p>
+        </p:txBody>
+      </p:sp>
+      <p:sp>
+        <p:nvSpPr>
+          <p:cNvPr id="3" name="Content Placeholder 2">
+            <a:extLst>
+              <a:ext uri="{FF2B5EF4-FFF2-40B4-BE49-F238E27FC236}">
+                <a16:creationId xmlns:a16="http://schemas.microsoft.com/office/drawing/2014/main" id="{F98AFB0D-B49E-4FC2-AF4E-A10360DB25AD}"/>
+              </a:ext>
+            </a:extLst>
+          </p:cNvPr>
+          <p:cNvSpPr>
+            <a:spLocks noGrp="1"/>
+          </p:cNvSpPr>
+          <p:nvPr>
+            <p:ph idx="1"/>
+          </p:nvPr>
+        </p:nvSpPr>
+        <p:spPr>
+          <a:xfrm>
+            <a:off x="838200" y="800100"/>
+            <a:ext cx="10515600" cy="5376863"/>
+          </a:xfrm>
+        </p:spPr>
+        <p:txBody>
+          <a:bodyPr/>
+          <a:lstStyle/>
+          <a:p>
+            <a:r>
+              <a:rPr lang="en-GB" dirty="0" err="1"/>
+              <a:t>Römer</a:t>
+            </a:r>
+            <a:r>
+              <a:rPr lang="en-GB" dirty="0"/>
+              <a:t> delay</a:t>
+            </a:r>
+          </a:p>
+          <a:p>
+            <a:pPr lvl="1"/>
+            <a:r>
+              <a:rPr lang="en-GB" dirty="0"/>
+              <a:t>Classical light travel time across Earth’s orbit</a:t>
+            </a:r>
+          </a:p>
+          <a:p>
+            <a:r>
+              <a:rPr lang="en-GB" dirty="0"/>
+              <a:t>Einstein delay</a:t>
+            </a:r>
+          </a:p>
+          <a:p>
+            <a:pPr lvl="1"/>
+            <a:r>
+              <a:rPr lang="en-GB" dirty="0"/>
+              <a:t>Accounts for the effects of gravitational redshift</a:t>
+            </a:r>
+          </a:p>
+        </p:txBody>
+      </p:sp>
+    </p:spTree>
+    <p:extLst>
+      <p:ext uri="{BB962C8B-B14F-4D97-AF65-F5344CB8AC3E}">
+        <p14:creationId xmlns:p14="http://schemas.microsoft.com/office/powerpoint/2010/main" val="1275380817"/>
+      </p:ext>
+    </p:extLst>
+  </p:cSld>
+  <p:clrMapOvr>
+    <a:masterClrMapping/>
+  </p:clrMapOvr>
+</p:sld>
+</file>
+
+<file path=ppt/slides/slide11.xml><?xml version="1.0" encoding="utf-8"?>
+<p:sld xmlns:a="http://schemas.openxmlformats.org/drawingml/2006/main" xmlns:r="http://schemas.openxmlformats.org/officeDocument/2006/relationships" xmlns:p="http://schemas.openxmlformats.org/presentationml/2006/main">
+  <p:cSld>
+    <p:spTree>
+      <p:nvGrpSpPr>
+        <p:cNvPr id="1" name=""/>
+        <p:cNvGrpSpPr/>
+        <p:nvPr/>
+      </p:nvGrpSpPr>
+      <p:grpSpPr>
+        <a:xfrm>
+          <a:off x="0" y="0"/>
+          <a:ext cx="0" cy="0"/>
+          <a:chOff x="0" y="0"/>
+          <a:chExt cx="0" cy="0"/>
+        </a:xfrm>
+      </p:grpSpPr>
+      <p:sp>
+        <p:nvSpPr>
+          <p:cNvPr id="2" name="Title 1">
+            <a:extLst>
+              <a:ext uri="{FF2B5EF4-FFF2-40B4-BE49-F238E27FC236}">
+                <a16:creationId xmlns:a16="http://schemas.microsoft.com/office/drawing/2014/main" id="{65F728DC-C211-4B52-8BB1-49284AEA8FB7}"/>
+              </a:ext>
+            </a:extLst>
+          </p:cNvPr>
+          <p:cNvSpPr>
+            <a:spLocks noGrp="1"/>
+          </p:cNvSpPr>
+          <p:nvPr>
+            <p:ph type="title"/>
+          </p:nvPr>
+        </p:nvSpPr>
+        <p:spPr/>
+        <p:txBody>
+          <a:bodyPr/>
+          <a:lstStyle/>
+          <a:p>
+            <a:endParaRPr lang="en-GB"/>
+          </a:p>
+        </p:txBody>
+      </p:sp>
+      <p:sp>
+        <p:nvSpPr>
+          <p:cNvPr id="3" name="Content Placeholder 2">
+            <a:extLst>
+              <a:ext uri="{FF2B5EF4-FFF2-40B4-BE49-F238E27FC236}">
+                <a16:creationId xmlns:a16="http://schemas.microsoft.com/office/drawing/2014/main" id="{E7A9DB18-FD55-45FB-B704-38F01FB1A3B7}"/>
+              </a:ext>
+            </a:extLst>
+          </p:cNvPr>
+          <p:cNvSpPr>
+            <a:spLocks noGrp="1"/>
+          </p:cNvSpPr>
+          <p:nvPr>
+            <p:ph idx="1"/>
+          </p:nvPr>
+        </p:nvSpPr>
+        <p:spPr/>
+        <p:txBody>
+          <a:bodyPr/>
+          <a:lstStyle/>
+          <a:p>
+            <a:endParaRPr lang="en-GB"/>
+          </a:p>
+        </p:txBody>
+      </p:sp>
+      <p:pic>
+        <p:nvPicPr>
+          <p:cNvPr id="4" name="Picture 3" descr="A swirling meteorite">
+            <a:extLst>
+              <a:ext uri="{FF2B5EF4-FFF2-40B4-BE49-F238E27FC236}">
+                <a16:creationId xmlns:a16="http://schemas.microsoft.com/office/drawing/2014/main" id="{0383413C-21F8-43D4-A92B-5D24AEE12288}"/>
+              </a:ext>
+            </a:extLst>
+          </p:cNvPr>
+          <p:cNvPicPr>
+            <a:picLocks noChangeAspect="1"/>
+          </p:cNvPicPr>
+          <p:nvPr/>
+        </p:nvPicPr>
+        <p:blipFill rotWithShape="1">
+          <a:blip r:embed="rId3">
+            <a:alphaModFix/>
+          </a:blip>
+          <a:srcRect t="157" b="12971"/>
+          <a:stretch/>
+        </p:blipFill>
+        <p:spPr>
+          <a:xfrm>
+            <a:off x="-2115473" y="-1685261"/>
+            <a:ext cx="18184010" cy="10228521"/>
+          </a:xfrm>
+          <a:prstGeom prst="rect">
+            <a:avLst/>
+          </a:prstGeom>
+        </p:spPr>
+      </p:pic>
+      <p:sp>
+        <p:nvSpPr>
+          <p:cNvPr id="5" name="Rectangle 4">
+            <a:extLst>
+              <a:ext uri="{FF2B5EF4-FFF2-40B4-BE49-F238E27FC236}">
+                <a16:creationId xmlns:a16="http://schemas.microsoft.com/office/drawing/2014/main" id="{132FBCB0-D5A7-4BD0-B287-EB19D89C0201}"/>
               </a:ext>
             </a:extLst>
           </p:cNvPr>
@@ -5512,45 +6122,353 @@
           </a:p>
         </p:txBody>
       </p:sp>
-      <p:pic>
-        <p:nvPicPr>
-          <p:cNvPr id="10" name="Content Placeholder 4" descr="Chart&#10;&#10;Description automatically generated">
-            <a:extLst>
-              <a:ext uri="{FF2B5EF4-FFF2-40B4-BE49-F238E27FC236}">
-                <a16:creationId xmlns:a16="http://schemas.microsoft.com/office/drawing/2014/main" id="{13D17548-5C18-477C-A1D0-734C5A3CE506}"/>
-              </a:ext>
-            </a:extLst>
-          </p:cNvPr>
-          <p:cNvPicPr>
-            <a:picLocks noGrp="1" noChangeAspect="1"/>
-          </p:cNvPicPr>
-          <p:nvPr>
-            <p:ph idx="1"/>
-          </p:nvPr>
-        </p:nvPicPr>
-        <p:blipFill>
-          <a:blip r:embed="rId3">
-            <a:extLst>
-              <a:ext uri="{28A0092B-C50C-407E-A947-70E740481C1C}">
-                <a14:useLocalDpi xmlns:a14="http://schemas.microsoft.com/office/drawing/2010/main" val="0"/>
-              </a:ext>
-            </a:extLst>
-          </a:blip>
-          <a:stretch>
-            <a:fillRect/>
-          </a:stretch>
-        </p:blipFill>
+      <p:sp>
+        <p:nvSpPr>
+          <p:cNvPr id="6" name="Title 1">
+            <a:extLst>
+              <a:ext uri="{FF2B5EF4-FFF2-40B4-BE49-F238E27FC236}">
+                <a16:creationId xmlns:a16="http://schemas.microsoft.com/office/drawing/2014/main" id="{74E411D3-9573-4415-9E21-8C7A2FAF984D}"/>
+              </a:ext>
+            </a:extLst>
+          </p:cNvPr>
+          <p:cNvSpPr txBox="1">
+            <a:spLocks/>
+          </p:cNvSpPr>
+          <p:nvPr/>
+        </p:nvSpPr>
         <p:spPr>
           <a:xfrm>
-            <a:off x="1993829" y="782637"/>
-            <a:ext cx="8204341" cy="5292725"/>
+            <a:off x="710609" y="595423"/>
+            <a:ext cx="10770782" cy="1430589"/>
           </a:xfrm>
+          <a:prstGeom prst="rect">
+            <a:avLst/>
+          </a:prstGeom>
         </p:spPr>
-      </p:pic>
+        <p:txBody>
+          <a:bodyPr vert="horz" lIns="91440" tIns="45720" rIns="91440" bIns="45720" rtlCol="0" anchor="ctr">
+            <a:normAutofit/>
+          </a:bodyPr>
+          <a:lstStyle>
+            <a:lvl1pPr algn="l" defTabSz="914400" rtl="0" eaLnBrk="1" latinLnBrk="0" hangingPunct="1">
+              <a:lnSpc>
+                <a:spcPct val="90000"/>
+              </a:lnSpc>
+              <a:spcBef>
+                <a:spcPct val="0"/>
+              </a:spcBef>
+              <a:buNone/>
+              <a:defRPr sz="4400" kern="1200">
+                <a:solidFill>
+                  <a:schemeClr val="tx1"/>
+                </a:solidFill>
+                <a:latin typeface="+mj-lt"/>
+                <a:ea typeface="+mj-ea"/>
+                <a:cs typeface="+mj-cs"/>
+              </a:defRPr>
+            </a:lvl1pPr>
+          </a:lstStyle>
+          <a:p>
+            <a:pPr algn="ctr"/>
+            <a:r>
+              <a:rPr lang="en-GB" sz="4000" dirty="0"/>
+              <a:t>What is the Shapiro Delay?</a:t>
+            </a:r>
+          </a:p>
+        </p:txBody>
+      </p:sp>
+      <p:sp>
+        <p:nvSpPr>
+          <p:cNvPr id="7" name="Content Placeholder 2">
+            <a:extLst>
+              <a:ext uri="{FF2B5EF4-FFF2-40B4-BE49-F238E27FC236}">
+                <a16:creationId xmlns:a16="http://schemas.microsoft.com/office/drawing/2014/main" id="{9A258B1B-6EC3-4F12-A867-FEF8EA363B6D}"/>
+              </a:ext>
+            </a:extLst>
+          </p:cNvPr>
+          <p:cNvSpPr txBox="1">
+            <a:spLocks/>
+          </p:cNvSpPr>
+          <p:nvPr/>
+        </p:nvSpPr>
+        <p:spPr>
+          <a:xfrm>
+            <a:off x="838201" y="2207155"/>
+            <a:ext cx="10515600" cy="3773010"/>
+          </a:xfrm>
+          <a:prstGeom prst="rect">
+            <a:avLst/>
+          </a:prstGeom>
+        </p:spPr>
+        <p:txBody>
+          <a:bodyPr vert="horz" lIns="91440" tIns="45720" rIns="91440" bIns="45720" rtlCol="0">
+            <a:normAutofit/>
+          </a:bodyPr>
+          <a:lstStyle>
+            <a:lvl1pPr marL="228600" indent="-228600" algn="l" defTabSz="914400" rtl="0" eaLnBrk="1" latinLnBrk="0" hangingPunct="1">
+              <a:lnSpc>
+                <a:spcPct val="90000"/>
+              </a:lnSpc>
+              <a:spcBef>
+                <a:spcPts val="1000"/>
+              </a:spcBef>
+              <a:buFont typeface="Arial" panose="020B0604020202020204" pitchFamily="34" charset="0"/>
+              <a:buChar char="•"/>
+              <a:defRPr sz="2800" kern="1200">
+                <a:solidFill>
+                  <a:schemeClr val="tx1"/>
+                </a:solidFill>
+                <a:latin typeface="+mn-lt"/>
+                <a:ea typeface="+mn-ea"/>
+                <a:cs typeface="+mn-cs"/>
+              </a:defRPr>
+            </a:lvl1pPr>
+            <a:lvl2pPr marL="685800" indent="-228600" algn="l" defTabSz="914400" rtl="0" eaLnBrk="1" latinLnBrk="0" hangingPunct="1">
+              <a:lnSpc>
+                <a:spcPct val="90000"/>
+              </a:lnSpc>
+              <a:spcBef>
+                <a:spcPts val="500"/>
+              </a:spcBef>
+              <a:buFont typeface="Arial" panose="020B0604020202020204" pitchFamily="34" charset="0"/>
+              <a:buChar char="•"/>
+              <a:defRPr sz="2400" kern="1200">
+                <a:solidFill>
+                  <a:schemeClr val="tx1"/>
+                </a:solidFill>
+                <a:latin typeface="+mn-lt"/>
+                <a:ea typeface="+mn-ea"/>
+                <a:cs typeface="+mn-cs"/>
+              </a:defRPr>
+            </a:lvl2pPr>
+            <a:lvl3pPr marL="1143000" indent="-228600" algn="l" defTabSz="914400" rtl="0" eaLnBrk="1" latinLnBrk="0" hangingPunct="1">
+              <a:lnSpc>
+                <a:spcPct val="90000"/>
+              </a:lnSpc>
+              <a:spcBef>
+                <a:spcPts val="500"/>
+              </a:spcBef>
+              <a:buFont typeface="Arial" panose="020B0604020202020204" pitchFamily="34" charset="0"/>
+              <a:buChar char="•"/>
+              <a:defRPr sz="2000" kern="1200">
+                <a:solidFill>
+                  <a:schemeClr val="tx1"/>
+                </a:solidFill>
+                <a:latin typeface="+mn-lt"/>
+                <a:ea typeface="+mn-ea"/>
+                <a:cs typeface="+mn-cs"/>
+              </a:defRPr>
+            </a:lvl3pPr>
+            <a:lvl4pPr marL="1600200" indent="-228600" algn="l" defTabSz="914400" rtl="0" eaLnBrk="1" latinLnBrk="0" hangingPunct="1">
+              <a:lnSpc>
+                <a:spcPct val="90000"/>
+              </a:lnSpc>
+              <a:spcBef>
+                <a:spcPts val="500"/>
+              </a:spcBef>
+              <a:buFont typeface="Arial" panose="020B0604020202020204" pitchFamily="34" charset="0"/>
+              <a:buChar char="•"/>
+              <a:defRPr sz="1800" kern="1200">
+                <a:solidFill>
+                  <a:schemeClr val="tx1"/>
+                </a:solidFill>
+                <a:latin typeface="+mn-lt"/>
+                <a:ea typeface="+mn-ea"/>
+                <a:cs typeface="+mn-cs"/>
+              </a:defRPr>
+            </a:lvl4pPr>
+            <a:lvl5pPr marL="2057400" indent="-228600" algn="l" defTabSz="914400" rtl="0" eaLnBrk="1" latinLnBrk="0" hangingPunct="1">
+              <a:lnSpc>
+                <a:spcPct val="90000"/>
+              </a:lnSpc>
+              <a:spcBef>
+                <a:spcPts val="500"/>
+              </a:spcBef>
+              <a:buFont typeface="Arial" panose="020B0604020202020204" pitchFamily="34" charset="0"/>
+              <a:buChar char="•"/>
+              <a:defRPr sz="1800" kern="1200">
+                <a:solidFill>
+                  <a:schemeClr val="tx1"/>
+                </a:solidFill>
+                <a:latin typeface="+mn-lt"/>
+                <a:ea typeface="+mn-ea"/>
+                <a:cs typeface="+mn-cs"/>
+              </a:defRPr>
+            </a:lvl5pPr>
+            <a:lvl6pPr marL="2514600" indent="-228600" algn="l" defTabSz="914400" rtl="0" eaLnBrk="1" latinLnBrk="0" hangingPunct="1">
+              <a:lnSpc>
+                <a:spcPct val="90000"/>
+              </a:lnSpc>
+              <a:spcBef>
+                <a:spcPts val="500"/>
+              </a:spcBef>
+              <a:buFont typeface="Arial" panose="020B0604020202020204" pitchFamily="34" charset="0"/>
+              <a:buChar char="•"/>
+              <a:defRPr sz="1800" kern="1200">
+                <a:solidFill>
+                  <a:schemeClr val="tx1"/>
+                </a:solidFill>
+                <a:latin typeface="+mn-lt"/>
+                <a:ea typeface="+mn-ea"/>
+                <a:cs typeface="+mn-cs"/>
+              </a:defRPr>
+            </a:lvl6pPr>
+            <a:lvl7pPr marL="2971800" indent="-228600" algn="l" defTabSz="914400" rtl="0" eaLnBrk="1" latinLnBrk="0" hangingPunct="1">
+              <a:lnSpc>
+                <a:spcPct val="90000"/>
+              </a:lnSpc>
+              <a:spcBef>
+                <a:spcPts val="500"/>
+              </a:spcBef>
+              <a:buFont typeface="Arial" panose="020B0604020202020204" pitchFamily="34" charset="0"/>
+              <a:buChar char="•"/>
+              <a:defRPr sz="1800" kern="1200">
+                <a:solidFill>
+                  <a:schemeClr val="tx1"/>
+                </a:solidFill>
+                <a:latin typeface="+mn-lt"/>
+                <a:ea typeface="+mn-ea"/>
+                <a:cs typeface="+mn-cs"/>
+              </a:defRPr>
+            </a:lvl7pPr>
+            <a:lvl8pPr marL="3429000" indent="-228600" algn="l" defTabSz="914400" rtl="0" eaLnBrk="1" latinLnBrk="0" hangingPunct="1">
+              <a:lnSpc>
+                <a:spcPct val="90000"/>
+              </a:lnSpc>
+              <a:spcBef>
+                <a:spcPts val="500"/>
+              </a:spcBef>
+              <a:buFont typeface="Arial" panose="020B0604020202020204" pitchFamily="34" charset="0"/>
+              <a:buChar char="•"/>
+              <a:defRPr sz="1800" kern="1200">
+                <a:solidFill>
+                  <a:schemeClr val="tx1"/>
+                </a:solidFill>
+                <a:latin typeface="+mn-lt"/>
+                <a:ea typeface="+mn-ea"/>
+                <a:cs typeface="+mn-cs"/>
+              </a:defRPr>
+            </a:lvl8pPr>
+            <a:lvl9pPr marL="3886200" indent="-228600" algn="l" defTabSz="914400" rtl="0" eaLnBrk="1" latinLnBrk="0" hangingPunct="1">
+              <a:lnSpc>
+                <a:spcPct val="90000"/>
+              </a:lnSpc>
+              <a:spcBef>
+                <a:spcPts val="500"/>
+              </a:spcBef>
+              <a:buFont typeface="Arial" panose="020B0604020202020204" pitchFamily="34" charset="0"/>
+              <a:buChar char="•"/>
+              <a:defRPr sz="1800" kern="1200">
+                <a:solidFill>
+                  <a:schemeClr val="tx1"/>
+                </a:solidFill>
+                <a:latin typeface="+mn-lt"/>
+                <a:ea typeface="+mn-ea"/>
+                <a:cs typeface="+mn-cs"/>
+              </a:defRPr>
+            </a:lvl9pPr>
+          </a:lstStyle>
+          <a:p>
+            <a:r>
+              <a:rPr lang="en-GB" sz="2400" dirty="0"/>
+              <a:t>Named after Irwin Shapiro, who wrote a paper predicting this phenomenon in 1964, titled: The Fourth Test of General Relativity</a:t>
+            </a:r>
+            <a:r>
+              <a:rPr lang="en-GB" sz="2400" baseline="30000" dirty="0"/>
+              <a:t>1</a:t>
+            </a:r>
+            <a:endParaRPr lang="en-GB" sz="2400" dirty="0"/>
+          </a:p>
+          <a:p>
+            <a:r>
+              <a:rPr lang="en-GB" sz="2400" dirty="0"/>
+              <a:t>The Shapiro delay itself cannot be observed directly, but it is possible to observe some changes in the Shapiro delay</a:t>
+            </a:r>
+          </a:p>
+          <a:p>
+            <a:r>
+              <a:rPr lang="en-GB" sz="2400" dirty="0"/>
+              <a:t>“Because, according to the general theory, the speed of a light wave depends on the strength of the gravitational potential along its path, these time delays should thereby be increased by almost 2x10</a:t>
+            </a:r>
+            <a:r>
+              <a:rPr lang="en-GB" sz="2400" baseline="30000" dirty="0"/>
+              <a:t>-4</a:t>
+            </a:r>
+            <a:r>
+              <a:rPr lang="en-GB" sz="2400" dirty="0"/>
+              <a:t> sec when the radar pulses pass near the Sun” – fourth test of general relativity, Irwin Shapiro</a:t>
+            </a:r>
+            <a:r>
+              <a:rPr lang="en-GB" sz="2400" baseline="30000" dirty="0"/>
+              <a:t>1</a:t>
+            </a:r>
+            <a:endParaRPr lang="en-GB" sz="2400" dirty="0"/>
+          </a:p>
+        </p:txBody>
+      </p:sp>
+      <p:sp>
+        <p:nvSpPr>
+          <p:cNvPr id="8" name="TextBox 7">
+            <a:extLst>
+              <a:ext uri="{FF2B5EF4-FFF2-40B4-BE49-F238E27FC236}">
+                <a16:creationId xmlns:a16="http://schemas.microsoft.com/office/drawing/2014/main" id="{A6D4331F-520B-48A7-A9CC-4D20C79865FC}"/>
+              </a:ext>
+            </a:extLst>
+          </p:cNvPr>
+          <p:cNvSpPr txBox="1"/>
+          <p:nvPr/>
+        </p:nvSpPr>
+        <p:spPr>
+          <a:xfrm>
+            <a:off x="710609" y="6254234"/>
+            <a:ext cx="11404600" cy="369332"/>
+          </a:xfrm>
+          <a:prstGeom prst="rect">
+            <a:avLst/>
+          </a:prstGeom>
+          <a:noFill/>
+        </p:spPr>
+        <p:txBody>
+          <a:bodyPr wrap="square" rtlCol="0">
+            <a:spAutoFit/>
+          </a:bodyPr>
+          <a:lstStyle/>
+          <a:p>
+            <a:pPr algn="l"/>
+            <a:r>
+              <a:rPr lang="en-GB" sz="1800" b="0" i="0" u="none" strike="noStrike" baseline="0" dirty="0">
+                <a:solidFill>
+                  <a:schemeClr val="bg1"/>
+                </a:solidFill>
+                <a:latin typeface="AdvOT483a8203"/>
+              </a:rPr>
+              <a:t>I. I. Shapiro, Fourth Test of General Relativity, Phys. Rev. Lett. </a:t>
+            </a:r>
+            <a:r>
+              <a:rPr lang="en-GB" sz="1800" b="0" i="0" u="none" strike="noStrike" baseline="0" dirty="0">
+                <a:solidFill>
+                  <a:schemeClr val="bg1"/>
+                </a:solidFill>
+                <a:latin typeface="AdvOT19ee2aa8.B"/>
+              </a:rPr>
+              <a:t>13</a:t>
+            </a:r>
+            <a:r>
+              <a:rPr lang="en-GB" sz="1800" b="0" i="0" u="none" strike="noStrike" baseline="0" dirty="0">
+                <a:solidFill>
+                  <a:schemeClr val="bg1"/>
+                </a:solidFill>
+                <a:latin typeface="AdvOT483a8203"/>
+              </a:rPr>
+              <a:t>, 789 (1964).</a:t>
+            </a:r>
+          </a:p>
+        </p:txBody>
+      </p:sp>
     </p:spTree>
     <p:extLst>
       <p:ext uri="{BB962C8B-B14F-4D97-AF65-F5344CB8AC3E}">
-        <p14:creationId xmlns:p14="http://schemas.microsoft.com/office/powerpoint/2010/main" val="3136567480"/>
+        <p14:creationId xmlns:p14="http://schemas.microsoft.com/office/powerpoint/2010/main" val="2066486710"/>
       </p:ext>
     </p:extLst>
   </p:cSld>
@@ -5560,7 +6478,7 @@
 </p:sld>
 </file>
 
-<file path=ppt/slides/slide11.xml><?xml version="1.0" encoding="utf-8"?>
+<file path=ppt/slides/slide12.xml><?xml version="1.0" encoding="utf-8"?>
 <p:sld xmlns:a="http://schemas.openxmlformats.org/drawingml/2006/main" xmlns:r="http://schemas.openxmlformats.org/officeDocument/2006/relationships" xmlns:p="http://schemas.openxmlformats.org/presentationml/2006/main">
   <p:cSld>
     <p:spTree>
@@ -5582,7 +6500,7 @@
           <p:cNvPr id="5" name="Picture 4" descr="A swirling meteorite">
             <a:extLst>
               <a:ext uri="{FF2B5EF4-FFF2-40B4-BE49-F238E27FC236}">
-                <a16:creationId xmlns:a16="http://schemas.microsoft.com/office/drawing/2014/main" id="{DA8DC6CD-36DD-4EE8-A322-7F64B11F3E52}"/>
+                <a16:creationId xmlns:a16="http://schemas.microsoft.com/office/drawing/2014/main" id="{1EC1C0E9-B7CD-4ACB-A5C7-24C56CF687DD}"/>
               </a:ext>
             </a:extLst>
           </p:cNvPr>
@@ -5600,7 +6518,7 @@
         </p:blipFill>
         <p:spPr>
           <a:xfrm>
-            <a:off x="-1954607" y="-1685261"/>
+            <a:off x="-1950373" y="-1685261"/>
             <a:ext cx="18184010" cy="10228521"/>
           </a:xfrm>
           <a:prstGeom prst="rect">
@@ -5613,7 +6531,202 @@
           <p:cNvPr id="4" name="Rectangle 3">
             <a:extLst>
               <a:ext uri="{FF2B5EF4-FFF2-40B4-BE49-F238E27FC236}">
-                <a16:creationId xmlns:a16="http://schemas.microsoft.com/office/drawing/2014/main" id="{D262BCB0-171F-49AE-949F-0A158E7AE3C8}"/>
+                <a16:creationId xmlns:a16="http://schemas.microsoft.com/office/drawing/2014/main" id="{0068D2E3-B1A9-4B96-9E0D-C81923AF659D}"/>
+              </a:ext>
+            </a:extLst>
+          </p:cNvPr>
+          <p:cNvSpPr/>
+          <p:nvPr/>
+        </p:nvSpPr>
+        <p:spPr>
+          <a:xfrm>
+            <a:off x="709084" y="595422"/>
+            <a:ext cx="10770782" cy="5667154"/>
+          </a:xfrm>
+          <a:prstGeom prst="rect">
+            <a:avLst/>
+          </a:prstGeom>
+          <a:solidFill>
+            <a:schemeClr val="bg1">
+              <a:alpha val="90000"/>
+            </a:schemeClr>
+          </a:solidFill>
+        </p:spPr>
+        <p:style>
+          <a:lnRef idx="2">
+            <a:schemeClr val="accent1">
+              <a:shade val="50000"/>
+            </a:schemeClr>
+          </a:lnRef>
+          <a:fillRef idx="1">
+            <a:schemeClr val="accent1"/>
+          </a:fillRef>
+          <a:effectRef idx="0">
+            <a:schemeClr val="accent1"/>
+          </a:effectRef>
+          <a:fontRef idx="minor">
+            <a:schemeClr val="lt1"/>
+          </a:fontRef>
+        </p:style>
+        <p:txBody>
+          <a:bodyPr rtlCol="0" anchor="ctr"/>
+          <a:lstStyle/>
+          <a:p>
+            <a:pPr algn="ctr"/>
+            <a:endParaRPr lang="en-GB" dirty="0"/>
+          </a:p>
+        </p:txBody>
+      </p:sp>
+      <p:sp>
+        <p:nvSpPr>
+          <p:cNvPr id="6" name="Title 1">
+            <a:extLst>
+              <a:ext uri="{FF2B5EF4-FFF2-40B4-BE49-F238E27FC236}">
+                <a16:creationId xmlns:a16="http://schemas.microsoft.com/office/drawing/2014/main" id="{84E8942C-B119-47B6-B78D-712AF8ECFB7E}"/>
+              </a:ext>
+            </a:extLst>
+          </p:cNvPr>
+          <p:cNvSpPr>
+            <a:spLocks noGrp="1"/>
+          </p:cNvSpPr>
+          <p:nvPr>
+            <p:ph type="title"/>
+          </p:nvPr>
+        </p:nvSpPr>
+        <p:spPr>
+          <a:xfrm>
+            <a:off x="709084" y="595422"/>
+            <a:ext cx="10770782" cy="1461977"/>
+          </a:xfrm>
+        </p:spPr>
+        <p:txBody>
+          <a:bodyPr>
+            <a:normAutofit/>
+          </a:bodyPr>
+          <a:lstStyle/>
+          <a:p>
+            <a:pPr algn="ctr"/>
+            <a:r>
+              <a:rPr lang="en-GB" dirty="0"/>
+              <a:t>Why do we measure it?</a:t>
+            </a:r>
+          </a:p>
+        </p:txBody>
+      </p:sp>
+      <p:sp>
+        <p:nvSpPr>
+          <p:cNvPr id="7" name="Content Placeholder 2">
+            <a:extLst>
+              <a:ext uri="{FF2B5EF4-FFF2-40B4-BE49-F238E27FC236}">
+                <a16:creationId xmlns:a16="http://schemas.microsoft.com/office/drawing/2014/main" id="{5997C1DD-85DA-4F88-9B4C-549C168B5E83}"/>
+              </a:ext>
+            </a:extLst>
+          </p:cNvPr>
+          <p:cNvSpPr>
+            <a:spLocks noGrp="1"/>
+          </p:cNvSpPr>
+          <p:nvPr>
+            <p:ph idx="1"/>
+          </p:nvPr>
+        </p:nvSpPr>
+        <p:spPr>
+          <a:xfrm>
+            <a:off x="917109" y="2172430"/>
+            <a:ext cx="10354733" cy="3843666"/>
+          </a:xfrm>
+        </p:spPr>
+        <p:txBody>
+          <a:bodyPr>
+            <a:noAutofit/>
+          </a:bodyPr>
+          <a:lstStyle/>
+          <a:p>
+            <a:r>
+              <a:rPr lang="en-GB" sz="2400" dirty="0"/>
+              <a:t>It is of great interest to obtain more neutron star mass measurements, in order to probe a wider parameter space of the EOS and to better understand the true distribution of neutron star masses. </a:t>
+            </a:r>
+          </a:p>
+          <a:p>
+            <a:r>
+              <a:rPr lang="en-GB" sz="2400" dirty="0"/>
+              <a:t>Can yield precise mass for both a millisecond pulsar and its companion</a:t>
+            </a:r>
+          </a:p>
+          <a:p>
+            <a:r>
+              <a:rPr lang="en-GB" sz="2400" dirty="0"/>
+              <a:t>Determining how much effect this change in Shapiro delay will have on pulsar timing allows for the introduction of another correction term, allowing for the possibility of reducing timing noise, as well as improving the chances for detecting gravitational waves. </a:t>
+            </a:r>
+          </a:p>
+        </p:txBody>
+      </p:sp>
+    </p:spTree>
+    <p:extLst>
+      <p:ext uri="{BB962C8B-B14F-4D97-AF65-F5344CB8AC3E}">
+        <p14:creationId xmlns:p14="http://schemas.microsoft.com/office/powerpoint/2010/main" val="1836409000"/>
+      </p:ext>
+    </p:extLst>
+  </p:cSld>
+  <p:clrMapOvr>
+    <a:masterClrMapping/>
+  </p:clrMapOvr>
+</p:sld>
+</file>
+
+<file path=ppt/slides/slide13.xml><?xml version="1.0" encoding="utf-8"?>
+<p:sld xmlns:a="http://schemas.openxmlformats.org/drawingml/2006/main" xmlns:r="http://schemas.openxmlformats.org/officeDocument/2006/relationships" xmlns:p="http://schemas.openxmlformats.org/presentationml/2006/main">
+  <p:cSld>
+    <p:spTree>
+      <p:nvGrpSpPr>
+        <p:cNvPr id="1" name=""/>
+        <p:cNvGrpSpPr/>
+        <p:nvPr/>
+      </p:nvGrpSpPr>
+      <p:grpSpPr>
+        <a:xfrm>
+          <a:off x="0" y="0"/>
+          <a:ext cx="0" cy="0"/>
+          <a:chOff x="0" y="0"/>
+          <a:chExt cx="0" cy="0"/>
+        </a:xfrm>
+      </p:grpSpPr>
+      <p:pic>
+        <p:nvPicPr>
+          <p:cNvPr id="5" name="Picture 4" descr="A swirling meteorite">
+            <a:extLst>
+              <a:ext uri="{FF2B5EF4-FFF2-40B4-BE49-F238E27FC236}">
+                <a16:creationId xmlns:a16="http://schemas.microsoft.com/office/drawing/2014/main" id="{BE65E142-9C40-4E87-94CA-8821FA71E7D8}"/>
+              </a:ext>
+            </a:extLst>
+          </p:cNvPr>
+          <p:cNvPicPr>
+            <a:picLocks noChangeAspect="1"/>
+          </p:cNvPicPr>
+          <p:nvPr/>
+        </p:nvPicPr>
+        <p:blipFill rotWithShape="1">
+          <a:blip r:embed="rId2">
+            <a:alphaModFix/>
+          </a:blip>
+          <a:srcRect t="157" b="12971"/>
+          <a:stretch/>
+        </p:blipFill>
+        <p:spPr>
+          <a:xfrm>
+            <a:off x="-1726007" y="-1685261"/>
+            <a:ext cx="18184010" cy="10228521"/>
+          </a:xfrm>
+          <a:prstGeom prst="rect">
+            <a:avLst/>
+          </a:prstGeom>
+        </p:spPr>
+      </p:pic>
+      <p:sp>
+        <p:nvSpPr>
+          <p:cNvPr id="4" name="Rectangle 3">
+            <a:extLst>
+              <a:ext uri="{FF2B5EF4-FFF2-40B4-BE49-F238E27FC236}">
+                <a16:creationId xmlns:a16="http://schemas.microsoft.com/office/drawing/2014/main" id="{65783FAD-6E77-4DB7-A109-D7D9829F6901}"/>
               </a:ext>
             </a:extLst>
           </p:cNvPr>
@@ -5664,7 +6777,7 @@
           <p:cNvPr id="2" name="Title 1">
             <a:extLst>
               <a:ext uri="{FF2B5EF4-FFF2-40B4-BE49-F238E27FC236}">
-                <a16:creationId xmlns:a16="http://schemas.microsoft.com/office/drawing/2014/main" id="{8F36547C-1DDF-4FFB-A3CD-C0A1812CE07D}"/>
+                <a16:creationId xmlns:a16="http://schemas.microsoft.com/office/drawing/2014/main" id="{64F2FD3D-A8A8-43A4-8956-C7594DB0DD85}"/>
               </a:ext>
             </a:extLst>
           </p:cNvPr>
@@ -5677,8 +6790,8 @@
         </p:nvSpPr>
         <p:spPr>
           <a:xfrm>
-            <a:off x="838200" y="595423"/>
-            <a:ext cx="10515600" cy="1095265"/>
+            <a:off x="710609" y="595422"/>
+            <a:ext cx="10770782" cy="1498839"/>
           </a:xfrm>
         </p:spPr>
         <p:txBody>
@@ -5688,7 +6801,7 @@
             <a:pPr algn="ctr"/>
             <a:r>
               <a:rPr lang="en-GB" dirty="0"/>
-              <a:t>How do we measure it?</a:t>
+              <a:t>When is it important?</a:t>
             </a:r>
           </a:p>
         </p:txBody>
@@ -5698,7 +6811,7 @@
           <p:cNvPr id="3" name="Content Placeholder 2">
             <a:extLst>
               <a:ext uri="{FF2B5EF4-FFF2-40B4-BE49-F238E27FC236}">
-                <a16:creationId xmlns:a16="http://schemas.microsoft.com/office/drawing/2014/main" id="{E420530E-37F4-4DD5-B355-EB0B002995CE}"/>
+                <a16:creationId xmlns:a16="http://schemas.microsoft.com/office/drawing/2014/main" id="{926CD75D-37E5-469A-8767-D64ED8E89DB3}"/>
               </a:ext>
             </a:extLst>
           </p:cNvPr>
@@ -5709,44 +6822,44 @@
             <p:ph idx="1"/>
           </p:nvPr>
         </p:nvSpPr>
-        <p:spPr/>
+        <p:spPr>
+          <a:xfrm>
+            <a:off x="1718733" y="2209799"/>
+            <a:ext cx="8754533" cy="3937241"/>
+          </a:xfrm>
+        </p:spPr>
         <p:txBody>
           <a:bodyPr/>
           <a:lstStyle/>
           <a:p>
             <a:r>
               <a:rPr lang="en-GB" dirty="0"/>
-              <a:t>The Shapiro delay is a term that cannot be directly observed, but is inferred from movement of stars within the globular cluster. Since the stars move around the globular cluster, this results in the change in Shapiro delay over time – the Shapiro noise – which is an observable quantity. </a:t>
+              <a:t>When the pulsar’s binary companion approaches the LOS</a:t>
             </a:r>
           </a:p>
           <a:p>
             <a:r>
               <a:rPr lang="en-GB" dirty="0"/>
-              <a:t>The post-Keplerian parameters </a:t>
-            </a:r>
-            <a:r>
-              <a:rPr lang="en-GB" i="1" dirty="0"/>
-              <a:t>r</a:t>
+              <a:t>When the inclination is close to 90</a:t>
+            </a:r>
+            <a:r>
+              <a:rPr lang="en-GB" baseline="30000" dirty="0"/>
+              <a:t>o</a:t>
             </a:r>
             <a:r>
               <a:rPr lang="en-GB" dirty="0"/>
-              <a:t> (Shapiro range) and </a:t>
-            </a:r>
-            <a:r>
-              <a:rPr lang="en-GB" i="1" dirty="0"/>
-              <a:t>s</a:t>
-            </a:r>
-            <a:r>
-              <a:rPr lang="en-GB" dirty="0"/>
-              <a:t> (Shapiro shape) are directly measurable and via these the Shapiro delay can be found </a:t>
-            </a:r>
+              <a:t> </a:t>
+            </a:r>
+          </a:p>
+          <a:p>
+            <a:endParaRPr lang="en-GB" dirty="0"/>
           </a:p>
         </p:txBody>
       </p:sp>
     </p:spTree>
     <p:extLst>
       <p:ext uri="{BB962C8B-B14F-4D97-AF65-F5344CB8AC3E}">
-        <p14:creationId xmlns:p14="http://schemas.microsoft.com/office/powerpoint/2010/main" val="583606827"/>
+        <p14:creationId xmlns:p14="http://schemas.microsoft.com/office/powerpoint/2010/main" val="411494476"/>
       </p:ext>
     </p:extLst>
   </p:cSld>
@@ -5756,7 +6869,7 @@
 </p:sld>
 </file>
 
-<file path=ppt/slides/slide12.xml><?xml version="1.0" encoding="utf-8"?>
+<file path=ppt/slides/slide14.xml><?xml version="1.0" encoding="utf-8"?>
 <p:sld xmlns:a="http://schemas.openxmlformats.org/drawingml/2006/main" xmlns:r="http://schemas.openxmlformats.org/officeDocument/2006/relationships" xmlns:p="http://schemas.openxmlformats.org/presentationml/2006/main">
   <p:cSld>
     <p:spTree>
@@ -5778,7 +6891,7 @@
           <p:cNvPr id="5" name="Picture 4" descr="A swirling meteorite">
             <a:extLst>
               <a:ext uri="{FF2B5EF4-FFF2-40B4-BE49-F238E27FC236}">
-                <a16:creationId xmlns:a16="http://schemas.microsoft.com/office/drawing/2014/main" id="{A0AC3572-3690-4E25-A2A3-BB18A04E558A}"/>
+                <a16:creationId xmlns:a16="http://schemas.microsoft.com/office/drawing/2014/main" id="{BE65E142-9C40-4E87-94CA-8821FA71E7D8}"/>
               </a:ext>
             </a:extLst>
           </p:cNvPr>
@@ -5788,7 +6901,7 @@
           <p:nvPr/>
         </p:nvPicPr>
         <p:blipFill rotWithShape="1">
-          <a:blip r:embed="rId3">
+          <a:blip r:embed="rId2">
             <a:alphaModFix/>
           </a:blip>
           <a:srcRect t="157" b="12971"/>
@@ -5796,7 +6909,7 @@
         </p:blipFill>
         <p:spPr>
           <a:xfrm>
-            <a:off x="-1802207" y="-1685261"/>
+            <a:off x="-1586307" y="-1685261"/>
             <a:ext cx="18184010" cy="10228521"/>
           </a:xfrm>
           <a:prstGeom prst="rect">
@@ -5809,7 +6922,7 @@
           <p:cNvPr id="4" name="Rectangle 3">
             <a:extLst>
               <a:ext uri="{FF2B5EF4-FFF2-40B4-BE49-F238E27FC236}">
-                <a16:creationId xmlns:a16="http://schemas.microsoft.com/office/drawing/2014/main" id="{77EB1B6E-8190-49A1-81B0-7F0A98B098CF}"/>
+                <a16:creationId xmlns:a16="http://schemas.microsoft.com/office/drawing/2014/main" id="{65783FAD-6E77-4DB7-A109-D7D9829F6901}"/>
               </a:ext>
             </a:extLst>
           </p:cNvPr>
@@ -5855,12 +6968,159 @@
           </a:p>
         </p:txBody>
       </p:sp>
+      <p:pic>
+        <p:nvPicPr>
+          <p:cNvPr id="10" name="Content Placeholder 4" descr="Chart&#10;&#10;Description automatically generated">
+            <a:extLst>
+              <a:ext uri="{FF2B5EF4-FFF2-40B4-BE49-F238E27FC236}">
+                <a16:creationId xmlns:a16="http://schemas.microsoft.com/office/drawing/2014/main" id="{13D17548-5C18-477C-A1D0-734C5A3CE506}"/>
+              </a:ext>
+            </a:extLst>
+          </p:cNvPr>
+          <p:cNvPicPr>
+            <a:picLocks noGrp="1" noChangeAspect="1"/>
+          </p:cNvPicPr>
+          <p:nvPr>
+            <p:ph idx="1"/>
+          </p:nvPr>
+        </p:nvPicPr>
+        <p:blipFill>
+          <a:blip r:embed="rId3">
+            <a:extLst>
+              <a:ext uri="{28A0092B-C50C-407E-A947-70E740481C1C}">
+                <a14:useLocalDpi xmlns:a14="http://schemas.microsoft.com/office/drawing/2010/main" val="0"/>
+              </a:ext>
+            </a:extLst>
+          </a:blip>
+          <a:stretch>
+            <a:fillRect/>
+          </a:stretch>
+        </p:blipFill>
+        <p:spPr>
+          <a:xfrm>
+            <a:off x="1993829" y="782637"/>
+            <a:ext cx="8204341" cy="5292725"/>
+          </a:xfrm>
+        </p:spPr>
+      </p:pic>
+    </p:spTree>
+    <p:extLst>
+      <p:ext uri="{BB962C8B-B14F-4D97-AF65-F5344CB8AC3E}">
+        <p14:creationId xmlns:p14="http://schemas.microsoft.com/office/powerpoint/2010/main" val="3136567480"/>
+      </p:ext>
+    </p:extLst>
+  </p:cSld>
+  <p:clrMapOvr>
+    <a:masterClrMapping/>
+  </p:clrMapOvr>
+</p:sld>
+</file>
+
+<file path=ppt/slides/slide15.xml><?xml version="1.0" encoding="utf-8"?>
+<p:sld xmlns:a="http://schemas.openxmlformats.org/drawingml/2006/main" xmlns:r="http://schemas.openxmlformats.org/officeDocument/2006/relationships" xmlns:p="http://schemas.openxmlformats.org/presentationml/2006/main">
+  <p:cSld>
+    <p:spTree>
+      <p:nvGrpSpPr>
+        <p:cNvPr id="1" name=""/>
+        <p:cNvGrpSpPr/>
+        <p:nvPr/>
+      </p:nvGrpSpPr>
+      <p:grpSpPr>
+        <a:xfrm>
+          <a:off x="0" y="0"/>
+          <a:ext cx="0" cy="0"/>
+          <a:chOff x="0" y="0"/>
+          <a:chExt cx="0" cy="0"/>
+        </a:xfrm>
+      </p:grpSpPr>
+      <p:pic>
+        <p:nvPicPr>
+          <p:cNvPr id="5" name="Picture 4" descr="A swirling meteorite">
+            <a:extLst>
+              <a:ext uri="{FF2B5EF4-FFF2-40B4-BE49-F238E27FC236}">
+                <a16:creationId xmlns:a16="http://schemas.microsoft.com/office/drawing/2014/main" id="{DA8DC6CD-36DD-4EE8-A322-7F64B11F3E52}"/>
+              </a:ext>
+            </a:extLst>
+          </p:cNvPr>
+          <p:cNvPicPr>
+            <a:picLocks noChangeAspect="1"/>
+          </p:cNvPicPr>
+          <p:nvPr/>
+        </p:nvPicPr>
+        <p:blipFill rotWithShape="1">
+          <a:blip r:embed="rId2">
+            <a:alphaModFix/>
+          </a:blip>
+          <a:srcRect t="157" b="12971"/>
+          <a:stretch/>
+        </p:blipFill>
+        <p:spPr>
+          <a:xfrm>
+            <a:off x="-1421207" y="-1685261"/>
+            <a:ext cx="18184010" cy="10228521"/>
+          </a:xfrm>
+          <a:prstGeom prst="rect">
+            <a:avLst/>
+          </a:prstGeom>
+        </p:spPr>
+      </p:pic>
+      <p:sp>
+        <p:nvSpPr>
+          <p:cNvPr id="4" name="Rectangle 3">
+            <a:extLst>
+              <a:ext uri="{FF2B5EF4-FFF2-40B4-BE49-F238E27FC236}">
+                <a16:creationId xmlns:a16="http://schemas.microsoft.com/office/drawing/2014/main" id="{D262BCB0-171F-49AE-949F-0A158E7AE3C8}"/>
+              </a:ext>
+            </a:extLst>
+          </p:cNvPr>
+          <p:cNvSpPr/>
+          <p:nvPr/>
+        </p:nvSpPr>
+        <p:spPr>
+          <a:xfrm>
+            <a:off x="710609" y="595423"/>
+            <a:ext cx="10770782" cy="5667154"/>
+          </a:xfrm>
+          <a:prstGeom prst="rect">
+            <a:avLst/>
+          </a:prstGeom>
+          <a:solidFill>
+            <a:schemeClr val="bg1">
+              <a:alpha val="90000"/>
+            </a:schemeClr>
+          </a:solidFill>
+        </p:spPr>
+        <p:style>
+          <a:lnRef idx="2">
+            <a:schemeClr val="accent1">
+              <a:shade val="50000"/>
+            </a:schemeClr>
+          </a:lnRef>
+          <a:fillRef idx="1">
+            <a:schemeClr val="accent1"/>
+          </a:fillRef>
+          <a:effectRef idx="0">
+            <a:schemeClr val="accent1"/>
+          </a:effectRef>
+          <a:fontRef idx="minor">
+            <a:schemeClr val="lt1"/>
+          </a:fontRef>
+        </p:style>
+        <p:txBody>
+          <a:bodyPr rtlCol="0" anchor="ctr"/>
+          <a:lstStyle/>
+          <a:p>
+            <a:pPr algn="ctr"/>
+            <a:endParaRPr lang="en-GB" dirty="0"/>
+          </a:p>
+        </p:txBody>
+      </p:sp>
       <p:sp>
         <p:nvSpPr>
           <p:cNvPr id="2" name="Title 1">
             <a:extLst>
               <a:ext uri="{FF2B5EF4-FFF2-40B4-BE49-F238E27FC236}">
-                <a16:creationId xmlns:a16="http://schemas.microsoft.com/office/drawing/2014/main" id="{B4189EE4-C5C9-437F-BDA7-73279A2AF673}"/>
+                <a16:creationId xmlns:a16="http://schemas.microsoft.com/office/drawing/2014/main" id="{8F36547C-1DDF-4FFB-A3CD-C0A1812CE07D}"/>
               </a:ext>
             </a:extLst>
           </p:cNvPr>
@@ -5884,7 +7144,212 @@
             <a:pPr algn="ctr"/>
             <a:r>
               <a:rPr lang="en-GB" dirty="0"/>
-              <a:t>Shapiro Delay Equation 020202</a:t>
+              <a:t>How do we measure it?</a:t>
+            </a:r>
+          </a:p>
+        </p:txBody>
+      </p:sp>
+      <p:sp>
+        <p:nvSpPr>
+          <p:cNvPr id="3" name="Content Placeholder 2">
+            <a:extLst>
+              <a:ext uri="{FF2B5EF4-FFF2-40B4-BE49-F238E27FC236}">
+                <a16:creationId xmlns:a16="http://schemas.microsoft.com/office/drawing/2014/main" id="{E420530E-37F4-4DD5-B355-EB0B002995CE}"/>
+              </a:ext>
+            </a:extLst>
+          </p:cNvPr>
+          <p:cNvSpPr>
+            <a:spLocks noGrp="1"/>
+          </p:cNvSpPr>
+          <p:nvPr>
+            <p:ph idx="1"/>
+          </p:nvPr>
+        </p:nvSpPr>
+        <p:spPr/>
+        <p:txBody>
+          <a:bodyPr/>
+          <a:lstStyle/>
+          <a:p>
+            <a:r>
+              <a:rPr lang="en-GB" dirty="0"/>
+              <a:t>The Shapiro delay itself cannot be directly measured</a:t>
+            </a:r>
+          </a:p>
+          <a:p>
+            <a:r>
+              <a:rPr lang="en-GB" dirty="0"/>
+              <a:t>The post-Keplerian parameters </a:t>
+            </a:r>
+            <a:r>
+              <a:rPr lang="en-GB" i="1" dirty="0"/>
+              <a:t>r</a:t>
+            </a:r>
+            <a:r>
+              <a:rPr lang="en-GB" dirty="0"/>
+              <a:t> (Shapiro range) and </a:t>
+            </a:r>
+            <a:r>
+              <a:rPr lang="en-GB" i="1" dirty="0"/>
+              <a:t>s</a:t>
+            </a:r>
+            <a:r>
+              <a:rPr lang="en-GB" dirty="0"/>
+              <a:t> (Shapiro shape) are directly measurable and via these the Shapiro delay can be found</a:t>
+            </a:r>
+          </a:p>
+          <a:p>
+            <a:r>
+              <a:rPr lang="en-GB" dirty="0"/>
+              <a:t>Combining these with the mass function = independent measurements of the pulsar’s mass and its companion’s mass. </a:t>
+            </a:r>
+          </a:p>
+          <a:p>
+            <a:endParaRPr lang="en-GB" dirty="0"/>
+          </a:p>
+        </p:txBody>
+      </p:sp>
+    </p:spTree>
+    <p:extLst>
+      <p:ext uri="{BB962C8B-B14F-4D97-AF65-F5344CB8AC3E}">
+        <p14:creationId xmlns:p14="http://schemas.microsoft.com/office/powerpoint/2010/main" val="583606827"/>
+      </p:ext>
+    </p:extLst>
+  </p:cSld>
+  <p:clrMapOvr>
+    <a:masterClrMapping/>
+  </p:clrMapOvr>
+</p:sld>
+</file>
+
+<file path=ppt/slides/slide16.xml><?xml version="1.0" encoding="utf-8"?>
+<p:sld xmlns:a="http://schemas.openxmlformats.org/drawingml/2006/main" xmlns:r="http://schemas.openxmlformats.org/officeDocument/2006/relationships" xmlns:p="http://schemas.openxmlformats.org/presentationml/2006/main">
+  <p:cSld>
+    <p:spTree>
+      <p:nvGrpSpPr>
+        <p:cNvPr id="1" name=""/>
+        <p:cNvGrpSpPr/>
+        <p:nvPr/>
+      </p:nvGrpSpPr>
+      <p:grpSpPr>
+        <a:xfrm>
+          <a:off x="0" y="0"/>
+          <a:ext cx="0" cy="0"/>
+          <a:chOff x="0" y="0"/>
+          <a:chExt cx="0" cy="0"/>
+        </a:xfrm>
+      </p:grpSpPr>
+      <p:pic>
+        <p:nvPicPr>
+          <p:cNvPr id="5" name="Picture 4" descr="A swirling meteorite">
+            <a:extLst>
+              <a:ext uri="{FF2B5EF4-FFF2-40B4-BE49-F238E27FC236}">
+                <a16:creationId xmlns:a16="http://schemas.microsoft.com/office/drawing/2014/main" id="{A0AC3572-3690-4E25-A2A3-BB18A04E558A}"/>
+              </a:ext>
+            </a:extLst>
+          </p:cNvPr>
+          <p:cNvPicPr>
+            <a:picLocks noChangeAspect="1"/>
+          </p:cNvPicPr>
+          <p:nvPr/>
+        </p:nvPicPr>
+        <p:blipFill rotWithShape="1">
+          <a:blip r:embed="rId3">
+            <a:alphaModFix/>
+          </a:blip>
+          <a:srcRect t="157" b="12971"/>
+          <a:stretch/>
+        </p:blipFill>
+        <p:spPr>
+          <a:xfrm>
+            <a:off x="-1281507" y="-1685261"/>
+            <a:ext cx="18184010" cy="10228521"/>
+          </a:xfrm>
+          <a:prstGeom prst="rect">
+            <a:avLst/>
+          </a:prstGeom>
+        </p:spPr>
+      </p:pic>
+      <p:sp>
+        <p:nvSpPr>
+          <p:cNvPr id="4" name="Rectangle 3">
+            <a:extLst>
+              <a:ext uri="{FF2B5EF4-FFF2-40B4-BE49-F238E27FC236}">
+                <a16:creationId xmlns:a16="http://schemas.microsoft.com/office/drawing/2014/main" id="{77EB1B6E-8190-49A1-81B0-7F0A98B098CF}"/>
+              </a:ext>
+            </a:extLst>
+          </p:cNvPr>
+          <p:cNvSpPr/>
+          <p:nvPr/>
+        </p:nvSpPr>
+        <p:spPr>
+          <a:xfrm>
+            <a:off x="710609" y="595423"/>
+            <a:ext cx="10770782" cy="5667154"/>
+          </a:xfrm>
+          <a:prstGeom prst="rect">
+            <a:avLst/>
+          </a:prstGeom>
+          <a:solidFill>
+            <a:schemeClr val="bg1">
+              <a:alpha val="90000"/>
+            </a:schemeClr>
+          </a:solidFill>
+        </p:spPr>
+        <p:style>
+          <a:lnRef idx="2">
+            <a:schemeClr val="accent1">
+              <a:shade val="50000"/>
+            </a:schemeClr>
+          </a:lnRef>
+          <a:fillRef idx="1">
+            <a:schemeClr val="accent1"/>
+          </a:fillRef>
+          <a:effectRef idx="0">
+            <a:schemeClr val="accent1"/>
+          </a:effectRef>
+          <a:fontRef idx="minor">
+            <a:schemeClr val="lt1"/>
+          </a:fontRef>
+        </p:style>
+        <p:txBody>
+          <a:bodyPr rtlCol="0" anchor="ctr"/>
+          <a:lstStyle/>
+          <a:p>
+            <a:pPr algn="ctr"/>
+            <a:endParaRPr lang="en-GB" dirty="0"/>
+          </a:p>
+        </p:txBody>
+      </p:sp>
+      <p:sp>
+        <p:nvSpPr>
+          <p:cNvPr id="2" name="Title 1">
+            <a:extLst>
+              <a:ext uri="{FF2B5EF4-FFF2-40B4-BE49-F238E27FC236}">
+                <a16:creationId xmlns:a16="http://schemas.microsoft.com/office/drawing/2014/main" id="{B4189EE4-C5C9-437F-BDA7-73279A2AF673}"/>
+              </a:ext>
+            </a:extLst>
+          </p:cNvPr>
+          <p:cNvSpPr>
+            <a:spLocks noGrp="1"/>
+          </p:cNvSpPr>
+          <p:nvPr>
+            <p:ph type="title"/>
+          </p:nvPr>
+        </p:nvSpPr>
+        <p:spPr>
+          <a:xfrm>
+            <a:off x="710609" y="595423"/>
+            <a:ext cx="10770782" cy="1095265"/>
+          </a:xfrm>
+        </p:spPr>
+        <p:txBody>
+          <a:bodyPr/>
+          <a:lstStyle/>
+          <a:p>
+            <a:pPr algn="ctr"/>
+            <a:r>
+              <a:rPr lang="en-GB" dirty="0"/>
+              <a:t>Shapiro Delay Equation</a:t>
             </a:r>
           </a:p>
         </p:txBody>
@@ -6642,6 +8107,79 @@
           </p:sp>
         </mc:Fallback>
       </mc:AlternateContent>
+      <p:sp>
+        <p:nvSpPr>
+          <p:cNvPr id="6" name="TextBox 5">
+            <a:extLst>
+              <a:ext uri="{FF2B5EF4-FFF2-40B4-BE49-F238E27FC236}">
+                <a16:creationId xmlns:a16="http://schemas.microsoft.com/office/drawing/2014/main" id="{6ECF3940-0291-4F72-8447-3CFF917D5C98}"/>
+              </a:ext>
+            </a:extLst>
+          </p:cNvPr>
+          <p:cNvSpPr txBox="1"/>
+          <p:nvPr/>
+        </p:nvSpPr>
+        <p:spPr>
+          <a:xfrm>
+            <a:off x="710609" y="6254234"/>
+            <a:ext cx="11404600" cy="646331"/>
+          </a:xfrm>
+          <a:prstGeom prst="rect">
+            <a:avLst/>
+          </a:prstGeom>
+          <a:noFill/>
+        </p:spPr>
+        <p:txBody>
+          <a:bodyPr wrap="square" rtlCol="0">
+            <a:spAutoFit/>
+          </a:bodyPr>
+          <a:lstStyle/>
+          <a:p>
+            <a:r>
+              <a:rPr lang="en-GB" dirty="0">
+                <a:solidFill>
+                  <a:schemeClr val="bg1"/>
+                </a:solidFill>
+              </a:rPr>
+              <a:t>Equation from Strong-Field Gravity Tests with the Double Pulsar, </a:t>
+            </a:r>
+            <a:r>
+              <a:rPr lang="da-DK" b="0" i="0" dirty="0">
+                <a:solidFill>
+                  <a:schemeClr val="bg1"/>
+                </a:solidFill>
+                <a:effectLst/>
+                <a:latin typeface="Proxima Nova"/>
+              </a:rPr>
+              <a:t>M. Kramer </a:t>
+            </a:r>
+            <a:r>
+              <a:rPr lang="da-DK" b="0" i="1" dirty="0">
+                <a:solidFill>
+                  <a:schemeClr val="bg1"/>
+                </a:solidFill>
+                <a:effectLst/>
+                <a:latin typeface="Proxima Nova"/>
+              </a:rPr>
+              <a:t>et al.</a:t>
+            </a:r>
+            <a:endParaRPr lang="da-DK" b="0" i="0" dirty="0">
+              <a:solidFill>
+                <a:schemeClr val="bg1"/>
+              </a:solidFill>
+              <a:effectLst/>
+              <a:latin typeface="Proxima Nova"/>
+            </a:endParaRPr>
+          </a:p>
+          <a:p>
+            <a:endParaRPr lang="en-GB" dirty="0">
+              <a:solidFill>
+                <a:schemeClr val="bg1"/>
+              </a:solidFill>
+            </a:endParaRPr>
+          </a:p>
+        </p:txBody>
+      </p:sp>
     </p:spTree>
     <p:extLst>
       <p:ext uri="{BB962C8B-B14F-4D97-AF65-F5344CB8AC3E}">
@@ -6655,7 +8193,7 @@
 </p:sld>
 </file>
 
-<file path=ppt/slides/slide13.xml><?xml version="1.0" encoding="utf-8"?>
+<file path=ppt/slides/slide17.xml><?xml version="1.0" encoding="utf-8"?>
 <p:sld xmlns:a="http://schemas.openxmlformats.org/drawingml/2006/main" xmlns:r="http://schemas.openxmlformats.org/officeDocument/2006/relationships" xmlns:p="http://schemas.openxmlformats.org/presentationml/2006/main">
   <p:cSld>
     <p:spTree>
@@ -6695,7 +8233,7 @@
         </p:blipFill>
         <p:spPr>
           <a:xfrm>
-            <a:off x="-1582074" y="-1685261"/>
+            <a:off x="-1086774" y="-1685261"/>
             <a:ext cx="18184010" cy="10228521"/>
           </a:xfrm>
           <a:prstGeom prst="rect">
@@ -7685,6 +9223,78 @@
           </p:sp>
         </mc:Fallback>
       </mc:AlternateContent>
+      <p:sp>
+        <p:nvSpPr>
+          <p:cNvPr id="8" name="TextBox 7">
+            <a:extLst>
+              <a:ext uri="{FF2B5EF4-FFF2-40B4-BE49-F238E27FC236}">
+                <a16:creationId xmlns:a16="http://schemas.microsoft.com/office/drawing/2014/main" id="{4F73AA9E-9903-4483-81B4-FF30F7569E74}"/>
+              </a:ext>
+            </a:extLst>
+          </p:cNvPr>
+          <p:cNvSpPr txBox="1"/>
+          <p:nvPr/>
+        </p:nvSpPr>
+        <p:spPr>
+          <a:xfrm>
+            <a:off x="710609" y="6254234"/>
+            <a:ext cx="11404600" cy="369332"/>
+          </a:xfrm>
+          <a:prstGeom prst="rect">
+            <a:avLst/>
+          </a:prstGeom>
+          <a:noFill/>
+        </p:spPr>
+        <p:txBody>
+          <a:bodyPr wrap="square" rtlCol="0">
+            <a:spAutoFit/>
+          </a:bodyPr>
+          <a:lstStyle/>
+          <a:p>
+            <a:pPr algn="l"/>
+            <a:r>
+              <a:rPr lang="en-GB" dirty="0">
+                <a:solidFill>
+                  <a:schemeClr val="bg1"/>
+                </a:solidFill>
+              </a:rPr>
+              <a:t>Equations from </a:t>
+            </a:r>
+            <a:r>
+              <a:rPr lang="en-GB" sz="1800" b="0" i="0" u="none" strike="noStrike" baseline="0" dirty="0">
+                <a:solidFill>
+                  <a:schemeClr val="bg1"/>
+                </a:solidFill>
+                <a:latin typeface="Times New Roman" panose="02020603050405020304" pitchFamily="18" charset="0"/>
+              </a:rPr>
+              <a:t>Sakai, Satoru (2011) </a:t>
+            </a:r>
+            <a:r>
+              <a:rPr lang="en-GB" sz="1800" b="0" i="1" u="none" strike="noStrike" baseline="0" dirty="0">
+                <a:solidFill>
+                  <a:schemeClr val="bg1"/>
+                </a:solidFill>
+                <a:latin typeface="Times New Roman" panose="02020603050405020304" pitchFamily="18" charset="0"/>
+              </a:rPr>
+              <a:t>The effect of Shapiro delay on pulsar timing. </a:t>
+            </a:r>
+            <a:r>
+              <a:rPr lang="en-GB" sz="1800" b="0" i="0" u="none" strike="noStrike" baseline="0" dirty="0">
+                <a:solidFill>
+                  <a:schemeClr val="bg1"/>
+                </a:solidFill>
+                <a:latin typeface="Times New Roman" panose="02020603050405020304" pitchFamily="18" charset="0"/>
+              </a:rPr>
+              <a:t>PhD thesis.</a:t>
+            </a:r>
+            <a:endParaRPr lang="en-GB" dirty="0">
+              <a:solidFill>
+                <a:schemeClr val="bg1"/>
+              </a:solidFill>
+            </a:endParaRPr>
+          </a:p>
+        </p:txBody>
+      </p:sp>
     </p:spTree>
     <p:extLst>
       <p:ext uri="{BB962C8B-B14F-4D97-AF65-F5344CB8AC3E}">
@@ -7698,7 +9308,7 @@
 </p:sld>
 </file>
 
-<file path=ppt/slides/slide14.xml><?xml version="1.0" encoding="utf-8"?>
+<file path=ppt/slides/slide18.xml><?xml version="1.0" encoding="utf-8"?>
 <p:sld xmlns:a="http://schemas.openxmlformats.org/drawingml/2006/main" xmlns:r="http://schemas.openxmlformats.org/officeDocument/2006/relationships" xmlns:p="http://schemas.openxmlformats.org/presentationml/2006/main">
   <p:cSld>
     <p:spTree>
@@ -7738,7 +9348,7 @@
         </p:blipFill>
         <p:spPr>
           <a:xfrm>
-            <a:off x="-1446607" y="-1685261"/>
+            <a:off x="-887807" y="-1685261"/>
             <a:ext cx="18184010" cy="10228521"/>
           </a:xfrm>
           <a:prstGeom prst="rect">
@@ -8509,6 +10119,78 @@
           </a:prstGeom>
         </p:spPr>
       </p:pic>
+      <p:sp>
+        <p:nvSpPr>
+          <p:cNvPr id="6" name="TextBox 5">
+            <a:extLst>
+              <a:ext uri="{FF2B5EF4-FFF2-40B4-BE49-F238E27FC236}">
+                <a16:creationId xmlns:a16="http://schemas.microsoft.com/office/drawing/2014/main" id="{543806C6-5A56-4A0B-8F6C-A485803DC08E}"/>
+              </a:ext>
+            </a:extLst>
+          </p:cNvPr>
+          <p:cNvSpPr txBox="1"/>
+          <p:nvPr/>
+        </p:nvSpPr>
+        <p:spPr>
+          <a:xfrm>
+            <a:off x="710609" y="6254234"/>
+            <a:ext cx="11404600" cy="369332"/>
+          </a:xfrm>
+          <a:prstGeom prst="rect">
+            <a:avLst/>
+          </a:prstGeom>
+          <a:noFill/>
+        </p:spPr>
+        <p:txBody>
+          <a:bodyPr wrap="square" rtlCol="0">
+            <a:spAutoFit/>
+          </a:bodyPr>
+          <a:lstStyle/>
+          <a:p>
+            <a:pPr algn="l"/>
+            <a:r>
+              <a:rPr lang="en-GB" dirty="0">
+                <a:solidFill>
+                  <a:schemeClr val="bg1"/>
+                </a:solidFill>
+              </a:rPr>
+              <a:t>Image/equation from </a:t>
+            </a:r>
+            <a:r>
+              <a:rPr lang="en-GB" sz="1800" b="0" i="0" u="none" strike="noStrike" baseline="0" dirty="0">
+                <a:solidFill>
+                  <a:schemeClr val="bg1"/>
+                </a:solidFill>
+                <a:latin typeface="Times New Roman" panose="02020603050405020304" pitchFamily="18" charset="0"/>
+              </a:rPr>
+              <a:t>Sakai, Satoru (2011) </a:t>
+            </a:r>
+            <a:r>
+              <a:rPr lang="en-GB" sz="1800" b="0" i="1" u="none" strike="noStrike" baseline="0" dirty="0">
+                <a:solidFill>
+                  <a:schemeClr val="bg1"/>
+                </a:solidFill>
+                <a:latin typeface="Times New Roman" panose="02020603050405020304" pitchFamily="18" charset="0"/>
+              </a:rPr>
+              <a:t>The effect of Shapiro delay on pulsar timing. </a:t>
+            </a:r>
+            <a:r>
+              <a:rPr lang="en-GB" sz="1800" b="0" i="0" u="none" strike="noStrike" baseline="0" dirty="0">
+                <a:solidFill>
+                  <a:schemeClr val="bg1"/>
+                </a:solidFill>
+                <a:latin typeface="Times New Roman" panose="02020603050405020304" pitchFamily="18" charset="0"/>
+              </a:rPr>
+              <a:t>PhD thesis.</a:t>
+            </a:r>
+            <a:endParaRPr lang="en-GB" dirty="0">
+              <a:solidFill>
+                <a:schemeClr val="bg1"/>
+              </a:solidFill>
+            </a:endParaRPr>
+          </a:p>
+        </p:txBody>
+      </p:sp>
     </p:spTree>
     <p:extLst>
       <p:ext uri="{BB962C8B-B14F-4D97-AF65-F5344CB8AC3E}">
@@ -8522,7 +10204,7 @@
 </p:sld>
 </file>
 
-<file path=ppt/slides/slide15.xml><?xml version="1.0" encoding="utf-8"?>
+<file path=ppt/slides/slide19.xml><?xml version="1.0" encoding="utf-8"?>
 <p:sld xmlns:a="http://schemas.openxmlformats.org/drawingml/2006/main" xmlns:r="http://schemas.openxmlformats.org/officeDocument/2006/relationships" xmlns:p="http://schemas.openxmlformats.org/presentationml/2006/main">
   <p:cSld>
     <p:spTree>
@@ -8562,7 +10244,7 @@
         </p:blipFill>
         <p:spPr>
           <a:xfrm>
-            <a:off x="-1260340" y="-1685261"/>
+            <a:off x="-726940" y="-1685261"/>
             <a:ext cx="18184010" cy="10228521"/>
           </a:xfrm>
           <a:prstGeom prst="rect">
@@ -8683,6 +10365,79 @@
           </a:p>
         </p:txBody>
       </p:sp>
+      <p:sp>
+        <p:nvSpPr>
+          <p:cNvPr id="6" name="TextBox 5">
+            <a:extLst>
+              <a:ext uri="{FF2B5EF4-FFF2-40B4-BE49-F238E27FC236}">
+                <a16:creationId xmlns:a16="http://schemas.microsoft.com/office/drawing/2014/main" id="{ADFE80D6-7037-4821-A7C7-17B57596A037}"/>
+              </a:ext>
+            </a:extLst>
+          </p:cNvPr>
+          <p:cNvSpPr txBox="1"/>
+          <p:nvPr/>
+        </p:nvSpPr>
+        <p:spPr>
+          <a:xfrm>
+            <a:off x="710609" y="6254234"/>
+            <a:ext cx="11404600" cy="646331"/>
+          </a:xfrm>
+          <a:prstGeom prst="rect">
+            <a:avLst/>
+          </a:prstGeom>
+          <a:noFill/>
+        </p:spPr>
+        <p:txBody>
+          <a:bodyPr wrap="square" rtlCol="0">
+            <a:spAutoFit/>
+          </a:bodyPr>
+          <a:lstStyle/>
+          <a:p>
+            <a:r>
+              <a:rPr lang="en-GB" dirty="0">
+                <a:solidFill>
+                  <a:schemeClr val="bg1"/>
+                </a:solidFill>
+              </a:rPr>
+              <a:t>Strong-Field Gravity Tests with the Double Pulsar, </a:t>
+            </a:r>
+            <a:r>
+              <a:rPr lang="da-DK" b="0" i="0" dirty="0">
+                <a:solidFill>
+                  <a:schemeClr val="bg1"/>
+                </a:solidFill>
+                <a:effectLst/>
+                <a:latin typeface="Proxima Nova"/>
+              </a:rPr>
+              <a:t>M. Kramer </a:t>
+            </a:r>
+            <a:r>
+              <a:rPr lang="da-DK" b="0" i="1" dirty="0">
+                <a:solidFill>
+                  <a:schemeClr val="bg1"/>
+                </a:solidFill>
+                <a:effectLst/>
+                <a:latin typeface="Proxima Nova"/>
+              </a:rPr>
+              <a:t>et al.</a:t>
+            </a:r>
+            <a:endParaRPr lang="da-DK" b="0" i="0" dirty="0">
+              <a:solidFill>
+                <a:schemeClr val="bg1"/>
+              </a:solidFill>
+              <a:effectLst/>
+              <a:latin typeface="Proxima Nova"/>
+            </a:endParaRPr>
+          </a:p>
+          <a:p>
+            <a:endParaRPr lang="en-GB" dirty="0">
+              <a:solidFill>
+                <a:schemeClr val="bg1"/>
+              </a:solidFill>
+            </a:endParaRPr>
+          </a:p>
+        </p:txBody>
+      </p:sp>
     </p:spTree>
     <p:extLst>
       <p:ext uri="{BB962C8B-B14F-4D97-AF65-F5344CB8AC3E}">
@@ -8696,7 +10451,682 @@
 </p:sld>
 </file>
 
-<file path=ppt/slides/slide16.xml><?xml version="1.0" encoding="utf-8"?>
+<file path=ppt/slides/slide2.xml><?xml version="1.0" encoding="utf-8"?>
+<p:sld xmlns:a="http://schemas.openxmlformats.org/drawingml/2006/main" xmlns:r="http://schemas.openxmlformats.org/officeDocument/2006/relationships" xmlns:p="http://schemas.openxmlformats.org/presentationml/2006/main">
+  <p:cSld>
+    <p:spTree>
+      <p:nvGrpSpPr>
+        <p:cNvPr id="1" name=""/>
+        <p:cNvGrpSpPr/>
+        <p:nvPr/>
+      </p:nvGrpSpPr>
+      <p:grpSpPr>
+        <a:xfrm>
+          <a:off x="0" y="0"/>
+          <a:ext cx="0" cy="0"/>
+          <a:chOff x="0" y="0"/>
+          <a:chExt cx="0" cy="0"/>
+        </a:xfrm>
+      </p:grpSpPr>
+      <p:pic>
+        <p:nvPicPr>
+          <p:cNvPr id="8" name="Picture 7" descr="A swirling meteorite">
+            <a:extLst>
+              <a:ext uri="{FF2B5EF4-FFF2-40B4-BE49-F238E27FC236}">
+                <a16:creationId xmlns:a16="http://schemas.microsoft.com/office/drawing/2014/main" id="{32FB1110-B619-46E5-8787-8B7BD6226901}"/>
+              </a:ext>
+            </a:extLst>
+          </p:cNvPr>
+          <p:cNvPicPr>
+            <a:picLocks noChangeAspect="1"/>
+          </p:cNvPicPr>
+          <p:nvPr/>
+        </p:nvPicPr>
+        <p:blipFill rotWithShape="1">
+          <a:blip r:embed="rId2">
+            <a:alphaModFix/>
+          </a:blip>
+          <a:srcRect t="157" b="12971"/>
+          <a:stretch/>
+        </p:blipFill>
+        <p:spPr>
+          <a:xfrm>
+            <a:off x="-3123597" y="-1685261"/>
+            <a:ext cx="18184010" cy="10228521"/>
+          </a:xfrm>
+          <a:prstGeom prst="rect">
+            <a:avLst/>
+          </a:prstGeom>
+        </p:spPr>
+      </p:pic>
+      <p:sp>
+        <p:nvSpPr>
+          <p:cNvPr id="9" name="Rectangle 8">
+            <a:extLst>
+              <a:ext uri="{FF2B5EF4-FFF2-40B4-BE49-F238E27FC236}">
+                <a16:creationId xmlns:a16="http://schemas.microsoft.com/office/drawing/2014/main" id="{06F903B6-4CCA-4071-8FA4-C675401BFBAC}"/>
+              </a:ext>
+            </a:extLst>
+          </p:cNvPr>
+          <p:cNvSpPr/>
+          <p:nvPr/>
+        </p:nvSpPr>
+        <p:spPr>
+          <a:xfrm>
+            <a:off x="710609" y="595422"/>
+            <a:ext cx="10770782" cy="5667154"/>
+          </a:xfrm>
+          <a:prstGeom prst="rect">
+            <a:avLst/>
+          </a:prstGeom>
+          <a:solidFill>
+            <a:sysClr val="window" lastClr="FFFFFF">
+              <a:alpha val="90000"/>
+            </a:sysClr>
+          </a:solidFill>
+          <a:ln w="12700" cap="flat" cmpd="sng" algn="ctr">
+            <a:solidFill>
+              <a:srgbClr val="4472C4">
+                <a:shade val="50000"/>
+              </a:srgbClr>
+            </a:solidFill>
+            <a:prstDash val="solid"/>
+            <a:miter lim="800000"/>
+          </a:ln>
+          <a:effectLst/>
+        </p:spPr>
+        <p:txBody>
+          <a:bodyPr rtlCol="0" anchor="ctr"/>
+          <a:lstStyle/>
+          <a:p>
+            <a:pPr marL="0" marR="0" lvl="0" indent="0" algn="ctr" defTabSz="914400" eaLnBrk="1" fontAlgn="auto" latinLnBrk="0" hangingPunct="1">
+              <a:lnSpc>
+                <a:spcPct val="100000"/>
+              </a:lnSpc>
+              <a:spcBef>
+                <a:spcPts val="0"/>
+              </a:spcBef>
+              <a:spcAft>
+                <a:spcPts val="0"/>
+              </a:spcAft>
+              <a:buClrTx/>
+              <a:buSzTx/>
+              <a:buFontTx/>
+              <a:buNone/>
+              <a:tabLst/>
+              <a:defRPr/>
+            </a:pPr>
+            <a:endParaRPr kumimoji="0" lang="en-GB" sz="1800" b="0" i="0" u="none" strike="noStrike" kern="0" cap="none" spc="0" normalizeH="0" baseline="0" noProof="0" dirty="0">
+              <a:ln>
+                <a:noFill/>
+              </a:ln>
+              <a:solidFill>
+                <a:prstClr val="white"/>
+              </a:solidFill>
+              <a:effectLst/>
+              <a:uLnTx/>
+              <a:uFillTx/>
+              <a:latin typeface="Calibri" panose="020F0502020204030204"/>
+              <a:ea typeface="+mn-ea"/>
+              <a:cs typeface="+mn-cs"/>
+            </a:endParaRPr>
+          </a:p>
+        </p:txBody>
+      </p:sp>
+      <p:sp>
+        <p:nvSpPr>
+          <p:cNvPr id="10" name="Title 1">
+            <a:extLst>
+              <a:ext uri="{FF2B5EF4-FFF2-40B4-BE49-F238E27FC236}">
+                <a16:creationId xmlns:a16="http://schemas.microsoft.com/office/drawing/2014/main" id="{B7B718F0-85CA-4851-B173-62ED90402918}"/>
+              </a:ext>
+            </a:extLst>
+          </p:cNvPr>
+          <p:cNvSpPr txBox="1">
+            <a:spLocks/>
+          </p:cNvSpPr>
+          <p:nvPr/>
+        </p:nvSpPr>
+        <p:spPr>
+          <a:xfrm>
+            <a:off x="838200" y="1065862"/>
+            <a:ext cx="4063999" cy="4726276"/>
+          </a:xfrm>
+          <a:prstGeom prst="rect">
+            <a:avLst/>
+          </a:prstGeom>
+        </p:spPr>
+        <p:txBody>
+          <a:bodyPr vert="horz" lIns="91440" tIns="45720" rIns="91440" bIns="45720" rtlCol="0" anchor="ctr">
+            <a:normAutofit/>
+          </a:bodyPr>
+          <a:lstStyle>
+            <a:lvl1pPr algn="l" defTabSz="914400" rtl="0" eaLnBrk="1" latinLnBrk="0" hangingPunct="1">
+              <a:lnSpc>
+                <a:spcPct val="90000"/>
+              </a:lnSpc>
+              <a:spcBef>
+                <a:spcPct val="0"/>
+              </a:spcBef>
+              <a:buNone/>
+              <a:defRPr sz="4400" kern="1200">
+                <a:solidFill>
+                  <a:schemeClr val="tx1"/>
+                </a:solidFill>
+                <a:latin typeface="+mj-lt"/>
+                <a:ea typeface="+mj-ea"/>
+                <a:cs typeface="+mj-cs"/>
+              </a:defRPr>
+            </a:lvl1pPr>
+          </a:lstStyle>
+          <a:p>
+            <a:pPr marL="0" marR="0" lvl="0" indent="0" algn="r" defTabSz="914400" rtl="0" eaLnBrk="1" fontAlgn="auto" latinLnBrk="0" hangingPunct="1">
+              <a:lnSpc>
+                <a:spcPct val="90000"/>
+              </a:lnSpc>
+              <a:spcBef>
+                <a:spcPct val="0"/>
+              </a:spcBef>
+              <a:spcAft>
+                <a:spcPts val="0"/>
+              </a:spcAft>
+              <a:buClrTx/>
+              <a:buSzTx/>
+              <a:buFontTx/>
+              <a:buNone/>
+              <a:tabLst/>
+              <a:defRPr/>
+            </a:pPr>
+            <a:r>
+              <a:rPr kumimoji="0" lang="en-GB" sz="5400" b="0" i="0" u="none" strike="noStrike" kern="1200" cap="none" spc="0" normalizeH="0" baseline="0" noProof="0">
+                <a:ln>
+                  <a:noFill/>
+                </a:ln>
+                <a:solidFill>
+                  <a:sysClr val="windowText" lastClr="000000"/>
+                </a:solidFill>
+                <a:effectLst/>
+                <a:uLnTx/>
+                <a:uFillTx/>
+                <a:latin typeface="Calibri Light" panose="020F0302020204030204"/>
+                <a:ea typeface="+mj-ea"/>
+                <a:cs typeface="+mj-cs"/>
+              </a:rPr>
+              <a:t>Background</a:t>
+            </a:r>
+            <a:endParaRPr kumimoji="0" lang="en-GB" sz="5400" b="0" i="0" u="none" strike="noStrike" kern="1200" cap="none" spc="0" normalizeH="0" baseline="0" noProof="0" dirty="0">
+              <a:ln>
+                <a:noFill/>
+              </a:ln>
+              <a:solidFill>
+                <a:sysClr val="windowText" lastClr="000000"/>
+              </a:solidFill>
+              <a:effectLst/>
+              <a:uLnTx/>
+              <a:uFillTx/>
+              <a:latin typeface="Calibri Light" panose="020F0302020204030204"/>
+              <a:ea typeface="+mj-ea"/>
+              <a:cs typeface="+mj-cs"/>
+            </a:endParaRPr>
+          </a:p>
+        </p:txBody>
+      </p:sp>
+      <p:sp>
+        <p:nvSpPr>
+          <p:cNvPr id="11" name="Content Placeholder 2">
+            <a:extLst>
+              <a:ext uri="{FF2B5EF4-FFF2-40B4-BE49-F238E27FC236}">
+                <a16:creationId xmlns:a16="http://schemas.microsoft.com/office/drawing/2014/main" id="{EFE6A788-60AF-4A55-8218-22AFA6E7A4BC}"/>
+              </a:ext>
+            </a:extLst>
+          </p:cNvPr>
+          <p:cNvSpPr txBox="1">
+            <a:spLocks/>
+          </p:cNvSpPr>
+          <p:nvPr/>
+        </p:nvSpPr>
+        <p:spPr>
+          <a:xfrm>
+            <a:off x="5155379" y="1065862"/>
+            <a:ext cx="5744685" cy="4726276"/>
+          </a:xfrm>
+          <a:prstGeom prst="rect">
+            <a:avLst/>
+          </a:prstGeom>
+        </p:spPr>
+        <p:txBody>
+          <a:bodyPr vert="horz" lIns="91440" tIns="45720" rIns="91440" bIns="45720" rtlCol="0" anchor="ctr">
+            <a:normAutofit/>
+          </a:bodyPr>
+          <a:lstStyle>
+            <a:lvl1pPr marL="228600" indent="-228600" algn="l" defTabSz="914400" rtl="0" eaLnBrk="1" latinLnBrk="0" hangingPunct="1">
+              <a:lnSpc>
+                <a:spcPct val="90000"/>
+              </a:lnSpc>
+              <a:spcBef>
+                <a:spcPts val="1000"/>
+              </a:spcBef>
+              <a:buFont typeface="Arial" panose="020B0604020202020204" pitchFamily="34" charset="0"/>
+              <a:buChar char="•"/>
+              <a:defRPr sz="2800" kern="1200">
+                <a:solidFill>
+                  <a:schemeClr val="tx1"/>
+                </a:solidFill>
+                <a:latin typeface="+mn-lt"/>
+                <a:ea typeface="+mn-ea"/>
+                <a:cs typeface="+mn-cs"/>
+              </a:defRPr>
+            </a:lvl1pPr>
+            <a:lvl2pPr marL="685800" indent="-228600" algn="l" defTabSz="914400" rtl="0" eaLnBrk="1" latinLnBrk="0" hangingPunct="1">
+              <a:lnSpc>
+                <a:spcPct val="90000"/>
+              </a:lnSpc>
+              <a:spcBef>
+                <a:spcPts val="500"/>
+              </a:spcBef>
+              <a:buFont typeface="Arial" panose="020B0604020202020204" pitchFamily="34" charset="0"/>
+              <a:buChar char="•"/>
+              <a:defRPr sz="2400" kern="1200">
+                <a:solidFill>
+                  <a:schemeClr val="tx1"/>
+                </a:solidFill>
+                <a:latin typeface="+mn-lt"/>
+                <a:ea typeface="+mn-ea"/>
+                <a:cs typeface="+mn-cs"/>
+              </a:defRPr>
+            </a:lvl2pPr>
+            <a:lvl3pPr marL="1143000" indent="-228600" algn="l" defTabSz="914400" rtl="0" eaLnBrk="1" latinLnBrk="0" hangingPunct="1">
+              <a:lnSpc>
+                <a:spcPct val="90000"/>
+              </a:lnSpc>
+              <a:spcBef>
+                <a:spcPts val="500"/>
+              </a:spcBef>
+              <a:buFont typeface="Arial" panose="020B0604020202020204" pitchFamily="34" charset="0"/>
+              <a:buChar char="•"/>
+              <a:defRPr sz="2000" kern="1200">
+                <a:solidFill>
+                  <a:schemeClr val="tx1"/>
+                </a:solidFill>
+                <a:latin typeface="+mn-lt"/>
+                <a:ea typeface="+mn-ea"/>
+                <a:cs typeface="+mn-cs"/>
+              </a:defRPr>
+            </a:lvl3pPr>
+            <a:lvl4pPr marL="1600200" indent="-228600" algn="l" defTabSz="914400" rtl="0" eaLnBrk="1" latinLnBrk="0" hangingPunct="1">
+              <a:lnSpc>
+                <a:spcPct val="90000"/>
+              </a:lnSpc>
+              <a:spcBef>
+                <a:spcPts val="500"/>
+              </a:spcBef>
+              <a:buFont typeface="Arial" panose="020B0604020202020204" pitchFamily="34" charset="0"/>
+              <a:buChar char="•"/>
+              <a:defRPr sz="1800" kern="1200">
+                <a:solidFill>
+                  <a:schemeClr val="tx1"/>
+                </a:solidFill>
+                <a:latin typeface="+mn-lt"/>
+                <a:ea typeface="+mn-ea"/>
+                <a:cs typeface="+mn-cs"/>
+              </a:defRPr>
+            </a:lvl4pPr>
+            <a:lvl5pPr marL="2057400" indent="-228600" algn="l" defTabSz="914400" rtl="0" eaLnBrk="1" latinLnBrk="0" hangingPunct="1">
+              <a:lnSpc>
+                <a:spcPct val="90000"/>
+              </a:lnSpc>
+              <a:spcBef>
+                <a:spcPts val="500"/>
+              </a:spcBef>
+              <a:buFont typeface="Arial" panose="020B0604020202020204" pitchFamily="34" charset="0"/>
+              <a:buChar char="•"/>
+              <a:defRPr sz="1800" kern="1200">
+                <a:solidFill>
+                  <a:schemeClr val="tx1"/>
+                </a:solidFill>
+                <a:latin typeface="+mn-lt"/>
+                <a:ea typeface="+mn-ea"/>
+                <a:cs typeface="+mn-cs"/>
+              </a:defRPr>
+            </a:lvl5pPr>
+            <a:lvl6pPr marL="2514600" indent="-228600" algn="l" defTabSz="914400" rtl="0" eaLnBrk="1" latinLnBrk="0" hangingPunct="1">
+              <a:lnSpc>
+                <a:spcPct val="90000"/>
+              </a:lnSpc>
+              <a:spcBef>
+                <a:spcPts val="500"/>
+              </a:spcBef>
+              <a:buFont typeface="Arial" panose="020B0604020202020204" pitchFamily="34" charset="0"/>
+              <a:buChar char="•"/>
+              <a:defRPr sz="1800" kern="1200">
+                <a:solidFill>
+                  <a:schemeClr val="tx1"/>
+                </a:solidFill>
+                <a:latin typeface="+mn-lt"/>
+                <a:ea typeface="+mn-ea"/>
+                <a:cs typeface="+mn-cs"/>
+              </a:defRPr>
+            </a:lvl6pPr>
+            <a:lvl7pPr marL="2971800" indent="-228600" algn="l" defTabSz="914400" rtl="0" eaLnBrk="1" latinLnBrk="0" hangingPunct="1">
+              <a:lnSpc>
+                <a:spcPct val="90000"/>
+              </a:lnSpc>
+              <a:spcBef>
+                <a:spcPts val="500"/>
+              </a:spcBef>
+              <a:buFont typeface="Arial" panose="020B0604020202020204" pitchFamily="34" charset="0"/>
+              <a:buChar char="•"/>
+              <a:defRPr sz="1800" kern="1200">
+                <a:solidFill>
+                  <a:schemeClr val="tx1"/>
+                </a:solidFill>
+                <a:latin typeface="+mn-lt"/>
+                <a:ea typeface="+mn-ea"/>
+                <a:cs typeface="+mn-cs"/>
+              </a:defRPr>
+            </a:lvl7pPr>
+            <a:lvl8pPr marL="3429000" indent="-228600" algn="l" defTabSz="914400" rtl="0" eaLnBrk="1" latinLnBrk="0" hangingPunct="1">
+              <a:lnSpc>
+                <a:spcPct val="90000"/>
+              </a:lnSpc>
+              <a:spcBef>
+                <a:spcPts val="500"/>
+              </a:spcBef>
+              <a:buFont typeface="Arial" panose="020B0604020202020204" pitchFamily="34" charset="0"/>
+              <a:buChar char="•"/>
+              <a:defRPr sz="1800" kern="1200">
+                <a:solidFill>
+                  <a:schemeClr val="tx1"/>
+                </a:solidFill>
+                <a:latin typeface="+mn-lt"/>
+                <a:ea typeface="+mn-ea"/>
+                <a:cs typeface="+mn-cs"/>
+              </a:defRPr>
+            </a:lvl8pPr>
+            <a:lvl9pPr marL="3886200" indent="-228600" algn="l" defTabSz="914400" rtl="0" eaLnBrk="1" latinLnBrk="0" hangingPunct="1">
+              <a:lnSpc>
+                <a:spcPct val="90000"/>
+              </a:lnSpc>
+              <a:spcBef>
+                <a:spcPts val="500"/>
+              </a:spcBef>
+              <a:buFont typeface="Arial" panose="020B0604020202020204" pitchFamily="34" charset="0"/>
+              <a:buChar char="•"/>
+              <a:defRPr sz="1800" kern="1200">
+                <a:solidFill>
+                  <a:schemeClr val="tx1"/>
+                </a:solidFill>
+                <a:latin typeface="+mn-lt"/>
+                <a:ea typeface="+mn-ea"/>
+                <a:cs typeface="+mn-cs"/>
+              </a:defRPr>
+            </a:lvl9pPr>
+          </a:lstStyle>
+          <a:p>
+            <a:pPr marL="228600" marR="0" lvl="0" indent="-228600" algn="l" defTabSz="914400" rtl="0" eaLnBrk="1" fontAlgn="auto" latinLnBrk="0" hangingPunct="1">
+              <a:lnSpc>
+                <a:spcPct val="90000"/>
+              </a:lnSpc>
+              <a:spcBef>
+                <a:spcPts val="1000"/>
+              </a:spcBef>
+              <a:spcAft>
+                <a:spcPts val="0"/>
+              </a:spcAft>
+              <a:buClrTx/>
+              <a:buSzTx/>
+              <a:buFont typeface="Arial" panose="020B0604020202020204" pitchFamily="34" charset="0"/>
+              <a:buChar char="•"/>
+              <a:tabLst/>
+              <a:defRPr/>
+            </a:pPr>
+            <a:r>
+              <a:rPr kumimoji="0" lang="en-GB" sz="3200" b="0" i="0" u="none" strike="noStrike" kern="1200" cap="none" spc="0" normalizeH="0" baseline="0" noProof="0" dirty="0">
+                <a:ln>
+                  <a:noFill/>
+                </a:ln>
+                <a:solidFill>
+                  <a:sysClr val="windowText" lastClr="000000"/>
+                </a:solidFill>
+                <a:effectLst/>
+                <a:uLnTx/>
+                <a:uFillTx/>
+                <a:latin typeface="Calibri" panose="020F0502020204030204"/>
+                <a:ea typeface="+mn-ea"/>
+                <a:cs typeface="+mn-cs"/>
+              </a:rPr>
+              <a:t>Neutron stars</a:t>
+            </a:r>
+          </a:p>
+          <a:p>
+            <a:pPr marL="228600" marR="0" lvl="0" indent="-228600" algn="l" defTabSz="914400" rtl="0" eaLnBrk="1" fontAlgn="auto" latinLnBrk="0" hangingPunct="1">
+              <a:lnSpc>
+                <a:spcPct val="90000"/>
+              </a:lnSpc>
+              <a:spcBef>
+                <a:spcPts val="1000"/>
+              </a:spcBef>
+              <a:spcAft>
+                <a:spcPts val="0"/>
+              </a:spcAft>
+              <a:buClrTx/>
+              <a:buSzTx/>
+              <a:buFont typeface="Arial" panose="020B0604020202020204" pitchFamily="34" charset="0"/>
+              <a:buChar char="•"/>
+              <a:tabLst/>
+              <a:defRPr/>
+            </a:pPr>
+            <a:r>
+              <a:rPr kumimoji="0" lang="en-GB" sz="3200" b="0" i="0" u="none" strike="noStrike" kern="1200" cap="none" spc="0" normalizeH="0" baseline="0" noProof="0" dirty="0">
+                <a:ln>
+                  <a:noFill/>
+                </a:ln>
+                <a:solidFill>
+                  <a:sysClr val="windowText" lastClr="000000"/>
+                </a:solidFill>
+                <a:effectLst/>
+                <a:uLnTx/>
+                <a:uFillTx/>
+                <a:latin typeface="Calibri" panose="020F0502020204030204"/>
+                <a:ea typeface="+mn-ea"/>
+                <a:cs typeface="+mn-cs"/>
+              </a:rPr>
+              <a:t>Pulsars</a:t>
+            </a:r>
+          </a:p>
+          <a:p>
+            <a:pPr marL="228600" marR="0" lvl="0" indent="-228600" algn="l" defTabSz="914400" rtl="0" eaLnBrk="1" fontAlgn="auto" latinLnBrk="0" hangingPunct="1">
+              <a:lnSpc>
+                <a:spcPct val="90000"/>
+              </a:lnSpc>
+              <a:spcBef>
+                <a:spcPts val="1000"/>
+              </a:spcBef>
+              <a:spcAft>
+                <a:spcPts val="0"/>
+              </a:spcAft>
+              <a:buClrTx/>
+              <a:buSzTx/>
+              <a:buFont typeface="Arial" panose="020B0604020202020204" pitchFamily="34" charset="0"/>
+              <a:buChar char="•"/>
+              <a:tabLst/>
+              <a:defRPr/>
+            </a:pPr>
+            <a:r>
+              <a:rPr kumimoji="0" lang="en-GB" sz="3200" b="0" i="0" u="none" strike="noStrike" kern="1200" cap="none" spc="0" normalizeH="0" baseline="0" noProof="0" dirty="0">
+                <a:ln>
+                  <a:noFill/>
+                </a:ln>
+                <a:solidFill>
+                  <a:sysClr val="windowText" lastClr="000000"/>
+                </a:solidFill>
+                <a:effectLst/>
+                <a:uLnTx/>
+                <a:uFillTx/>
+                <a:latin typeface="Calibri" panose="020F0502020204030204"/>
+                <a:ea typeface="+mn-ea"/>
+                <a:cs typeface="+mn-cs"/>
+              </a:rPr>
+              <a:t>Times of Arrival (TOA)</a:t>
+            </a:r>
+          </a:p>
+          <a:p>
+            <a:pPr marL="228600" marR="0" lvl="0" indent="-228600" algn="l" defTabSz="914400" rtl="0" eaLnBrk="1" fontAlgn="auto" latinLnBrk="0" hangingPunct="1">
+              <a:lnSpc>
+                <a:spcPct val="90000"/>
+              </a:lnSpc>
+              <a:spcBef>
+                <a:spcPts val="1000"/>
+              </a:spcBef>
+              <a:spcAft>
+                <a:spcPts val="0"/>
+              </a:spcAft>
+              <a:buClrTx/>
+              <a:buSzTx/>
+              <a:buFont typeface="Arial" panose="020B0604020202020204" pitchFamily="34" charset="0"/>
+              <a:buChar char="•"/>
+              <a:tabLst/>
+              <a:defRPr/>
+            </a:pPr>
+            <a:r>
+              <a:rPr kumimoji="0" lang="en-GB" sz="3200" b="0" i="0" u="none" strike="noStrike" kern="1200" cap="none" spc="0" normalizeH="0" baseline="0" noProof="0" dirty="0">
+                <a:ln>
+                  <a:noFill/>
+                </a:ln>
+                <a:solidFill>
+                  <a:sysClr val="windowText" lastClr="000000"/>
+                </a:solidFill>
+                <a:effectLst/>
+                <a:uLnTx/>
+                <a:uFillTx/>
+                <a:latin typeface="Calibri" panose="020F0502020204030204"/>
+                <a:ea typeface="+mn-ea"/>
+                <a:cs typeface="+mn-cs"/>
+              </a:rPr>
+              <a:t>Line of sight (LOS)</a:t>
+            </a:r>
+          </a:p>
+          <a:p>
+            <a:pPr marL="228600" marR="0" lvl="0" indent="-228600" algn="l" defTabSz="914400" rtl="0" eaLnBrk="1" fontAlgn="auto" latinLnBrk="0" hangingPunct="1">
+              <a:lnSpc>
+                <a:spcPct val="90000"/>
+              </a:lnSpc>
+              <a:spcBef>
+                <a:spcPts val="1000"/>
+              </a:spcBef>
+              <a:spcAft>
+                <a:spcPts val="0"/>
+              </a:spcAft>
+              <a:buClrTx/>
+              <a:buSzTx/>
+              <a:buFont typeface="Arial" panose="020B0604020202020204" pitchFamily="34" charset="0"/>
+              <a:buChar char="•"/>
+              <a:tabLst/>
+              <a:defRPr/>
+            </a:pPr>
+            <a:r>
+              <a:rPr kumimoji="0" lang="en-GB" sz="3200" b="0" i="0" u="none" strike="noStrike" kern="1200" cap="none" spc="0" normalizeH="0" baseline="0" noProof="0" dirty="0">
+                <a:ln>
+                  <a:noFill/>
+                </a:ln>
+                <a:solidFill>
+                  <a:sysClr val="windowText" lastClr="000000"/>
+                </a:solidFill>
+                <a:effectLst/>
+                <a:uLnTx/>
+                <a:uFillTx/>
+                <a:latin typeface="Calibri" panose="020F0502020204030204"/>
+                <a:ea typeface="+mn-ea"/>
+                <a:cs typeface="+mn-cs"/>
+              </a:rPr>
+              <a:t>Romer Delay</a:t>
+            </a:r>
+          </a:p>
+          <a:p>
+            <a:pPr marL="228600" marR="0" lvl="0" indent="-228600" algn="l" defTabSz="914400" rtl="0" eaLnBrk="1" fontAlgn="auto" latinLnBrk="0" hangingPunct="1">
+              <a:lnSpc>
+                <a:spcPct val="90000"/>
+              </a:lnSpc>
+              <a:spcBef>
+                <a:spcPts val="1000"/>
+              </a:spcBef>
+              <a:spcAft>
+                <a:spcPts val="0"/>
+              </a:spcAft>
+              <a:buClrTx/>
+              <a:buSzTx/>
+              <a:buFont typeface="Arial" panose="020B0604020202020204" pitchFamily="34" charset="0"/>
+              <a:buChar char="•"/>
+              <a:tabLst/>
+              <a:defRPr/>
+            </a:pPr>
+            <a:r>
+              <a:rPr kumimoji="0" lang="en-GB" sz="3200" b="0" i="0" u="none" strike="noStrike" kern="1200" cap="none" spc="0" normalizeH="0" baseline="0" noProof="0" dirty="0">
+                <a:ln>
+                  <a:noFill/>
+                </a:ln>
+                <a:solidFill>
+                  <a:sysClr val="windowText" lastClr="000000"/>
+                </a:solidFill>
+                <a:effectLst/>
+                <a:uLnTx/>
+                <a:uFillTx/>
+                <a:latin typeface="Calibri" panose="020F0502020204030204"/>
+                <a:ea typeface="+mn-ea"/>
+                <a:cs typeface="+mn-cs"/>
+              </a:rPr>
+              <a:t>Einstein Delay</a:t>
+            </a:r>
+          </a:p>
+          <a:p>
+            <a:pPr marL="228600" marR="0" lvl="0" indent="-228600" algn="l" defTabSz="914400" rtl="0" eaLnBrk="1" fontAlgn="auto" latinLnBrk="0" hangingPunct="1">
+              <a:lnSpc>
+                <a:spcPct val="90000"/>
+              </a:lnSpc>
+              <a:spcBef>
+                <a:spcPts val="1000"/>
+              </a:spcBef>
+              <a:spcAft>
+                <a:spcPts val="0"/>
+              </a:spcAft>
+              <a:buClrTx/>
+              <a:buSzTx/>
+              <a:buFont typeface="Arial" panose="020B0604020202020204" pitchFamily="34" charset="0"/>
+              <a:buChar char="•"/>
+              <a:tabLst/>
+              <a:defRPr/>
+            </a:pPr>
+            <a:endParaRPr kumimoji="0" lang="en-GB" sz="2000" b="0" i="0" u="none" strike="noStrike" kern="1200" cap="none" spc="0" normalizeH="0" baseline="0" noProof="0" dirty="0">
+              <a:ln>
+                <a:noFill/>
+              </a:ln>
+              <a:solidFill>
+                <a:srgbClr val="FFFFFF"/>
+              </a:solidFill>
+              <a:effectLst/>
+              <a:uLnTx/>
+              <a:uFillTx/>
+              <a:latin typeface="Calibri" panose="020F0502020204030204"/>
+              <a:ea typeface="+mn-ea"/>
+              <a:cs typeface="+mn-cs"/>
+            </a:endParaRPr>
+          </a:p>
+        </p:txBody>
+      </p:sp>
+    </p:spTree>
+    <p:extLst>
+      <p:ext uri="{BB962C8B-B14F-4D97-AF65-F5344CB8AC3E}">
+        <p14:creationId xmlns:p14="http://schemas.microsoft.com/office/powerpoint/2010/main" val="1579586926"/>
+      </p:ext>
+    </p:extLst>
+  </p:cSld>
+  <p:clrMapOvr>
+    <a:masterClrMapping/>
+  </p:clrMapOvr>
+</p:sld>
+</file>
+
+<file path=ppt/slides/slide20.xml><?xml version="1.0" encoding="utf-8"?>
 <p:sld xmlns:a="http://schemas.openxmlformats.org/drawingml/2006/main" xmlns:r="http://schemas.openxmlformats.org/officeDocument/2006/relationships" xmlns:p="http://schemas.openxmlformats.org/presentationml/2006/main">
   <p:cSld>
     <p:spTree>
@@ -8736,7 +11166,7 @@
         </p:blipFill>
         <p:spPr>
           <a:xfrm>
-            <a:off x="-1091006" y="-1685261"/>
+            <a:off x="-557606" y="-1685261"/>
             <a:ext cx="18184010" cy="10228521"/>
           </a:xfrm>
           <a:prstGeom prst="rect">
@@ -9081,6 +11511,79 @@
           </p:sp>
         </mc:Fallback>
       </mc:AlternateContent>
+      <p:sp>
+        <p:nvSpPr>
+          <p:cNvPr id="6" name="TextBox 5">
+            <a:extLst>
+              <a:ext uri="{FF2B5EF4-FFF2-40B4-BE49-F238E27FC236}">
+                <a16:creationId xmlns:a16="http://schemas.microsoft.com/office/drawing/2014/main" id="{696015DA-DA0D-4FA1-8F68-64586A0D0F0B}"/>
+              </a:ext>
+            </a:extLst>
+          </p:cNvPr>
+          <p:cNvSpPr txBox="1"/>
+          <p:nvPr/>
+        </p:nvSpPr>
+        <p:spPr>
+          <a:xfrm>
+            <a:off x="710609" y="6254234"/>
+            <a:ext cx="11404600" cy="646331"/>
+          </a:xfrm>
+          <a:prstGeom prst="rect">
+            <a:avLst/>
+          </a:prstGeom>
+          <a:noFill/>
+        </p:spPr>
+        <p:txBody>
+          <a:bodyPr wrap="square" rtlCol="0">
+            <a:spAutoFit/>
+          </a:bodyPr>
+          <a:lstStyle/>
+          <a:p>
+            <a:r>
+              <a:rPr lang="en-GB" dirty="0">
+                <a:solidFill>
+                  <a:schemeClr val="bg1"/>
+                </a:solidFill>
+              </a:rPr>
+              <a:t>Equation from Strong-Field Gravity Tests with the Double Pulsar, </a:t>
+            </a:r>
+            <a:r>
+              <a:rPr lang="da-DK" b="0" i="0" dirty="0">
+                <a:solidFill>
+                  <a:schemeClr val="bg1"/>
+                </a:solidFill>
+                <a:effectLst/>
+                <a:latin typeface="Proxima Nova"/>
+              </a:rPr>
+              <a:t>M. Kramer </a:t>
+            </a:r>
+            <a:r>
+              <a:rPr lang="da-DK" b="0" i="1" dirty="0">
+                <a:solidFill>
+                  <a:schemeClr val="bg1"/>
+                </a:solidFill>
+                <a:effectLst/>
+                <a:latin typeface="Proxima Nova"/>
+              </a:rPr>
+              <a:t>et al.</a:t>
+            </a:r>
+            <a:endParaRPr lang="da-DK" b="0" i="0" dirty="0">
+              <a:solidFill>
+                <a:schemeClr val="bg1"/>
+              </a:solidFill>
+              <a:effectLst/>
+              <a:latin typeface="Proxima Nova"/>
+            </a:endParaRPr>
+          </a:p>
+          <a:p>
+            <a:endParaRPr lang="en-GB" dirty="0">
+              <a:solidFill>
+                <a:schemeClr val="bg1"/>
+              </a:solidFill>
+            </a:endParaRPr>
+          </a:p>
+        </p:txBody>
+      </p:sp>
     </p:spTree>
     <p:extLst>
       <p:ext uri="{BB962C8B-B14F-4D97-AF65-F5344CB8AC3E}">
@@ -9094,7 +11597,7 @@
 </p:sld>
 </file>
 
-<file path=ppt/slides/slide17.xml><?xml version="1.0" encoding="utf-8"?>
+<file path=ppt/slides/slide21.xml><?xml version="1.0" encoding="utf-8"?>
 <p:sld xmlns:a="http://schemas.openxmlformats.org/drawingml/2006/main" xmlns:r="http://schemas.openxmlformats.org/officeDocument/2006/relationships" xmlns:p="http://schemas.openxmlformats.org/presentationml/2006/main">
   <p:cSld>
     <p:spTree>
@@ -9134,7 +11637,7 @@
         </p:blipFill>
         <p:spPr>
           <a:xfrm>
-            <a:off x="-938606" y="-1685261"/>
+            <a:off x="-417906" y="-1685261"/>
             <a:ext cx="18184010" cy="10228521"/>
           </a:xfrm>
           <a:prstGeom prst="rect">
@@ -9445,6 +11948,82 @@
           </p:sp>
         </mc:Fallback>
       </mc:AlternateContent>
+      <p:sp>
+        <p:nvSpPr>
+          <p:cNvPr id="6" name="TextBox 5">
+            <a:extLst>
+              <a:ext uri="{FF2B5EF4-FFF2-40B4-BE49-F238E27FC236}">
+                <a16:creationId xmlns:a16="http://schemas.microsoft.com/office/drawing/2014/main" id="{79CA8478-945F-4161-9C89-220D5AFDE165}"/>
+              </a:ext>
+            </a:extLst>
+          </p:cNvPr>
+          <p:cNvSpPr txBox="1"/>
+          <p:nvPr/>
+        </p:nvSpPr>
+        <p:spPr>
+          <a:xfrm>
+            <a:off x="710609" y="6254234"/>
+            <a:ext cx="11404600" cy="646331"/>
+          </a:xfrm>
+          <a:prstGeom prst="rect">
+            <a:avLst/>
+          </a:prstGeom>
+          <a:noFill/>
+        </p:spPr>
+        <p:txBody>
+          <a:bodyPr wrap="square" rtlCol="0">
+            <a:spAutoFit/>
+          </a:bodyPr>
+          <a:lstStyle/>
+          <a:p>
+            <a:r>
+              <a:rPr lang="en-GB" dirty="0">
+                <a:solidFill>
+                  <a:schemeClr val="bg1"/>
+                </a:solidFill>
+              </a:rPr>
+              <a:t>Equation from Strong-Field Gravity Tests with the Double Pulsar, </a:t>
+            </a:r>
+            <a:r>
+              <a:rPr lang="da-DK" b="0" i="0" dirty="0">
+                <a:solidFill>
+                  <a:schemeClr val="bg1"/>
+                </a:solidFill>
+                <a:effectLst/>
+                <a:latin typeface="Proxima Nova"/>
+              </a:rPr>
+              <a:t>M. Kramer </a:t>
+            </a:r>
+            <a:r>
+              <a:rPr lang="da-DK" b="0" i="1" dirty="0">
+                <a:solidFill>
+                  <a:schemeClr val="bg1"/>
+                </a:solidFill>
+                <a:effectLst/>
+                <a:latin typeface="Proxima Nova"/>
+              </a:rPr>
+              <a:t>et al.</a:t>
+            </a:r>
+            <a:endParaRPr lang="da-DK" b="0" i="0" dirty="0">
+              <a:solidFill>
+                <a:schemeClr val="bg1"/>
+              </a:solidFill>
+              <a:effectLst/>
+              <a:latin typeface="Proxima Nova"/>
+            </a:endParaRPr>
+          </a:p>
+          <a:p>
+            <a:r>
+              <a:rPr lang="en-GB" dirty="0">
+                <a:solidFill>
+                  <a:schemeClr val="bg1"/>
+                </a:solidFill>
+              </a:rPr>
+              <a:t>s</a:t>
+            </a:r>
+          </a:p>
+        </p:txBody>
+      </p:sp>
     </p:spTree>
     <p:extLst>
       <p:ext uri="{BB962C8B-B14F-4D97-AF65-F5344CB8AC3E}">
@@ -9458,7 +12037,7 @@
 </p:sld>
 </file>
 
-<file path=ppt/slides/slide18.xml><?xml version="1.0" encoding="utf-8"?>
+<file path=ppt/slides/slide22.xml><?xml version="1.0" encoding="utf-8"?>
 <p:sld xmlns:a="http://schemas.openxmlformats.org/drawingml/2006/main" xmlns:r="http://schemas.openxmlformats.org/officeDocument/2006/relationships" xmlns:p="http://schemas.openxmlformats.org/presentationml/2006/main">
   <p:cSld>
     <p:spTree>
@@ -9498,7 +12077,7 @@
         </p:blipFill>
         <p:spPr>
           <a:xfrm>
-            <a:off x="-820072" y="-1685261"/>
+            <a:off x="-261272" y="-1685261"/>
             <a:ext cx="18184010" cy="10228521"/>
           </a:xfrm>
           <a:prstGeom prst="rect">
@@ -9711,6 +12290,195 @@
           </p:sp>
         </mc:Fallback>
       </mc:AlternateContent>
+      <p:sp>
+        <p:nvSpPr>
+          <p:cNvPr id="6" name="TextBox 5">
+            <a:extLst>
+              <a:ext uri="{FF2B5EF4-FFF2-40B4-BE49-F238E27FC236}">
+                <a16:creationId xmlns:a16="http://schemas.microsoft.com/office/drawing/2014/main" id="{EFCA92E4-85E3-4C4B-A06D-3BB06B5A24F4}"/>
+              </a:ext>
+            </a:extLst>
+          </p:cNvPr>
+          <p:cNvSpPr txBox="1"/>
+          <p:nvPr/>
+        </p:nvSpPr>
+        <p:spPr>
+          <a:xfrm>
+            <a:off x="710609" y="6262576"/>
+            <a:ext cx="11404600" cy="892552"/>
+          </a:xfrm>
+          <a:prstGeom prst="rect">
+            <a:avLst/>
+          </a:prstGeom>
+          <a:noFill/>
+        </p:spPr>
+        <p:txBody>
+          <a:bodyPr wrap="square" rtlCol="0">
+            <a:spAutoFit/>
+          </a:bodyPr>
+          <a:lstStyle/>
+          <a:p>
+            <a:pPr algn="l"/>
+            <a:r>
+              <a:rPr lang="en-GB" dirty="0">
+                <a:solidFill>
+                  <a:schemeClr val="bg1"/>
+                </a:solidFill>
+              </a:rPr>
+              <a:t>Cromartie, H. T., Fonseca, E., Ransom, S. M., et al. 2020, </a:t>
+            </a:r>
+            <a:r>
+              <a:rPr lang="en-GB" dirty="0" err="1">
+                <a:solidFill>
+                  <a:schemeClr val="bg1"/>
+                </a:solidFill>
+              </a:rPr>
+              <a:t>NatAs</a:t>
+            </a:r>
+            <a:r>
+              <a:rPr lang="en-GB" dirty="0">
+                <a:solidFill>
+                  <a:schemeClr val="bg1"/>
+                </a:solidFill>
+              </a:rPr>
+              <a:t>, 4, 72</a:t>
+            </a:r>
+          </a:p>
+          <a:p>
+            <a:pPr algn="l"/>
+            <a:r>
+              <a:rPr lang="en-GB" sz="1600" b="0" i="0" u="none" strike="noStrike" baseline="0" dirty="0">
+                <a:solidFill>
+                  <a:schemeClr val="bg1"/>
+                </a:solidFill>
+                <a:latin typeface="AdvOT483a8203"/>
+              </a:rPr>
+              <a:t>E. Fonseca </a:t>
+            </a:r>
+            <a:r>
+              <a:rPr lang="en-GB" sz="1600" b="0" i="0" u="none" strike="noStrike" baseline="0" dirty="0">
+                <a:solidFill>
+                  <a:schemeClr val="bg1"/>
+                </a:solidFill>
+                <a:latin typeface="AdvOTb748f40a.I"/>
+              </a:rPr>
+              <a:t>et al.</a:t>
+            </a:r>
+            <a:r>
+              <a:rPr lang="en-GB" sz="1600" b="0" i="0" u="none" strike="noStrike" baseline="0" dirty="0">
+                <a:solidFill>
+                  <a:schemeClr val="bg1"/>
+                </a:solidFill>
+                <a:latin typeface="AdvOT483a8203"/>
+              </a:rPr>
+              <a:t>, </a:t>
+            </a:r>
+            <a:r>
+              <a:rPr lang="en-GB" sz="1600" b="0" i="0" u="none" strike="noStrike" baseline="0" dirty="0">
+                <a:solidFill>
+                  <a:schemeClr val="bg1"/>
+                </a:solidFill>
+                <a:latin typeface="AdvOTb748f40a.I"/>
+              </a:rPr>
+              <a:t>Refined Mass and Geometric Measurements of the High-Mass PSR </a:t>
+            </a:r>
+            <a:r>
+              <a:rPr lang="en-GB" sz="1600" b="0" i="0" u="none" strike="noStrike" baseline="0" dirty="0">
+                <a:solidFill>
+                  <a:schemeClr val="bg1"/>
+                </a:solidFill>
+                <a:latin typeface="AdvOT483a8203"/>
+              </a:rPr>
+              <a:t>J</a:t>
+            </a:r>
+            <a:r>
+              <a:rPr lang="en-GB" sz="1600" b="0" i="0" u="none" strike="noStrike" baseline="0" dirty="0">
+                <a:solidFill>
+                  <a:schemeClr val="bg1"/>
+                </a:solidFill>
+                <a:latin typeface="AdvTTbdb21c9e"/>
+              </a:rPr>
+              <a:t>0740</a:t>
+            </a:r>
+            <a:r>
+              <a:rPr lang="en-GB" sz="1600" b="0" i="0" u="none" strike="noStrike" baseline="0" dirty="0">
+                <a:solidFill>
+                  <a:schemeClr val="bg1"/>
+                </a:solidFill>
+                <a:latin typeface="AdvP4C4E74"/>
+              </a:rPr>
+              <a:t>þ</a:t>
+            </a:r>
+            <a:r>
+              <a:rPr lang="en-GB" sz="1600" b="0" i="0" u="none" strike="noStrike" baseline="0" dirty="0">
+                <a:solidFill>
+                  <a:schemeClr val="bg1"/>
+                </a:solidFill>
+                <a:latin typeface="AdvTTbdb21c9e"/>
+              </a:rPr>
+              <a:t>6620</a:t>
+            </a:r>
+            <a:r>
+              <a:rPr lang="en-GB" sz="1600" b="0" i="0" u="none" strike="noStrike" baseline="0" dirty="0">
+                <a:solidFill>
+                  <a:schemeClr val="bg1"/>
+                </a:solidFill>
+                <a:latin typeface="AdvOT483a8203"/>
+              </a:rPr>
+              <a:t>, </a:t>
+            </a:r>
+            <a:r>
+              <a:rPr lang="en-GB" sz="1600" b="0" i="0" u="none" strike="noStrike" baseline="0" dirty="0" err="1">
+                <a:solidFill>
+                  <a:schemeClr val="bg1"/>
+                </a:solidFill>
+                <a:latin typeface="AdvOT483a8203"/>
+              </a:rPr>
+              <a:t>Astrophys</a:t>
+            </a:r>
+            <a:r>
+              <a:rPr lang="en-GB" sz="1600" b="0" i="0" u="none" strike="noStrike" baseline="0" dirty="0">
+                <a:solidFill>
+                  <a:schemeClr val="bg1"/>
+                </a:solidFill>
+                <a:latin typeface="AdvOT483a8203"/>
+              </a:rPr>
+              <a:t>. J. Lett. </a:t>
+            </a:r>
+            <a:r>
+              <a:rPr lang="en-GB" sz="1600" b="0" i="0" u="none" strike="noStrike" baseline="0" dirty="0">
+                <a:solidFill>
+                  <a:schemeClr val="bg1"/>
+                </a:solidFill>
+                <a:latin typeface="AdvOT19ee2aa8.B"/>
+              </a:rPr>
+              <a:t>915</a:t>
+            </a:r>
+            <a:r>
+              <a:rPr lang="en-GB" sz="1600" b="0" i="0" u="none" strike="noStrike" baseline="0" dirty="0">
+                <a:solidFill>
+                  <a:schemeClr val="bg1"/>
+                </a:solidFill>
+                <a:latin typeface="AdvOT483a8203"/>
+              </a:rPr>
+              <a:t>, L12 (2021).</a:t>
+            </a:r>
+            <a:endParaRPr lang="en-GB" sz="1600" dirty="0">
+              <a:solidFill>
+                <a:schemeClr val="bg1"/>
+              </a:solidFill>
+            </a:endParaRPr>
+          </a:p>
+          <a:p>
+            <a:pPr algn="l"/>
+            <a:endParaRPr lang="en-GB" dirty="0">
+              <a:solidFill>
+                <a:schemeClr val="bg1"/>
+              </a:solidFill>
+            </a:endParaRPr>
+          </a:p>
+        </p:txBody>
+      </p:sp>
     </p:spTree>
     <p:extLst>
       <p:ext uri="{BB962C8B-B14F-4D97-AF65-F5344CB8AC3E}">
@@ -9724,7 +12492,7 @@
 </p:sld>
 </file>
 
-<file path=ppt/slides/slide19.xml><?xml version="1.0" encoding="utf-8"?>
+<file path=ppt/slides/slide23.xml><?xml version="1.0" encoding="utf-8"?>
 <p:sld xmlns:a="http://schemas.openxmlformats.org/drawingml/2006/main" xmlns:r="http://schemas.openxmlformats.org/officeDocument/2006/relationships" xmlns:p="http://schemas.openxmlformats.org/presentationml/2006/main">
   <p:cSld>
     <p:spTree>
@@ -9764,7 +12532,7 @@
         </p:blipFill>
         <p:spPr>
           <a:xfrm>
-            <a:off x="-820072" y="-1685261"/>
+            <a:off x="0" y="-1685261"/>
             <a:ext cx="18184010" cy="10228521"/>
           </a:xfrm>
           <a:prstGeom prst="rect">
@@ -9858,6 +12626,77 @@
           </a:xfrm>
         </p:spPr>
       </p:pic>
+      <p:sp>
+        <p:nvSpPr>
+          <p:cNvPr id="8" name="TextBox 7">
+            <a:extLst>
+              <a:ext uri="{FF2B5EF4-FFF2-40B4-BE49-F238E27FC236}">
+                <a16:creationId xmlns:a16="http://schemas.microsoft.com/office/drawing/2014/main" id="{10E28F6F-DB7A-4985-9DED-F4876D703284}"/>
+              </a:ext>
+            </a:extLst>
+          </p:cNvPr>
+          <p:cNvSpPr txBox="1"/>
+          <p:nvPr/>
+        </p:nvSpPr>
+        <p:spPr>
+          <a:xfrm>
+            <a:off x="710609" y="6262576"/>
+            <a:ext cx="11404600" cy="646331"/>
+          </a:xfrm>
+          <a:prstGeom prst="rect">
+            <a:avLst/>
+          </a:prstGeom>
+          <a:noFill/>
+        </p:spPr>
+        <p:txBody>
+          <a:bodyPr wrap="square" rtlCol="0">
+            <a:spAutoFit/>
+          </a:bodyPr>
+          <a:lstStyle/>
+          <a:p>
+            <a:pPr algn="l"/>
+            <a:r>
+              <a:rPr lang="en-GB" dirty="0">
+                <a:solidFill>
+                  <a:schemeClr val="bg1"/>
+                </a:solidFill>
+              </a:rPr>
+              <a:t>Image from Cromartie, Hannah Thankful. </a:t>
+            </a:r>
+            <a:r>
+              <a:rPr lang="en-GB" i="1" dirty="0">
+                <a:solidFill>
+                  <a:schemeClr val="bg1"/>
+                </a:solidFill>
+              </a:rPr>
+              <a:t>Massive, Bright and Brand-New Millisecond Pulsars as Probes of Fundamental Physics</a:t>
+            </a:r>
+            <a:r>
+              <a:rPr lang="en-GB" sz="1800" b="0" i="1" u="none" strike="noStrike" baseline="0" dirty="0">
+                <a:solidFill>
+                  <a:schemeClr val="bg1"/>
+                </a:solidFill>
+                <a:latin typeface="Times New Roman" panose="02020603050405020304" pitchFamily="18" charset="0"/>
+              </a:rPr>
+              <a:t>. </a:t>
+            </a:r>
+            <a:r>
+              <a:rPr lang="en-GB" sz="1800" b="0" i="0" u="none" strike="noStrike" baseline="0" dirty="0">
+                <a:solidFill>
+                  <a:schemeClr val="bg1"/>
+                </a:solidFill>
+                <a:latin typeface="Times New Roman" panose="02020603050405020304" pitchFamily="18" charset="0"/>
+              </a:rPr>
+              <a:t>PhD thesis.</a:t>
+            </a:r>
+            <a:endParaRPr lang="en-GB" dirty="0">
+              <a:solidFill>
+                <a:schemeClr val="bg1"/>
+              </a:solidFill>
+            </a:endParaRPr>
+          </a:p>
+        </p:txBody>
+      </p:sp>
     </p:spTree>
     <p:extLst>
       <p:ext uri="{BB962C8B-B14F-4D97-AF65-F5344CB8AC3E}">
@@ -9871,682 +12710,7 @@
 </p:sld>
 </file>
 
-<file path=ppt/slides/slide2.xml><?xml version="1.0" encoding="utf-8"?>
-<p:sld xmlns:a="http://schemas.openxmlformats.org/drawingml/2006/main" xmlns:r="http://schemas.openxmlformats.org/officeDocument/2006/relationships" xmlns:p="http://schemas.openxmlformats.org/presentationml/2006/main">
-  <p:cSld>
-    <p:spTree>
-      <p:nvGrpSpPr>
-        <p:cNvPr id="1" name=""/>
-        <p:cNvGrpSpPr/>
-        <p:nvPr/>
-      </p:nvGrpSpPr>
-      <p:grpSpPr>
-        <a:xfrm>
-          <a:off x="0" y="0"/>
-          <a:ext cx="0" cy="0"/>
-          <a:chOff x="0" y="0"/>
-          <a:chExt cx="0" cy="0"/>
-        </a:xfrm>
-      </p:grpSpPr>
-      <p:pic>
-        <p:nvPicPr>
-          <p:cNvPr id="8" name="Picture 7" descr="A swirling meteorite">
-            <a:extLst>
-              <a:ext uri="{FF2B5EF4-FFF2-40B4-BE49-F238E27FC236}">
-                <a16:creationId xmlns:a16="http://schemas.microsoft.com/office/drawing/2014/main" id="{32FB1110-B619-46E5-8787-8B7BD6226901}"/>
-              </a:ext>
-            </a:extLst>
-          </p:cNvPr>
-          <p:cNvPicPr>
-            <a:picLocks noChangeAspect="1"/>
-          </p:cNvPicPr>
-          <p:nvPr/>
-        </p:nvPicPr>
-        <p:blipFill rotWithShape="1">
-          <a:blip r:embed="rId2">
-            <a:alphaModFix/>
-          </a:blip>
-          <a:srcRect t="157" b="12971"/>
-          <a:stretch/>
-        </p:blipFill>
-        <p:spPr>
-          <a:xfrm>
-            <a:off x="-3123597" y="-1685261"/>
-            <a:ext cx="18184010" cy="10228521"/>
-          </a:xfrm>
-          <a:prstGeom prst="rect">
-            <a:avLst/>
-          </a:prstGeom>
-        </p:spPr>
-      </p:pic>
-      <p:sp>
-        <p:nvSpPr>
-          <p:cNvPr id="9" name="Rectangle 8">
-            <a:extLst>
-              <a:ext uri="{FF2B5EF4-FFF2-40B4-BE49-F238E27FC236}">
-                <a16:creationId xmlns:a16="http://schemas.microsoft.com/office/drawing/2014/main" id="{06F903B6-4CCA-4071-8FA4-C675401BFBAC}"/>
-              </a:ext>
-            </a:extLst>
-          </p:cNvPr>
-          <p:cNvSpPr/>
-          <p:nvPr/>
-        </p:nvSpPr>
-        <p:spPr>
-          <a:xfrm>
-            <a:off x="710609" y="595422"/>
-            <a:ext cx="10770782" cy="5667154"/>
-          </a:xfrm>
-          <a:prstGeom prst="rect">
-            <a:avLst/>
-          </a:prstGeom>
-          <a:solidFill>
-            <a:sysClr val="window" lastClr="FFFFFF">
-              <a:alpha val="90000"/>
-            </a:sysClr>
-          </a:solidFill>
-          <a:ln w="12700" cap="flat" cmpd="sng" algn="ctr">
-            <a:solidFill>
-              <a:srgbClr val="4472C4">
-                <a:shade val="50000"/>
-              </a:srgbClr>
-            </a:solidFill>
-            <a:prstDash val="solid"/>
-            <a:miter lim="800000"/>
-          </a:ln>
-          <a:effectLst/>
-        </p:spPr>
-        <p:txBody>
-          <a:bodyPr rtlCol="0" anchor="ctr"/>
-          <a:lstStyle/>
-          <a:p>
-            <a:pPr marL="0" marR="0" lvl="0" indent="0" algn="ctr" defTabSz="914400" eaLnBrk="1" fontAlgn="auto" latinLnBrk="0" hangingPunct="1">
-              <a:lnSpc>
-                <a:spcPct val="100000"/>
-              </a:lnSpc>
-              <a:spcBef>
-                <a:spcPts val="0"/>
-              </a:spcBef>
-              <a:spcAft>
-                <a:spcPts val="0"/>
-              </a:spcAft>
-              <a:buClrTx/>
-              <a:buSzTx/>
-              <a:buFontTx/>
-              <a:buNone/>
-              <a:tabLst/>
-              <a:defRPr/>
-            </a:pPr>
-            <a:endParaRPr kumimoji="0" lang="en-GB" sz="1800" b="0" i="0" u="none" strike="noStrike" kern="0" cap="none" spc="0" normalizeH="0" baseline="0" noProof="0" dirty="0">
-              <a:ln>
-                <a:noFill/>
-              </a:ln>
-              <a:solidFill>
-                <a:prstClr val="white"/>
-              </a:solidFill>
-              <a:effectLst/>
-              <a:uLnTx/>
-              <a:uFillTx/>
-              <a:latin typeface="Calibri" panose="020F0502020204030204"/>
-              <a:ea typeface="+mn-ea"/>
-              <a:cs typeface="+mn-cs"/>
-            </a:endParaRPr>
-          </a:p>
-        </p:txBody>
-      </p:sp>
-      <p:sp>
-        <p:nvSpPr>
-          <p:cNvPr id="10" name="Title 1">
-            <a:extLst>
-              <a:ext uri="{FF2B5EF4-FFF2-40B4-BE49-F238E27FC236}">
-                <a16:creationId xmlns:a16="http://schemas.microsoft.com/office/drawing/2014/main" id="{B7B718F0-85CA-4851-B173-62ED90402918}"/>
-              </a:ext>
-            </a:extLst>
-          </p:cNvPr>
-          <p:cNvSpPr txBox="1">
-            <a:spLocks/>
-          </p:cNvSpPr>
-          <p:nvPr/>
-        </p:nvSpPr>
-        <p:spPr>
-          <a:xfrm>
-            <a:off x="838200" y="1065862"/>
-            <a:ext cx="4063999" cy="4726276"/>
-          </a:xfrm>
-          <a:prstGeom prst="rect">
-            <a:avLst/>
-          </a:prstGeom>
-        </p:spPr>
-        <p:txBody>
-          <a:bodyPr vert="horz" lIns="91440" tIns="45720" rIns="91440" bIns="45720" rtlCol="0" anchor="ctr">
-            <a:normAutofit/>
-          </a:bodyPr>
-          <a:lstStyle>
-            <a:lvl1pPr algn="l" defTabSz="914400" rtl="0" eaLnBrk="1" latinLnBrk="0" hangingPunct="1">
-              <a:lnSpc>
-                <a:spcPct val="90000"/>
-              </a:lnSpc>
-              <a:spcBef>
-                <a:spcPct val="0"/>
-              </a:spcBef>
-              <a:buNone/>
-              <a:defRPr sz="4400" kern="1200">
-                <a:solidFill>
-                  <a:schemeClr val="tx1"/>
-                </a:solidFill>
-                <a:latin typeface="+mj-lt"/>
-                <a:ea typeface="+mj-ea"/>
-                <a:cs typeface="+mj-cs"/>
-              </a:defRPr>
-            </a:lvl1pPr>
-          </a:lstStyle>
-          <a:p>
-            <a:pPr marL="0" marR="0" lvl="0" indent="0" algn="r" defTabSz="914400" rtl="0" eaLnBrk="1" fontAlgn="auto" latinLnBrk="0" hangingPunct="1">
-              <a:lnSpc>
-                <a:spcPct val="90000"/>
-              </a:lnSpc>
-              <a:spcBef>
-                <a:spcPct val="0"/>
-              </a:spcBef>
-              <a:spcAft>
-                <a:spcPts val="0"/>
-              </a:spcAft>
-              <a:buClrTx/>
-              <a:buSzTx/>
-              <a:buFontTx/>
-              <a:buNone/>
-              <a:tabLst/>
-              <a:defRPr/>
-            </a:pPr>
-            <a:r>
-              <a:rPr kumimoji="0" lang="en-GB" sz="5400" b="0" i="0" u="none" strike="noStrike" kern="1200" cap="none" spc="0" normalizeH="0" baseline="0" noProof="0">
-                <a:ln>
-                  <a:noFill/>
-                </a:ln>
-                <a:solidFill>
-                  <a:sysClr val="windowText" lastClr="000000"/>
-                </a:solidFill>
-                <a:effectLst/>
-                <a:uLnTx/>
-                <a:uFillTx/>
-                <a:latin typeface="Calibri Light" panose="020F0302020204030204"/>
-                <a:ea typeface="+mj-ea"/>
-                <a:cs typeface="+mj-cs"/>
-              </a:rPr>
-              <a:t>Background</a:t>
-            </a:r>
-            <a:endParaRPr kumimoji="0" lang="en-GB" sz="5400" b="0" i="0" u="none" strike="noStrike" kern="1200" cap="none" spc="0" normalizeH="0" baseline="0" noProof="0" dirty="0">
-              <a:ln>
-                <a:noFill/>
-              </a:ln>
-              <a:solidFill>
-                <a:sysClr val="windowText" lastClr="000000"/>
-              </a:solidFill>
-              <a:effectLst/>
-              <a:uLnTx/>
-              <a:uFillTx/>
-              <a:latin typeface="Calibri Light" panose="020F0302020204030204"/>
-              <a:ea typeface="+mj-ea"/>
-              <a:cs typeface="+mj-cs"/>
-            </a:endParaRPr>
-          </a:p>
-        </p:txBody>
-      </p:sp>
-      <p:sp>
-        <p:nvSpPr>
-          <p:cNvPr id="11" name="Content Placeholder 2">
-            <a:extLst>
-              <a:ext uri="{FF2B5EF4-FFF2-40B4-BE49-F238E27FC236}">
-                <a16:creationId xmlns:a16="http://schemas.microsoft.com/office/drawing/2014/main" id="{EFE6A788-60AF-4A55-8218-22AFA6E7A4BC}"/>
-              </a:ext>
-            </a:extLst>
-          </p:cNvPr>
-          <p:cNvSpPr txBox="1">
-            <a:spLocks/>
-          </p:cNvSpPr>
-          <p:nvPr/>
-        </p:nvSpPr>
-        <p:spPr>
-          <a:xfrm>
-            <a:off x="5155379" y="1065862"/>
-            <a:ext cx="5744685" cy="4726276"/>
-          </a:xfrm>
-          <a:prstGeom prst="rect">
-            <a:avLst/>
-          </a:prstGeom>
-        </p:spPr>
-        <p:txBody>
-          <a:bodyPr vert="horz" lIns="91440" tIns="45720" rIns="91440" bIns="45720" rtlCol="0" anchor="ctr">
-            <a:normAutofit/>
-          </a:bodyPr>
-          <a:lstStyle>
-            <a:lvl1pPr marL="228600" indent="-228600" algn="l" defTabSz="914400" rtl="0" eaLnBrk="1" latinLnBrk="0" hangingPunct="1">
-              <a:lnSpc>
-                <a:spcPct val="90000"/>
-              </a:lnSpc>
-              <a:spcBef>
-                <a:spcPts val="1000"/>
-              </a:spcBef>
-              <a:buFont typeface="Arial" panose="020B0604020202020204" pitchFamily="34" charset="0"/>
-              <a:buChar char="•"/>
-              <a:defRPr sz="2800" kern="1200">
-                <a:solidFill>
-                  <a:schemeClr val="tx1"/>
-                </a:solidFill>
-                <a:latin typeface="+mn-lt"/>
-                <a:ea typeface="+mn-ea"/>
-                <a:cs typeface="+mn-cs"/>
-              </a:defRPr>
-            </a:lvl1pPr>
-            <a:lvl2pPr marL="685800" indent="-228600" algn="l" defTabSz="914400" rtl="0" eaLnBrk="1" latinLnBrk="0" hangingPunct="1">
-              <a:lnSpc>
-                <a:spcPct val="90000"/>
-              </a:lnSpc>
-              <a:spcBef>
-                <a:spcPts val="500"/>
-              </a:spcBef>
-              <a:buFont typeface="Arial" panose="020B0604020202020204" pitchFamily="34" charset="0"/>
-              <a:buChar char="•"/>
-              <a:defRPr sz="2400" kern="1200">
-                <a:solidFill>
-                  <a:schemeClr val="tx1"/>
-                </a:solidFill>
-                <a:latin typeface="+mn-lt"/>
-                <a:ea typeface="+mn-ea"/>
-                <a:cs typeface="+mn-cs"/>
-              </a:defRPr>
-            </a:lvl2pPr>
-            <a:lvl3pPr marL="1143000" indent="-228600" algn="l" defTabSz="914400" rtl="0" eaLnBrk="1" latinLnBrk="0" hangingPunct="1">
-              <a:lnSpc>
-                <a:spcPct val="90000"/>
-              </a:lnSpc>
-              <a:spcBef>
-                <a:spcPts val="500"/>
-              </a:spcBef>
-              <a:buFont typeface="Arial" panose="020B0604020202020204" pitchFamily="34" charset="0"/>
-              <a:buChar char="•"/>
-              <a:defRPr sz="2000" kern="1200">
-                <a:solidFill>
-                  <a:schemeClr val="tx1"/>
-                </a:solidFill>
-                <a:latin typeface="+mn-lt"/>
-                <a:ea typeface="+mn-ea"/>
-                <a:cs typeface="+mn-cs"/>
-              </a:defRPr>
-            </a:lvl3pPr>
-            <a:lvl4pPr marL="1600200" indent="-228600" algn="l" defTabSz="914400" rtl="0" eaLnBrk="1" latinLnBrk="0" hangingPunct="1">
-              <a:lnSpc>
-                <a:spcPct val="90000"/>
-              </a:lnSpc>
-              <a:spcBef>
-                <a:spcPts val="500"/>
-              </a:spcBef>
-              <a:buFont typeface="Arial" panose="020B0604020202020204" pitchFamily="34" charset="0"/>
-              <a:buChar char="•"/>
-              <a:defRPr sz="1800" kern="1200">
-                <a:solidFill>
-                  <a:schemeClr val="tx1"/>
-                </a:solidFill>
-                <a:latin typeface="+mn-lt"/>
-                <a:ea typeface="+mn-ea"/>
-                <a:cs typeface="+mn-cs"/>
-              </a:defRPr>
-            </a:lvl4pPr>
-            <a:lvl5pPr marL="2057400" indent="-228600" algn="l" defTabSz="914400" rtl="0" eaLnBrk="1" latinLnBrk="0" hangingPunct="1">
-              <a:lnSpc>
-                <a:spcPct val="90000"/>
-              </a:lnSpc>
-              <a:spcBef>
-                <a:spcPts val="500"/>
-              </a:spcBef>
-              <a:buFont typeface="Arial" panose="020B0604020202020204" pitchFamily="34" charset="0"/>
-              <a:buChar char="•"/>
-              <a:defRPr sz="1800" kern="1200">
-                <a:solidFill>
-                  <a:schemeClr val="tx1"/>
-                </a:solidFill>
-                <a:latin typeface="+mn-lt"/>
-                <a:ea typeface="+mn-ea"/>
-                <a:cs typeface="+mn-cs"/>
-              </a:defRPr>
-            </a:lvl5pPr>
-            <a:lvl6pPr marL="2514600" indent="-228600" algn="l" defTabSz="914400" rtl="0" eaLnBrk="1" latinLnBrk="0" hangingPunct="1">
-              <a:lnSpc>
-                <a:spcPct val="90000"/>
-              </a:lnSpc>
-              <a:spcBef>
-                <a:spcPts val="500"/>
-              </a:spcBef>
-              <a:buFont typeface="Arial" panose="020B0604020202020204" pitchFamily="34" charset="0"/>
-              <a:buChar char="•"/>
-              <a:defRPr sz="1800" kern="1200">
-                <a:solidFill>
-                  <a:schemeClr val="tx1"/>
-                </a:solidFill>
-                <a:latin typeface="+mn-lt"/>
-                <a:ea typeface="+mn-ea"/>
-                <a:cs typeface="+mn-cs"/>
-              </a:defRPr>
-            </a:lvl6pPr>
-            <a:lvl7pPr marL="2971800" indent="-228600" algn="l" defTabSz="914400" rtl="0" eaLnBrk="1" latinLnBrk="0" hangingPunct="1">
-              <a:lnSpc>
-                <a:spcPct val="90000"/>
-              </a:lnSpc>
-              <a:spcBef>
-                <a:spcPts val="500"/>
-              </a:spcBef>
-              <a:buFont typeface="Arial" panose="020B0604020202020204" pitchFamily="34" charset="0"/>
-              <a:buChar char="•"/>
-              <a:defRPr sz="1800" kern="1200">
-                <a:solidFill>
-                  <a:schemeClr val="tx1"/>
-                </a:solidFill>
-                <a:latin typeface="+mn-lt"/>
-                <a:ea typeface="+mn-ea"/>
-                <a:cs typeface="+mn-cs"/>
-              </a:defRPr>
-            </a:lvl7pPr>
-            <a:lvl8pPr marL="3429000" indent="-228600" algn="l" defTabSz="914400" rtl="0" eaLnBrk="1" latinLnBrk="0" hangingPunct="1">
-              <a:lnSpc>
-                <a:spcPct val="90000"/>
-              </a:lnSpc>
-              <a:spcBef>
-                <a:spcPts val="500"/>
-              </a:spcBef>
-              <a:buFont typeface="Arial" panose="020B0604020202020204" pitchFamily="34" charset="0"/>
-              <a:buChar char="•"/>
-              <a:defRPr sz="1800" kern="1200">
-                <a:solidFill>
-                  <a:schemeClr val="tx1"/>
-                </a:solidFill>
-                <a:latin typeface="+mn-lt"/>
-                <a:ea typeface="+mn-ea"/>
-                <a:cs typeface="+mn-cs"/>
-              </a:defRPr>
-            </a:lvl8pPr>
-            <a:lvl9pPr marL="3886200" indent="-228600" algn="l" defTabSz="914400" rtl="0" eaLnBrk="1" latinLnBrk="0" hangingPunct="1">
-              <a:lnSpc>
-                <a:spcPct val="90000"/>
-              </a:lnSpc>
-              <a:spcBef>
-                <a:spcPts val="500"/>
-              </a:spcBef>
-              <a:buFont typeface="Arial" panose="020B0604020202020204" pitchFamily="34" charset="0"/>
-              <a:buChar char="•"/>
-              <a:defRPr sz="1800" kern="1200">
-                <a:solidFill>
-                  <a:schemeClr val="tx1"/>
-                </a:solidFill>
-                <a:latin typeface="+mn-lt"/>
-                <a:ea typeface="+mn-ea"/>
-                <a:cs typeface="+mn-cs"/>
-              </a:defRPr>
-            </a:lvl9pPr>
-          </a:lstStyle>
-          <a:p>
-            <a:pPr marL="228600" marR="0" lvl="0" indent="-228600" algn="l" defTabSz="914400" rtl="0" eaLnBrk="1" fontAlgn="auto" latinLnBrk="0" hangingPunct="1">
-              <a:lnSpc>
-                <a:spcPct val="90000"/>
-              </a:lnSpc>
-              <a:spcBef>
-                <a:spcPts val="1000"/>
-              </a:spcBef>
-              <a:spcAft>
-                <a:spcPts val="0"/>
-              </a:spcAft>
-              <a:buClrTx/>
-              <a:buSzTx/>
-              <a:buFont typeface="Arial" panose="020B0604020202020204" pitchFamily="34" charset="0"/>
-              <a:buChar char="•"/>
-              <a:tabLst/>
-              <a:defRPr/>
-            </a:pPr>
-            <a:r>
-              <a:rPr kumimoji="0" lang="en-GB" sz="3200" b="0" i="0" u="none" strike="noStrike" kern="1200" cap="none" spc="0" normalizeH="0" baseline="0" noProof="0" dirty="0">
-                <a:ln>
-                  <a:noFill/>
-                </a:ln>
-                <a:solidFill>
-                  <a:sysClr val="windowText" lastClr="000000"/>
-                </a:solidFill>
-                <a:effectLst/>
-                <a:uLnTx/>
-                <a:uFillTx/>
-                <a:latin typeface="Calibri" panose="020F0502020204030204"/>
-                <a:ea typeface="+mn-ea"/>
-                <a:cs typeface="+mn-cs"/>
-              </a:rPr>
-              <a:t>Neutron stars</a:t>
-            </a:r>
-          </a:p>
-          <a:p>
-            <a:pPr marL="228600" marR="0" lvl="0" indent="-228600" algn="l" defTabSz="914400" rtl="0" eaLnBrk="1" fontAlgn="auto" latinLnBrk="0" hangingPunct="1">
-              <a:lnSpc>
-                <a:spcPct val="90000"/>
-              </a:lnSpc>
-              <a:spcBef>
-                <a:spcPts val="1000"/>
-              </a:spcBef>
-              <a:spcAft>
-                <a:spcPts val="0"/>
-              </a:spcAft>
-              <a:buClrTx/>
-              <a:buSzTx/>
-              <a:buFont typeface="Arial" panose="020B0604020202020204" pitchFamily="34" charset="0"/>
-              <a:buChar char="•"/>
-              <a:tabLst/>
-              <a:defRPr/>
-            </a:pPr>
-            <a:r>
-              <a:rPr kumimoji="0" lang="en-GB" sz="3200" b="0" i="0" u="none" strike="noStrike" kern="1200" cap="none" spc="0" normalizeH="0" baseline="0" noProof="0" dirty="0">
-                <a:ln>
-                  <a:noFill/>
-                </a:ln>
-                <a:solidFill>
-                  <a:sysClr val="windowText" lastClr="000000"/>
-                </a:solidFill>
-                <a:effectLst/>
-                <a:uLnTx/>
-                <a:uFillTx/>
-                <a:latin typeface="Calibri" panose="020F0502020204030204"/>
-                <a:ea typeface="+mn-ea"/>
-                <a:cs typeface="+mn-cs"/>
-              </a:rPr>
-              <a:t>Pulsars</a:t>
-            </a:r>
-          </a:p>
-          <a:p>
-            <a:pPr marL="228600" marR="0" lvl="0" indent="-228600" algn="l" defTabSz="914400" rtl="0" eaLnBrk="1" fontAlgn="auto" latinLnBrk="0" hangingPunct="1">
-              <a:lnSpc>
-                <a:spcPct val="90000"/>
-              </a:lnSpc>
-              <a:spcBef>
-                <a:spcPts val="1000"/>
-              </a:spcBef>
-              <a:spcAft>
-                <a:spcPts val="0"/>
-              </a:spcAft>
-              <a:buClrTx/>
-              <a:buSzTx/>
-              <a:buFont typeface="Arial" panose="020B0604020202020204" pitchFamily="34" charset="0"/>
-              <a:buChar char="•"/>
-              <a:tabLst/>
-              <a:defRPr/>
-            </a:pPr>
-            <a:r>
-              <a:rPr kumimoji="0" lang="en-GB" sz="3200" b="0" i="0" u="none" strike="noStrike" kern="1200" cap="none" spc="0" normalizeH="0" baseline="0" noProof="0" dirty="0">
-                <a:ln>
-                  <a:noFill/>
-                </a:ln>
-                <a:solidFill>
-                  <a:sysClr val="windowText" lastClr="000000"/>
-                </a:solidFill>
-                <a:effectLst/>
-                <a:uLnTx/>
-                <a:uFillTx/>
-                <a:latin typeface="Calibri" panose="020F0502020204030204"/>
-                <a:ea typeface="+mn-ea"/>
-                <a:cs typeface="+mn-cs"/>
-              </a:rPr>
-              <a:t>Times of Arrival (TOA)</a:t>
-            </a:r>
-          </a:p>
-          <a:p>
-            <a:pPr marL="228600" marR="0" lvl="0" indent="-228600" algn="l" defTabSz="914400" rtl="0" eaLnBrk="1" fontAlgn="auto" latinLnBrk="0" hangingPunct="1">
-              <a:lnSpc>
-                <a:spcPct val="90000"/>
-              </a:lnSpc>
-              <a:spcBef>
-                <a:spcPts val="1000"/>
-              </a:spcBef>
-              <a:spcAft>
-                <a:spcPts val="0"/>
-              </a:spcAft>
-              <a:buClrTx/>
-              <a:buSzTx/>
-              <a:buFont typeface="Arial" panose="020B0604020202020204" pitchFamily="34" charset="0"/>
-              <a:buChar char="•"/>
-              <a:tabLst/>
-              <a:defRPr/>
-            </a:pPr>
-            <a:r>
-              <a:rPr kumimoji="0" lang="en-GB" sz="3200" b="0" i="0" u="none" strike="noStrike" kern="1200" cap="none" spc="0" normalizeH="0" baseline="0" noProof="0" dirty="0">
-                <a:ln>
-                  <a:noFill/>
-                </a:ln>
-                <a:solidFill>
-                  <a:sysClr val="windowText" lastClr="000000"/>
-                </a:solidFill>
-                <a:effectLst/>
-                <a:uLnTx/>
-                <a:uFillTx/>
-                <a:latin typeface="Calibri" panose="020F0502020204030204"/>
-                <a:ea typeface="+mn-ea"/>
-                <a:cs typeface="+mn-cs"/>
-              </a:rPr>
-              <a:t>Line of sight (LOS)</a:t>
-            </a:r>
-          </a:p>
-          <a:p>
-            <a:pPr marL="228600" marR="0" lvl="0" indent="-228600" algn="l" defTabSz="914400" rtl="0" eaLnBrk="1" fontAlgn="auto" latinLnBrk="0" hangingPunct="1">
-              <a:lnSpc>
-                <a:spcPct val="90000"/>
-              </a:lnSpc>
-              <a:spcBef>
-                <a:spcPts val="1000"/>
-              </a:spcBef>
-              <a:spcAft>
-                <a:spcPts val="0"/>
-              </a:spcAft>
-              <a:buClrTx/>
-              <a:buSzTx/>
-              <a:buFont typeface="Arial" panose="020B0604020202020204" pitchFamily="34" charset="0"/>
-              <a:buChar char="•"/>
-              <a:tabLst/>
-              <a:defRPr/>
-            </a:pPr>
-            <a:r>
-              <a:rPr kumimoji="0" lang="en-GB" sz="3200" b="0" i="0" u="none" strike="noStrike" kern="1200" cap="none" spc="0" normalizeH="0" baseline="0" noProof="0" dirty="0">
-                <a:ln>
-                  <a:noFill/>
-                </a:ln>
-                <a:solidFill>
-                  <a:sysClr val="windowText" lastClr="000000"/>
-                </a:solidFill>
-                <a:effectLst/>
-                <a:uLnTx/>
-                <a:uFillTx/>
-                <a:latin typeface="Calibri" panose="020F0502020204030204"/>
-                <a:ea typeface="+mn-ea"/>
-                <a:cs typeface="+mn-cs"/>
-              </a:rPr>
-              <a:t>Romer Delay</a:t>
-            </a:r>
-          </a:p>
-          <a:p>
-            <a:pPr marL="228600" marR="0" lvl="0" indent="-228600" algn="l" defTabSz="914400" rtl="0" eaLnBrk="1" fontAlgn="auto" latinLnBrk="0" hangingPunct="1">
-              <a:lnSpc>
-                <a:spcPct val="90000"/>
-              </a:lnSpc>
-              <a:spcBef>
-                <a:spcPts val="1000"/>
-              </a:spcBef>
-              <a:spcAft>
-                <a:spcPts val="0"/>
-              </a:spcAft>
-              <a:buClrTx/>
-              <a:buSzTx/>
-              <a:buFont typeface="Arial" panose="020B0604020202020204" pitchFamily="34" charset="0"/>
-              <a:buChar char="•"/>
-              <a:tabLst/>
-              <a:defRPr/>
-            </a:pPr>
-            <a:r>
-              <a:rPr kumimoji="0" lang="en-GB" sz="3200" b="0" i="0" u="none" strike="noStrike" kern="1200" cap="none" spc="0" normalizeH="0" baseline="0" noProof="0" dirty="0">
-                <a:ln>
-                  <a:noFill/>
-                </a:ln>
-                <a:solidFill>
-                  <a:sysClr val="windowText" lastClr="000000"/>
-                </a:solidFill>
-                <a:effectLst/>
-                <a:uLnTx/>
-                <a:uFillTx/>
-                <a:latin typeface="Calibri" panose="020F0502020204030204"/>
-                <a:ea typeface="+mn-ea"/>
-                <a:cs typeface="+mn-cs"/>
-              </a:rPr>
-              <a:t>Einstein Delay</a:t>
-            </a:r>
-          </a:p>
-          <a:p>
-            <a:pPr marL="228600" marR="0" lvl="0" indent="-228600" algn="l" defTabSz="914400" rtl="0" eaLnBrk="1" fontAlgn="auto" latinLnBrk="0" hangingPunct="1">
-              <a:lnSpc>
-                <a:spcPct val="90000"/>
-              </a:lnSpc>
-              <a:spcBef>
-                <a:spcPts val="1000"/>
-              </a:spcBef>
-              <a:spcAft>
-                <a:spcPts val="0"/>
-              </a:spcAft>
-              <a:buClrTx/>
-              <a:buSzTx/>
-              <a:buFont typeface="Arial" panose="020B0604020202020204" pitchFamily="34" charset="0"/>
-              <a:buChar char="•"/>
-              <a:tabLst/>
-              <a:defRPr/>
-            </a:pPr>
-            <a:endParaRPr kumimoji="0" lang="en-GB" sz="2000" b="0" i="0" u="none" strike="noStrike" kern="1200" cap="none" spc="0" normalizeH="0" baseline="0" noProof="0" dirty="0">
-              <a:ln>
-                <a:noFill/>
-              </a:ln>
-              <a:solidFill>
-                <a:srgbClr val="FFFFFF"/>
-              </a:solidFill>
-              <a:effectLst/>
-              <a:uLnTx/>
-              <a:uFillTx/>
-              <a:latin typeface="Calibri" panose="020F0502020204030204"/>
-              <a:ea typeface="+mn-ea"/>
-              <a:cs typeface="+mn-cs"/>
-            </a:endParaRPr>
-          </a:p>
-        </p:txBody>
-      </p:sp>
-    </p:spTree>
-    <p:extLst>
-      <p:ext uri="{BB962C8B-B14F-4D97-AF65-F5344CB8AC3E}">
-        <p14:creationId xmlns:p14="http://schemas.microsoft.com/office/powerpoint/2010/main" val="1579586926"/>
-      </p:ext>
-    </p:extLst>
-  </p:cSld>
-  <p:clrMapOvr>
-    <a:masterClrMapping/>
-  </p:clrMapOvr>
-</p:sld>
-</file>
-
-<file path=ppt/slides/slide20.xml><?xml version="1.0" encoding="utf-8"?>
+<file path=ppt/slides/slide24.xml><?xml version="1.0" encoding="utf-8"?>
 <p:sld xmlns:a="http://schemas.openxmlformats.org/drawingml/2006/main" xmlns:r="http://schemas.openxmlformats.org/officeDocument/2006/relationships" xmlns:p="http://schemas.openxmlformats.org/presentationml/2006/main">
   <p:cSld>
     <p:spTree>
@@ -10586,7 +12750,7 @@
         </p:blipFill>
         <p:spPr>
           <a:xfrm>
-            <a:off x="-667673" y="-1685261"/>
+            <a:off x="0" y="-1685261"/>
             <a:ext cx="18184010" cy="10228521"/>
           </a:xfrm>
           <a:prstGeom prst="rect">
@@ -10974,7 +13138,7 @@
         </p:blipFill>
         <p:spPr>
           <a:xfrm>
-            <a:off x="-2996005" y="-1685262"/>
+            <a:off x="-2856305" y="-1685261"/>
             <a:ext cx="18184010" cy="10228521"/>
           </a:xfrm>
           <a:prstGeom prst="rect">
@@ -11069,6 +13233,45 @@
           </a:prstGeom>
         </p:spPr>
       </p:pic>
+      <p:sp>
+        <p:nvSpPr>
+          <p:cNvPr id="2" name="TextBox 1">
+            <a:extLst>
+              <a:ext uri="{FF2B5EF4-FFF2-40B4-BE49-F238E27FC236}">
+                <a16:creationId xmlns:a16="http://schemas.microsoft.com/office/drawing/2014/main" id="{F4AD7C4E-557A-4880-93FD-43E98FEE7337}"/>
+              </a:ext>
+            </a:extLst>
+          </p:cNvPr>
+          <p:cNvSpPr txBox="1"/>
+          <p:nvPr/>
+        </p:nvSpPr>
+        <p:spPr>
+          <a:xfrm>
+            <a:off x="710609" y="6254234"/>
+            <a:ext cx="11404600" cy="369332"/>
+          </a:xfrm>
+          <a:prstGeom prst="rect">
+            <a:avLst/>
+          </a:prstGeom>
+          <a:noFill/>
+        </p:spPr>
+        <p:txBody>
+          <a:bodyPr wrap="square" rtlCol="0">
+            <a:spAutoFit/>
+          </a:bodyPr>
+          <a:lstStyle/>
+          <a:p>
+            <a:r>
+              <a:rPr lang="en-GB" dirty="0">
+                <a:solidFill>
+                  <a:schemeClr val="bg1"/>
+                </a:solidFill>
+              </a:rPr>
+              <a:t>Figure from Lorimer &amp; Kramer (2004)</a:t>
+            </a:r>
+          </a:p>
+        </p:txBody>
+      </p:sp>
     </p:spTree>
     <p:extLst>
       <p:ext uri="{BB962C8B-B14F-4D97-AF65-F5344CB8AC3E}">
@@ -11122,7 +13325,7 @@
         </p:blipFill>
         <p:spPr>
           <a:xfrm>
-            <a:off x="-2996005" y="-1685262"/>
+            <a:off x="-2856305" y="-1685261"/>
             <a:ext cx="18184010" cy="10228521"/>
           </a:xfrm>
           <a:prstGeom prst="rect">
@@ -11181,157 +13384,121 @@
           </a:p>
         </p:txBody>
       </p:sp>
-      <p:sp>
-        <p:nvSpPr>
-          <p:cNvPr id="3" name="Content Placeholder 2">
-            <a:extLst>
-              <a:ext uri="{FF2B5EF4-FFF2-40B4-BE49-F238E27FC236}">
-                <a16:creationId xmlns:a16="http://schemas.microsoft.com/office/drawing/2014/main" id="{58C37931-4F87-4AAC-B56C-5F02441B3165}"/>
-              </a:ext>
-            </a:extLst>
-          </p:cNvPr>
-          <p:cNvSpPr>
-            <a:spLocks noGrp="1"/>
-          </p:cNvSpPr>
-          <p:nvPr>
-            <p:ph idx="1"/>
-          </p:nvPr>
-        </p:nvSpPr>
+      <p:pic>
+        <p:nvPicPr>
+          <p:cNvPr id="7" name="Content Placeholder 16" descr="Diagram&#10;&#10;Description automatically generated">
+            <a:extLst>
+              <a:ext uri="{FF2B5EF4-FFF2-40B4-BE49-F238E27FC236}">
+                <a16:creationId xmlns:a16="http://schemas.microsoft.com/office/drawing/2014/main" id="{6B47A15E-6AE4-41D5-A4A4-9987701947B9}"/>
+              </a:ext>
+            </a:extLst>
+          </p:cNvPr>
+          <p:cNvPicPr>
+            <a:picLocks noChangeAspect="1"/>
+          </p:cNvPicPr>
+          <p:nvPr/>
+        </p:nvPicPr>
+        <p:blipFill>
+          <a:blip r:embed="rId4">
+            <a:extLst>
+              <a:ext uri="{28A0092B-C50C-407E-A947-70E740481C1C}">
+                <a14:useLocalDpi xmlns:a14="http://schemas.microsoft.com/office/drawing/2010/main" val="0"/>
+              </a:ext>
+            </a:extLst>
+          </a:blip>
+          <a:stretch>
+            <a:fillRect/>
+          </a:stretch>
+        </p:blipFill>
         <p:spPr>
           <a:xfrm>
-            <a:off x="855132" y="809091"/>
-            <a:ext cx="10498667" cy="5239817"/>
+            <a:off x="3397267" y="998689"/>
+            <a:ext cx="5397465" cy="4860621"/>
           </a:xfrm>
+          <a:prstGeom prst="rect">
+            <a:avLst/>
+          </a:prstGeom>
         </p:spPr>
-        <p:txBody>
-          <a:bodyPr>
-            <a:normAutofit fontScale="92500" lnSpcReduction="10000"/>
+      </p:pic>
+      <p:sp>
+        <p:nvSpPr>
+          <p:cNvPr id="2" name="TextBox 1">
+            <a:extLst>
+              <a:ext uri="{FF2B5EF4-FFF2-40B4-BE49-F238E27FC236}">
+                <a16:creationId xmlns:a16="http://schemas.microsoft.com/office/drawing/2014/main" id="{F4AD7C4E-557A-4880-93FD-43E98FEE7337}"/>
+              </a:ext>
+            </a:extLst>
+          </p:cNvPr>
+          <p:cNvSpPr txBox="1"/>
+          <p:nvPr/>
+        </p:nvSpPr>
+        <p:spPr>
+          <a:xfrm>
+            <a:off x="710609" y="6254234"/>
+            <a:ext cx="11404600" cy="369332"/>
+          </a:xfrm>
+          <a:prstGeom prst="rect">
+            <a:avLst/>
+          </a:prstGeom>
+          <a:noFill/>
+        </p:spPr>
+        <p:txBody>
+          <a:bodyPr wrap="square" rtlCol="0">
+            <a:spAutoFit/>
           </a:bodyPr>
           <a:lstStyle/>
           <a:p>
             <a:r>
-              <a:rPr lang="en-GB" dirty="0"/>
-              <a:t>Pulsar Timing</a:t>
-            </a:r>
-          </a:p>
-          <a:p>
-            <a:pPr lvl="1"/>
-            <a:r>
-              <a:rPr lang="en-GB" dirty="0"/>
-              <a:t>The process of creating a model that accounts for every single pulse from a pulsar over long periods of time</a:t>
-            </a:r>
-          </a:p>
-          <a:p>
-            <a:r>
-              <a:rPr lang="en-GB" dirty="0"/>
-              <a:t>Times of Arrival (TOAs)</a:t>
-            </a:r>
-          </a:p>
-          <a:p>
-            <a:pPr lvl="1"/>
-            <a:r>
-              <a:rPr lang="en-GB" dirty="0"/>
-              <a:t>The measurement from pulsar timing</a:t>
-            </a:r>
-          </a:p>
-          <a:p>
-            <a:pPr lvl="1"/>
-            <a:r>
-              <a:rPr lang="en-GB" dirty="0"/>
-              <a:t>Absolute Time Instant</a:t>
-            </a:r>
-          </a:p>
-          <a:p>
-            <a:pPr lvl="1"/>
-            <a:r>
-              <a:rPr lang="en-GB" dirty="0"/>
-              <a:t>Timing Residuals – difference between the measured TOA and the predicted value</a:t>
-            </a:r>
-          </a:p>
-          <a:p>
-            <a:r>
-              <a:rPr lang="en-GB" dirty="0"/>
-              <a:t>Pulsar Timing Arrays</a:t>
-            </a:r>
-          </a:p>
-          <a:p>
-            <a:pPr lvl="1"/>
-            <a:r>
-              <a:rPr lang="en-GB" dirty="0" err="1"/>
-              <a:t>NANOGrav</a:t>
-            </a:r>
-            <a:r>
-              <a:rPr lang="en-GB" dirty="0"/>
-              <a:t> (North American Nanohertz Observatory for Gravitational Waves)</a:t>
-            </a:r>
-          </a:p>
-          <a:p>
-            <a:pPr lvl="2"/>
-            <a:r>
-              <a:rPr lang="en-GB" dirty="0"/>
-              <a:t>Uses data from the Arecibo and Green Bank radio telescopes</a:t>
-            </a:r>
-          </a:p>
-          <a:p>
-            <a:pPr lvl="1"/>
-            <a:r>
-              <a:rPr lang="en-GB" dirty="0"/>
-              <a:t>EPTA (European Pulsar Timing Array)</a:t>
-            </a:r>
-          </a:p>
-          <a:p>
-            <a:pPr lvl="2"/>
-            <a:r>
-              <a:rPr lang="en-GB" dirty="0"/>
-              <a:t>Uses data from 4 largest radio telescopes in Europe: 	</a:t>
-            </a:r>
-          </a:p>
-          <a:p>
-            <a:pPr lvl="3"/>
-            <a:r>
-              <a:rPr lang="en-GB" dirty="0"/>
-              <a:t>Lovell Telescope</a:t>
-            </a:r>
-          </a:p>
-          <a:p>
-            <a:pPr lvl="3"/>
-            <a:r>
-              <a:rPr lang="en-GB" dirty="0" err="1"/>
-              <a:t>Westerbork</a:t>
-            </a:r>
-            <a:r>
-              <a:rPr lang="en-GB" dirty="0"/>
-              <a:t> Synthesis Radio Telescope</a:t>
-            </a:r>
-          </a:p>
-          <a:p>
-            <a:pPr lvl="3"/>
-            <a:r>
-              <a:rPr lang="en-GB" dirty="0" err="1"/>
-              <a:t>Effelsberg</a:t>
-            </a:r>
-            <a:r>
-              <a:rPr lang="en-GB" dirty="0"/>
-              <a:t> Telescope</a:t>
-            </a:r>
-          </a:p>
-          <a:p>
-            <a:pPr lvl="3"/>
-            <a:r>
-              <a:rPr lang="en-GB" dirty="0" err="1"/>
-              <a:t>Nancay</a:t>
-            </a:r>
-            <a:r>
-              <a:rPr lang="en-GB" dirty="0"/>
-              <a:t> Radio Telescope</a:t>
-            </a:r>
-          </a:p>
-        </p:txBody>
-      </p:sp>
+              <a:rPr lang="en-GB" dirty="0">
+                <a:solidFill>
+                  <a:schemeClr val="bg1"/>
+                </a:solidFill>
+              </a:rPr>
+              <a:t>Figure from Lorimer &amp; Kramer (2004)</a:t>
+            </a:r>
+          </a:p>
+        </p:txBody>
+      </p:sp>
+      <p:pic>
+        <p:nvPicPr>
+          <p:cNvPr id="8" name="Picture 7" descr="A planet in space&#10;&#10;Description automatically generated with low confidence">
+            <a:extLst>
+              <a:ext uri="{FF2B5EF4-FFF2-40B4-BE49-F238E27FC236}">
+                <a16:creationId xmlns:a16="http://schemas.microsoft.com/office/drawing/2014/main" id="{A2FDFB29-AB37-4CEA-AA51-E8278FF264F9}"/>
+              </a:ext>
+            </a:extLst>
+          </p:cNvPr>
+          <p:cNvPicPr>
+            <a:picLocks noChangeAspect="1"/>
+          </p:cNvPicPr>
+          <p:nvPr/>
+        </p:nvPicPr>
+        <p:blipFill>
+          <a:blip r:embed="rId5">
+            <a:extLst>
+              <a:ext uri="{28A0092B-C50C-407E-A947-70E740481C1C}">
+                <a14:useLocalDpi xmlns:a14="http://schemas.microsoft.com/office/drawing/2010/main" val="0"/>
+              </a:ext>
+            </a:extLst>
+          </a:blip>
+          <a:stretch>
+            <a:fillRect/>
+          </a:stretch>
+        </p:blipFill>
+        <p:spPr>
+          <a:xfrm>
+            <a:off x="4012109" y="1510890"/>
+            <a:ext cx="2400800" cy="1350450"/>
+          </a:xfrm>
+          <a:prstGeom prst="rect">
+            <a:avLst/>
+          </a:prstGeom>
+        </p:spPr>
+      </p:pic>
     </p:spTree>
     <p:extLst>
       <p:ext uri="{BB962C8B-B14F-4D97-AF65-F5344CB8AC3E}">
-        <p14:creationId xmlns:p14="http://schemas.microsoft.com/office/powerpoint/2010/main" val="3330733025"/>
+        <p14:creationId xmlns:p14="http://schemas.microsoft.com/office/powerpoint/2010/main" val="3865554099"/>
       </p:ext>
     </p:extLst>
   </p:cSld>
@@ -11360,10 +13527,10 @@
       </p:grpSpPr>
       <p:pic>
         <p:nvPicPr>
-          <p:cNvPr id="4" name="Picture 3" descr="A swirling meteorite">
-            <a:extLst>
-              <a:ext uri="{FF2B5EF4-FFF2-40B4-BE49-F238E27FC236}">
-                <a16:creationId xmlns:a16="http://schemas.microsoft.com/office/drawing/2014/main" id="{9BCBBEA0-C1DA-4D07-ADC7-3D62D9310C88}"/>
+          <p:cNvPr id="6" name="Picture 5" descr="A swirling meteorite">
+            <a:extLst>
+              <a:ext uri="{FF2B5EF4-FFF2-40B4-BE49-F238E27FC236}">
+                <a16:creationId xmlns:a16="http://schemas.microsoft.com/office/drawing/2014/main" id="{F278C698-DBC7-4D95-B5E1-BC1A4D29F5DF}"/>
               </a:ext>
             </a:extLst>
           </p:cNvPr>
@@ -11373,7 +13540,7 @@
           <p:nvPr/>
         </p:nvPicPr>
         <p:blipFill rotWithShape="1">
-          <a:blip r:embed="rId2">
+          <a:blip r:embed="rId3">
             <a:alphaModFix/>
           </a:blip>
           <a:srcRect t="157" b="12971"/>
@@ -11381,7 +13548,7 @@
         </p:blipFill>
         <p:spPr>
           <a:xfrm>
-            <a:off x="-2758937" y="-1685261"/>
+            <a:off x="-2856305" y="-1685261"/>
             <a:ext cx="18184010" cy="10228521"/>
           </a:xfrm>
           <a:prstGeom prst="rect">
@@ -11394,7 +13561,7 @@
           <p:cNvPr id="5" name="Rectangle 4">
             <a:extLst>
               <a:ext uri="{FF2B5EF4-FFF2-40B4-BE49-F238E27FC236}">
-                <a16:creationId xmlns:a16="http://schemas.microsoft.com/office/drawing/2014/main" id="{7E506CC4-070B-466D-B602-D756AC69C831}"/>
+                <a16:creationId xmlns:a16="http://schemas.microsoft.com/office/drawing/2014/main" id="{9EA054A0-8E4D-4103-B6DB-42E441BD384E}"/>
               </a:ext>
             </a:extLst>
           </p:cNvPr>
@@ -11440,62 +13607,121 @@
           </a:p>
         </p:txBody>
       </p:sp>
-      <p:sp>
-        <p:nvSpPr>
-          <p:cNvPr id="3" name="Content Placeholder 2">
-            <a:extLst>
-              <a:ext uri="{FF2B5EF4-FFF2-40B4-BE49-F238E27FC236}">
-                <a16:creationId xmlns:a16="http://schemas.microsoft.com/office/drawing/2014/main" id="{F98AFB0D-B49E-4FC2-AF4E-A10360DB25AD}"/>
-              </a:ext>
-            </a:extLst>
-          </p:cNvPr>
-          <p:cNvSpPr>
-            <a:spLocks noGrp="1"/>
-          </p:cNvSpPr>
-          <p:nvPr>
-            <p:ph idx="1"/>
-          </p:nvPr>
-        </p:nvSpPr>
-        <p:spPr/>
-        <p:txBody>
-          <a:bodyPr/>
+      <p:pic>
+        <p:nvPicPr>
+          <p:cNvPr id="7" name="Content Placeholder 16" descr="Diagram&#10;&#10;Description automatically generated">
+            <a:extLst>
+              <a:ext uri="{FF2B5EF4-FFF2-40B4-BE49-F238E27FC236}">
+                <a16:creationId xmlns:a16="http://schemas.microsoft.com/office/drawing/2014/main" id="{6B47A15E-6AE4-41D5-A4A4-9987701947B9}"/>
+              </a:ext>
+            </a:extLst>
+          </p:cNvPr>
+          <p:cNvPicPr>
+            <a:picLocks noChangeAspect="1"/>
+          </p:cNvPicPr>
+          <p:nvPr/>
+        </p:nvPicPr>
+        <p:blipFill>
+          <a:blip r:embed="rId4">
+            <a:extLst>
+              <a:ext uri="{28A0092B-C50C-407E-A947-70E740481C1C}">
+                <a14:useLocalDpi xmlns:a14="http://schemas.microsoft.com/office/drawing/2010/main" val="0"/>
+              </a:ext>
+            </a:extLst>
+          </a:blip>
+          <a:stretch>
+            <a:fillRect/>
+          </a:stretch>
+        </p:blipFill>
+        <p:spPr>
+          <a:xfrm>
+            <a:off x="3397267" y="998689"/>
+            <a:ext cx="5397465" cy="4860621"/>
+          </a:xfrm>
+          <a:prstGeom prst="rect">
+            <a:avLst/>
+          </a:prstGeom>
+        </p:spPr>
+      </p:pic>
+      <p:sp>
+        <p:nvSpPr>
+          <p:cNvPr id="2" name="TextBox 1">
+            <a:extLst>
+              <a:ext uri="{FF2B5EF4-FFF2-40B4-BE49-F238E27FC236}">
+                <a16:creationId xmlns:a16="http://schemas.microsoft.com/office/drawing/2014/main" id="{F4AD7C4E-557A-4880-93FD-43E98FEE7337}"/>
+              </a:ext>
+            </a:extLst>
+          </p:cNvPr>
+          <p:cNvSpPr txBox="1"/>
+          <p:nvPr/>
+        </p:nvSpPr>
+        <p:spPr>
+          <a:xfrm>
+            <a:off x="710609" y="6254234"/>
+            <a:ext cx="11404600" cy="369332"/>
+          </a:xfrm>
+          <a:prstGeom prst="rect">
+            <a:avLst/>
+          </a:prstGeom>
+          <a:noFill/>
+        </p:spPr>
+        <p:txBody>
+          <a:bodyPr wrap="square" rtlCol="0">
+            <a:spAutoFit/>
+          </a:bodyPr>
           <a:lstStyle/>
           <a:p>
             <a:r>
-              <a:rPr lang="en-GB" dirty="0" err="1"/>
-              <a:t>Römer</a:t>
-            </a:r>
-            <a:r>
-              <a:rPr lang="en-GB" dirty="0"/>
-              <a:t> delay</a:t>
-            </a:r>
-          </a:p>
-          <a:p>
-            <a:pPr lvl="1"/>
-            <a:r>
-              <a:rPr lang="en-GB" dirty="0"/>
-              <a:t>Classical light travel time across Earth’s orbit</a:t>
-            </a:r>
-          </a:p>
-          <a:p>
-            <a:r>
-              <a:rPr lang="en-GB" dirty="0"/>
-              <a:t>Einstein delay</a:t>
-            </a:r>
-          </a:p>
-          <a:p>
-            <a:pPr lvl="1"/>
-            <a:r>
-              <a:rPr lang="en-GB" dirty="0"/>
-              <a:t>Accounts for the effects of gravitational redshift</a:t>
-            </a:r>
-          </a:p>
-        </p:txBody>
-      </p:sp>
+              <a:rPr lang="en-GB" dirty="0">
+                <a:solidFill>
+                  <a:schemeClr val="bg1"/>
+                </a:solidFill>
+              </a:rPr>
+              <a:t>Figure from Lorimer &amp; Kramer (2004)</a:t>
+            </a:r>
+          </a:p>
+        </p:txBody>
+      </p:sp>
+      <p:pic>
+        <p:nvPicPr>
+          <p:cNvPr id="9" name="Picture 8" descr="A planet in space&#10;&#10;Description automatically generated with low confidence">
+            <a:extLst>
+              <a:ext uri="{FF2B5EF4-FFF2-40B4-BE49-F238E27FC236}">
+                <a16:creationId xmlns:a16="http://schemas.microsoft.com/office/drawing/2014/main" id="{1FD0A5C0-F872-4E25-A294-E1ADDDD129C4}"/>
+              </a:ext>
+            </a:extLst>
+          </p:cNvPr>
+          <p:cNvPicPr>
+            <a:picLocks noChangeAspect="1"/>
+          </p:cNvPicPr>
+          <p:nvPr/>
+        </p:nvPicPr>
+        <p:blipFill>
+          <a:blip r:embed="rId5">
+            <a:extLst>
+              <a:ext uri="{28A0092B-C50C-407E-A947-70E740481C1C}">
+                <a14:useLocalDpi xmlns:a14="http://schemas.microsoft.com/office/drawing/2010/main" val="0"/>
+              </a:ext>
+            </a:extLst>
+          </a:blip>
+          <a:stretch>
+            <a:fillRect/>
+          </a:stretch>
+        </p:blipFill>
+        <p:spPr>
+          <a:xfrm>
+            <a:off x="6190447" y="2971390"/>
+            <a:ext cx="2400800" cy="1350450"/>
+          </a:xfrm>
+          <a:prstGeom prst="rect">
+            <a:avLst/>
+          </a:prstGeom>
+        </p:spPr>
+      </p:pic>
     </p:spTree>
     <p:extLst>
       <p:ext uri="{BB962C8B-B14F-4D97-AF65-F5344CB8AC3E}">
-        <p14:creationId xmlns:p14="http://schemas.microsoft.com/office/powerpoint/2010/main" val="1275380817"/>
+        <p14:creationId xmlns:p14="http://schemas.microsoft.com/office/powerpoint/2010/main" val="162303995"/>
       </p:ext>
     </p:extLst>
   </p:cSld>
@@ -11522,62 +13748,12 @@
           <a:chExt cx="0" cy="0"/>
         </a:xfrm>
       </p:grpSpPr>
-      <p:sp>
-        <p:nvSpPr>
-          <p:cNvPr id="2" name="Title 1">
-            <a:extLst>
-              <a:ext uri="{FF2B5EF4-FFF2-40B4-BE49-F238E27FC236}">
-                <a16:creationId xmlns:a16="http://schemas.microsoft.com/office/drawing/2014/main" id="{65F728DC-C211-4B52-8BB1-49284AEA8FB7}"/>
-              </a:ext>
-            </a:extLst>
-          </p:cNvPr>
-          <p:cNvSpPr>
-            <a:spLocks noGrp="1"/>
-          </p:cNvSpPr>
-          <p:nvPr>
-            <p:ph type="title"/>
-          </p:nvPr>
-        </p:nvSpPr>
-        <p:spPr/>
-        <p:txBody>
-          <a:bodyPr/>
-          <a:lstStyle/>
-          <a:p>
-            <a:endParaRPr lang="en-GB"/>
-          </a:p>
-        </p:txBody>
-      </p:sp>
-      <p:sp>
-        <p:nvSpPr>
-          <p:cNvPr id="3" name="Content Placeholder 2">
-            <a:extLst>
-              <a:ext uri="{FF2B5EF4-FFF2-40B4-BE49-F238E27FC236}">
-                <a16:creationId xmlns:a16="http://schemas.microsoft.com/office/drawing/2014/main" id="{E7A9DB18-FD55-45FB-B704-38F01FB1A3B7}"/>
-              </a:ext>
-            </a:extLst>
-          </p:cNvPr>
-          <p:cNvSpPr>
-            <a:spLocks noGrp="1"/>
-          </p:cNvSpPr>
-          <p:nvPr>
-            <p:ph idx="1"/>
-          </p:nvPr>
-        </p:nvSpPr>
-        <p:spPr/>
-        <p:txBody>
-          <a:bodyPr/>
-          <a:lstStyle/>
-          <a:p>
-            <a:endParaRPr lang="en-GB"/>
-          </a:p>
-        </p:txBody>
-      </p:sp>
       <p:pic>
         <p:nvPicPr>
-          <p:cNvPr id="4" name="Picture 3" descr="A swirling meteorite">
-            <a:extLst>
-              <a:ext uri="{FF2B5EF4-FFF2-40B4-BE49-F238E27FC236}">
-                <a16:creationId xmlns:a16="http://schemas.microsoft.com/office/drawing/2014/main" id="{0383413C-21F8-43D4-A92B-5D24AEE12288}"/>
+          <p:cNvPr id="6" name="Picture 5" descr="A swirling meteorite">
+            <a:extLst>
+              <a:ext uri="{FF2B5EF4-FFF2-40B4-BE49-F238E27FC236}">
+                <a16:creationId xmlns:a16="http://schemas.microsoft.com/office/drawing/2014/main" id="{F278C698-DBC7-4D95-B5E1-BC1A4D29F5DF}"/>
               </a:ext>
             </a:extLst>
           </p:cNvPr>
@@ -11595,7 +13771,7 @@
         </p:blipFill>
         <p:spPr>
           <a:xfrm>
-            <a:off x="-2521873" y="-1685261"/>
+            <a:off x="-2716605" y="-1685261"/>
             <a:ext cx="18184010" cy="10228521"/>
           </a:xfrm>
           <a:prstGeom prst="rect">
@@ -11608,7 +13784,7 @@
           <p:cNvPr id="5" name="Rectangle 4">
             <a:extLst>
               <a:ext uri="{FF2B5EF4-FFF2-40B4-BE49-F238E27FC236}">
-                <a16:creationId xmlns:a16="http://schemas.microsoft.com/office/drawing/2014/main" id="{132FBCB0-D5A7-4BD0-B287-EB19D89C0201}"/>
+                <a16:creationId xmlns:a16="http://schemas.microsoft.com/office/drawing/2014/main" id="{9EA054A0-8E4D-4103-B6DB-42E441BD384E}"/>
               </a:ext>
             </a:extLst>
           </p:cNvPr>
@@ -11617,7 +13793,7 @@
         </p:nvSpPr>
         <p:spPr>
           <a:xfrm>
-            <a:off x="710609" y="595423"/>
+            <a:off x="710609" y="595422"/>
             <a:ext cx="10770782" cy="5667154"/>
           </a:xfrm>
           <a:prstGeom prst="rect">
@@ -11656,274 +13832,75 @@
       </p:sp>
       <p:sp>
         <p:nvSpPr>
-          <p:cNvPr id="6" name="Title 1">
-            <a:extLst>
-              <a:ext uri="{FF2B5EF4-FFF2-40B4-BE49-F238E27FC236}">
-                <a16:creationId xmlns:a16="http://schemas.microsoft.com/office/drawing/2014/main" id="{74E411D3-9573-4415-9E21-8C7A2FAF984D}"/>
-              </a:ext>
-            </a:extLst>
-          </p:cNvPr>
-          <p:cNvSpPr txBox="1">
-            <a:spLocks/>
+          <p:cNvPr id="3" name="Content Placeholder 2">
+            <a:extLst>
+              <a:ext uri="{FF2B5EF4-FFF2-40B4-BE49-F238E27FC236}">
+                <a16:creationId xmlns:a16="http://schemas.microsoft.com/office/drawing/2014/main" id="{58C37931-4F87-4AAC-B56C-5F02441B3165}"/>
+              </a:ext>
+            </a:extLst>
+          </p:cNvPr>
+          <p:cNvSpPr>
+            <a:spLocks noGrp="1"/>
           </p:cNvSpPr>
-          <p:nvPr/>
+          <p:nvPr>
+            <p:ph idx="1"/>
+          </p:nvPr>
         </p:nvSpPr>
         <p:spPr>
           <a:xfrm>
-            <a:off x="2786093" y="681037"/>
-            <a:ext cx="6619811" cy="1344975"/>
+            <a:off x="855132" y="809091"/>
+            <a:ext cx="10498667" cy="5239817"/>
           </a:xfrm>
-          <a:prstGeom prst="rect">
-            <a:avLst/>
-          </a:prstGeom>
         </p:spPr>
         <p:txBody>
-          <a:bodyPr vert="horz" lIns="91440" tIns="45720" rIns="91440" bIns="45720" rtlCol="0" anchor="ctr">
+          <a:bodyPr>
             <a:normAutofit/>
           </a:bodyPr>
-          <a:lstStyle>
-            <a:lvl1pPr algn="l" defTabSz="914400" rtl="0" eaLnBrk="1" latinLnBrk="0" hangingPunct="1">
-              <a:lnSpc>
-                <a:spcPct val="90000"/>
-              </a:lnSpc>
-              <a:spcBef>
-                <a:spcPct val="0"/>
-              </a:spcBef>
-              <a:buNone/>
-              <a:defRPr sz="4400" kern="1200">
-                <a:solidFill>
-                  <a:schemeClr val="tx1"/>
-                </a:solidFill>
-                <a:latin typeface="+mj-lt"/>
-                <a:ea typeface="+mj-ea"/>
-                <a:cs typeface="+mj-cs"/>
-              </a:defRPr>
-            </a:lvl1pPr>
-          </a:lstStyle>
-          <a:p>
-            <a:pPr algn="ctr"/>
-            <a:r>
-              <a:rPr lang="en-GB" sz="4000" dirty="0"/>
-              <a:t>What is the Shapiro Delay?</a:t>
-            </a:r>
-          </a:p>
-        </p:txBody>
-      </p:sp>
-      <p:sp>
-        <p:nvSpPr>
-          <p:cNvPr id="7" name="Content Placeholder 2">
-            <a:extLst>
-              <a:ext uri="{FF2B5EF4-FFF2-40B4-BE49-F238E27FC236}">
-                <a16:creationId xmlns:a16="http://schemas.microsoft.com/office/drawing/2014/main" id="{9A258B1B-6EC3-4F12-A867-FEF8EA363B6D}"/>
-              </a:ext>
-            </a:extLst>
-          </p:cNvPr>
-          <p:cNvSpPr txBox="1">
-            <a:spLocks/>
-          </p:cNvSpPr>
-          <p:nvPr/>
-        </p:nvSpPr>
-        <p:spPr>
-          <a:xfrm>
-            <a:off x="838201" y="2207155"/>
-            <a:ext cx="10515600" cy="3773010"/>
-          </a:xfrm>
-          <a:prstGeom prst="rect">
-            <a:avLst/>
-          </a:prstGeom>
-        </p:spPr>
-        <p:txBody>
-          <a:bodyPr vert="horz" lIns="91440" tIns="45720" rIns="91440" bIns="45720" rtlCol="0">
-            <a:normAutofit/>
-          </a:bodyPr>
-          <a:lstStyle>
-            <a:lvl1pPr marL="228600" indent="-228600" algn="l" defTabSz="914400" rtl="0" eaLnBrk="1" latinLnBrk="0" hangingPunct="1">
-              <a:lnSpc>
-                <a:spcPct val="90000"/>
-              </a:lnSpc>
-              <a:spcBef>
-                <a:spcPts val="1000"/>
-              </a:spcBef>
-              <a:buFont typeface="Arial" panose="020B0604020202020204" pitchFamily="34" charset="0"/>
-              <a:buChar char="•"/>
-              <a:defRPr sz="2800" kern="1200">
-                <a:solidFill>
-                  <a:schemeClr val="tx1"/>
-                </a:solidFill>
-                <a:latin typeface="+mn-lt"/>
-                <a:ea typeface="+mn-ea"/>
-                <a:cs typeface="+mn-cs"/>
-              </a:defRPr>
-            </a:lvl1pPr>
-            <a:lvl2pPr marL="685800" indent="-228600" algn="l" defTabSz="914400" rtl="0" eaLnBrk="1" latinLnBrk="0" hangingPunct="1">
-              <a:lnSpc>
-                <a:spcPct val="90000"/>
-              </a:lnSpc>
-              <a:spcBef>
-                <a:spcPts val="500"/>
-              </a:spcBef>
-              <a:buFont typeface="Arial" panose="020B0604020202020204" pitchFamily="34" charset="0"/>
-              <a:buChar char="•"/>
-              <a:defRPr sz="2400" kern="1200">
-                <a:solidFill>
-                  <a:schemeClr val="tx1"/>
-                </a:solidFill>
-                <a:latin typeface="+mn-lt"/>
-                <a:ea typeface="+mn-ea"/>
-                <a:cs typeface="+mn-cs"/>
-              </a:defRPr>
-            </a:lvl2pPr>
-            <a:lvl3pPr marL="1143000" indent="-228600" algn="l" defTabSz="914400" rtl="0" eaLnBrk="1" latinLnBrk="0" hangingPunct="1">
-              <a:lnSpc>
-                <a:spcPct val="90000"/>
-              </a:lnSpc>
-              <a:spcBef>
-                <a:spcPts val="500"/>
-              </a:spcBef>
-              <a:buFont typeface="Arial" panose="020B0604020202020204" pitchFamily="34" charset="0"/>
-              <a:buChar char="•"/>
-              <a:defRPr sz="2000" kern="1200">
-                <a:solidFill>
-                  <a:schemeClr val="tx1"/>
-                </a:solidFill>
-                <a:latin typeface="+mn-lt"/>
-                <a:ea typeface="+mn-ea"/>
-                <a:cs typeface="+mn-cs"/>
-              </a:defRPr>
-            </a:lvl3pPr>
-            <a:lvl4pPr marL="1600200" indent="-228600" algn="l" defTabSz="914400" rtl="0" eaLnBrk="1" latinLnBrk="0" hangingPunct="1">
-              <a:lnSpc>
-                <a:spcPct val="90000"/>
-              </a:lnSpc>
-              <a:spcBef>
-                <a:spcPts val="500"/>
-              </a:spcBef>
-              <a:buFont typeface="Arial" panose="020B0604020202020204" pitchFamily="34" charset="0"/>
-              <a:buChar char="•"/>
-              <a:defRPr sz="1800" kern="1200">
-                <a:solidFill>
-                  <a:schemeClr val="tx1"/>
-                </a:solidFill>
-                <a:latin typeface="+mn-lt"/>
-                <a:ea typeface="+mn-ea"/>
-                <a:cs typeface="+mn-cs"/>
-              </a:defRPr>
-            </a:lvl4pPr>
-            <a:lvl5pPr marL="2057400" indent="-228600" algn="l" defTabSz="914400" rtl="0" eaLnBrk="1" latinLnBrk="0" hangingPunct="1">
-              <a:lnSpc>
-                <a:spcPct val="90000"/>
-              </a:lnSpc>
-              <a:spcBef>
-                <a:spcPts val="500"/>
-              </a:spcBef>
-              <a:buFont typeface="Arial" panose="020B0604020202020204" pitchFamily="34" charset="0"/>
-              <a:buChar char="•"/>
-              <a:defRPr sz="1800" kern="1200">
-                <a:solidFill>
-                  <a:schemeClr val="tx1"/>
-                </a:solidFill>
-                <a:latin typeface="+mn-lt"/>
-                <a:ea typeface="+mn-ea"/>
-                <a:cs typeface="+mn-cs"/>
-              </a:defRPr>
-            </a:lvl5pPr>
-            <a:lvl6pPr marL="2514600" indent="-228600" algn="l" defTabSz="914400" rtl="0" eaLnBrk="1" latinLnBrk="0" hangingPunct="1">
-              <a:lnSpc>
-                <a:spcPct val="90000"/>
-              </a:lnSpc>
-              <a:spcBef>
-                <a:spcPts val="500"/>
-              </a:spcBef>
-              <a:buFont typeface="Arial" panose="020B0604020202020204" pitchFamily="34" charset="0"/>
-              <a:buChar char="•"/>
-              <a:defRPr sz="1800" kern="1200">
-                <a:solidFill>
-                  <a:schemeClr val="tx1"/>
-                </a:solidFill>
-                <a:latin typeface="+mn-lt"/>
-                <a:ea typeface="+mn-ea"/>
-                <a:cs typeface="+mn-cs"/>
-              </a:defRPr>
-            </a:lvl6pPr>
-            <a:lvl7pPr marL="2971800" indent="-228600" algn="l" defTabSz="914400" rtl="0" eaLnBrk="1" latinLnBrk="0" hangingPunct="1">
-              <a:lnSpc>
-                <a:spcPct val="90000"/>
-              </a:lnSpc>
-              <a:spcBef>
-                <a:spcPts val="500"/>
-              </a:spcBef>
-              <a:buFont typeface="Arial" panose="020B0604020202020204" pitchFamily="34" charset="0"/>
-              <a:buChar char="•"/>
-              <a:defRPr sz="1800" kern="1200">
-                <a:solidFill>
-                  <a:schemeClr val="tx1"/>
-                </a:solidFill>
-                <a:latin typeface="+mn-lt"/>
-                <a:ea typeface="+mn-ea"/>
-                <a:cs typeface="+mn-cs"/>
-              </a:defRPr>
-            </a:lvl7pPr>
-            <a:lvl8pPr marL="3429000" indent="-228600" algn="l" defTabSz="914400" rtl="0" eaLnBrk="1" latinLnBrk="0" hangingPunct="1">
-              <a:lnSpc>
-                <a:spcPct val="90000"/>
-              </a:lnSpc>
-              <a:spcBef>
-                <a:spcPts val="500"/>
-              </a:spcBef>
-              <a:buFont typeface="Arial" panose="020B0604020202020204" pitchFamily="34" charset="0"/>
-              <a:buChar char="•"/>
-              <a:defRPr sz="1800" kern="1200">
-                <a:solidFill>
-                  <a:schemeClr val="tx1"/>
-                </a:solidFill>
-                <a:latin typeface="+mn-lt"/>
-                <a:ea typeface="+mn-ea"/>
-                <a:cs typeface="+mn-cs"/>
-              </a:defRPr>
-            </a:lvl8pPr>
-            <a:lvl9pPr marL="3886200" indent="-228600" algn="l" defTabSz="914400" rtl="0" eaLnBrk="1" latinLnBrk="0" hangingPunct="1">
-              <a:lnSpc>
-                <a:spcPct val="90000"/>
-              </a:lnSpc>
-              <a:spcBef>
-                <a:spcPts val="500"/>
-              </a:spcBef>
-              <a:buFont typeface="Arial" panose="020B0604020202020204" pitchFamily="34" charset="0"/>
-              <a:buChar char="•"/>
-              <a:defRPr sz="1800" kern="1200">
-                <a:solidFill>
-                  <a:schemeClr val="tx1"/>
-                </a:solidFill>
-                <a:latin typeface="+mn-lt"/>
-                <a:ea typeface="+mn-ea"/>
-                <a:cs typeface="+mn-cs"/>
-              </a:defRPr>
-            </a:lvl9pPr>
-          </a:lstStyle>
-          <a:p>
-            <a:r>
-              <a:rPr lang="en-GB" sz="2400" dirty="0"/>
-              <a:t>Named after Irwin Shapiro, who wrote a paper predicting this phenomenon in 1964, titled: The Fourth Test of General Relativity (REF1)</a:t>
-            </a:r>
-          </a:p>
-          <a:p>
-            <a:r>
-              <a:rPr lang="en-GB" sz="2400" dirty="0"/>
-              <a:t>The Shapiro delay itself cannot be observed directly, whereas it is possible to observe some changes in the Shapiro delay. (REF2)</a:t>
-            </a:r>
-          </a:p>
-          <a:p>
-            <a:r>
-              <a:rPr lang="en-GB" sz="2400" dirty="0"/>
-              <a:t>“Because, according to the general theory, the speed of a light wave depends on the strength of the gravitational potential along its path, these time delays should thereby be increased by almost 2x10</a:t>
-            </a:r>
-            <a:r>
-              <a:rPr lang="en-GB" sz="2400" baseline="30000" dirty="0"/>
-              <a:t>-4</a:t>
-            </a:r>
-            <a:r>
-              <a:rPr lang="en-GB" sz="2400" dirty="0"/>
-              <a:t> sec when the radar pulses pass near the Sun” – fourth test of general relativity, Irwin Shapiro (REF1)</a:t>
+          <a:lstStyle/>
+          <a:p>
+            <a:r>
+              <a:rPr lang="en-GB" dirty="0"/>
+              <a:t>Pulsar Timing</a:t>
+            </a:r>
+          </a:p>
+          <a:p>
+            <a:pPr lvl="1"/>
+            <a:r>
+              <a:rPr lang="en-GB" dirty="0"/>
+              <a:t>The process of creating a model that accounts for every single pulse from a pulsar over long periods of time</a:t>
+            </a:r>
+          </a:p>
+          <a:p>
+            <a:r>
+              <a:rPr lang="en-GB" dirty="0"/>
+              <a:t>Times of Arrival (TOAs)</a:t>
+            </a:r>
+          </a:p>
+          <a:p>
+            <a:pPr lvl="1"/>
+            <a:r>
+              <a:rPr lang="en-GB" dirty="0"/>
+              <a:t>The measurement from pulsar timing</a:t>
+            </a:r>
+          </a:p>
+          <a:p>
+            <a:pPr lvl="1"/>
+            <a:r>
+              <a:rPr lang="en-GB" dirty="0"/>
+              <a:t>Absolute Time Instant</a:t>
+            </a:r>
+          </a:p>
+          <a:p>
+            <a:pPr lvl="1"/>
+            <a:r>
+              <a:rPr lang="en-GB" dirty="0"/>
+              <a:t>Timing Residuals – difference between the measured TOA and the predicted value</a:t>
+            </a:r>
+          </a:p>
+          <a:p>
+            <a:r>
+              <a:rPr lang="en-GB" dirty="0"/>
+              <a:t>“The description of pulsars as “clock-like” is perhaps overused – thought for a good reason” – Cromartie, 2020</a:t>
             </a:r>
           </a:p>
         </p:txBody>
@@ -11931,7 +13908,7 @@
     </p:spTree>
     <p:extLst>
       <p:ext uri="{BB962C8B-B14F-4D97-AF65-F5344CB8AC3E}">
-        <p14:creationId xmlns:p14="http://schemas.microsoft.com/office/powerpoint/2010/main" val="2066486710"/>
+        <p14:creationId xmlns:p14="http://schemas.microsoft.com/office/powerpoint/2010/main" val="3330733025"/>
       </p:ext>
     </p:extLst>
   </p:cSld>
@@ -11960,10 +13937,10 @@
       </p:grpSpPr>
       <p:pic>
         <p:nvPicPr>
-          <p:cNvPr id="5" name="Picture 4" descr="A swirling meteorite">
-            <a:extLst>
-              <a:ext uri="{FF2B5EF4-FFF2-40B4-BE49-F238E27FC236}">
-                <a16:creationId xmlns:a16="http://schemas.microsoft.com/office/drawing/2014/main" id="{1EC1C0E9-B7CD-4ACB-A5C7-24C56CF687DD}"/>
+          <p:cNvPr id="6" name="Picture 5" descr="A swirling meteorite">
+            <a:extLst>
+              <a:ext uri="{FF2B5EF4-FFF2-40B4-BE49-F238E27FC236}">
+                <a16:creationId xmlns:a16="http://schemas.microsoft.com/office/drawing/2014/main" id="{F278C698-DBC7-4D95-B5E1-BC1A4D29F5DF}"/>
               </a:ext>
             </a:extLst>
           </p:cNvPr>
@@ -11973,7 +13950,7 @@
           <p:nvPr/>
         </p:nvPicPr>
         <p:blipFill rotWithShape="1">
-          <a:blip r:embed="rId2">
+          <a:blip r:embed="rId3">
             <a:alphaModFix/>
           </a:blip>
           <a:srcRect t="157" b="12971"/>
@@ -11981,7 +13958,7 @@
         </p:blipFill>
         <p:spPr>
           <a:xfrm>
-            <a:off x="-2394873" y="-1685261"/>
+            <a:off x="-2589605" y="-1685261"/>
             <a:ext cx="18184010" cy="10228521"/>
           </a:xfrm>
           <a:prstGeom prst="rect">
@@ -11991,10 +13968,10 @@
       </p:pic>
       <p:sp>
         <p:nvSpPr>
-          <p:cNvPr id="4" name="Rectangle 3">
-            <a:extLst>
-              <a:ext uri="{FF2B5EF4-FFF2-40B4-BE49-F238E27FC236}">
-                <a16:creationId xmlns:a16="http://schemas.microsoft.com/office/drawing/2014/main" id="{0068D2E3-B1A9-4B96-9E0D-C81923AF659D}"/>
+          <p:cNvPr id="5" name="Rectangle 4">
+            <a:extLst>
+              <a:ext uri="{FF2B5EF4-FFF2-40B4-BE49-F238E27FC236}">
+                <a16:creationId xmlns:a16="http://schemas.microsoft.com/office/drawing/2014/main" id="{9EA054A0-8E4D-4103-B6DB-42E441BD384E}"/>
               </a:ext>
             </a:extLst>
           </p:cNvPr>
@@ -12003,7 +13980,7 @@
         </p:nvSpPr>
         <p:spPr>
           <a:xfrm>
-            <a:off x="709084" y="595422"/>
+            <a:off x="710609" y="595422"/>
             <a:ext cx="10770782" cy="5667154"/>
           </a:xfrm>
           <a:prstGeom prst="rect">
@@ -12042,45 +14019,10 @@
       </p:sp>
       <p:sp>
         <p:nvSpPr>
-          <p:cNvPr id="6" name="Title 1">
-            <a:extLst>
-              <a:ext uri="{FF2B5EF4-FFF2-40B4-BE49-F238E27FC236}">
-                <a16:creationId xmlns:a16="http://schemas.microsoft.com/office/drawing/2014/main" id="{84E8942C-B119-47B6-B78D-712AF8ECFB7E}"/>
-              </a:ext>
-            </a:extLst>
-          </p:cNvPr>
-          <p:cNvSpPr>
-            <a:spLocks noGrp="1"/>
-          </p:cNvSpPr>
-          <p:nvPr>
-            <p:ph type="title"/>
-          </p:nvPr>
-        </p:nvSpPr>
-        <p:spPr>
-          <a:xfrm>
-            <a:off x="3258621" y="525992"/>
-            <a:ext cx="5671710" cy="1807305"/>
-          </a:xfrm>
-        </p:spPr>
-        <p:txBody>
-          <a:bodyPr>
-            <a:normAutofit/>
-          </a:bodyPr>
-          <a:lstStyle/>
-          <a:p>
-            <a:r>
-              <a:rPr lang="en-GB" dirty="0"/>
-              <a:t>Why do we measure it?</a:t>
-            </a:r>
-          </a:p>
-        </p:txBody>
-      </p:sp>
-      <p:sp>
-        <p:nvSpPr>
-          <p:cNvPr id="7" name="Content Placeholder 2">
-            <a:extLst>
-              <a:ext uri="{FF2B5EF4-FFF2-40B4-BE49-F238E27FC236}">
-                <a16:creationId xmlns:a16="http://schemas.microsoft.com/office/drawing/2014/main" id="{5997C1DD-85DA-4F88-9B4C-549C168B5E83}"/>
+          <p:cNvPr id="3" name="Content Placeholder 2">
+            <a:extLst>
+              <a:ext uri="{FF2B5EF4-FFF2-40B4-BE49-F238E27FC236}">
+                <a16:creationId xmlns:a16="http://schemas.microsoft.com/office/drawing/2014/main" id="{58C37931-4F87-4AAC-B56C-5F02441B3165}"/>
               </a:ext>
             </a:extLst>
           </p:cNvPr>
@@ -12093,31 +14035,177 @@
         </p:nvSpPr>
         <p:spPr>
           <a:xfrm>
-            <a:off x="917109" y="2172430"/>
-            <a:ext cx="10354733" cy="3843666"/>
+            <a:off x="855132" y="809091"/>
+            <a:ext cx="10498667" cy="5239817"/>
           </a:xfrm>
         </p:spPr>
         <p:txBody>
-          <a:bodyPr>
-            <a:noAutofit/>
+          <a:bodyPr numCol="2">
+            <a:normAutofit/>
           </a:bodyPr>
           <a:lstStyle/>
           <a:p>
             <a:r>
-              <a:rPr lang="en-GB" sz="2400" dirty="0"/>
-              <a:t>It is of great interest to obtain more neutron star mass measurements, in order to probe a wider parameter space of the EOS and to better understand the true distribution of neutron star masses. </a:t>
-            </a:r>
-          </a:p>
-          <a:p>
-            <a:r>
-              <a:rPr lang="en-GB" sz="2400" dirty="0"/>
-              <a:t>Can yield precise mass for both a millisecond pulsar and its companion</a:t>
-            </a:r>
-          </a:p>
-          <a:p>
-            <a:r>
-              <a:rPr lang="en-GB" sz="2400" dirty="0"/>
-              <a:t>Determining how much effect this change in Shapiro delay will have on pulsar timing allows for the introduction of another correction term, allowing for the possibility of reducing timing noise, as well as improving the chances for detecting gravitational waves. </a:t>
+              <a:rPr lang="en-GB" dirty="0"/>
+              <a:t>Pulsar Timing Arrays</a:t>
+            </a:r>
+          </a:p>
+          <a:p>
+            <a:pPr lvl="1"/>
+            <a:r>
+              <a:rPr lang="en-GB" dirty="0" err="1"/>
+              <a:t>NANOGrav</a:t>
+            </a:r>
+            <a:r>
+              <a:rPr lang="en-GB" dirty="0"/>
+              <a:t> (North American Nanohertz Observatory for Gravitational Waves)</a:t>
+            </a:r>
+          </a:p>
+          <a:p>
+            <a:pPr lvl="2"/>
+            <a:r>
+              <a:rPr lang="en-GB" dirty="0"/>
+              <a:t>Uses data from the Arecibo and Green Bank radio telescopes</a:t>
+            </a:r>
+          </a:p>
+          <a:p>
+            <a:pPr lvl="1"/>
+            <a:r>
+              <a:rPr lang="en-GB" dirty="0"/>
+              <a:t>EPTA (European Pulsar Timing Array)</a:t>
+            </a:r>
+          </a:p>
+          <a:p>
+            <a:pPr lvl="2"/>
+            <a:r>
+              <a:rPr lang="en-GB" dirty="0"/>
+              <a:t>Uses data from 4 largest radio telescopes in Europe: 	</a:t>
+            </a:r>
+          </a:p>
+          <a:p>
+            <a:pPr lvl="3"/>
+            <a:r>
+              <a:rPr lang="en-GB" dirty="0"/>
+              <a:t>Lovell Telescope</a:t>
+            </a:r>
+          </a:p>
+          <a:p>
+            <a:pPr lvl="3"/>
+            <a:r>
+              <a:rPr lang="en-GB" dirty="0" err="1"/>
+              <a:t>Westerbork</a:t>
+            </a:r>
+            <a:r>
+              <a:rPr lang="en-GB" dirty="0"/>
+              <a:t> Synthesis Radio Telescope</a:t>
+            </a:r>
+          </a:p>
+          <a:p>
+            <a:pPr lvl="3"/>
+            <a:r>
+              <a:rPr lang="en-GB" dirty="0" err="1"/>
+              <a:t>Effelsberg</a:t>
+            </a:r>
+            <a:r>
+              <a:rPr lang="en-GB" dirty="0"/>
+              <a:t> Telescope</a:t>
+            </a:r>
+          </a:p>
+          <a:p>
+            <a:pPr lvl="3"/>
+            <a:r>
+              <a:rPr lang="en-GB" dirty="0" err="1"/>
+              <a:t>Nancay</a:t>
+            </a:r>
+            <a:r>
+              <a:rPr lang="en-GB" dirty="0"/>
+              <a:t> Radio Telescope</a:t>
+            </a:r>
+          </a:p>
+          <a:p>
+            <a:endParaRPr lang="en-GB" dirty="0"/>
+          </a:p>
+          <a:p>
+            <a:r>
+              <a:rPr lang="en-GB" dirty="0"/>
+              <a:t>Uses:</a:t>
+            </a:r>
+          </a:p>
+          <a:p>
+            <a:pPr lvl="1"/>
+            <a:r>
+              <a:rPr lang="en-GB" dirty="0"/>
+              <a:t>Detect the stochastic GW background</a:t>
+            </a:r>
+          </a:p>
+          <a:p>
+            <a:pPr lvl="2"/>
+            <a:r>
+              <a:rPr lang="en-GB" dirty="0"/>
+              <a:t>Pulse profile variability</a:t>
+            </a:r>
+          </a:p>
+          <a:p>
+            <a:pPr lvl="2"/>
+            <a:r>
+              <a:rPr lang="en-GB" dirty="0"/>
+              <a:t>V-dependent pulse jitter</a:t>
+            </a:r>
+          </a:p>
+          <a:p>
+            <a:pPr lvl="2"/>
+            <a:r>
+              <a:rPr lang="en-GB" dirty="0"/>
+              <a:t>Solar wind</a:t>
+            </a:r>
+          </a:p>
+          <a:p>
+            <a:pPr lvl="2"/>
+            <a:r>
+              <a:rPr lang="en-GB" dirty="0"/>
+              <a:t>GR Tests</a:t>
+            </a:r>
+          </a:p>
+          <a:p>
+            <a:pPr lvl="2"/>
+            <a:r>
+              <a:rPr lang="en-GB" dirty="0"/>
+              <a:t>DM (ISM) variations</a:t>
+            </a:r>
+          </a:p>
+          <a:p>
+            <a:pPr lvl="2"/>
+            <a:r>
+              <a:rPr lang="en-GB" dirty="0"/>
+              <a:t>SMBH environments </a:t>
+            </a:r>
+          </a:p>
+          <a:p>
+            <a:pPr lvl="2"/>
+            <a:r>
+              <a:rPr lang="en-GB" dirty="0"/>
+              <a:t>Dark matter constraints</a:t>
+            </a:r>
+          </a:p>
+          <a:p>
+            <a:pPr lvl="2"/>
+            <a:r>
+              <a:rPr lang="en-GB" dirty="0"/>
+              <a:t>Single sources</a:t>
+            </a:r>
+          </a:p>
+          <a:p>
+            <a:pPr lvl="2"/>
+            <a:r>
+              <a:rPr lang="en-GB" dirty="0"/>
+              <a:t>Bursts with memory</a:t>
+            </a:r>
+          </a:p>
+          <a:p>
+            <a:pPr lvl="2"/>
+            <a:r>
+              <a:rPr lang="en-GB" dirty="0"/>
+              <a:t>NS mass measurements</a:t>
             </a:r>
           </a:p>
         </p:txBody>
@@ -12125,7 +14213,7 @@
     </p:spTree>
     <p:extLst>
       <p:ext uri="{BB962C8B-B14F-4D97-AF65-F5344CB8AC3E}">
-        <p14:creationId xmlns:p14="http://schemas.microsoft.com/office/powerpoint/2010/main" val="1836409000"/>
+        <p14:creationId xmlns:p14="http://schemas.microsoft.com/office/powerpoint/2010/main" val="1042627063"/>
       </p:ext>
     </p:extLst>
   </p:cSld>
@@ -12154,10 +14242,10 @@
       </p:grpSpPr>
       <p:pic>
         <p:nvPicPr>
-          <p:cNvPr id="5" name="Picture 4" descr="A swirling meteorite">
-            <a:extLst>
-              <a:ext uri="{FF2B5EF4-FFF2-40B4-BE49-F238E27FC236}">
-                <a16:creationId xmlns:a16="http://schemas.microsoft.com/office/drawing/2014/main" id="{BE65E142-9C40-4E87-94CA-8821FA71E7D8}"/>
+          <p:cNvPr id="6" name="Picture 5" descr="A swirling meteorite">
+            <a:extLst>
+              <a:ext uri="{FF2B5EF4-FFF2-40B4-BE49-F238E27FC236}">
+                <a16:creationId xmlns:a16="http://schemas.microsoft.com/office/drawing/2014/main" id="{F278C698-DBC7-4D95-B5E1-BC1A4D29F5DF}"/>
               </a:ext>
             </a:extLst>
           </p:cNvPr>
@@ -12167,7 +14255,7 @@
           <p:nvPr/>
         </p:nvPicPr>
         <p:blipFill rotWithShape="1">
-          <a:blip r:embed="rId2">
+          <a:blip r:embed="rId3">
             <a:alphaModFix/>
           </a:blip>
           <a:srcRect t="157" b="12971"/>
@@ -12175,7 +14263,7 @@
         </p:blipFill>
         <p:spPr>
           <a:xfrm>
-            <a:off x="-2107007" y="-1685261"/>
+            <a:off x="-2462605" y="-1685262"/>
             <a:ext cx="18184010" cy="10228521"/>
           </a:xfrm>
           <a:prstGeom prst="rect">
@@ -12185,10 +14273,10 @@
       </p:pic>
       <p:sp>
         <p:nvSpPr>
-          <p:cNvPr id="4" name="Rectangle 3">
-            <a:extLst>
-              <a:ext uri="{FF2B5EF4-FFF2-40B4-BE49-F238E27FC236}">
-                <a16:creationId xmlns:a16="http://schemas.microsoft.com/office/drawing/2014/main" id="{65783FAD-6E77-4DB7-A109-D7D9829F6901}"/>
+          <p:cNvPr id="5" name="Rectangle 4">
+            <a:extLst>
+              <a:ext uri="{FF2B5EF4-FFF2-40B4-BE49-F238E27FC236}">
+                <a16:creationId xmlns:a16="http://schemas.microsoft.com/office/drawing/2014/main" id="{9EA054A0-8E4D-4103-B6DB-42E441BD384E}"/>
               </a:ext>
             </a:extLst>
           </p:cNvPr>
@@ -12197,7 +14285,7 @@
         </p:nvSpPr>
         <p:spPr>
           <a:xfrm>
-            <a:off x="710609" y="595423"/>
+            <a:off x="710609" y="595422"/>
             <a:ext cx="10770782" cy="5667154"/>
           </a:xfrm>
           <a:prstGeom prst="rect">
@@ -12236,44 +14324,10 @@
       </p:sp>
       <p:sp>
         <p:nvSpPr>
-          <p:cNvPr id="2" name="Title 1">
-            <a:extLst>
-              <a:ext uri="{FF2B5EF4-FFF2-40B4-BE49-F238E27FC236}">
-                <a16:creationId xmlns:a16="http://schemas.microsoft.com/office/drawing/2014/main" id="{64F2FD3D-A8A8-43A4-8956-C7594DB0DD85}"/>
-              </a:ext>
-            </a:extLst>
-          </p:cNvPr>
-          <p:cNvSpPr>
-            <a:spLocks noGrp="1"/>
-          </p:cNvSpPr>
-          <p:nvPr>
-            <p:ph type="title"/>
-          </p:nvPr>
-        </p:nvSpPr>
-        <p:spPr>
-          <a:xfrm>
-            <a:off x="838200" y="710959"/>
-            <a:ext cx="10515600" cy="979729"/>
-          </a:xfrm>
-        </p:spPr>
-        <p:txBody>
-          <a:bodyPr/>
-          <a:lstStyle/>
-          <a:p>
-            <a:pPr algn="ctr"/>
-            <a:r>
-              <a:rPr lang="en-GB" dirty="0"/>
-              <a:t>When is it important?</a:t>
-            </a:r>
-          </a:p>
-        </p:txBody>
-      </p:sp>
-      <p:sp>
-        <p:nvSpPr>
           <p:cNvPr id="3" name="Content Placeholder 2">
             <a:extLst>
               <a:ext uri="{FF2B5EF4-FFF2-40B4-BE49-F238E27FC236}">
-                <a16:creationId xmlns:a16="http://schemas.microsoft.com/office/drawing/2014/main" id="{926CD75D-37E5-469A-8767-D64ED8E89DB3}"/>
+                <a16:creationId xmlns:a16="http://schemas.microsoft.com/office/drawing/2014/main" id="{58C37931-4F87-4AAC-B56C-5F02441B3165}"/>
               </a:ext>
             </a:extLst>
           </p:cNvPr>
@@ -12286,42 +14340,110 @@
         </p:nvSpPr>
         <p:spPr>
           <a:xfrm>
-            <a:off x="1718733" y="1795703"/>
-            <a:ext cx="8754533" cy="4351338"/>
+            <a:off x="855132" y="809091"/>
+            <a:ext cx="10498667" cy="5239817"/>
           </a:xfrm>
         </p:spPr>
         <p:txBody>
-          <a:bodyPr/>
+          <a:bodyPr numCol="2">
+            <a:normAutofit/>
+          </a:bodyPr>
           <a:lstStyle/>
           <a:p>
+            <a:endParaRPr lang="en-GB" dirty="0"/>
+          </a:p>
+          <a:p>
+            <a:endParaRPr lang="en-GB" dirty="0"/>
+          </a:p>
+          <a:p>
+            <a:endParaRPr lang="en-GB" dirty="0"/>
+          </a:p>
+          <a:p>
+            <a:endParaRPr lang="en-GB" dirty="0"/>
+          </a:p>
+          <a:p>
+            <a:endParaRPr lang="en-GB" dirty="0"/>
+          </a:p>
+          <a:p>
+            <a:endParaRPr lang="en-GB" dirty="0"/>
+          </a:p>
+          <a:p>
+            <a:endParaRPr lang="en-GB" dirty="0"/>
+          </a:p>
+          <a:p>
+            <a:endParaRPr lang="en-GB" dirty="0"/>
+          </a:p>
+          <a:p>
+            <a:endParaRPr lang="en-GB" dirty="0"/>
+          </a:p>
+          <a:p>
+            <a:endParaRPr lang="en-GB" dirty="0"/>
+          </a:p>
+          <a:p>
             <a:r>
               <a:rPr lang="en-GB" dirty="0"/>
-              <a:t>When the pulsar’s binary companion approaches the LOS</a:t>
-            </a:r>
-          </a:p>
-          <a:p>
-            <a:r>
+              <a:t>Uses:</a:t>
+            </a:r>
+          </a:p>
+          <a:p>
+            <a:pPr lvl="1"/>
+            <a:br>
               <a:rPr lang="en-GB" dirty="0"/>
-              <a:t>When the inclination is close to 90</a:t>
-            </a:r>
-            <a:r>
-              <a:rPr lang="en-GB" baseline="30000" dirty="0"/>
-              <a:t>o</a:t>
-            </a:r>
+            </a:br>
+            <a:endParaRPr lang="en-GB" dirty="0"/>
+          </a:p>
+          <a:p>
+            <a:pPr lvl="2"/>
+            <a:endParaRPr lang="en-GB" dirty="0"/>
+          </a:p>
+          <a:p>
+            <a:pPr lvl="2"/>
+            <a:endParaRPr lang="en-GB" dirty="0"/>
+          </a:p>
+          <a:p>
+            <a:pPr lvl="2"/>
+            <a:endParaRPr lang="en-GB" dirty="0"/>
+          </a:p>
+          <a:p>
+            <a:pPr lvl="2"/>
             <a:r>
               <a:rPr lang="en-GB" dirty="0"/>
-              <a:t> </a:t>
-            </a:r>
-          </a:p>
-          <a:p>
+              <a:t>GR Tests</a:t>
+            </a:r>
+          </a:p>
+          <a:p>
+            <a:pPr lvl="2"/>
             <a:endParaRPr lang="en-GB" dirty="0"/>
+          </a:p>
+          <a:p>
+            <a:pPr lvl="2"/>
+            <a:endParaRPr lang="en-GB" dirty="0"/>
+          </a:p>
+          <a:p>
+            <a:pPr lvl="2"/>
+            <a:endParaRPr lang="en-GB" dirty="0"/>
+          </a:p>
+          <a:p>
+            <a:pPr lvl="2"/>
+            <a:endParaRPr lang="en-GB" dirty="0"/>
+          </a:p>
+          <a:p>
+            <a:pPr lvl="2"/>
+            <a:endParaRPr lang="en-GB" dirty="0"/>
+          </a:p>
+          <a:p>
+            <a:pPr lvl="2"/>
+            <a:r>
+              <a:rPr lang="en-GB" dirty="0"/>
+              <a:t>NS mass measurements</a:t>
+            </a:r>
           </a:p>
         </p:txBody>
       </p:sp>
     </p:spTree>
     <p:extLst>
       <p:ext uri="{BB962C8B-B14F-4D97-AF65-F5344CB8AC3E}">
-        <p14:creationId xmlns:p14="http://schemas.microsoft.com/office/powerpoint/2010/main" val="411494476"/>
+        <p14:creationId xmlns:p14="http://schemas.microsoft.com/office/powerpoint/2010/main" val="696800084"/>
       </p:ext>
     </p:extLst>
   </p:cSld>
@@ -12922,6 +15044,12 @@
 </file>
 
 <file path=customXml/item1.xml><?xml version="1.0" encoding="utf-8"?>
+<p:properties xmlns:p="http://schemas.microsoft.com/office/2006/metadata/properties" xmlns:xsi="http://www.w3.org/2001/XMLSchema-instance" xmlns:pc="http://schemas.microsoft.com/office/infopath/2007/PartnerControls">
+  <documentManagement/>
+</p:properties>
+</file>
+
+<file path=customXml/item2.xml><?xml version="1.0" encoding="utf-8"?>
 <ct:contentTypeSchema xmlns:ct="http://schemas.microsoft.com/office/2006/metadata/contentType" xmlns:ma="http://schemas.microsoft.com/office/2006/metadata/properties/metaAttributes" ct:_="" ma:_="" ma:contentTypeName="Document" ma:contentTypeID="0x01010041C669EFC3798A4D894A83C1EEF93E49" ma:contentTypeVersion="11" ma:contentTypeDescription="Create a new document." ma:contentTypeScope="" ma:versionID="2fb4f83c4f9aebf96385597b61e8010e">
   <xsd:schema xmlns:xsd="http://www.w3.org/2001/XMLSchema" xmlns:xs="http://www.w3.org/2001/XMLSchema" xmlns:p="http://schemas.microsoft.com/office/2006/metadata/properties" xmlns:ns3="2adac75b-9e10-4acb-bf78-89491d38a841" xmlns:ns4="e2937630-ee42-45b6-866e-01988b4dbb5f" targetNamespace="http://schemas.microsoft.com/office/2006/metadata/properties" ma:root="true" ma:fieldsID="85cc52aaabc9f5043b02afbabcefa003" ns3:_="" ns4:_="">
     <xsd:import namespace="2adac75b-9e10-4acb-bf78-89491d38a841"/>
@@ -13132,12 +15260,6 @@
 </ct:contentTypeSchema>
 </file>
 
-<file path=customXml/item2.xml><?xml version="1.0" encoding="utf-8"?>
-<p:properties xmlns:p="http://schemas.microsoft.com/office/2006/metadata/properties" xmlns:xsi="http://www.w3.org/2001/XMLSchema-instance" xmlns:pc="http://schemas.microsoft.com/office/infopath/2007/PartnerControls">
-  <documentManagement/>
-</p:properties>
-</file>
-
 <file path=customXml/item3.xml><?xml version="1.0" encoding="utf-8"?>
 <?mso-contentType ?>
 <FormTemplates xmlns="http://schemas.microsoft.com/sharepoint/v3/contenttype/forms">
@@ -13148,6 +15270,23 @@
 </file>
 
 <file path=customXml/itemProps1.xml><?xml version="1.0" encoding="utf-8"?>
+<ds:datastoreItem xmlns:ds="http://schemas.openxmlformats.org/officeDocument/2006/customXml" ds:itemID="{5C52B5CD-4098-4BCC-BF78-C120FFC3232D}">
+  <ds:schemaRefs>
+    <ds:schemaRef ds:uri="http://www.w3.org/XML/1998/namespace"/>
+    <ds:schemaRef ds:uri="http://schemas.microsoft.com/office/infopath/2007/PartnerControls"/>
+    <ds:schemaRef ds:uri="http://purl.org/dc/elements/1.1/"/>
+    <ds:schemaRef ds:uri="http://schemas.microsoft.com/office/2006/documentManagement/types"/>
+    <ds:schemaRef ds:uri="http://schemas.microsoft.com/office/2006/metadata/properties"/>
+    <ds:schemaRef ds:uri="e2937630-ee42-45b6-866e-01988b4dbb5f"/>
+    <ds:schemaRef ds:uri="http://purl.org/dc/dcmitype/"/>
+    <ds:schemaRef ds:uri="http://purl.org/dc/terms/"/>
+    <ds:schemaRef ds:uri="http://schemas.openxmlformats.org/package/2006/metadata/core-properties"/>
+    <ds:schemaRef ds:uri="2adac75b-9e10-4acb-bf78-89491d38a841"/>
+  </ds:schemaRefs>
+</ds:datastoreItem>
+</file>
+
+<file path=customXml/itemProps2.xml><?xml version="1.0" encoding="utf-8"?>
 <ds:datastoreItem xmlns:ds="http://schemas.openxmlformats.org/officeDocument/2006/customXml" ds:itemID="{00B022A3-3786-4D84-8E22-FE5CA11A42C6}">
   <ds:schemaRefs>
     <ds:schemaRef ds:uri="http://schemas.microsoft.com/office/2006/metadata/contentType"/>
@@ -13166,23 +15305,6 @@
 </ds:datastoreItem>
 </file>
 
-<file path=customXml/itemProps2.xml><?xml version="1.0" encoding="utf-8"?>
-<ds:datastoreItem xmlns:ds="http://schemas.openxmlformats.org/officeDocument/2006/customXml" ds:itemID="{5C52B5CD-4098-4BCC-BF78-C120FFC3232D}">
-  <ds:schemaRefs>
-    <ds:schemaRef ds:uri="http://www.w3.org/XML/1998/namespace"/>
-    <ds:schemaRef ds:uri="http://schemas.microsoft.com/office/infopath/2007/PartnerControls"/>
-    <ds:schemaRef ds:uri="http://purl.org/dc/elements/1.1/"/>
-    <ds:schemaRef ds:uri="http://schemas.microsoft.com/office/2006/documentManagement/types"/>
-    <ds:schemaRef ds:uri="http://schemas.microsoft.com/office/2006/metadata/properties"/>
-    <ds:schemaRef ds:uri="e2937630-ee42-45b6-866e-01988b4dbb5f"/>
-    <ds:schemaRef ds:uri="http://purl.org/dc/dcmitype/"/>
-    <ds:schemaRef ds:uri="http://purl.org/dc/terms/"/>
-    <ds:schemaRef ds:uri="http://schemas.openxmlformats.org/package/2006/metadata/core-properties"/>
-    <ds:schemaRef ds:uri="2adac75b-9e10-4acb-bf78-89491d38a841"/>
-  </ds:schemaRefs>
-</ds:datastoreItem>
-</file>
-
 <file path=customXml/itemProps3.xml><?xml version="1.0" encoding="utf-8"?>
 <ds:datastoreItem xmlns:ds="http://schemas.openxmlformats.org/officeDocument/2006/customXml" ds:itemID="{092D4580-E579-42FE-9448-FF2E10C81335}">
   <ds:schemaRefs>
